--- a/Kỹ-thuật-khai-thác-giao-thức-Network-Time.pptx
+++ b/Kỹ-thuật-khai-thác-giao-thức-Network-Time.pptx
@@ -5,7 +5,7 @@
     <p:sldMasterId id="2147484005" r:id="rId1"/>
   </p:sldMasterIdLst>
   <p:notesMasterIdLst>
-    <p:notesMasterId r:id="rId20"/>
+    <p:notesMasterId r:id="rId22"/>
   </p:notesMasterIdLst>
   <p:sldIdLst>
     <p:sldId id="256" r:id="rId2"/>
@@ -17,15 +17,17 @@
     <p:sldId id="282" r:id="rId8"/>
     <p:sldId id="283" r:id="rId9"/>
     <p:sldId id="260" r:id="rId10"/>
-    <p:sldId id="275" r:id="rId11"/>
+    <p:sldId id="286" r:id="rId11"/>
     <p:sldId id="272" r:id="rId12"/>
     <p:sldId id="273" r:id="rId13"/>
     <p:sldId id="261" r:id="rId14"/>
     <p:sldId id="262" r:id="rId15"/>
     <p:sldId id="263" r:id="rId16"/>
     <p:sldId id="264" r:id="rId17"/>
-    <p:sldId id="270" r:id="rId18"/>
-    <p:sldId id="274" r:id="rId19"/>
+    <p:sldId id="285" r:id="rId18"/>
+    <p:sldId id="284" r:id="rId19"/>
+    <p:sldId id="270" r:id="rId20"/>
+    <p:sldId id="274" r:id="rId21"/>
   </p:sldIdLst>
   <p:sldSz cx="9144000" cy="6858000" type="screen4x3"/>
   <p:notesSz cx="6858000" cy="9144000"/>
@@ -2760,8 +2762,8 @@
     <dgm:cxn modelId="{817A7D39-6DBB-454A-9637-E7A04D5A02F6}" srcId="{20604F15-8CFF-4F5D-AA09-9DCD68F70CD2}" destId="{8A95030C-2CAF-4F38-A94E-01DCC0B33598}" srcOrd="1" destOrd="0" parTransId="{7321387F-BF50-4015-A801-3B8D941976E3}" sibTransId="{7C635706-FE3F-4B46-B8A2-04F1CFBE2881}"/>
     <dgm:cxn modelId="{950A843F-61BB-4A05-960E-C41F60E0FCE0}" srcId="{20604F15-8CFF-4F5D-AA09-9DCD68F70CD2}" destId="{EF15813B-03B7-49DD-8483-E0D124630F92}" srcOrd="0" destOrd="0" parTransId="{3AAD3AF7-1266-4E4E-8B36-E76EFEBAC638}" sibTransId="{F6D571B3-25EC-45B5-B9D5-AD3105EB5460}"/>
     <dgm:cxn modelId="{15BA1481-E3C1-400B-B46A-006D2BEA9D97}" type="presOf" srcId="{7C635706-FE3F-4B46-B8A2-04F1CFBE2881}" destId="{EEC3239B-AE97-403A-9A18-691B34438FFA}" srcOrd="0" destOrd="0" presId="urn:microsoft.com/office/officeart/2005/8/layout/vProcess5"/>
+    <dgm:cxn modelId="{727DD7A3-8D23-4C22-A7B6-FC7412272BC8}" type="presOf" srcId="{368816E0-FAF3-498B-A492-14A193D7C374}" destId="{5157CFB9-24F0-4AC0-A96A-5C7E7878B382}" srcOrd="1" destOrd="0" presId="urn:microsoft.com/office/officeart/2005/8/layout/vProcess5"/>
     <dgm:cxn modelId="{E9F2FD24-8F02-4737-92E2-3D9012D35C27}" srcId="{20604F15-8CFF-4F5D-AA09-9DCD68F70CD2}" destId="{368816E0-FAF3-498B-A492-14A193D7C374}" srcOrd="2" destOrd="0" parTransId="{63AB17AB-86F6-41A8-8FDA-56EC0809E88F}" sibTransId="{98C086B4-6C08-40C0-83D9-ABC3BD85DC3F}"/>
-    <dgm:cxn modelId="{727DD7A3-8D23-4C22-A7B6-FC7412272BC8}" type="presOf" srcId="{368816E0-FAF3-498B-A492-14A193D7C374}" destId="{5157CFB9-24F0-4AC0-A96A-5C7E7878B382}" srcOrd="1" destOrd="0" presId="urn:microsoft.com/office/officeart/2005/8/layout/vProcess5"/>
     <dgm:cxn modelId="{814D8353-A1F6-4CD6-A875-864679C94105}" type="presParOf" srcId="{9B2AA086-1859-480C-A6B5-C4E852983355}" destId="{B8E66BE0-F8B8-4C1F-9D3B-64CD795608A8}" srcOrd="0" destOrd="0" presId="urn:microsoft.com/office/officeart/2005/8/layout/vProcess5"/>
     <dgm:cxn modelId="{39FDB0B9-C3B4-4EFE-88E3-07EB9803D3E2}" type="presParOf" srcId="{9B2AA086-1859-480C-A6B5-C4E852983355}" destId="{5EC477AC-3687-4683-B662-509B14DEEBC6}" srcOrd="1" destOrd="0" presId="urn:microsoft.com/office/officeart/2005/8/layout/vProcess5"/>
     <dgm:cxn modelId="{75260331-62DB-43D1-8F9B-9F931E7DD3C2}" type="presParOf" srcId="{9B2AA086-1859-480C-A6B5-C4E852983355}" destId="{44C8EEF1-3331-4104-B6AA-6F639A77D132}" srcOrd="2" destOrd="0" presId="urn:microsoft.com/office/officeart/2005/8/layout/vProcess5"/>
@@ -2865,14 +2867,14 @@
         <a:lstStyle/>
         <a:p>
           <a:r>
-            <a:rPr lang="en-AU" dirty="0" smtClean="0">
+            <a:rPr lang="en-US" dirty="0" smtClean="0">
               <a:solidFill>
                 <a:schemeClr val="tx1"/>
               </a:solidFill>
               <a:latin typeface="Calibri" panose="020F0502020204030204" pitchFamily="34" charset="0"/>
               <a:cs typeface="Calibri" panose="020F0502020204030204" pitchFamily="34" charset="0"/>
             </a:rPr>
-            <a:t>Giao thức NTP.</a:t>
+            <a:t>Truyền dữ liệu ra ngoài sử dụng NTP</a:t>
           </a:r>
           <a:endParaRPr lang="en-US" dirty="0">
             <a:solidFill>
@@ -2896,55 +2898,6 @@
       </dgm:t>
     </dgm:pt>
     <dgm:pt modelId="{FC2EB458-743A-4C1B-97E5-27F2003E2A1D}" type="sibTrans" cxnId="{8F3997D4-53E6-4ACF-B30C-CAA4F74E7D37}">
-      <dgm:prSet/>
-      <dgm:spPr/>
-      <dgm:t>
-        <a:bodyPr/>
-        <a:lstStyle/>
-        <a:p>
-          <a:endParaRPr lang="en-US"/>
-        </a:p>
-      </dgm:t>
-    </dgm:pt>
-    <dgm:pt modelId="{7099EFFA-138A-409A-800A-0F20507CD0AA}">
-      <dgm:prSet phldrT="[Text]"/>
-      <dgm:spPr/>
-      <dgm:t>
-        <a:bodyPr/>
-        <a:lstStyle/>
-        <a:p>
-          <a:r>
-            <a:rPr lang="en-US" dirty="0" smtClean="0">
-              <a:solidFill>
-                <a:schemeClr val="tx1"/>
-              </a:solidFill>
-              <a:latin typeface="Calibri" panose="020F0502020204030204" pitchFamily="34" charset="0"/>
-              <a:cs typeface="Calibri" panose="020F0502020204030204" pitchFamily="34" charset="0"/>
-            </a:rPr>
-            <a:t>Truyền dữ liệu ra ngoài bằng NTP</a:t>
-          </a:r>
-          <a:endParaRPr lang="en-US" dirty="0">
-            <a:solidFill>
-              <a:schemeClr val="tx1"/>
-            </a:solidFill>
-            <a:latin typeface="Calibri" panose="020F0502020204030204" pitchFamily="34" charset="0"/>
-            <a:cs typeface="Calibri" panose="020F0502020204030204" pitchFamily="34" charset="0"/>
-          </a:endParaRPr>
-        </a:p>
-      </dgm:t>
-    </dgm:pt>
-    <dgm:pt modelId="{1CC3C237-8126-401D-8571-511B1925C22A}" type="parTrans" cxnId="{C1D01F8B-2836-4717-BA55-424FFBB74A15}">
-      <dgm:prSet/>
-      <dgm:spPr/>
-      <dgm:t>
-        <a:bodyPr/>
-        <a:lstStyle/>
-        <a:p>
-          <a:endParaRPr lang="en-US"/>
-        </a:p>
-      </dgm:t>
-    </dgm:pt>
-    <dgm:pt modelId="{1FC4CC23-102F-43A1-8180-79F1625FCCBF}" type="sibTrans" cxnId="{C1D01F8B-2836-4717-BA55-424FFBB74A15}">
       <dgm:prSet/>
       <dgm:spPr/>
       <dgm:t>
@@ -2994,6 +2947,55 @@
       </dgm:t>
     </dgm:pt>
     <dgm:pt modelId="{EF9353F1-B3A6-42A7-A641-31906923BF8D}" type="sibTrans" cxnId="{27DA6949-64A9-405F-9E8B-FEB0B458E437}">
+      <dgm:prSet/>
+      <dgm:spPr/>
+      <dgm:t>
+        <a:bodyPr/>
+        <a:lstStyle/>
+        <a:p>
+          <a:endParaRPr lang="en-US"/>
+        </a:p>
+      </dgm:t>
+    </dgm:pt>
+    <dgm:pt modelId="{A102D7EE-27E8-44C9-9E8E-14FF440726B3}">
+      <dgm:prSet phldrT="[Text]"/>
+      <dgm:spPr/>
+      <dgm:t>
+        <a:bodyPr/>
+        <a:lstStyle/>
+        <a:p>
+          <a:r>
+            <a:rPr lang="en-US" dirty="0" smtClean="0">
+              <a:solidFill>
+                <a:schemeClr val="tx1"/>
+              </a:solidFill>
+              <a:latin typeface="Calibri" panose="020F0502020204030204" pitchFamily="34" charset="0"/>
+              <a:cs typeface="Calibri" panose="020F0502020204030204" pitchFamily="34" charset="0"/>
+            </a:rPr>
+            <a:t>Đề xuất giải pháp</a:t>
+          </a:r>
+          <a:endParaRPr lang="en-US" dirty="0">
+            <a:solidFill>
+              <a:schemeClr val="tx1"/>
+            </a:solidFill>
+            <a:latin typeface="Calibri" panose="020F0502020204030204" pitchFamily="34" charset="0"/>
+            <a:cs typeface="Calibri" panose="020F0502020204030204" pitchFamily="34" charset="0"/>
+          </a:endParaRPr>
+        </a:p>
+      </dgm:t>
+    </dgm:pt>
+    <dgm:pt modelId="{0FB6E6B4-4EA1-445B-A76C-EE8CA4D4E83E}" type="parTrans" cxnId="{17419340-9739-44AE-B4C8-204D91C8A82F}">
+      <dgm:prSet/>
+      <dgm:spPr/>
+      <dgm:t>
+        <a:bodyPr/>
+        <a:lstStyle/>
+        <a:p>
+          <a:endParaRPr lang="en-US"/>
+        </a:p>
+      </dgm:t>
+    </dgm:pt>
+    <dgm:pt modelId="{A24D4CC0-0CB6-49B5-9ED6-B676CE2BA90A}" type="sibTrans" cxnId="{17419340-9739-44AE-B4C8-204D91C8A82F}">
       <dgm:prSet/>
       <dgm:spPr/>
       <dgm:t>
@@ -3161,8 +3163,8 @@
         </a:p>
       </dgm:t>
     </dgm:pt>
-    <dgm:pt modelId="{F2DC7697-B58F-429A-93D2-7026674433E2}" type="pres">
-      <dgm:prSet presAssocID="{7099EFFA-138A-409A-800A-0F20507CD0AA}" presName="text_3" presStyleLbl="node1" presStyleIdx="2" presStyleCnt="4">
+    <dgm:pt modelId="{3597B01B-608D-42B3-82A3-8A87BDE8DE4C}" type="pres">
+      <dgm:prSet presAssocID="{5DD74C91-5B51-45D8-B21B-A05CD4C4FDAF}" presName="text_3" presStyleLbl="node1" presStyleIdx="2" presStyleCnt="4">
         <dgm:presLayoutVars>
           <dgm:bulletEnabled val="1"/>
         </dgm:presLayoutVars>
@@ -3176,8 +3178,12 @@
         </a:p>
       </dgm:t>
     </dgm:pt>
-    <dgm:pt modelId="{620F70B9-054D-4095-9966-996637D92ABD}" type="pres">
-      <dgm:prSet presAssocID="{7099EFFA-138A-409A-800A-0F20507CD0AA}" presName="accent_3" presStyleCnt="0"/>
+    <dgm:pt modelId="{F5B4F970-7393-4767-A181-993F5FF81FFE}" type="pres">
+      <dgm:prSet presAssocID="{5DD74C91-5B51-45D8-B21B-A05CD4C4FDAF}" presName="accent_3" presStyleCnt="0"/>
+      <dgm:spPr/>
+    </dgm:pt>
+    <dgm:pt modelId="{BDB4DB30-DA06-4D43-9CF0-200146563302}" type="pres">
+      <dgm:prSet presAssocID="{5DD74C91-5B51-45D8-B21B-A05CD4C4FDAF}" presName="accentRepeatNode" presStyleLbl="solidFgAcc1" presStyleIdx="2" presStyleCnt="4" custLinFactNeighborX="-1645" custLinFactNeighborY="6150"/>
       <dgm:spPr/>
       <dgm:t>
         <a:bodyPr/>
@@ -3187,19 +3193,8 @@
         </a:p>
       </dgm:t>
     </dgm:pt>
-    <dgm:pt modelId="{6A121A89-5565-4883-A813-5F5C597ADA8A}" type="pres">
-      <dgm:prSet presAssocID="{7099EFFA-138A-409A-800A-0F20507CD0AA}" presName="accentRepeatNode" presStyleLbl="solidFgAcc1" presStyleIdx="2" presStyleCnt="4"/>
-      <dgm:spPr/>
-      <dgm:t>
-        <a:bodyPr/>
-        <a:lstStyle/>
-        <a:p>
-          <a:endParaRPr lang="en-US"/>
-        </a:p>
-      </dgm:t>
-    </dgm:pt>
-    <dgm:pt modelId="{AC8C7EC6-748B-42B8-B7AD-F4628A686C8E}" type="pres">
-      <dgm:prSet presAssocID="{5DD74C91-5B51-45D8-B21B-A05CD4C4FDAF}" presName="text_4" presStyleLbl="node1" presStyleIdx="3" presStyleCnt="4">
+    <dgm:pt modelId="{60684A6C-5862-47BF-8DC3-60953AA06D83}" type="pres">
+      <dgm:prSet presAssocID="{A102D7EE-27E8-44C9-9E8E-14FF440726B3}" presName="text_4" presStyleLbl="node1" presStyleIdx="3" presStyleCnt="4">
         <dgm:presLayoutVars>
           <dgm:bulletEnabled val="1"/>
         </dgm:presLayoutVars>
@@ -3213,33 +3208,26 @@
         </a:p>
       </dgm:t>
     </dgm:pt>
-    <dgm:pt modelId="{83D3AF70-29A0-459A-8FC3-BCE86EE09970}" type="pres">
-      <dgm:prSet presAssocID="{5DD74C91-5B51-45D8-B21B-A05CD4C4FDAF}" presName="accent_4" presStyleCnt="0"/>
+    <dgm:pt modelId="{124F3E6A-8A09-44F7-80AC-BF2523B1B906}" type="pres">
+      <dgm:prSet presAssocID="{A102D7EE-27E8-44C9-9E8E-14FF440726B3}" presName="accent_4" presStyleCnt="0"/>
       <dgm:spPr/>
     </dgm:pt>
-    <dgm:pt modelId="{BDB4DB30-DA06-4D43-9CF0-200146563302}" type="pres">
-      <dgm:prSet presAssocID="{5DD74C91-5B51-45D8-B21B-A05CD4C4FDAF}" presName="accentRepeatNode" presStyleLbl="solidFgAcc1" presStyleIdx="3" presStyleCnt="4"/>
+    <dgm:pt modelId="{2BC02DA8-C9F1-48F3-A327-F3807EC1D983}" type="pres">
+      <dgm:prSet presAssocID="{A102D7EE-27E8-44C9-9E8E-14FF440726B3}" presName="accentRepeatNode" presStyleLbl="solidFgAcc1" presStyleIdx="3" presStyleCnt="4"/>
       <dgm:spPr/>
-      <dgm:t>
-        <a:bodyPr/>
-        <a:lstStyle/>
-        <a:p>
-          <a:endParaRPr lang="en-US"/>
-        </a:p>
-      </dgm:t>
     </dgm:pt>
   </dgm:ptLst>
   <dgm:cxnLst>
-    <dgm:cxn modelId="{757C8DFE-1619-4979-825F-8E81AAA15985}" type="presOf" srcId="{5DD74C91-5B51-45D8-B21B-A05CD4C4FDAF}" destId="{AC8C7EC6-748B-42B8-B7AD-F4628A686C8E}" srcOrd="0" destOrd="0" presId="urn:microsoft.com/office/officeart/2008/layout/VerticalCurvedList"/>
+    <dgm:cxn modelId="{17419340-9739-44AE-B4C8-204D91C8A82F}" srcId="{34B15CB4-4242-4FCF-8422-2B92965B551B}" destId="{A102D7EE-27E8-44C9-9E8E-14FF440726B3}" srcOrd="3" destOrd="0" parTransId="{0FB6E6B4-4EA1-445B-A76C-EE8CA4D4E83E}" sibTransId="{A24D4CC0-0CB6-49B5-9ED6-B676CE2BA90A}"/>
     <dgm:cxn modelId="{4BF43F57-3D63-44A3-9209-54E3AD376E9D}" srcId="{34B15CB4-4242-4FCF-8422-2B92965B551B}" destId="{DCBC3A18-D40D-4F8F-AF0A-FD7859D732C4}" srcOrd="0" destOrd="0" parTransId="{A6A1FC3F-5614-458F-98E1-8DC031E9BBCE}" sibTransId="{55C055AB-5F85-4F29-8103-8EE14A0EE86C}"/>
+    <dgm:cxn modelId="{27DA6949-64A9-405F-9E8B-FEB0B458E437}" srcId="{34B15CB4-4242-4FCF-8422-2B92965B551B}" destId="{5DD74C91-5B51-45D8-B21B-A05CD4C4FDAF}" srcOrd="2" destOrd="0" parTransId="{BB644F5A-73D9-4AB5-98D7-049B2B7E2E29}" sibTransId="{EF9353F1-B3A6-42A7-A641-31906923BF8D}"/>
     <dgm:cxn modelId="{FE63A02D-4A20-421B-89FE-5ABF853CA371}" type="presOf" srcId="{CF4367A6-8178-465F-BFBE-BEA7AFC2D4C5}" destId="{82A72BA6-BF30-457E-B5FF-9A09775FC15F}" srcOrd="0" destOrd="0" presId="urn:microsoft.com/office/officeart/2008/layout/VerticalCurvedList"/>
-    <dgm:cxn modelId="{27DA6949-64A9-405F-9E8B-FEB0B458E437}" srcId="{34B15CB4-4242-4FCF-8422-2B92965B551B}" destId="{5DD74C91-5B51-45D8-B21B-A05CD4C4FDAF}" srcOrd="3" destOrd="0" parTransId="{BB644F5A-73D9-4AB5-98D7-049B2B7E2E29}" sibTransId="{EF9353F1-B3A6-42A7-A641-31906923BF8D}"/>
+    <dgm:cxn modelId="{5D51E23F-C3A0-4D8B-9DDB-9B5C369149AE}" type="presOf" srcId="{A102D7EE-27E8-44C9-9E8E-14FF440726B3}" destId="{60684A6C-5862-47BF-8DC3-60953AA06D83}" srcOrd="0" destOrd="0" presId="urn:microsoft.com/office/officeart/2008/layout/VerticalCurvedList"/>
     <dgm:cxn modelId="{9D3052EF-71CF-412E-BBF7-AEFA54F9AEAC}" type="presOf" srcId="{55C055AB-5F85-4F29-8103-8EE14A0EE86C}" destId="{C2803320-21D4-4BF1-85DE-677D71A2B13E}" srcOrd="0" destOrd="0" presId="urn:microsoft.com/office/officeart/2008/layout/VerticalCurvedList"/>
     <dgm:cxn modelId="{8F3997D4-53E6-4ACF-B30C-CAA4F74E7D37}" srcId="{34B15CB4-4242-4FCF-8422-2B92965B551B}" destId="{CF4367A6-8178-465F-BFBE-BEA7AFC2D4C5}" srcOrd="1" destOrd="0" parTransId="{33D7CE88-8B7D-4F86-AC5A-7CEA0231BADA}" sibTransId="{FC2EB458-743A-4C1B-97E5-27F2003E2A1D}"/>
-    <dgm:cxn modelId="{C1D01F8B-2836-4717-BA55-424FFBB74A15}" srcId="{34B15CB4-4242-4FCF-8422-2B92965B551B}" destId="{7099EFFA-138A-409A-800A-0F20507CD0AA}" srcOrd="2" destOrd="0" parTransId="{1CC3C237-8126-401D-8571-511B1925C22A}" sibTransId="{1FC4CC23-102F-43A1-8180-79F1625FCCBF}"/>
+    <dgm:cxn modelId="{9DECAE68-AEC7-4BCB-B6EE-87B91B83532B}" type="presOf" srcId="{5DD74C91-5B51-45D8-B21B-A05CD4C4FDAF}" destId="{3597B01B-608D-42B3-82A3-8A87BDE8DE4C}" srcOrd="0" destOrd="0" presId="urn:microsoft.com/office/officeart/2008/layout/VerticalCurvedList"/>
     <dgm:cxn modelId="{861368B8-598B-4017-A4E5-27D36CDA02AF}" type="presOf" srcId="{DCBC3A18-D40D-4F8F-AF0A-FD7859D732C4}" destId="{298A9AA2-95D6-4185-BB9F-E10AA45F8F91}" srcOrd="0" destOrd="0" presId="urn:microsoft.com/office/officeart/2008/layout/VerticalCurvedList"/>
     <dgm:cxn modelId="{A8328874-EF0E-4D96-9316-B0D088BBE11F}" type="presOf" srcId="{34B15CB4-4242-4FCF-8422-2B92965B551B}" destId="{35B91BA8-33BA-4490-AD90-70B61763257A}" srcOrd="0" destOrd="0" presId="urn:microsoft.com/office/officeart/2008/layout/VerticalCurvedList"/>
-    <dgm:cxn modelId="{D751D01C-9BFC-4DDD-9437-CBF423AAEC48}" type="presOf" srcId="{7099EFFA-138A-409A-800A-0F20507CD0AA}" destId="{F2DC7697-B58F-429A-93D2-7026674433E2}" srcOrd="0" destOrd="0" presId="urn:microsoft.com/office/officeart/2008/layout/VerticalCurvedList"/>
     <dgm:cxn modelId="{0A4FCD7F-13A4-402C-950D-885AF6F33F4E}" type="presParOf" srcId="{35B91BA8-33BA-4490-AD90-70B61763257A}" destId="{63BDD99E-7ABB-4FA8-BE3D-BB1E725477B7}" srcOrd="0" destOrd="0" presId="urn:microsoft.com/office/officeart/2008/layout/VerticalCurvedList"/>
     <dgm:cxn modelId="{E0C70775-D92C-41DA-B6BA-6924A14DFB5D}" type="presParOf" srcId="{63BDD99E-7ABB-4FA8-BE3D-BB1E725477B7}" destId="{D38A43EA-4C06-4033-AE8F-238A40E99B66}" srcOrd="0" destOrd="0" presId="urn:microsoft.com/office/officeart/2008/layout/VerticalCurvedList"/>
     <dgm:cxn modelId="{67E3DBF2-29DD-413C-B2EC-80FA5B871E4B}" type="presParOf" srcId="{D38A43EA-4C06-4033-AE8F-238A40E99B66}" destId="{D2AB416F-66A9-4C9D-9ED7-7143A1928520}" srcOrd="0" destOrd="0" presId="urn:microsoft.com/office/officeart/2008/layout/VerticalCurvedList"/>
@@ -3252,12 +3240,12 @@
     <dgm:cxn modelId="{03BB7AEF-0B15-4585-AD38-93E52FE663F4}" type="presParOf" srcId="{63BDD99E-7ABB-4FA8-BE3D-BB1E725477B7}" destId="{82A72BA6-BF30-457E-B5FF-9A09775FC15F}" srcOrd="3" destOrd="0" presId="urn:microsoft.com/office/officeart/2008/layout/VerticalCurvedList"/>
     <dgm:cxn modelId="{B68F3C35-068B-4C35-98F6-52837AB5C7F4}" type="presParOf" srcId="{63BDD99E-7ABB-4FA8-BE3D-BB1E725477B7}" destId="{ECBA12B2-E3A9-4F67-976D-3AE9E7837B47}" srcOrd="4" destOrd="0" presId="urn:microsoft.com/office/officeart/2008/layout/VerticalCurvedList"/>
     <dgm:cxn modelId="{4BC9850B-8E78-473E-B0A4-508FB5FF8B95}" type="presParOf" srcId="{ECBA12B2-E3A9-4F67-976D-3AE9E7837B47}" destId="{1AB0598C-0F34-476E-87B5-1016353FB8A9}" srcOrd="0" destOrd="0" presId="urn:microsoft.com/office/officeart/2008/layout/VerticalCurvedList"/>
-    <dgm:cxn modelId="{ED88B205-AD9E-4884-A9FF-E304DE47A926}" type="presParOf" srcId="{63BDD99E-7ABB-4FA8-BE3D-BB1E725477B7}" destId="{F2DC7697-B58F-429A-93D2-7026674433E2}" srcOrd="5" destOrd="0" presId="urn:microsoft.com/office/officeart/2008/layout/VerticalCurvedList"/>
-    <dgm:cxn modelId="{884A55B4-438F-4DEE-BA05-EFDA3D085612}" type="presParOf" srcId="{63BDD99E-7ABB-4FA8-BE3D-BB1E725477B7}" destId="{620F70B9-054D-4095-9966-996637D92ABD}" srcOrd="6" destOrd="0" presId="urn:microsoft.com/office/officeart/2008/layout/VerticalCurvedList"/>
-    <dgm:cxn modelId="{2B225BC4-1A0C-423C-B423-81D8F8CD7EEA}" type="presParOf" srcId="{620F70B9-054D-4095-9966-996637D92ABD}" destId="{6A121A89-5565-4883-A813-5F5C597ADA8A}" srcOrd="0" destOrd="0" presId="urn:microsoft.com/office/officeart/2008/layout/VerticalCurvedList"/>
-    <dgm:cxn modelId="{1BB1437C-DF71-4492-BF0C-653DC118228F}" type="presParOf" srcId="{63BDD99E-7ABB-4FA8-BE3D-BB1E725477B7}" destId="{AC8C7EC6-748B-42B8-B7AD-F4628A686C8E}" srcOrd="7" destOrd="0" presId="urn:microsoft.com/office/officeart/2008/layout/VerticalCurvedList"/>
-    <dgm:cxn modelId="{605616A4-95B2-44BE-97E7-6789CFB79024}" type="presParOf" srcId="{63BDD99E-7ABB-4FA8-BE3D-BB1E725477B7}" destId="{83D3AF70-29A0-459A-8FC3-BCE86EE09970}" srcOrd="8" destOrd="0" presId="urn:microsoft.com/office/officeart/2008/layout/VerticalCurvedList"/>
-    <dgm:cxn modelId="{52283ED7-74FE-4D04-82EB-36B4459815F2}" type="presParOf" srcId="{83D3AF70-29A0-459A-8FC3-BCE86EE09970}" destId="{BDB4DB30-DA06-4D43-9CF0-200146563302}" srcOrd="0" destOrd="0" presId="urn:microsoft.com/office/officeart/2008/layout/VerticalCurvedList"/>
+    <dgm:cxn modelId="{9C6D504E-6437-483D-8F33-A5E3CAC0CCC6}" type="presParOf" srcId="{63BDD99E-7ABB-4FA8-BE3D-BB1E725477B7}" destId="{3597B01B-608D-42B3-82A3-8A87BDE8DE4C}" srcOrd="5" destOrd="0" presId="urn:microsoft.com/office/officeart/2008/layout/VerticalCurvedList"/>
+    <dgm:cxn modelId="{CA7E4F04-F818-4A5B-AFED-68206B992125}" type="presParOf" srcId="{63BDD99E-7ABB-4FA8-BE3D-BB1E725477B7}" destId="{F5B4F970-7393-4767-A181-993F5FF81FFE}" srcOrd="6" destOrd="0" presId="urn:microsoft.com/office/officeart/2008/layout/VerticalCurvedList"/>
+    <dgm:cxn modelId="{98E23AF3-6DEB-4401-BC20-B0D2839F1BC8}" type="presParOf" srcId="{F5B4F970-7393-4767-A181-993F5FF81FFE}" destId="{BDB4DB30-DA06-4D43-9CF0-200146563302}" srcOrd="0" destOrd="0" presId="urn:microsoft.com/office/officeart/2008/layout/VerticalCurvedList"/>
+    <dgm:cxn modelId="{2F8C8106-42C0-4F09-8EB0-53479CFF0784}" type="presParOf" srcId="{63BDD99E-7ABB-4FA8-BE3D-BB1E725477B7}" destId="{60684A6C-5862-47BF-8DC3-60953AA06D83}" srcOrd="7" destOrd="0" presId="urn:microsoft.com/office/officeart/2008/layout/VerticalCurvedList"/>
+    <dgm:cxn modelId="{D8DB251D-AFDE-429C-AB4E-DCF40E9A58C2}" type="presParOf" srcId="{63BDD99E-7ABB-4FA8-BE3D-BB1E725477B7}" destId="{124F3E6A-8A09-44F7-80AC-BF2523B1B906}" srcOrd="8" destOrd="0" presId="urn:microsoft.com/office/officeart/2008/layout/VerticalCurvedList"/>
+    <dgm:cxn modelId="{50121A32-02B3-4B83-8F5A-F264706E7829}" type="presParOf" srcId="{124F3E6A-8A09-44F7-80AC-BF2523B1B906}" destId="{2BC02DA8-C9F1-48F3-A327-F3807EC1D983}" srcOrd="0" destOrd="0" presId="urn:microsoft.com/office/officeart/2008/layout/VerticalCurvedList"/>
   </dgm:cxnLst>
   <dgm:bg/>
   <dgm:whole/>
@@ -3346,14 +3334,14 @@
         <a:lstStyle/>
         <a:p>
           <a:r>
-            <a:rPr lang="en-US" sz="2000" dirty="0" smtClean="0">
+            <a:rPr lang="en-US" sz="2400" dirty="0" smtClean="0">
               <a:solidFill>
                 <a:sysClr val="windowText" lastClr="000000"/>
               </a:solidFill>
             </a:rPr>
             <a:t>Vi phạm ngẫu nhiên</a:t>
           </a:r>
-          <a:endParaRPr lang="en-US" sz="2000" dirty="0">
+          <a:endParaRPr lang="en-US" sz="2400" dirty="0">
             <a:solidFill>
               <a:sysClr val="windowText" lastClr="000000"/>
             </a:solidFill>
@@ -3395,30 +3383,14 @@
         <a:lstStyle/>
         <a:p>
           <a:r>
-            <a:rPr lang="en-US" sz="2200" dirty="0" smtClean="0">
+            <a:rPr lang="en-US" sz="2400" dirty="0" smtClean="0">
               <a:solidFill>
                 <a:sysClr val="windowText" lastClr="000000"/>
               </a:solidFill>
             </a:rPr>
-            <a:t>Truyền </a:t>
+            <a:t>Truyền thông điện tử với ý định độc hại</a:t>
           </a:r>
-          <a:r>
-            <a:rPr lang="en-US" sz="2000" dirty="0" smtClean="0">
-              <a:solidFill>
-                <a:sysClr val="windowText" lastClr="000000"/>
-              </a:solidFill>
-            </a:rPr>
-            <a:t>thông</a:t>
-          </a:r>
-          <a:r>
-            <a:rPr lang="en-US" sz="2200" dirty="0" smtClean="0">
-              <a:solidFill>
-                <a:sysClr val="windowText" lastClr="000000"/>
-              </a:solidFill>
-            </a:rPr>
-            <a:t> điện tử với ý định độc hại</a:t>
-          </a:r>
-          <a:endParaRPr lang="en-US" sz="2200" dirty="0">
+          <a:endParaRPr lang="en-US" sz="2400" dirty="0">
             <a:solidFill>
               <a:sysClr val="windowText" lastClr="000000"/>
             </a:solidFill>
@@ -3460,14 +3432,14 @@
         <a:lstStyle/>
         <a:p>
           <a:r>
-            <a:rPr lang="en-US" sz="2000" dirty="0" smtClean="0">
+            <a:rPr lang="en-US" sz="2400" dirty="0" smtClean="0">
               <a:solidFill>
                 <a:sysClr val="windowText" lastClr="000000"/>
               </a:solidFill>
             </a:rPr>
             <a:t>Nhân viên cố ý hoặc vô ý</a:t>
           </a:r>
-          <a:endParaRPr lang="en-US" sz="2000" dirty="0">
+          <a:endParaRPr lang="en-US" sz="2400" dirty="0">
             <a:solidFill>
               <a:sysClr val="windowText" lastClr="000000"/>
             </a:solidFill>
@@ -3508,6 +3480,13 @@
         </dgm:presLayoutVars>
       </dgm:prSet>
       <dgm:spPr/>
+      <dgm:t>
+        <a:bodyPr/>
+        <a:lstStyle/>
+        <a:p>
+          <a:endParaRPr lang="en-US"/>
+        </a:p>
+      </dgm:t>
     </dgm:pt>
     <dgm:pt modelId="{B742E1A0-66AD-4B90-B835-8025825ED55C}" type="pres">
       <dgm:prSet presAssocID="{846877F1-AC4E-4AA3-9365-65F8220C1C5A}" presName="singleCycle" presStyleCnt="0"/>
@@ -3532,6 +3511,13 @@
     <dgm:pt modelId="{D1D4F6C0-9069-4EAB-984B-D03FD4D007C1}" type="pres">
       <dgm:prSet presAssocID="{CB4B428B-688B-4557-AD2D-7ADF872A382B}" presName="Name56" presStyleLbl="parChTrans1D2" presStyleIdx="0" presStyleCnt="3"/>
       <dgm:spPr/>
+      <dgm:t>
+        <a:bodyPr/>
+        <a:lstStyle/>
+        <a:p>
+          <a:endParaRPr lang="en-US"/>
+        </a:p>
+      </dgm:t>
     </dgm:pt>
     <dgm:pt modelId="{88A377C1-5193-4CA2-A178-B33488827AFE}" type="pres">
       <dgm:prSet presAssocID="{6B6EDCDD-5D4A-4E2B-8725-3B0E7906C2BB}" presName="text0" presStyleLbl="node1" presStyleIdx="1" presStyleCnt="4" custScaleX="340183">
@@ -3551,9 +3537,16 @@
     <dgm:pt modelId="{BF78BFE7-6B1B-4F3E-8147-50D9AE1E0971}" type="pres">
       <dgm:prSet presAssocID="{91BECF21-6299-4CE7-8416-4211966810FC}" presName="Name56" presStyleLbl="parChTrans1D2" presStyleIdx="1" presStyleCnt="3"/>
       <dgm:spPr/>
+      <dgm:t>
+        <a:bodyPr/>
+        <a:lstStyle/>
+        <a:p>
+          <a:endParaRPr lang="en-US"/>
+        </a:p>
+      </dgm:t>
     </dgm:pt>
     <dgm:pt modelId="{91E66CDA-D3FE-42D8-A3E3-098F4E8DF9C2}" type="pres">
-      <dgm:prSet presAssocID="{695D0AF2-33AD-48CA-B4E1-4890048A07C9}" presName="text0" presStyleLbl="node1" presStyleIdx="2" presStyleCnt="4" custAng="0" custScaleX="321689" custScaleY="99628" custRadScaleRad="95270" custRadScaleInc="-10053">
+      <dgm:prSet presAssocID="{695D0AF2-33AD-48CA-B4E1-4890048A07C9}" presName="text0" presStyleLbl="node1" presStyleIdx="2" presStyleCnt="4" custAng="0" custScaleX="354847" custScaleY="117164" custRadScaleRad="95270" custRadScaleInc="-10053">
         <dgm:presLayoutVars>
           <dgm:bulletEnabled val="1"/>
         </dgm:presLayoutVars>
@@ -3570,6 +3563,13 @@
     <dgm:pt modelId="{3D6B07B1-56BD-4801-9011-1ABF3D06EC9A}" type="pres">
       <dgm:prSet presAssocID="{08D82159-629F-4B7E-B5E1-D2DCB166F175}" presName="Name56" presStyleLbl="parChTrans1D2" presStyleIdx="2" presStyleCnt="3"/>
       <dgm:spPr/>
+      <dgm:t>
+        <a:bodyPr/>
+        <a:lstStyle/>
+        <a:p>
+          <a:endParaRPr lang="en-US"/>
+        </a:p>
+      </dgm:t>
     </dgm:pt>
     <dgm:pt modelId="{14299A12-0C34-4B98-9C3E-3EE5A4C978B2}" type="pres">
       <dgm:prSet presAssocID="{C68D5D00-2084-4488-BB20-27F9A064071C}" presName="text0" presStyleLbl="node1" presStyleIdx="3" presStyleCnt="4" custAng="0" custScaleX="312206" custRadScaleRad="108970" custRadScaleInc="14480">
@@ -4188,7 +4188,7 @@
       <dsp:spPr>
         <a:xfrm>
           <a:off x="631240" y="430947"/>
-          <a:ext cx="7175927" cy="862344"/>
+          <a:ext cx="7681810" cy="862344"/>
         </a:xfrm>
         <a:prstGeom prst="rect">
           <a:avLst/>
@@ -4299,7 +4299,7 @@
       </dsp:txBody>
       <dsp:txXfrm>
         <a:off x="631240" y="430947"/>
-        <a:ext cx="7175927" cy="862344"/>
+        <a:ext cx="7681810" cy="862344"/>
       </dsp:txXfrm>
     </dsp:sp>
     <dsp:sp modelId="{F7D3E318-9136-4AF3-9694-2EEE2BD3C8D9}">
@@ -4370,7 +4370,7 @@
       <dsp:spPr>
         <a:xfrm>
           <a:off x="1125642" y="1724688"/>
-          <a:ext cx="6681525" cy="862344"/>
+          <a:ext cx="7187408" cy="862344"/>
         </a:xfrm>
         <a:prstGeom prst="rect">
           <a:avLst/>
@@ -4461,14 +4461,14 @@
             </a:spcAft>
           </a:pPr>
           <a:r>
-            <a:rPr lang="en-AU" sz="3400" kern="1200" dirty="0" smtClean="0">
+            <a:rPr lang="en-US" sz="3400" kern="1200" dirty="0" smtClean="0">
               <a:solidFill>
                 <a:schemeClr val="tx1"/>
               </a:solidFill>
               <a:latin typeface="Calibri" panose="020F0502020204030204" pitchFamily="34" charset="0"/>
               <a:cs typeface="Calibri" panose="020F0502020204030204" pitchFamily="34" charset="0"/>
             </a:rPr>
-            <a:t>Giao thức NTP.</a:t>
+            <a:t>Truyền dữ liệu ra ngoài sử dụng NTP</a:t>
           </a:r>
           <a:endParaRPr lang="en-US" sz="3400" kern="1200" dirty="0">
             <a:solidFill>
@@ -4481,7 +4481,7 @@
       </dsp:txBody>
       <dsp:txXfrm>
         <a:off x="1125642" y="1724688"/>
-        <a:ext cx="6681525" cy="862344"/>
+        <a:ext cx="7187408" cy="862344"/>
       </dsp:txXfrm>
     </dsp:sp>
     <dsp:sp modelId="{1AB0598C-0F34-476E-87B5-1016353FB8A9}">
@@ -4544,7 +4544,7 @@
         <a:fontRef idx="minor"/>
       </dsp:style>
     </dsp:sp>
-    <dsp:sp modelId="{F2DC7697-B58F-429A-93D2-7026674433E2}">
+    <dsp:sp modelId="{3597B01B-608D-42B3-82A3-8A87BDE8DE4C}">
       <dsp:nvSpPr>
         <dsp:cNvPr id="0" name=""/>
         <dsp:cNvSpPr/>
@@ -4552,7 +4552,7 @@
       <dsp:spPr>
         <a:xfrm>
           <a:off x="1125642" y="3018429"/>
-          <a:ext cx="6681525" cy="862344"/>
+          <a:ext cx="7187408" cy="862344"/>
         </a:xfrm>
         <a:prstGeom prst="rect">
           <a:avLst/>
@@ -4650,7 +4650,7 @@
               <a:latin typeface="Calibri" panose="020F0502020204030204" pitchFamily="34" charset="0"/>
               <a:cs typeface="Calibri" panose="020F0502020204030204" pitchFamily="34" charset="0"/>
             </a:rPr>
-            <a:t>Truyền dữ liệu ra ngoài bằng NTP</a:t>
+            <a:t>Kết quả thử nghiệm</a:t>
           </a:r>
           <a:endParaRPr lang="en-US" sz="3400" kern="1200" dirty="0">
             <a:solidFill>
@@ -4663,17 +4663,17 @@
       </dsp:txBody>
       <dsp:txXfrm>
         <a:off x="1125642" y="3018429"/>
-        <a:ext cx="6681525" cy="862344"/>
+        <a:ext cx="7187408" cy="862344"/>
       </dsp:txXfrm>
     </dsp:sp>
-    <dsp:sp modelId="{6A121A89-5565-4883-A813-5F5C597ADA8A}">
+    <dsp:sp modelId="{BDB4DB30-DA06-4D43-9CF0-200146563302}">
       <dsp:nvSpPr>
         <dsp:cNvPr id="0" name=""/>
         <dsp:cNvSpPr/>
       </dsp:nvSpPr>
       <dsp:spPr>
         <a:xfrm>
-          <a:off x="586676" y="2910636"/>
+          <a:off x="568944" y="2976929"/>
           <a:ext cx="1077930" cy="1077930"/>
         </a:xfrm>
         <a:prstGeom prst="ellipse">
@@ -4726,7 +4726,7 @@
         <a:fontRef idx="minor"/>
       </dsp:style>
     </dsp:sp>
-    <dsp:sp modelId="{AC8C7EC6-748B-42B8-B7AD-F4628A686C8E}">
+    <dsp:sp modelId="{60684A6C-5862-47BF-8DC3-60953AA06D83}">
       <dsp:nvSpPr>
         <dsp:cNvPr id="0" name=""/>
         <dsp:cNvSpPr/>
@@ -4734,7 +4734,7 @@
       <dsp:spPr>
         <a:xfrm>
           <a:off x="631240" y="4312170"/>
-          <a:ext cx="7175927" cy="862344"/>
+          <a:ext cx="7681810" cy="862344"/>
         </a:xfrm>
         <a:prstGeom prst="rect">
           <a:avLst/>
@@ -4832,7 +4832,7 @@
               <a:latin typeface="Calibri" panose="020F0502020204030204" pitchFamily="34" charset="0"/>
               <a:cs typeface="Calibri" panose="020F0502020204030204" pitchFamily="34" charset="0"/>
             </a:rPr>
-            <a:t>Kết quả thử nghiệm</a:t>
+            <a:t>Đề xuất giải pháp</a:t>
           </a:r>
           <a:endParaRPr lang="en-US" sz="3400" kern="1200" dirty="0">
             <a:solidFill>
@@ -4845,10 +4845,10 @@
       </dsp:txBody>
       <dsp:txXfrm>
         <a:off x="631240" y="4312170"/>
-        <a:ext cx="7175927" cy="862344"/>
+        <a:ext cx="7681810" cy="862344"/>
       </dsp:txXfrm>
     </dsp:sp>
-    <dsp:sp modelId="{BDB4DB30-DA06-4D43-9CF0-200146563302}">
+    <dsp:sp modelId="{2BC02DA8-C9F1-48F3-A327-F3807EC1D983}">
       <dsp:nvSpPr>
         <dsp:cNvPr id="0" name=""/>
         <dsp:cNvSpPr/>
@@ -4927,8 +4927,8 @@
       </dsp:nvSpPr>
       <dsp:spPr>
         <a:xfrm>
-          <a:off x="2419034" y="1399658"/>
-          <a:ext cx="1219200" cy="1219200"/>
+          <a:off x="2681669" y="1407846"/>
+          <a:ext cx="1257832" cy="1257832"/>
         </a:xfrm>
         <a:prstGeom prst="roundRect">
           <a:avLst/>
@@ -4998,8 +4998,8 @@
         </a:p>
       </dsp:txBody>
       <dsp:txXfrm>
-        <a:off x="2478550" y="1459174"/>
-        <a:ext cx="1100168" cy="1100168"/>
+        <a:off x="2743071" y="1469248"/>
+        <a:ext cx="1135028" cy="1135028"/>
       </dsp:txXfrm>
     </dsp:sp>
     <dsp:sp modelId="{D1D4F6C0-9069-4EAB-984B-D03FD4D007C1}">
@@ -5009,8 +5009,8 @@
       </dsp:nvSpPr>
       <dsp:spPr>
         <a:xfrm rot="16200000">
-          <a:off x="2846552" y="1217576"/>
-          <a:ext cx="364164" cy="0"/>
+          <a:off x="3122734" y="1219995"/>
+          <a:ext cx="375703" cy="0"/>
         </a:xfrm>
         <a:custGeom>
           <a:avLst/>
@@ -5024,7 +5024,7 @@
                 <a:pt x="0" y="0"/>
               </a:moveTo>
               <a:lnTo>
-                <a:pt x="364164" y="0"/>
+                <a:pt x="375703" y="0"/>
               </a:lnTo>
             </a:path>
           </a:pathLst>
@@ -5064,8 +5064,8 @@
       </dsp:nvSpPr>
       <dsp:spPr>
         <a:xfrm>
-          <a:off x="1639217" y="218630"/>
-          <a:ext cx="2778832" cy="816864"/>
+          <a:off x="1877144" y="189395"/>
+          <a:ext cx="2866883" cy="842747"/>
         </a:xfrm>
         <a:prstGeom prst="roundRect">
           <a:avLst/>
@@ -5101,12 +5101,12 @@
         </a:fontRef>
       </dsp:style>
       <dsp:txBody>
-        <a:bodyPr spcFirstLastPara="0" vert="horz" wrap="square" lIns="50800" tIns="50800" rIns="50800" bIns="50800" numCol="1" spcCol="1270" anchor="ctr" anchorCtr="0">
+        <a:bodyPr spcFirstLastPara="0" vert="horz" wrap="square" lIns="60960" tIns="60960" rIns="60960" bIns="60960" numCol="1" spcCol="1270" anchor="ctr" anchorCtr="0">
           <a:noAutofit/>
         </a:bodyPr>
         <a:lstStyle/>
         <a:p>
-          <a:pPr lvl="0" algn="ctr" defTabSz="889000">
+          <a:pPr lvl="0" algn="ctr" defTabSz="1066800">
             <a:lnSpc>
               <a:spcPct val="90000"/>
             </a:lnSpc>
@@ -5118,14 +5118,14 @@
             </a:spcAft>
           </a:pPr>
           <a:r>
-            <a:rPr lang="en-US" sz="2000" kern="1200" dirty="0" smtClean="0">
+            <a:rPr lang="en-US" sz="2400" kern="1200" dirty="0" smtClean="0">
               <a:solidFill>
                 <a:sysClr val="windowText" lastClr="000000"/>
               </a:solidFill>
             </a:rPr>
             <a:t>Vi phạm ngẫu nhiên</a:t>
           </a:r>
-          <a:endParaRPr lang="en-US" sz="2000" kern="1200" dirty="0">
+          <a:endParaRPr lang="en-US" sz="2400" kern="1200" dirty="0">
             <a:solidFill>
               <a:sysClr val="windowText" lastClr="000000"/>
             </a:solidFill>
@@ -5133,8 +5133,8 @@
         </a:p>
       </dsp:txBody>
       <dsp:txXfrm>
-        <a:off x="1679093" y="258506"/>
-        <a:ext cx="2699080" cy="737112"/>
+        <a:off x="1918284" y="230535"/>
+        <a:ext cx="2784603" cy="760467"/>
       </dsp:txXfrm>
     </dsp:sp>
     <dsp:sp modelId="{BF78BFE7-6B1B-4F3E-8147-50D9AE1E0971}">
@@ -5144,8 +5144,8 @@
       </dsp:nvSpPr>
       <dsp:spPr>
         <a:xfrm rot="2202678">
-          <a:off x="3579415" y="2641101"/>
-          <a:ext cx="593104" cy="0"/>
+          <a:off x="3891078" y="2651680"/>
+          <a:ext cx="488287" cy="0"/>
         </a:xfrm>
         <a:custGeom>
           <a:avLst/>
@@ -5159,7 +5159,7 @@
                 <a:pt x="0" y="0"/>
               </a:moveTo>
               <a:lnTo>
-                <a:pt x="593104" y="0"/>
+                <a:pt x="488287" y="0"/>
               </a:lnTo>
             </a:path>
           </a:pathLst>
@@ -5199,8 +5199,8 @@
       </dsp:nvSpPr>
       <dsp:spPr>
         <a:xfrm>
-          <a:off x="3345510" y="2818375"/>
-          <a:ext cx="2627761" cy="813825"/>
+          <a:off x="3497783" y="2797625"/>
+          <a:ext cx="2990464" cy="987396"/>
         </a:xfrm>
         <a:prstGeom prst="roundRect">
           <a:avLst/>
@@ -5236,12 +5236,12 @@
         </a:fontRef>
       </dsp:style>
       <dsp:txBody>
-        <a:bodyPr spcFirstLastPara="0" vert="horz" wrap="square" lIns="55880" tIns="55880" rIns="55880" bIns="55880" numCol="1" spcCol="1270" anchor="ctr" anchorCtr="0">
+        <a:bodyPr spcFirstLastPara="0" vert="horz" wrap="square" lIns="60960" tIns="60960" rIns="60960" bIns="60960" numCol="1" spcCol="1270" anchor="ctr" anchorCtr="0">
           <a:noAutofit/>
         </a:bodyPr>
         <a:lstStyle/>
         <a:p>
-          <a:pPr lvl="0" algn="ctr" defTabSz="977900">
+          <a:pPr lvl="0" algn="ctr" defTabSz="1066800">
             <a:lnSpc>
               <a:spcPct val="90000"/>
             </a:lnSpc>
@@ -5253,30 +5253,14 @@
             </a:spcAft>
           </a:pPr>
           <a:r>
-            <a:rPr lang="en-US" sz="2200" kern="1200" dirty="0" smtClean="0">
+            <a:rPr lang="en-US" sz="2400" kern="1200" dirty="0" smtClean="0">
               <a:solidFill>
                 <a:sysClr val="windowText" lastClr="000000"/>
               </a:solidFill>
             </a:rPr>
-            <a:t>Truyền </a:t>
+            <a:t>Truyền thông điện tử với ý định độc hại</a:t>
           </a:r>
-          <a:r>
-            <a:rPr lang="en-US" sz="2000" kern="1200" dirty="0" smtClean="0">
-              <a:solidFill>
-                <a:sysClr val="windowText" lastClr="000000"/>
-              </a:solidFill>
-            </a:rPr>
-            <a:t>thông</a:t>
-          </a:r>
-          <a:r>
-            <a:rPr lang="en-US" sz="2200" kern="1200" dirty="0" smtClean="0">
-              <a:solidFill>
-                <a:sysClr val="windowText" lastClr="000000"/>
-              </a:solidFill>
-            </a:rPr>
-            <a:t> điện tử với ý định độc hại</a:t>
-          </a:r>
-          <a:endParaRPr lang="en-US" sz="2200" kern="1200" dirty="0">
+          <a:endParaRPr lang="en-US" sz="2400" kern="1200" dirty="0">
             <a:solidFill>
               <a:sysClr val="windowText" lastClr="000000"/>
             </a:solidFill>
@@ -5284,8 +5268,8 @@
         </a:p>
       </dsp:txBody>
       <dsp:txXfrm>
-        <a:off x="3385238" y="2858103"/>
-        <a:ext cx="2548305" cy="734369"/>
+        <a:off x="3545984" y="2845826"/>
+        <a:ext cx="2894062" cy="890994"/>
       </dsp:txXfrm>
     </dsp:sp>
     <dsp:sp modelId="{3D6B07B1-56BD-4801-9011-1ABF3D06EC9A}">
@@ -5294,9 +5278,9 @@
         <dsp:cNvSpPr/>
       </dsp:nvSpPr>
       <dsp:spPr>
-        <a:xfrm rot="8693239">
-          <a:off x="1793391" y="2635835"/>
-          <a:ext cx="688267" cy="0"/>
+        <a:xfrm rot="8822571">
+          <a:off x="1933057" y="2665962"/>
+          <a:ext cx="814117" cy="0"/>
         </a:xfrm>
         <a:custGeom>
           <a:avLst/>
@@ -5310,7 +5294,7 @@
                 <a:pt x="0" y="0"/>
               </a:moveTo>
               <a:lnTo>
-                <a:pt x="688267" y="0"/>
+                <a:pt x="814117" y="0"/>
               </a:lnTo>
             </a:path>
           </a:pathLst>
@@ -5350,8 +5334,8 @@
       </dsp:nvSpPr>
       <dsp:spPr>
         <a:xfrm>
-          <a:off x="0" y="2833776"/>
-          <a:ext cx="2550298" cy="816864"/>
+          <a:off x="33086" y="2887406"/>
+          <a:ext cx="2631108" cy="842747"/>
         </a:xfrm>
         <a:prstGeom prst="roundRect">
           <a:avLst/>
@@ -5387,12 +5371,12 @@
         </a:fontRef>
       </dsp:style>
       <dsp:txBody>
-        <a:bodyPr spcFirstLastPara="0" vert="horz" wrap="square" lIns="50800" tIns="50800" rIns="50800" bIns="50800" numCol="1" spcCol="1270" anchor="ctr" anchorCtr="0">
+        <a:bodyPr spcFirstLastPara="0" vert="horz" wrap="square" lIns="60960" tIns="60960" rIns="60960" bIns="60960" numCol="1" spcCol="1270" anchor="ctr" anchorCtr="0">
           <a:noAutofit/>
         </a:bodyPr>
         <a:lstStyle/>
         <a:p>
-          <a:pPr lvl="0" algn="ctr" defTabSz="889000">
+          <a:pPr lvl="0" algn="ctr" defTabSz="1066800">
             <a:lnSpc>
               <a:spcPct val="90000"/>
             </a:lnSpc>
@@ -5404,14 +5388,14 @@
             </a:spcAft>
           </a:pPr>
           <a:r>
-            <a:rPr lang="en-US" sz="2000" kern="1200" dirty="0" smtClean="0">
+            <a:rPr lang="en-US" sz="2400" kern="1200" dirty="0" smtClean="0">
               <a:solidFill>
                 <a:sysClr val="windowText" lastClr="000000"/>
               </a:solidFill>
             </a:rPr>
             <a:t>Nhân viên cố ý hoặc vô ý</a:t>
           </a:r>
-          <a:endParaRPr lang="en-US" sz="2000" kern="1200" dirty="0">
+          <a:endParaRPr lang="en-US" sz="2400" kern="1200" dirty="0">
             <a:solidFill>
               <a:sysClr val="windowText" lastClr="000000"/>
             </a:solidFill>
@@ -5419,8 +5403,8 @@
         </a:p>
       </dsp:txBody>
       <dsp:txXfrm>
-        <a:off x="39876" y="2873652"/>
-        <a:ext cx="2470546" cy="737112"/>
+        <a:off x="74226" y="2928546"/>
+        <a:ext cx="2548828" cy="760467"/>
       </dsp:txXfrm>
     </dsp:sp>
   </dsp:spTree>
@@ -15036,8 +15020,17 @@
                 <a:ea typeface="+mn-ea"/>
                 <a:cs typeface="+mn-cs"/>
               </a:rPr>
-              <a:t>00</a:t>
+              <a:t>00011011</a:t>
             </a:r>
+            <a:endParaRPr lang="en-US" sz="1200" kern="1200" dirty="0" smtClean="0">
+              <a:solidFill>
+                <a:schemeClr val="tx1"/>
+              </a:solidFill>
+              <a:effectLst/>
+              <a:latin typeface="+mn-lt"/>
+              <a:ea typeface="+mn-ea"/>
+              <a:cs typeface="+mn-cs"/>
+            </a:endParaRPr>
           </a:p>
           <a:p>
             <a:endParaRPr lang="en-US" sz="1200" kern="1200" dirty="0" smtClean="0">
@@ -15104,6 +15097,273 @@
     <p:extLst>
       <p:ext uri="{BB962C8B-B14F-4D97-AF65-F5344CB8AC3E}">
         <p14:creationId xmlns:p14="http://schemas.microsoft.com/office/powerpoint/2010/main" val="1068550993"/>
+      </p:ext>
+    </p:extLst>
+  </p:cSld>
+  <p:clrMapOvr>
+    <a:masterClrMapping/>
+  </p:clrMapOvr>
+</p:notes>
+</file>
+
+<file path=ppt/notesSlides/notesSlide4.xml><?xml version="1.0" encoding="utf-8"?>
+<p:notes xmlns:a="http://schemas.openxmlformats.org/drawingml/2006/main" xmlns:r="http://schemas.openxmlformats.org/officeDocument/2006/relationships" xmlns:p="http://schemas.openxmlformats.org/presentationml/2006/main">
+  <p:cSld>
+    <p:spTree>
+      <p:nvGrpSpPr>
+        <p:cNvPr id="1" name=""/>
+        <p:cNvGrpSpPr/>
+        <p:nvPr/>
+      </p:nvGrpSpPr>
+      <p:grpSpPr>
+        <a:xfrm>
+          <a:off x="0" y="0"/>
+          <a:ext cx="0" cy="0"/>
+          <a:chOff x="0" y="0"/>
+          <a:chExt cx="0" cy="0"/>
+        </a:xfrm>
+      </p:grpSpPr>
+      <p:sp>
+        <p:nvSpPr>
+          <p:cNvPr id="2" name="Slide Image Placeholder 1"/>
+          <p:cNvSpPr>
+            <a:spLocks noGrp="1" noRot="1" noChangeAspect="1"/>
+          </p:cNvSpPr>
+          <p:nvPr>
+            <p:ph type="sldImg"/>
+          </p:nvPr>
+        </p:nvSpPr>
+        <p:spPr/>
+      </p:sp>
+      <p:sp>
+        <p:nvSpPr>
+          <p:cNvPr id="3" name="Notes Placeholder 2"/>
+          <p:cNvSpPr>
+            <a:spLocks noGrp="1"/>
+          </p:cNvSpPr>
+          <p:nvPr>
+            <p:ph type="body" idx="1"/>
+          </p:nvPr>
+        </p:nvSpPr>
+        <p:spPr/>
+        <p:txBody>
+          <a:bodyPr/>
+          <a:lstStyle/>
+          <a:p>
+            <a:pPr marL="0" marR="0" lvl="0" indent="0" algn="l" defTabSz="914400" rtl="0" eaLnBrk="1" fontAlgn="auto" latinLnBrk="0" hangingPunct="1">
+              <a:lnSpc>
+                <a:spcPct val="100000"/>
+              </a:lnSpc>
+              <a:spcBef>
+                <a:spcPts val="0"/>
+              </a:spcBef>
+              <a:spcAft>
+                <a:spcPts val="0"/>
+              </a:spcAft>
+              <a:buClrTx/>
+              <a:buSzTx/>
+              <a:buFontTx/>
+              <a:buNone/>
+              <a:tabLst/>
+              <a:defRPr/>
+            </a:pPr>
+            <a:r>
+              <a:rPr lang="en-US" sz="1200" kern="1200" dirty="0" smtClean="0">
+                <a:solidFill>
+                  <a:schemeClr val="tx1"/>
+                </a:solidFill>
+                <a:effectLst/>
+                <a:latin typeface="+mn-lt"/>
+                <a:ea typeface="+mn-ea"/>
+                <a:cs typeface="+mn-cs"/>
+              </a:rPr>
+              <a:t>LI (Leap indicator) 2: Mã cảnh báo về bước nhảy vọt thứ hai sắp được chèn vào cuối ngày cuối cùng của tháng hiện tại </a:t>
+            </a:r>
+          </a:p>
+          <a:p>
+            <a:pPr marL="0" marR="0" lvl="0" indent="0" algn="l" defTabSz="914400" rtl="0" eaLnBrk="1" fontAlgn="auto" latinLnBrk="0" hangingPunct="1">
+              <a:lnSpc>
+                <a:spcPct val="100000"/>
+              </a:lnSpc>
+              <a:spcBef>
+                <a:spcPts val="0"/>
+              </a:spcBef>
+              <a:spcAft>
+                <a:spcPts val="0"/>
+              </a:spcAft>
+              <a:buClrTx/>
+              <a:buSzTx/>
+              <a:buFontTx/>
+              <a:buNone/>
+              <a:tabLst/>
+              <a:defRPr/>
+            </a:pPr>
+            <a:r>
+              <a:rPr lang="en-US" sz="1200" kern="1200" dirty="0" smtClean="0">
+                <a:solidFill>
+                  <a:schemeClr val="tx1"/>
+                </a:solidFill>
+                <a:effectLst/>
+                <a:latin typeface="+mn-lt"/>
+                <a:ea typeface="+mn-ea"/>
+                <a:cs typeface="+mn-cs"/>
+              </a:rPr>
+              <a:t>Version number(VN) 3-bit:</a:t>
+            </a:r>
+          </a:p>
+          <a:p>
+            <a:r>
+              <a:rPr lang="en-US" sz="1200" kern="1200" dirty="0" smtClean="0">
+                <a:solidFill>
+                  <a:schemeClr val="tx1"/>
+                </a:solidFill>
+                <a:effectLst/>
+                <a:latin typeface="+mn-lt"/>
+                <a:ea typeface="+mn-ea"/>
+                <a:cs typeface="+mn-cs"/>
+              </a:rPr>
+              <a:t>Mode 3-bit: Chế độ hoạt động của người gửi gói. Giá trị là từ 0 đến 7, trong đó 3 là máy khách và 4 là máy chủ.</a:t>
+            </a:r>
+          </a:p>
+          <a:p>
+            <a:r>
+              <a:rPr lang="en-US" sz="1200" kern="1200" dirty="0" smtClean="0">
+                <a:solidFill>
+                  <a:schemeClr val="tx1"/>
+                </a:solidFill>
+                <a:effectLst/>
+                <a:latin typeface="+mn-lt"/>
+                <a:ea typeface="+mn-ea"/>
+                <a:cs typeface="+mn-cs"/>
+              </a:rPr>
+              <a:t>Stratum 8-bit: Cho biết có bao nhiêu trung gian giữa máy khách và đồng hồ tham chiếu.</a:t>
+            </a:r>
+          </a:p>
+          <a:p>
+            <a:endParaRPr lang="en-US" sz="1200" kern="1200" dirty="0" smtClean="0">
+              <a:solidFill>
+                <a:schemeClr val="tx1"/>
+              </a:solidFill>
+              <a:effectLst/>
+              <a:latin typeface="+mn-lt"/>
+              <a:ea typeface="+mn-ea"/>
+              <a:cs typeface="+mn-cs"/>
+            </a:endParaRPr>
+          </a:p>
+          <a:p>
+            <a:r>
+              <a:rPr lang="en-US" sz="1200" kern="1200" dirty="0" smtClean="0">
+                <a:solidFill>
+                  <a:schemeClr val="tx1"/>
+                </a:solidFill>
+                <a:effectLst/>
+                <a:latin typeface="+mn-lt"/>
+                <a:ea typeface="+mn-ea"/>
+                <a:cs typeface="+mn-cs"/>
+              </a:rPr>
+              <a:t>Trong phần</a:t>
+            </a:r>
+            <a:r>
+              <a:rPr lang="en-US" sz="1200" kern="1200" baseline="0" dirty="0" smtClean="0">
+                <a:solidFill>
+                  <a:schemeClr val="tx1"/>
+                </a:solidFill>
+                <a:effectLst/>
+                <a:latin typeface="+mn-lt"/>
+                <a:ea typeface="+mn-ea"/>
+                <a:cs typeface="+mn-cs"/>
+              </a:rPr>
+              <a:t> 2 này em sẽ không đi vào chi tiết giao thức NTP, e sẽ tập chung vào các trường cần quan tâm để sử dụng trong việc truyền dữ liệu bằng giao thức ntp.</a:t>
+            </a:r>
+          </a:p>
+          <a:p>
+            <a:r>
+              <a:rPr lang="en-US" sz="1200" kern="1200" dirty="0" smtClean="0">
+                <a:solidFill>
+                  <a:schemeClr val="tx1"/>
+                </a:solidFill>
+                <a:effectLst/>
+                <a:latin typeface="+mn-lt"/>
+                <a:ea typeface="+mn-ea"/>
+                <a:cs typeface="+mn-cs"/>
+              </a:rPr>
+              <a:t>00011011</a:t>
+            </a:r>
+            <a:endParaRPr lang="en-US" sz="1200" kern="1200" dirty="0" smtClean="0">
+              <a:solidFill>
+                <a:schemeClr val="tx1"/>
+              </a:solidFill>
+              <a:effectLst/>
+              <a:latin typeface="+mn-lt"/>
+              <a:ea typeface="+mn-ea"/>
+              <a:cs typeface="+mn-cs"/>
+            </a:endParaRPr>
+          </a:p>
+          <a:p>
+            <a:endParaRPr lang="en-US" sz="1200" kern="1200" dirty="0" smtClean="0">
+              <a:solidFill>
+                <a:schemeClr val="tx1"/>
+              </a:solidFill>
+              <a:effectLst/>
+              <a:latin typeface="+mn-lt"/>
+              <a:ea typeface="+mn-ea"/>
+              <a:cs typeface="+mn-cs"/>
+            </a:endParaRPr>
+          </a:p>
+          <a:p>
+            <a:endParaRPr lang="en-US" sz="1200" kern="1200" dirty="0" smtClean="0">
+              <a:solidFill>
+                <a:schemeClr val="tx1"/>
+              </a:solidFill>
+              <a:effectLst/>
+              <a:latin typeface="+mn-lt"/>
+              <a:ea typeface="+mn-ea"/>
+              <a:cs typeface="+mn-cs"/>
+            </a:endParaRPr>
+          </a:p>
+          <a:p>
+            <a:endParaRPr lang="en-US" sz="1200" kern="1200" dirty="0" smtClean="0">
+              <a:solidFill>
+                <a:schemeClr val="tx1"/>
+              </a:solidFill>
+              <a:effectLst/>
+              <a:latin typeface="+mn-lt"/>
+              <a:ea typeface="+mn-ea"/>
+              <a:cs typeface="+mn-cs"/>
+            </a:endParaRPr>
+          </a:p>
+          <a:p>
+            <a:endParaRPr lang="en-US" dirty="0"/>
+          </a:p>
+        </p:txBody>
+      </p:sp>
+      <p:sp>
+        <p:nvSpPr>
+          <p:cNvPr id="4" name="Slide Number Placeholder 3"/>
+          <p:cNvSpPr>
+            <a:spLocks noGrp="1"/>
+          </p:cNvSpPr>
+          <p:nvPr>
+            <p:ph type="sldNum" sz="quarter" idx="10"/>
+          </p:nvPr>
+        </p:nvSpPr>
+        <p:spPr/>
+        <p:txBody>
+          <a:bodyPr/>
+          <a:lstStyle/>
+          <a:p>
+            <a:fld id="{98F6404F-8860-4E8E-8C68-E516B4EA8F20}" type="slidenum">
+              <a:rPr lang="en-US" smtClean="0"/>
+              <a:t>10</a:t>
+            </a:fld>
+            <a:endParaRPr lang="en-US"/>
+          </a:p>
+        </p:txBody>
+      </p:sp>
+    </p:spTree>
+    <p:extLst>
+      <p:ext uri="{BB962C8B-B14F-4D97-AF65-F5344CB8AC3E}">
+        <p14:creationId xmlns:p14="http://schemas.microsoft.com/office/powerpoint/2010/main" val="3372766525"/>
       </p:ext>
     </p:extLst>
   </p:cSld>
@@ -18677,13 +18937,13 @@
   <p:clrMapOvr>
     <a:masterClrMapping/>
   </p:clrMapOvr>
-  <mc:AlternateContent xmlns:mc="http://schemas.openxmlformats.org/markup-compatibility/2006">
-    <mc:Choice xmlns:p14="http://schemas.microsoft.com/office/powerpoint/2010/main" Requires="p14">
+  <mc:AlternateContent xmlns:mc="http://schemas.openxmlformats.org/markup-compatibility/2006" xmlns:p14="http://schemas.microsoft.com/office/powerpoint/2010/main">
+    <mc:Choice Requires="p14">
       <p:transition spd="slow" p14:dur="800">
         <p:push dir="u"/>
       </p:transition>
     </mc:Choice>
-    <mc:Fallback>
+    <mc:Fallback xmlns="">
       <p:transition spd="slow">
         <p:push dir="u"/>
       </p:transition>
@@ -18700,8 +18960,22 @@
 </file>
 
 <file path=ppt/slides/slide10.xml><?xml version="1.0" encoding="utf-8"?>
-<p:sld xmlns:a="http://schemas.openxmlformats.org/drawingml/2006/main" xmlns:r="http://schemas.openxmlformats.org/officeDocument/2006/relationships" xmlns:p="http://schemas.openxmlformats.org/presentationml/2006/main">
+<p:sld xmlns:a="http://schemas.openxmlformats.org/drawingml/2006/main" xmlns:r="http://schemas.openxmlformats.org/officeDocument/2006/relationships" xmlns:p="http://schemas.openxmlformats.org/presentationml/2006/main" showMasterSp="0">
   <p:cSld>
+    <p:bg>
+      <p:bgPr>
+        <a:blipFill dpi="0" rotWithShape="1">
+          <a:blip r:embed="rId3">
+            <a:lum/>
+          </a:blip>
+          <a:srcRect/>
+          <a:stretch>
+            <a:fillRect/>
+          </a:stretch>
+        </a:blipFill>
+        <a:effectLst/>
+      </p:bgPr>
+    </p:bg>
     <p:spTree>
       <p:nvGrpSpPr>
         <p:cNvPr id="1" name=""/>
@@ -18718,238 +18992,242 @@
       </p:grpSpPr>
       <p:sp>
         <p:nvSpPr>
-          <p:cNvPr id="2" name="Title 1"/>
-          <p:cNvSpPr>
-            <a:spLocks noGrp="1"/>
-          </p:cNvSpPr>
-          <p:nvPr>
-            <p:ph type="title"/>
-          </p:nvPr>
+          <p:cNvPr id="6" name="Rectangle 5"/>
+          <p:cNvSpPr/>
+          <p:nvPr/>
         </p:nvSpPr>
         <p:spPr>
           <a:xfrm>
-            <a:off x="868680" y="304800"/>
-            <a:ext cx="7406640" cy="626533"/>
-          </a:xfrm>
-        </p:spPr>
-        <p:txBody>
-          <a:bodyPr>
-            <a:normAutofit fontScale="90000"/>
-          </a:bodyPr>
-          <a:lstStyle/>
-          <a:p>
-            <a:r>
-              <a:rPr lang="en-US" dirty="0" smtClean="0">
-                <a:latin typeface="Arial" panose="020B0604020202020204" pitchFamily="34" charset="0"/>
-                <a:cs typeface="Arial" panose="020B0604020202020204" pitchFamily="34" charset="0"/>
-              </a:rPr>
-              <a:t>Phương </a:t>
-            </a:r>
-            <a:r>
-              <a:rPr lang="en-US" dirty="0">
-                <a:latin typeface="Arial" panose="020B0604020202020204" pitchFamily="34" charset="0"/>
-                <a:cs typeface="Arial" panose="020B0604020202020204" pitchFamily="34" charset="0"/>
-              </a:rPr>
-              <a:t>thức hoạt </a:t>
-            </a:r>
-            <a:r>
-              <a:rPr lang="en-US" dirty="0" smtClean="0">
-                <a:latin typeface="Arial" panose="020B0604020202020204" pitchFamily="34" charset="0"/>
-                <a:cs typeface="Arial" panose="020B0604020202020204" pitchFamily="34" charset="0"/>
-              </a:rPr>
-              <a:t>động</a:t>
-            </a:r>
-            <a:endParaRPr lang="en-US" dirty="0">
-              <a:latin typeface="Arial" panose="020B0604020202020204" pitchFamily="34" charset="0"/>
-              <a:cs typeface="Arial" panose="020B0604020202020204" pitchFamily="34" charset="0"/>
-            </a:endParaRPr>
-          </a:p>
-        </p:txBody>
-      </p:sp>
-      <p:pic>
-        <p:nvPicPr>
-          <p:cNvPr id="3074" name="Picture 2" descr="cách ntp hoạt động - how ntp works"/>
-          <p:cNvPicPr>
-            <a:picLocks noChangeAspect="1" noChangeArrowheads="1"/>
-          </p:cNvPicPr>
-          <p:nvPr/>
-        </p:nvPicPr>
-        <p:blipFill>
-          <a:blip r:embed="rId2">
-            <a:extLst>
-              <a:ext uri="{28A0092B-C50C-407E-A947-70E740481C1C}">
-                <a14:useLocalDpi xmlns:a14="http://schemas.microsoft.com/office/drawing/2010/main" val="0"/>
-              </a:ext>
-            </a:extLst>
-          </a:blip>
-          <a:srcRect/>
-          <a:stretch>
-            <a:fillRect/>
-          </a:stretch>
-        </p:blipFill>
-        <p:spPr bwMode="auto">
-          <a:xfrm>
-            <a:off x="489397" y="1027907"/>
-            <a:ext cx="8165206" cy="4438448"/>
+            <a:off x="110067" y="188685"/>
+            <a:ext cx="8881533" cy="6533847"/>
           </a:xfrm>
           <a:prstGeom prst="rect">
             <a:avLst/>
           </a:prstGeom>
           <a:noFill/>
           <a:ln>
-            <a:noFill/>
+            <a:solidFill>
+              <a:schemeClr val="tx1"/>
+            </a:solidFill>
           </a:ln>
-          <a:extLst>
-            <a:ext uri="{909E8E84-426E-40DD-AFC4-6F175D3DCCD1}">
-              <a14:hiddenFill xmlns:a14="http://schemas.microsoft.com/office/drawing/2010/main">
-                <a:solidFill>
-                  <a:srgbClr val="FFFFFF"/>
-                </a:solidFill>
-              </a14:hiddenFill>
-            </a:ext>
-            <a:ext uri="{91240B29-F687-4F45-9708-019B960494DF}">
-              <a14:hiddenLine xmlns:a14="http://schemas.microsoft.com/office/drawing/2010/main" w="9525">
-                <a:solidFill>
-                  <a:srgbClr val="000000"/>
-                </a:solidFill>
-                <a:miter lim="800000"/>
-                <a:headEnd/>
-                <a:tailEnd/>
-              </a14:hiddenLine>
-            </a:ext>
-          </a:extLst>
         </p:spPr>
-      </p:pic>
+        <p:style>
+          <a:lnRef idx="2">
+            <a:schemeClr val="accent1">
+              <a:shade val="50000"/>
+            </a:schemeClr>
+          </a:lnRef>
+          <a:fillRef idx="1">
+            <a:schemeClr val="accent1"/>
+          </a:fillRef>
+          <a:effectRef idx="0">
+            <a:schemeClr val="accent1"/>
+          </a:effectRef>
+          <a:fontRef idx="minor">
+            <a:schemeClr val="lt1"/>
+          </a:fontRef>
+        </p:style>
+        <p:txBody>
+          <a:bodyPr rtlCol="0" anchor="ctr"/>
+          <a:lstStyle/>
+          <a:p>
+            <a:pPr algn="ctr"/>
+            <a:endParaRPr lang="en-US"/>
+          </a:p>
+        </p:txBody>
+      </p:sp>
       <p:sp>
         <p:nvSpPr>
-          <p:cNvPr id="3" name="Rectangle 2"/>
-          <p:cNvSpPr/>
+          <p:cNvPr id="8" name="Title 1"/>
+          <p:cNvSpPr txBox="1">
+            <a:spLocks/>
+          </p:cNvSpPr>
           <p:nvPr/>
         </p:nvSpPr>
         <p:spPr>
           <a:xfrm>
-            <a:off x="2958704" y="5812277"/>
-            <a:ext cx="2608406" cy="507831"/>
+            <a:off x="186267" y="312392"/>
+            <a:ext cx="7748246" cy="596918"/>
           </a:xfrm>
           <a:prstGeom prst="rect">
             <a:avLst/>
           </a:prstGeom>
         </p:spPr>
         <p:txBody>
-          <a:bodyPr wrap="none">
+          <a:bodyPr>
+            <a:normAutofit/>
+          </a:bodyPr>
+          <a:lstStyle>
+            <a:lvl1pPr algn="l" defTabSz="685800" rtl="0" eaLnBrk="1" latinLnBrk="0" hangingPunct="1">
+              <a:lnSpc>
+                <a:spcPct val="90000"/>
+              </a:lnSpc>
+              <a:spcBef>
+                <a:spcPct val="0"/>
+              </a:spcBef>
+              <a:buNone/>
+              <a:defRPr sz="4000" kern="1200">
+                <a:solidFill>
+                  <a:schemeClr val="tx1"/>
+                </a:solidFill>
+                <a:latin typeface="+mj-lt"/>
+                <a:ea typeface="+mj-ea"/>
+                <a:cs typeface="+mj-cs"/>
+              </a:defRPr>
+            </a:lvl1pPr>
+          </a:lstStyle>
+          <a:p>
+            <a:pPr lvl="0"/>
+            <a:r>
+              <a:rPr lang="en-US" sz="3000" b="1" dirty="0" smtClean="0">
+                <a:latin typeface="Calibri" panose="020F0502020204030204" pitchFamily="34" charset="0"/>
+                <a:cs typeface="Calibri" panose="020F0502020204030204" pitchFamily="34" charset="0"/>
+              </a:rPr>
+              <a:t>II. </a:t>
+            </a:r>
+            <a:r>
+              <a:rPr lang="en-US" sz="3200" b="1" dirty="0">
+                <a:latin typeface="Calibri" panose="020F0502020204030204" pitchFamily="34" charset="0"/>
+                <a:cs typeface="Calibri" panose="020F0502020204030204" pitchFamily="34" charset="0"/>
+              </a:rPr>
+              <a:t>Truyền dữ liệu ra ngoài sử dụng NTP</a:t>
+            </a:r>
+            <a:endParaRPr lang="en-US" sz="3200" b="1" dirty="0">
+              <a:latin typeface="Calibri" panose="020F0502020204030204" pitchFamily="34" charset="0"/>
+              <a:cs typeface="Calibri" panose="020F0502020204030204" pitchFamily="34" charset="0"/>
+            </a:endParaRPr>
+          </a:p>
+        </p:txBody>
+      </p:sp>
+      <p:sp>
+        <p:nvSpPr>
+          <p:cNvPr id="4" name="Rectangle 3"/>
+          <p:cNvSpPr/>
+          <p:nvPr/>
+        </p:nvSpPr>
+        <p:spPr>
+          <a:xfrm>
+            <a:off x="394921" y="749005"/>
+            <a:ext cx="8066908" cy="492443"/>
+          </a:xfrm>
+          <a:prstGeom prst="rect">
+            <a:avLst/>
+          </a:prstGeom>
+        </p:spPr>
+        <p:txBody>
+          <a:bodyPr wrap="square">
             <a:spAutoFit/>
           </a:bodyPr>
           <a:lstStyle/>
           <a:p>
-            <a:pPr algn="ctr">
-              <a:lnSpc>
-                <a:spcPct val="150000"/>
-              </a:lnSpc>
+            <a:pPr marL="285750" indent="-285750">
+              <a:buFont typeface="Arial" panose="020B0604020202020204" pitchFamily="34" charset="0"/>
+              <a:buChar char="•"/>
             </a:pPr>
             <a:r>
-              <a:rPr lang="en-AU" b="1" dirty="0" err="1">
+              <a:rPr lang="en-US" sz="2600" dirty="0" smtClean="0">
                 <a:solidFill>
-                  <a:srgbClr val="000000"/>
+                  <a:srgbClr val="FF0000"/>
                 </a:solidFill>
-                <a:latin typeface="Arial" panose="020B0604020202020204" pitchFamily="34" charset="0"/>
-                <a:ea typeface="Calibri" panose="020F0502020204030204" pitchFamily="34" charset="0"/>
-                <a:cs typeface="Arial" panose="020B0604020202020204" pitchFamily="34" charset="0"/>
+                <a:latin typeface="Calibri" panose="020F0502020204030204" pitchFamily="34" charset="0"/>
+                <a:cs typeface="Calibri" panose="020F0502020204030204" pitchFamily="34" charset="0"/>
               </a:rPr>
-              <a:t>Mô</a:t>
+              <a:t>Khả năng truyền dữ liệu:</a:t>
+            </a:r>
+            <a:endParaRPr lang="en-US" sz="2600" dirty="0"/>
+          </a:p>
+        </p:txBody>
+      </p:sp>
+      <p:sp>
+        <p:nvSpPr>
+          <p:cNvPr id="2" name="Rectangle 1"/>
+          <p:cNvSpPr/>
+          <p:nvPr/>
+        </p:nvSpPr>
+        <p:spPr>
+          <a:xfrm>
+            <a:off x="394921" y="1678061"/>
+            <a:ext cx="8299136" cy="2677656"/>
+          </a:xfrm>
+          <a:prstGeom prst="rect">
+            <a:avLst/>
+          </a:prstGeom>
+        </p:spPr>
+        <p:txBody>
+          <a:bodyPr wrap="square">
+            <a:spAutoFit/>
+          </a:bodyPr>
+          <a:lstStyle/>
+          <a:p>
+            <a:r>
+              <a:rPr lang="en-US" sz="2400" dirty="0" smtClean="0">
+                <a:latin typeface="Calibri" panose="020F0502020204030204" pitchFamily="34" charset="0"/>
+                <a:cs typeface="Calibri" panose="020F0502020204030204" pitchFamily="34" charset="0"/>
+              </a:rPr>
+              <a:t>Khi truyền dữ liệu phải tuân thủ các trường định dạng theo tiêu chuẩn NTP.</a:t>
+            </a:r>
+          </a:p>
+          <a:p>
+            <a:endParaRPr lang="en-US" sz="2400" dirty="0" smtClean="0">
+              <a:latin typeface="Calibri" panose="020F0502020204030204" pitchFamily="34" charset="0"/>
+              <a:cs typeface="Calibri" panose="020F0502020204030204" pitchFamily="34" charset="0"/>
+            </a:endParaRPr>
+          </a:p>
+          <a:p>
+            <a:pPr marL="285750" indent="-285750">
+              <a:buFontTx/>
+              <a:buChar char="-"/>
+            </a:pPr>
+            <a:r>
+              <a:rPr lang="en-US" sz="2400" dirty="0" smtClean="0">
+                <a:latin typeface="Calibri" panose="020F0502020204030204" pitchFamily="34" charset="0"/>
+                <a:cs typeface="Calibri" panose="020F0502020204030204" pitchFamily="34" charset="0"/>
+              </a:rPr>
+              <a:t>LI </a:t>
             </a:r>
             <a:r>
-              <a:rPr lang="en-AU" b="1" dirty="0">
-                <a:solidFill>
-                  <a:srgbClr val="000000"/>
-                </a:solidFill>
-                <a:latin typeface="Arial" panose="020B0604020202020204" pitchFamily="34" charset="0"/>
-                <a:ea typeface="Calibri" panose="020F0502020204030204" pitchFamily="34" charset="0"/>
-                <a:cs typeface="Arial" panose="020B0604020202020204" pitchFamily="34" charset="0"/>
+              <a:rPr lang="en-US" sz="2400" dirty="0">
+                <a:latin typeface="Calibri" panose="020F0502020204030204" pitchFamily="34" charset="0"/>
+                <a:cs typeface="Calibri" panose="020F0502020204030204" pitchFamily="34" charset="0"/>
               </a:rPr>
-              <a:t> </a:t>
+              <a:t>(Leap indicator) </a:t>
             </a:r>
             <a:r>
-              <a:rPr lang="en-AU" b="1" dirty="0" err="1">
-                <a:solidFill>
-                  <a:srgbClr val="000000"/>
-                </a:solidFill>
-                <a:latin typeface="Arial" panose="020B0604020202020204" pitchFamily="34" charset="0"/>
-                <a:ea typeface="Calibri" panose="020F0502020204030204" pitchFamily="34" charset="0"/>
-                <a:cs typeface="Arial" panose="020B0604020202020204" pitchFamily="34" charset="0"/>
+              <a:rPr lang="en-US" sz="2400" dirty="0" smtClean="0">
+                <a:latin typeface="Calibri" panose="020F0502020204030204" pitchFamily="34" charset="0"/>
+                <a:cs typeface="Calibri" panose="020F0502020204030204" pitchFamily="34" charset="0"/>
               </a:rPr>
-              <a:t>hình</a:t>
+              <a:t>, Verion number (VN), Mode, Stratum. (2 byte)</a:t>
             </a:r>
+          </a:p>
+          <a:p>
+            <a:pPr marL="285750" indent="-285750">
+              <a:buFontTx/>
+              <a:buChar char="-"/>
+            </a:pPr>
             <a:r>
-              <a:rPr lang="en-AU" b="1" dirty="0">
-                <a:solidFill>
-                  <a:srgbClr val="000000"/>
-                </a:solidFill>
-                <a:latin typeface="Arial" panose="020B0604020202020204" pitchFamily="34" charset="0"/>
-                <a:ea typeface="Calibri" panose="020F0502020204030204" pitchFamily="34" charset="0"/>
-                <a:cs typeface="Arial" panose="020B0604020202020204" pitchFamily="34" charset="0"/>
+              <a:rPr lang="en-US" sz="2400" dirty="0" smtClean="0">
+                <a:latin typeface="Calibri" panose="020F0502020204030204" pitchFamily="34" charset="0"/>
+                <a:cs typeface="Calibri" panose="020F0502020204030204" pitchFamily="34" charset="0"/>
               </a:rPr>
-              <a:t> </a:t>
+              <a:t>Các trường khác có thể sử dụng để truyền dữ liệu</a:t>
             </a:r>
+          </a:p>
+          <a:p>
+            <a:pPr marL="285750" indent="-285750">
+              <a:buFontTx/>
+              <a:buChar char="-"/>
+            </a:pPr>
             <a:r>
-              <a:rPr lang="en-AU" b="1" dirty="0" err="1">
-                <a:solidFill>
-                  <a:srgbClr val="000000"/>
-                </a:solidFill>
-                <a:latin typeface="Arial" panose="020B0604020202020204" pitchFamily="34" charset="0"/>
-                <a:ea typeface="Calibri" panose="020F0502020204030204" pitchFamily="34" charset="0"/>
-                <a:cs typeface="Arial" panose="020B0604020202020204" pitchFamily="34" charset="0"/>
+              <a:rPr lang="en-US" sz="2400" dirty="0" smtClean="0">
+                <a:latin typeface="Calibri" panose="020F0502020204030204" pitchFamily="34" charset="0"/>
+                <a:cs typeface="Calibri" panose="020F0502020204030204" pitchFamily="34" charset="0"/>
               </a:rPr>
-              <a:t>giao</a:t>
+              <a:t>Đối với NTP version 3 dữ liệu có thể truyền tối đa là 46 byte</a:t>
             </a:r>
-            <a:r>
-              <a:rPr lang="en-AU" b="1" dirty="0">
-                <a:solidFill>
-                  <a:srgbClr val="000000"/>
-                </a:solidFill>
-                <a:latin typeface="Arial" panose="020B0604020202020204" pitchFamily="34" charset="0"/>
-                <a:ea typeface="Calibri" panose="020F0502020204030204" pitchFamily="34" charset="0"/>
-                <a:cs typeface="Arial" panose="020B0604020202020204" pitchFamily="34" charset="0"/>
-              </a:rPr>
-              <a:t> </a:t>
-            </a:r>
-            <a:r>
-              <a:rPr lang="en-AU" b="1" dirty="0" err="1">
-                <a:solidFill>
-                  <a:srgbClr val="000000"/>
-                </a:solidFill>
-                <a:latin typeface="Arial" panose="020B0604020202020204" pitchFamily="34" charset="0"/>
-                <a:ea typeface="Calibri" panose="020F0502020204030204" pitchFamily="34" charset="0"/>
-                <a:cs typeface="Arial" panose="020B0604020202020204" pitchFamily="34" charset="0"/>
-              </a:rPr>
-              <a:t>tiếp</a:t>
-            </a:r>
-            <a:r>
-              <a:rPr lang="en-AU" b="1" dirty="0">
-                <a:solidFill>
-                  <a:srgbClr val="000000"/>
-                </a:solidFill>
-                <a:latin typeface="Arial" panose="020B0604020202020204" pitchFamily="34" charset="0"/>
-                <a:ea typeface="Calibri" panose="020F0502020204030204" pitchFamily="34" charset="0"/>
-                <a:cs typeface="Arial" panose="020B0604020202020204" pitchFamily="34" charset="0"/>
-              </a:rPr>
-              <a:t> </a:t>
-            </a:r>
-            <a:r>
-              <a:rPr lang="en-AU" b="1" dirty="0" smtClean="0">
-                <a:solidFill>
-                  <a:srgbClr val="000000"/>
-                </a:solidFill>
-                <a:latin typeface="Arial" panose="020B0604020202020204" pitchFamily="34" charset="0"/>
-                <a:ea typeface="Calibri" panose="020F0502020204030204" pitchFamily="34" charset="0"/>
-                <a:cs typeface="Arial" panose="020B0604020202020204" pitchFamily="34" charset="0"/>
-              </a:rPr>
-              <a:t>NTP</a:t>
-            </a:r>
-            <a:endParaRPr lang="en-US" dirty="0">
-              <a:effectLst/>
-              <a:latin typeface="Arial" panose="020B0604020202020204" pitchFamily="34" charset="0"/>
-              <a:ea typeface="Calibri" panose="020F0502020204030204" pitchFamily="34" charset="0"/>
-              <a:cs typeface="Arial" panose="020B0604020202020204" pitchFamily="34" charset="0"/>
+            <a:endParaRPr lang="en-US" sz="2400" dirty="0">
+              <a:latin typeface="Calibri" panose="020F0502020204030204" pitchFamily="34" charset="0"/>
+              <a:cs typeface="Calibri" panose="020F0502020204030204" pitchFamily="34" charset="0"/>
             </a:endParaRPr>
           </a:p>
         </p:txBody>
@@ -18957,7 +19235,7 @@
     </p:spTree>
     <p:extLst>
       <p:ext uri="{BB962C8B-B14F-4D97-AF65-F5344CB8AC3E}">
-        <p14:creationId xmlns:p14="http://schemas.microsoft.com/office/powerpoint/2010/main" val="3586124718"/>
+        <p14:creationId xmlns:p14="http://schemas.microsoft.com/office/powerpoint/2010/main" val="1141976056"/>
       </p:ext>
     </p:extLst>
   </p:cSld>
@@ -19015,56 +19293,6 @@
       </p:grpSpPr>
       <p:sp>
         <p:nvSpPr>
-          <p:cNvPr id="3" name="Content Placeholder 2"/>
-          <p:cNvSpPr>
-            <a:spLocks noGrp="1"/>
-          </p:cNvSpPr>
-          <p:nvPr>
-            <p:ph idx="4294967295"/>
-          </p:nvPr>
-        </p:nvSpPr>
-        <p:spPr>
-          <a:xfrm>
-            <a:off x="301082" y="1081358"/>
-            <a:ext cx="7886700" cy="4351338"/>
-          </a:xfrm>
-        </p:spPr>
-        <p:txBody>
-          <a:bodyPr/>
-          <a:lstStyle/>
-          <a:p>
-            <a:pPr marL="0" indent="0">
-              <a:buNone/>
-            </a:pPr>
-            <a:r>
-              <a:rPr lang="en-US" sz="2800" dirty="0" smtClean="0">
-                <a:latin typeface="Arial" panose="020B0604020202020204" pitchFamily="34" charset="0"/>
-                <a:cs typeface="Arial" panose="020B0604020202020204" pitchFamily="34" charset="0"/>
-              </a:rPr>
-              <a:t>Mô </a:t>
-            </a:r>
-            <a:r>
-              <a:rPr lang="en-US" sz="2800" dirty="0" smtClean="0">
-                <a:latin typeface="Arial" panose="020B0604020202020204" pitchFamily="34" charset="0"/>
-                <a:cs typeface="Arial" panose="020B0604020202020204" pitchFamily="34" charset="0"/>
-              </a:rPr>
-              <a:t>hình thực nghiệm</a:t>
-            </a:r>
-            <a:endParaRPr lang="en-US" sz="2800" dirty="0" smtClean="0">
-              <a:latin typeface="Arial" panose="020B0604020202020204" pitchFamily="34" charset="0"/>
-              <a:cs typeface="Arial" panose="020B0604020202020204" pitchFamily="34" charset="0"/>
-            </a:endParaRPr>
-          </a:p>
-          <a:p>
-            <a:pPr marL="0" indent="0">
-              <a:buNone/>
-            </a:pPr>
-            <a:endParaRPr lang="en-US" dirty="0"/>
-          </a:p>
-        </p:txBody>
-      </p:sp>
-      <p:sp>
-        <p:nvSpPr>
           <p:cNvPr id="2" name="Title 1"/>
           <p:cNvSpPr>
             <a:spLocks noGrp="1"/>
@@ -19076,30 +19304,262 @@
         <p:spPr>
           <a:xfrm>
             <a:off x="479502" y="316126"/>
-            <a:ext cx="7094538" cy="671512"/>
+            <a:ext cx="4919812" cy="671512"/>
           </a:xfrm>
         </p:spPr>
         <p:txBody>
-          <a:bodyPr/>
+          <a:bodyPr>
+            <a:normAutofit/>
+          </a:bodyPr>
           <a:lstStyle/>
           <a:p>
             <a:r>
-              <a:rPr lang="en-US" dirty="0" smtClean="0">
-                <a:latin typeface="Arial" panose="020B0604020202020204" pitchFamily="34" charset="0"/>
-                <a:cs typeface="Arial" panose="020B0604020202020204" pitchFamily="34" charset="0"/>
+              <a:rPr lang="en-US" sz="3000" b="1" dirty="0" smtClean="0">
+                <a:latin typeface="Calibri" panose="020F0502020204030204" pitchFamily="34" charset="0"/>
+                <a:cs typeface="Calibri" panose="020F0502020204030204" pitchFamily="34" charset="0"/>
               </a:rPr>
-              <a:t>IV: Thực nghiệm</a:t>
+              <a:t>IV. Kết quả thử </a:t>
             </a:r>
-            <a:endParaRPr lang="en-US" dirty="0">
-              <a:latin typeface="Arial" panose="020B0604020202020204" pitchFamily="34" charset="0"/>
-              <a:cs typeface="Arial" panose="020B0604020202020204" pitchFamily="34" charset="0"/>
+            <a:r>
+              <a:rPr lang="en-US" sz="3000" b="1" dirty="0" smtClean="0">
+                <a:latin typeface="Calibri" panose="020F0502020204030204" pitchFamily="34" charset="0"/>
+                <a:cs typeface="Calibri" panose="020F0502020204030204" pitchFamily="34" charset="0"/>
+              </a:rPr>
+              <a:t>nghiệm</a:t>
+            </a:r>
+            <a:endParaRPr lang="en-US" sz="3000" b="1" dirty="0">
+              <a:latin typeface="Calibri" panose="020F0502020204030204" pitchFamily="34" charset="0"/>
+              <a:cs typeface="Calibri" panose="020F0502020204030204" pitchFamily="34" charset="0"/>
+            </a:endParaRPr>
+          </a:p>
+        </p:txBody>
+      </p:sp>
+      <p:sp>
+        <p:nvSpPr>
+          <p:cNvPr id="5" name="Rectangle 4"/>
+          <p:cNvSpPr/>
+          <p:nvPr/>
+        </p:nvSpPr>
+        <p:spPr>
+          <a:xfrm>
+            <a:off x="110067" y="67733"/>
+            <a:ext cx="8881533" cy="6654800"/>
+          </a:xfrm>
+          <a:prstGeom prst="rect">
+            <a:avLst/>
+          </a:prstGeom>
+          <a:noFill/>
+          <a:ln>
+            <a:solidFill>
+              <a:schemeClr val="tx1"/>
+            </a:solidFill>
+          </a:ln>
+        </p:spPr>
+        <p:style>
+          <a:lnRef idx="2">
+            <a:schemeClr val="accent1">
+              <a:shade val="50000"/>
+            </a:schemeClr>
+          </a:lnRef>
+          <a:fillRef idx="1">
+            <a:schemeClr val="accent1"/>
+          </a:fillRef>
+          <a:effectRef idx="0">
+            <a:schemeClr val="accent1"/>
+          </a:effectRef>
+          <a:fontRef idx="minor">
+            <a:schemeClr val="lt1"/>
+          </a:fontRef>
+        </p:style>
+        <p:txBody>
+          <a:bodyPr rtlCol="0" anchor="ctr"/>
+          <a:lstStyle/>
+          <a:p>
+            <a:pPr algn="ctr"/>
+            <a:endParaRPr lang="en-US"/>
+          </a:p>
+        </p:txBody>
+      </p:sp>
+      <p:pic>
+        <p:nvPicPr>
+          <p:cNvPr id="4" name="Picture 3"/>
+          <p:cNvPicPr>
+            <a:picLocks noChangeAspect="1"/>
+          </p:cNvPicPr>
+          <p:nvPr/>
+        </p:nvPicPr>
+        <p:blipFill>
+          <a:blip r:embed="rId3">
+            <a:extLst>
+              <a:ext uri="{28A0092B-C50C-407E-A947-70E740481C1C}">
+                <a14:useLocalDpi xmlns:a14="http://schemas.microsoft.com/office/drawing/2010/main" val="0"/>
+              </a:ext>
+            </a:extLst>
+          </a:blip>
+          <a:stretch>
+            <a:fillRect/>
+          </a:stretch>
+        </p:blipFill>
+        <p:spPr>
+          <a:xfrm>
+            <a:off x="627781" y="1631930"/>
+            <a:ext cx="7846103" cy="2596137"/>
+          </a:xfrm>
+          <a:prstGeom prst="rect">
+            <a:avLst/>
+          </a:prstGeom>
+        </p:spPr>
+      </p:pic>
+      <p:sp>
+        <p:nvSpPr>
+          <p:cNvPr id="6" name="Rectangle 5"/>
+          <p:cNvSpPr/>
+          <p:nvPr/>
+        </p:nvSpPr>
+        <p:spPr>
+          <a:xfrm>
+            <a:off x="3105564" y="4356976"/>
+            <a:ext cx="2760692" cy="461665"/>
+          </a:xfrm>
+          <a:prstGeom prst="rect">
+            <a:avLst/>
+          </a:prstGeom>
+        </p:spPr>
+        <p:txBody>
+          <a:bodyPr wrap="none">
+            <a:spAutoFit/>
+          </a:bodyPr>
+          <a:lstStyle/>
+          <a:p>
+            <a:r>
+              <a:rPr lang="en-US" sz="2400" dirty="0">
+                <a:latin typeface="Calibri" panose="020F0502020204030204" pitchFamily="34" charset="0"/>
+                <a:cs typeface="Calibri" panose="020F0502020204030204" pitchFamily="34" charset="0"/>
+              </a:rPr>
+              <a:t>Mô hình </a:t>
+            </a:r>
+            <a:r>
+              <a:rPr lang="en-US" sz="2400" dirty="0" smtClean="0">
+                <a:latin typeface="Calibri" panose="020F0502020204030204" pitchFamily="34" charset="0"/>
+                <a:cs typeface="Calibri" panose="020F0502020204030204" pitchFamily="34" charset="0"/>
+              </a:rPr>
+              <a:t>thử </a:t>
+            </a:r>
+            <a:r>
+              <a:rPr lang="en-US" sz="2400" dirty="0">
+                <a:latin typeface="Calibri" panose="020F0502020204030204" pitchFamily="34" charset="0"/>
+                <a:cs typeface="Calibri" panose="020F0502020204030204" pitchFamily="34" charset="0"/>
+              </a:rPr>
+              <a:t>nghiệm</a:t>
+            </a:r>
+          </a:p>
+        </p:txBody>
+      </p:sp>
+    </p:spTree>
+    <p:extLst>
+      <p:ext uri="{BB962C8B-B14F-4D97-AF65-F5344CB8AC3E}">
+        <p14:creationId xmlns:p14="http://schemas.microsoft.com/office/powerpoint/2010/main" val="307364564"/>
+      </p:ext>
+    </p:extLst>
+  </p:cSld>
+  <p:clrMapOvr>
+    <a:masterClrMapping/>
+  </p:clrMapOvr>
+  <mc:AlternateContent xmlns:mc="http://schemas.openxmlformats.org/markup-compatibility/2006" xmlns:p14="http://schemas.microsoft.com/office/powerpoint/2010/main">
+    <mc:Choice Requires="p14">
+      <p:transition spd="slow" p14:dur="2000"/>
+    </mc:Choice>
+    <mc:Fallback xmlns="">
+      <p:transition spd="slow"/>
+    </mc:Fallback>
+  </mc:AlternateContent>
+  <p:timing>
+    <p:tnLst>
+      <p:par>
+        <p:cTn id="1" dur="indefinite" restart="never" nodeType="tmRoot"/>
+      </p:par>
+    </p:tnLst>
+  </p:timing>
+</p:sld>
+</file>
+
+<file path=ppt/slides/slide12.xml><?xml version="1.0" encoding="utf-8"?>
+<p:sld xmlns:a="http://schemas.openxmlformats.org/drawingml/2006/main" xmlns:r="http://schemas.openxmlformats.org/officeDocument/2006/relationships" xmlns:p="http://schemas.openxmlformats.org/presentationml/2006/main" showMasterSp="0">
+  <p:cSld>
+    <p:bg>
+      <p:bgPr>
+        <a:blipFill dpi="0" rotWithShape="1">
+          <a:blip r:embed="rId2">
+            <a:lum/>
+          </a:blip>
+          <a:srcRect/>
+          <a:stretch>
+            <a:fillRect/>
+          </a:stretch>
+        </a:blipFill>
+        <a:effectLst/>
+      </p:bgPr>
+    </p:bg>
+    <p:spTree>
+      <p:nvGrpSpPr>
+        <p:cNvPr id="1" name=""/>
+        <p:cNvGrpSpPr/>
+        <p:nvPr/>
+      </p:nvGrpSpPr>
+      <p:grpSpPr>
+        <a:xfrm>
+          <a:off x="0" y="0"/>
+          <a:ext cx="0" cy="0"/>
+          <a:chOff x="0" y="0"/>
+          <a:chExt cx="0" cy="0"/>
+        </a:xfrm>
+      </p:grpSpPr>
+      <p:sp>
+        <p:nvSpPr>
+          <p:cNvPr id="3" name="Content Placeholder 2"/>
+          <p:cNvSpPr>
+            <a:spLocks noGrp="1"/>
+          </p:cNvSpPr>
+          <p:nvPr>
+            <p:ph idx="1"/>
+          </p:nvPr>
+        </p:nvSpPr>
+        <p:spPr>
+          <a:xfrm>
+            <a:off x="479502" y="1002054"/>
+            <a:ext cx="7585656" cy="438785"/>
+          </a:xfrm>
+        </p:spPr>
+        <p:txBody>
+          <a:bodyPr>
+            <a:noAutofit/>
+          </a:bodyPr>
+          <a:lstStyle/>
+          <a:p>
+            <a:pPr marL="342900" indent="-342900"/>
+            <a:r>
+              <a:rPr lang="en-US" sz="2600" dirty="0" smtClean="0">
+                <a:solidFill>
+                  <a:srgbClr val="FF0000"/>
+                </a:solidFill>
+                <a:latin typeface="Calibri" panose="020F0502020204030204" pitchFamily="34" charset="0"/>
+                <a:cs typeface="Calibri" panose="020F0502020204030204" pitchFamily="34" charset="0"/>
+              </a:rPr>
+              <a:t>Nội dung file password.txt</a:t>
+            </a:r>
+            <a:endParaRPr lang="en-US" sz="2600" dirty="0">
+              <a:solidFill>
+                <a:srgbClr val="FF0000"/>
+              </a:solidFill>
+              <a:latin typeface="Calibri" panose="020F0502020204030204" pitchFamily="34" charset="0"/>
+              <a:cs typeface="Calibri" panose="020F0502020204030204" pitchFamily="34" charset="0"/>
             </a:endParaRPr>
           </a:p>
         </p:txBody>
       </p:sp>
       <p:pic>
         <p:nvPicPr>
-          <p:cNvPr id="4100" name="Picture 1"/>
+          <p:cNvPr id="5122" name="Picture 1"/>
           <p:cNvPicPr>
             <a:picLocks noChangeAspect="1" noChangeArrowheads="1"/>
           </p:cNvPicPr>
@@ -19120,8 +19580,558 @@
         </p:blipFill>
         <p:spPr bwMode="auto">
           <a:xfrm>
-            <a:off x="690861" y="1735666"/>
-            <a:ext cx="7772534" cy="2573866"/>
+            <a:off x="110067" y="1537982"/>
+            <a:ext cx="8873512" cy="5087408"/>
+          </a:xfrm>
+          <a:prstGeom prst="rect">
+            <a:avLst/>
+          </a:prstGeom>
+          <a:noFill/>
+          <a:ln>
+            <a:noFill/>
+          </a:ln>
+          <a:extLst>
+            <a:ext uri="{909E8E84-426E-40DD-AFC4-6F175D3DCCD1}">
+              <a14:hiddenFill xmlns:a14="http://schemas.microsoft.com/office/drawing/2010/main">
+                <a:solidFill>
+                  <a:srgbClr val="FFFFFF"/>
+                </a:solidFill>
+              </a14:hiddenFill>
+            </a:ext>
+            <a:ext uri="{91240B29-F687-4F45-9708-019B960494DF}">
+              <a14:hiddenLine xmlns:a14="http://schemas.microsoft.com/office/drawing/2010/main" w="9525">
+                <a:solidFill>
+                  <a:srgbClr val="000000"/>
+                </a:solidFill>
+                <a:miter lim="800000"/>
+                <a:headEnd/>
+                <a:tailEnd/>
+              </a14:hiddenLine>
+            </a:ext>
+          </a:extLst>
+        </p:spPr>
+      </p:pic>
+      <p:sp>
+        <p:nvSpPr>
+          <p:cNvPr id="7" name="Rectangle 6"/>
+          <p:cNvSpPr/>
+          <p:nvPr/>
+        </p:nvSpPr>
+        <p:spPr>
+          <a:xfrm>
+            <a:off x="110067" y="67733"/>
+            <a:ext cx="8881533" cy="6654800"/>
+          </a:xfrm>
+          <a:prstGeom prst="rect">
+            <a:avLst/>
+          </a:prstGeom>
+          <a:noFill/>
+          <a:ln>
+            <a:solidFill>
+              <a:schemeClr val="tx1"/>
+            </a:solidFill>
+          </a:ln>
+        </p:spPr>
+        <p:style>
+          <a:lnRef idx="2">
+            <a:schemeClr val="accent1">
+              <a:shade val="50000"/>
+            </a:schemeClr>
+          </a:lnRef>
+          <a:fillRef idx="1">
+            <a:schemeClr val="accent1"/>
+          </a:fillRef>
+          <a:effectRef idx="0">
+            <a:schemeClr val="accent1"/>
+          </a:effectRef>
+          <a:fontRef idx="minor">
+            <a:schemeClr val="lt1"/>
+          </a:fontRef>
+        </p:style>
+        <p:txBody>
+          <a:bodyPr rtlCol="0" anchor="ctr"/>
+          <a:lstStyle/>
+          <a:p>
+            <a:pPr algn="ctr"/>
+            <a:endParaRPr lang="en-US"/>
+          </a:p>
+        </p:txBody>
+      </p:sp>
+      <p:sp>
+        <p:nvSpPr>
+          <p:cNvPr id="8" name="Title 1"/>
+          <p:cNvSpPr>
+            <a:spLocks noGrp="1"/>
+          </p:cNvSpPr>
+          <p:nvPr>
+            <p:ph type="title" idx="4294967295"/>
+          </p:nvPr>
+        </p:nvSpPr>
+        <p:spPr>
+          <a:xfrm>
+            <a:off x="479502" y="316126"/>
+            <a:ext cx="4919812" cy="671512"/>
+          </a:xfrm>
+        </p:spPr>
+        <p:txBody>
+          <a:bodyPr>
+            <a:normAutofit/>
+          </a:bodyPr>
+          <a:lstStyle/>
+          <a:p>
+            <a:r>
+              <a:rPr lang="en-US" sz="3000" b="1" dirty="0" smtClean="0">
+                <a:latin typeface="Calibri" panose="020F0502020204030204" pitchFamily="34" charset="0"/>
+                <a:cs typeface="Calibri" panose="020F0502020204030204" pitchFamily="34" charset="0"/>
+              </a:rPr>
+              <a:t>IV. Kết quả thử </a:t>
+            </a:r>
+            <a:r>
+              <a:rPr lang="en-US" sz="3000" b="1" dirty="0" smtClean="0">
+                <a:latin typeface="Calibri" panose="020F0502020204030204" pitchFamily="34" charset="0"/>
+                <a:cs typeface="Calibri" panose="020F0502020204030204" pitchFamily="34" charset="0"/>
+              </a:rPr>
+              <a:t>nghiệm</a:t>
+            </a:r>
+            <a:endParaRPr lang="en-US" sz="3000" b="1" dirty="0">
+              <a:latin typeface="Calibri" panose="020F0502020204030204" pitchFamily="34" charset="0"/>
+              <a:cs typeface="Calibri" panose="020F0502020204030204" pitchFamily="34" charset="0"/>
+            </a:endParaRPr>
+          </a:p>
+        </p:txBody>
+      </p:sp>
+    </p:spTree>
+    <p:extLst>
+      <p:ext uri="{BB962C8B-B14F-4D97-AF65-F5344CB8AC3E}">
+        <p14:creationId xmlns:p14="http://schemas.microsoft.com/office/powerpoint/2010/main" val="2532016187"/>
+      </p:ext>
+    </p:extLst>
+  </p:cSld>
+  <p:clrMapOvr>
+    <a:masterClrMapping/>
+  </p:clrMapOvr>
+  <mc:AlternateContent xmlns:mc="http://schemas.openxmlformats.org/markup-compatibility/2006" xmlns:p14="http://schemas.microsoft.com/office/powerpoint/2010/main">
+    <mc:Choice Requires="p14">
+      <p:transition spd="slow" p14:dur="2000"/>
+    </mc:Choice>
+    <mc:Fallback xmlns="">
+      <p:transition spd="slow"/>
+    </mc:Fallback>
+  </mc:AlternateContent>
+  <p:timing>
+    <p:tnLst>
+      <p:par>
+        <p:cTn id="1" dur="indefinite" restart="never" nodeType="tmRoot"/>
+      </p:par>
+    </p:tnLst>
+  </p:timing>
+</p:sld>
+</file>
+
+<file path=ppt/slides/slide13.xml><?xml version="1.0" encoding="utf-8"?>
+<p:sld xmlns:a="http://schemas.openxmlformats.org/drawingml/2006/main" xmlns:r="http://schemas.openxmlformats.org/officeDocument/2006/relationships" xmlns:p="http://schemas.openxmlformats.org/presentationml/2006/main" showMasterSp="0">
+  <p:cSld>
+    <p:bg>
+      <p:bgPr>
+        <a:blipFill dpi="0" rotWithShape="1">
+          <a:blip r:embed="rId2">
+            <a:lum/>
+          </a:blip>
+          <a:srcRect/>
+          <a:stretch>
+            <a:fillRect/>
+          </a:stretch>
+        </a:blipFill>
+        <a:effectLst/>
+      </p:bgPr>
+    </p:bg>
+    <p:spTree>
+      <p:nvGrpSpPr>
+        <p:cNvPr id="1" name=""/>
+        <p:cNvGrpSpPr/>
+        <p:nvPr/>
+      </p:nvGrpSpPr>
+      <p:grpSpPr>
+        <a:xfrm>
+          <a:off x="0" y="0"/>
+          <a:ext cx="0" cy="0"/>
+          <a:chOff x="0" y="0"/>
+          <a:chExt cx="0" cy="0"/>
+        </a:xfrm>
+      </p:grpSpPr>
+      <p:sp>
+        <p:nvSpPr>
+          <p:cNvPr id="2" name="Title 1"/>
+          <p:cNvSpPr>
+            <a:spLocks noGrp="1"/>
+          </p:cNvSpPr>
+          <p:nvPr>
+            <p:ph type="title" idx="4294967295"/>
+          </p:nvPr>
+        </p:nvSpPr>
+        <p:spPr>
+          <a:xfrm>
+            <a:off x="251344" y="769257"/>
+            <a:ext cx="5376127" cy="686063"/>
+          </a:xfrm>
+        </p:spPr>
+        <p:txBody>
+          <a:bodyPr>
+            <a:normAutofit/>
+          </a:bodyPr>
+          <a:lstStyle/>
+          <a:p>
+            <a:pPr marL="457200" indent="-457200">
+              <a:buFont typeface="Arial" panose="020B0604020202020204" pitchFamily="34" charset="0"/>
+              <a:buChar char="•"/>
+            </a:pPr>
+            <a:r>
+              <a:rPr lang="en-US" sz="2600" dirty="0" err="1">
+                <a:solidFill>
+                  <a:srgbClr val="FF0000"/>
+                </a:solidFill>
+                <a:latin typeface="Calibri" panose="020F0502020204030204" pitchFamily="34" charset="0"/>
+                <a:cs typeface="Calibri" panose="020F0502020204030204" pitchFamily="34" charset="0"/>
+              </a:rPr>
+              <a:t>Khởi</a:t>
+            </a:r>
+            <a:r>
+              <a:rPr lang="en-US" sz="2600" dirty="0">
+                <a:solidFill>
+                  <a:srgbClr val="FF0000"/>
+                </a:solidFill>
+                <a:latin typeface="Calibri" panose="020F0502020204030204" pitchFamily="34" charset="0"/>
+                <a:cs typeface="Calibri" panose="020F0502020204030204" pitchFamily="34" charset="0"/>
+              </a:rPr>
+              <a:t> </a:t>
+            </a:r>
+            <a:r>
+              <a:rPr lang="en-US" sz="2600" dirty="0" err="1">
+                <a:solidFill>
+                  <a:srgbClr val="FF0000"/>
+                </a:solidFill>
+                <a:latin typeface="Calibri" panose="020F0502020204030204" pitchFamily="34" charset="0"/>
+                <a:cs typeface="Calibri" panose="020F0502020204030204" pitchFamily="34" charset="0"/>
+              </a:rPr>
+              <a:t>chạy</a:t>
+            </a:r>
+            <a:r>
+              <a:rPr lang="en-US" sz="2600" dirty="0">
+                <a:solidFill>
+                  <a:srgbClr val="FF0000"/>
+                </a:solidFill>
+                <a:latin typeface="Calibri" panose="020F0502020204030204" pitchFamily="34" charset="0"/>
+                <a:cs typeface="Calibri" panose="020F0502020204030204" pitchFamily="34" charset="0"/>
+              </a:rPr>
+              <a:t> </a:t>
+            </a:r>
+            <a:r>
+              <a:rPr lang="en-US" sz="2600" dirty="0" err="1">
+                <a:solidFill>
+                  <a:srgbClr val="FF0000"/>
+                </a:solidFill>
+                <a:latin typeface="Calibri" panose="020F0502020204030204" pitchFamily="34" charset="0"/>
+                <a:cs typeface="Calibri" panose="020F0502020204030204" pitchFamily="34" charset="0"/>
+              </a:rPr>
+              <a:t>trên</a:t>
+            </a:r>
+            <a:r>
+              <a:rPr lang="en-US" sz="2600" dirty="0">
+                <a:solidFill>
+                  <a:srgbClr val="FF0000"/>
+                </a:solidFill>
+                <a:latin typeface="Calibri" panose="020F0502020204030204" pitchFamily="34" charset="0"/>
+                <a:cs typeface="Calibri" panose="020F0502020204030204" pitchFamily="34" charset="0"/>
+              </a:rPr>
+              <a:t> server</a:t>
+            </a:r>
+          </a:p>
+        </p:txBody>
+      </p:sp>
+      <p:pic>
+        <p:nvPicPr>
+          <p:cNvPr id="5" name="Picture 4"/>
+          <p:cNvPicPr>
+            <a:picLocks noChangeAspect="1"/>
+          </p:cNvPicPr>
+          <p:nvPr/>
+        </p:nvPicPr>
+        <p:blipFill>
+          <a:blip r:embed="rId3"/>
+          <a:stretch>
+            <a:fillRect/>
+          </a:stretch>
+        </p:blipFill>
+        <p:spPr>
+          <a:xfrm>
+            <a:off x="211873" y="1455320"/>
+            <a:ext cx="8743441" cy="4461335"/>
+          </a:xfrm>
+          <a:prstGeom prst="rect">
+            <a:avLst/>
+          </a:prstGeom>
+          <a:blipFill>
+            <a:blip r:embed="rId2"/>
+            <a:stretch>
+              <a:fillRect/>
+            </a:stretch>
+          </a:blipFill>
+        </p:spPr>
+      </p:pic>
+      <p:sp>
+        <p:nvSpPr>
+          <p:cNvPr id="8" name="Rectangle 7"/>
+          <p:cNvSpPr/>
+          <p:nvPr/>
+        </p:nvSpPr>
+        <p:spPr>
+          <a:xfrm>
+            <a:off x="110067" y="67733"/>
+            <a:ext cx="8881533" cy="6654800"/>
+          </a:xfrm>
+          <a:prstGeom prst="rect">
+            <a:avLst/>
+          </a:prstGeom>
+          <a:noFill/>
+          <a:ln>
+            <a:solidFill>
+              <a:schemeClr val="tx1"/>
+            </a:solidFill>
+          </a:ln>
+        </p:spPr>
+        <p:style>
+          <a:lnRef idx="2">
+            <a:schemeClr val="accent1">
+              <a:shade val="50000"/>
+            </a:schemeClr>
+          </a:lnRef>
+          <a:fillRef idx="1">
+            <a:schemeClr val="accent1"/>
+          </a:fillRef>
+          <a:effectRef idx="0">
+            <a:schemeClr val="accent1"/>
+          </a:effectRef>
+          <a:fontRef idx="minor">
+            <a:schemeClr val="lt1"/>
+          </a:fontRef>
+        </p:style>
+        <p:txBody>
+          <a:bodyPr rtlCol="0" anchor="ctr"/>
+          <a:lstStyle/>
+          <a:p>
+            <a:pPr algn="ctr"/>
+            <a:endParaRPr lang="en-US"/>
+          </a:p>
+        </p:txBody>
+      </p:sp>
+      <p:sp>
+        <p:nvSpPr>
+          <p:cNvPr id="9" name="Title 1"/>
+          <p:cNvSpPr txBox="1">
+            <a:spLocks/>
+          </p:cNvSpPr>
+          <p:nvPr/>
+        </p:nvSpPr>
+        <p:spPr>
+          <a:xfrm>
+            <a:off x="479502" y="316126"/>
+            <a:ext cx="4919812" cy="671512"/>
+          </a:xfrm>
+          <a:prstGeom prst="rect">
+            <a:avLst/>
+          </a:prstGeom>
+        </p:spPr>
+        <p:txBody>
+          <a:bodyPr vert="horz" lIns="91440" tIns="45720" rIns="91440" bIns="45720" rtlCol="0" anchor="ctr">
+            <a:normAutofit/>
+          </a:bodyPr>
+          <a:lstStyle>
+            <a:lvl1pPr algn="l" defTabSz="685800" rtl="0" eaLnBrk="1" latinLnBrk="0" hangingPunct="1">
+              <a:lnSpc>
+                <a:spcPct val="90000"/>
+              </a:lnSpc>
+              <a:spcBef>
+                <a:spcPct val="0"/>
+              </a:spcBef>
+              <a:buNone/>
+              <a:defRPr sz="4000" kern="1200">
+                <a:solidFill>
+                  <a:schemeClr val="tx1"/>
+                </a:solidFill>
+                <a:latin typeface="+mj-lt"/>
+                <a:ea typeface="+mj-ea"/>
+                <a:cs typeface="+mj-cs"/>
+              </a:defRPr>
+            </a:lvl1pPr>
+          </a:lstStyle>
+          <a:p>
+            <a:r>
+              <a:rPr lang="en-US" sz="3000" b="1" smtClean="0">
+                <a:latin typeface="Calibri" panose="020F0502020204030204" pitchFamily="34" charset="0"/>
+                <a:cs typeface="Calibri" panose="020F0502020204030204" pitchFamily="34" charset="0"/>
+              </a:rPr>
+              <a:t>IV. Kết quả thử nghiệm</a:t>
+            </a:r>
+            <a:endParaRPr lang="en-US" sz="3000" b="1" dirty="0">
+              <a:latin typeface="Calibri" panose="020F0502020204030204" pitchFamily="34" charset="0"/>
+              <a:cs typeface="Calibri" panose="020F0502020204030204" pitchFamily="34" charset="0"/>
+            </a:endParaRPr>
+          </a:p>
+        </p:txBody>
+      </p:sp>
+    </p:spTree>
+    <p:extLst>
+      <p:ext uri="{BB962C8B-B14F-4D97-AF65-F5344CB8AC3E}">
+        <p14:creationId xmlns:p14="http://schemas.microsoft.com/office/powerpoint/2010/main" val="2091734977"/>
+      </p:ext>
+    </p:extLst>
+  </p:cSld>
+  <p:clrMapOvr>
+    <a:masterClrMapping/>
+  </p:clrMapOvr>
+  <mc:AlternateContent xmlns:mc="http://schemas.openxmlformats.org/markup-compatibility/2006" xmlns:p14="http://schemas.microsoft.com/office/powerpoint/2010/main">
+    <mc:Choice Requires="p14">
+      <p:transition spd="slow" p14:dur="2000"/>
+    </mc:Choice>
+    <mc:Fallback xmlns="">
+      <p:transition spd="slow"/>
+    </mc:Fallback>
+  </mc:AlternateContent>
+  <p:timing>
+    <p:tnLst>
+      <p:par>
+        <p:cTn id="1" dur="indefinite" restart="never" nodeType="tmRoot"/>
+      </p:par>
+    </p:tnLst>
+  </p:timing>
+</p:sld>
+</file>
+
+<file path=ppt/slides/slide14.xml><?xml version="1.0" encoding="utf-8"?>
+<p:sld xmlns:a="http://schemas.openxmlformats.org/drawingml/2006/main" xmlns:r="http://schemas.openxmlformats.org/officeDocument/2006/relationships" xmlns:p="http://schemas.openxmlformats.org/presentationml/2006/main" showMasterSp="0">
+  <p:cSld>
+    <p:bg>
+      <p:bgPr>
+        <a:blipFill dpi="0" rotWithShape="1">
+          <a:blip r:embed="rId2">
+            <a:lum/>
+          </a:blip>
+          <a:srcRect/>
+          <a:stretch>
+            <a:fillRect/>
+          </a:stretch>
+        </a:blipFill>
+        <a:effectLst/>
+      </p:bgPr>
+    </p:bg>
+    <p:spTree>
+      <p:nvGrpSpPr>
+        <p:cNvPr id="1" name=""/>
+        <p:cNvGrpSpPr/>
+        <p:nvPr/>
+      </p:nvGrpSpPr>
+      <p:grpSpPr>
+        <a:xfrm>
+          <a:off x="0" y="0"/>
+          <a:ext cx="0" cy="0"/>
+          <a:chOff x="0" y="0"/>
+          <a:chExt cx="0" cy="0"/>
+        </a:xfrm>
+      </p:grpSpPr>
+      <p:sp>
+        <p:nvSpPr>
+          <p:cNvPr id="2" name="Title 1"/>
+          <p:cNvSpPr>
+            <a:spLocks noGrp="1"/>
+          </p:cNvSpPr>
+          <p:nvPr>
+            <p:ph type="title" idx="4294967295"/>
+          </p:nvPr>
+        </p:nvSpPr>
+        <p:spPr>
+          <a:xfrm>
+            <a:off x="213413" y="985517"/>
+            <a:ext cx="3193962" cy="741324"/>
+          </a:xfrm>
+        </p:spPr>
+        <p:txBody>
+          <a:bodyPr>
+            <a:normAutofit/>
+          </a:bodyPr>
+          <a:lstStyle/>
+          <a:p>
+            <a:pPr marL="457200" indent="-457200">
+              <a:buFont typeface="Arial" panose="020B0604020202020204" pitchFamily="34" charset="0"/>
+              <a:buChar char="•"/>
+            </a:pPr>
+            <a:r>
+              <a:rPr lang="en-US" sz="2600" dirty="0" err="1">
+                <a:solidFill>
+                  <a:srgbClr val="FF0000"/>
+                </a:solidFill>
+                <a:latin typeface="Calibri" panose="020F0502020204030204" pitchFamily="34" charset="0"/>
+                <a:cs typeface="Calibri" panose="020F0502020204030204" pitchFamily="34" charset="0"/>
+              </a:rPr>
+              <a:t>Khởi</a:t>
+            </a:r>
+            <a:r>
+              <a:rPr lang="en-US" sz="2600" dirty="0">
+                <a:solidFill>
+                  <a:srgbClr val="FF0000"/>
+                </a:solidFill>
+                <a:latin typeface="Calibri" panose="020F0502020204030204" pitchFamily="34" charset="0"/>
+                <a:cs typeface="Calibri" panose="020F0502020204030204" pitchFamily="34" charset="0"/>
+              </a:rPr>
+              <a:t> </a:t>
+            </a:r>
+            <a:r>
+              <a:rPr lang="en-US" sz="2600" dirty="0" err="1">
+                <a:solidFill>
+                  <a:srgbClr val="FF0000"/>
+                </a:solidFill>
+                <a:latin typeface="Calibri" panose="020F0502020204030204" pitchFamily="34" charset="0"/>
+                <a:cs typeface="Calibri" panose="020F0502020204030204" pitchFamily="34" charset="0"/>
+              </a:rPr>
+              <a:t>chạy</a:t>
+            </a:r>
+            <a:r>
+              <a:rPr lang="en-US" sz="2600" dirty="0">
+                <a:solidFill>
+                  <a:srgbClr val="FF0000"/>
+                </a:solidFill>
+                <a:latin typeface="Calibri" panose="020F0502020204030204" pitchFamily="34" charset="0"/>
+                <a:cs typeface="Calibri" panose="020F0502020204030204" pitchFamily="34" charset="0"/>
+              </a:rPr>
+              <a:t> client</a:t>
+            </a:r>
+          </a:p>
+        </p:txBody>
+      </p:sp>
+      <p:pic>
+        <p:nvPicPr>
+          <p:cNvPr id="7170" name="Picture 1"/>
+          <p:cNvPicPr>
+            <a:picLocks noChangeAspect="1" noChangeArrowheads="1"/>
+          </p:cNvPicPr>
+          <p:nvPr/>
+        </p:nvPicPr>
+        <p:blipFill>
+          <a:blip r:embed="rId3">
+            <a:extLst>
+              <a:ext uri="{28A0092B-C50C-407E-A947-70E740481C1C}">
+                <a14:useLocalDpi xmlns:a14="http://schemas.microsoft.com/office/drawing/2010/main" val="0"/>
+              </a:ext>
+            </a:extLst>
+          </a:blip>
+          <a:srcRect/>
+          <a:stretch>
+            <a:fillRect/>
+          </a:stretch>
+        </p:blipFill>
+        <p:spPr bwMode="auto">
+          <a:xfrm>
+            <a:off x="146353" y="1682939"/>
+            <a:ext cx="8845247" cy="5039594"/>
           </a:xfrm>
           <a:prstGeom prst="rect">
             <a:avLst/>
@@ -19197,10 +20207,65 @@
           </a:p>
         </p:txBody>
       </p:sp>
+      <p:sp>
+        <p:nvSpPr>
+          <p:cNvPr id="6" name="Title 1"/>
+          <p:cNvSpPr txBox="1">
+            <a:spLocks/>
+          </p:cNvSpPr>
+          <p:nvPr/>
+        </p:nvSpPr>
+        <p:spPr>
+          <a:xfrm>
+            <a:off x="479502" y="316126"/>
+            <a:ext cx="4919812" cy="671512"/>
+          </a:xfrm>
+          <a:prstGeom prst="rect">
+            <a:avLst/>
+          </a:prstGeom>
+        </p:spPr>
+        <p:txBody>
+          <a:bodyPr vert="horz" lIns="91440" tIns="45720" rIns="91440" bIns="45720" rtlCol="0" anchor="ctr">
+            <a:normAutofit/>
+          </a:bodyPr>
+          <a:lstStyle>
+            <a:lvl1pPr algn="l" defTabSz="685800" rtl="0" eaLnBrk="1" latinLnBrk="0" hangingPunct="1">
+              <a:lnSpc>
+                <a:spcPct val="90000"/>
+              </a:lnSpc>
+              <a:spcBef>
+                <a:spcPct val="0"/>
+              </a:spcBef>
+              <a:buNone/>
+              <a:defRPr sz="4000" kern="1200">
+                <a:solidFill>
+                  <a:schemeClr val="tx1"/>
+                </a:solidFill>
+                <a:latin typeface="+mj-lt"/>
+                <a:ea typeface="+mj-ea"/>
+                <a:cs typeface="+mj-cs"/>
+              </a:defRPr>
+            </a:lvl1pPr>
+          </a:lstStyle>
+          <a:p>
+            <a:r>
+              <a:rPr lang="en-US" sz="3000" b="1" smtClean="0">
+                <a:latin typeface="Calibri" panose="020F0502020204030204" pitchFamily="34" charset="0"/>
+                <a:cs typeface="Calibri" panose="020F0502020204030204" pitchFamily="34" charset="0"/>
+              </a:rPr>
+              <a:t>IV. Kết quả thử nghiệm</a:t>
+            </a:r>
+            <a:endParaRPr lang="en-US" sz="3000" b="1" dirty="0">
+              <a:latin typeface="Calibri" panose="020F0502020204030204" pitchFamily="34" charset="0"/>
+              <a:cs typeface="Calibri" panose="020F0502020204030204" pitchFamily="34" charset="0"/>
+            </a:endParaRPr>
+          </a:p>
+        </p:txBody>
+      </p:sp>
     </p:spTree>
     <p:extLst>
       <p:ext uri="{BB962C8B-B14F-4D97-AF65-F5344CB8AC3E}">
-        <p14:creationId xmlns:p14="http://schemas.microsoft.com/office/powerpoint/2010/main" val="307364564"/>
+        <p14:creationId xmlns:p14="http://schemas.microsoft.com/office/powerpoint/2010/main" val="3356502304"/>
       </p:ext>
     </p:extLst>
   </p:cSld>
@@ -19225,9 +20290,23 @@
 </p:sld>
 </file>
 
-<file path=ppt/slides/slide12.xml><?xml version="1.0" encoding="utf-8"?>
-<p:sld xmlns:a="http://schemas.openxmlformats.org/drawingml/2006/main" xmlns:r="http://schemas.openxmlformats.org/officeDocument/2006/relationships" xmlns:p="http://schemas.openxmlformats.org/presentationml/2006/main">
+<file path=ppt/slides/slide15.xml><?xml version="1.0" encoding="utf-8"?>
+<p:sld xmlns:a="http://schemas.openxmlformats.org/drawingml/2006/main" xmlns:r="http://schemas.openxmlformats.org/officeDocument/2006/relationships" xmlns:p="http://schemas.openxmlformats.org/presentationml/2006/main" showMasterSp="0">
   <p:cSld>
+    <p:bg>
+      <p:bgPr>
+        <a:blipFill dpi="0" rotWithShape="1">
+          <a:blip r:embed="rId2">
+            <a:lum/>
+          </a:blip>
+          <a:srcRect/>
+          <a:stretch>
+            <a:fillRect/>
+          </a:stretch>
+        </a:blipFill>
+        <a:effectLst/>
+      </p:bgPr>
+    </p:bg>
     <p:spTree>
       <p:nvGrpSpPr>
         <p:cNvPr id="1" name=""/>
@@ -19249,97 +20328,138 @@
             <a:spLocks noGrp="1"/>
           </p:cNvSpPr>
           <p:nvPr>
-            <p:ph type="title"/>
+            <p:ph type="title" idx="4294967295"/>
           </p:nvPr>
         </p:nvSpPr>
         <p:spPr>
           <a:xfrm>
-            <a:off x="188353" y="20860"/>
-            <a:ext cx="7886700" cy="1325563"/>
+            <a:off x="204904" y="918195"/>
+            <a:ext cx="5810715" cy="752384"/>
           </a:xfrm>
         </p:spPr>
         <p:txBody>
-          <a:bodyPr/>
+          <a:bodyPr>
+            <a:noAutofit/>
+          </a:bodyPr>
           <a:lstStyle/>
           <a:p>
-            <a:r>
-              <a:rPr lang="en-US" dirty="0" smtClean="0">
-                <a:latin typeface="Arial" panose="020B0604020202020204" pitchFamily="34" charset="0"/>
-                <a:cs typeface="Arial" panose="020B0604020202020204" pitchFamily="34" charset="0"/>
-              </a:rPr>
-              <a:t>V: Kết quả</a:t>
-            </a:r>
-            <a:endParaRPr lang="en-US" dirty="0">
-              <a:latin typeface="Arial" panose="020B0604020202020204" pitchFamily="34" charset="0"/>
-              <a:cs typeface="Arial" panose="020B0604020202020204" pitchFamily="34" charset="0"/>
-            </a:endParaRPr>
-          </a:p>
-        </p:txBody>
-      </p:sp>
-      <p:sp>
-        <p:nvSpPr>
-          <p:cNvPr id="3" name="Content Placeholder 2"/>
-          <p:cNvSpPr>
-            <a:spLocks noGrp="1"/>
-          </p:cNvSpPr>
-          <p:nvPr>
-            <p:ph idx="1"/>
-          </p:nvPr>
-        </p:nvSpPr>
-        <p:spPr>
-          <a:xfrm>
-            <a:off x="682580" y="1133341"/>
-            <a:ext cx="7585656" cy="4348162"/>
-          </a:xfrm>
-        </p:spPr>
-        <p:txBody>
-          <a:bodyPr/>
-          <a:lstStyle/>
-          <a:p>
-            <a:pPr marL="0" indent="0">
-              <a:buNone/>
+            <a:pPr marL="457200" indent="-457200">
+              <a:buFont typeface="Arial" panose="020B0604020202020204" pitchFamily="34" charset="0"/>
+              <a:buChar char="•"/>
             </a:pPr>
             <a:r>
-              <a:rPr lang="en-US" sz="2800" dirty="0" err="1">
-                <a:latin typeface="Arial" panose="020B0604020202020204" pitchFamily="34" charset="0"/>
-                <a:cs typeface="Arial" panose="020B0604020202020204" pitchFamily="34" charset="0"/>
+              <a:rPr lang="en-US" sz="2600" dirty="0" err="1">
+                <a:solidFill>
+                  <a:srgbClr val="FF0000"/>
+                </a:solidFill>
+                <a:latin typeface="Calibri" panose="020F0502020204030204" pitchFamily="34" charset="0"/>
+                <a:cs typeface="Calibri" panose="020F0502020204030204" pitchFamily="34" charset="0"/>
               </a:rPr>
-              <a:t>Nội</a:t>
+              <a:t>Kết</a:t>
             </a:r>
             <a:r>
-              <a:rPr lang="en-US" sz="2800" dirty="0">
-                <a:latin typeface="Arial" panose="020B0604020202020204" pitchFamily="34" charset="0"/>
-                <a:cs typeface="Arial" panose="020B0604020202020204" pitchFamily="34" charset="0"/>
+              <a:rPr lang="en-US" sz="2600" dirty="0">
+                <a:solidFill>
+                  <a:srgbClr val="FF0000"/>
+                </a:solidFill>
+                <a:latin typeface="Calibri" panose="020F0502020204030204" pitchFamily="34" charset="0"/>
+                <a:cs typeface="Calibri" panose="020F0502020204030204" pitchFamily="34" charset="0"/>
               </a:rPr>
-              <a:t> dung file </a:t>
+              <a:t> </a:t>
             </a:r>
             <a:r>
-              <a:rPr lang="en-US" sz="2800" dirty="0" smtClean="0">
-                <a:latin typeface="Arial" panose="020B0604020202020204" pitchFamily="34" charset="0"/>
-                <a:cs typeface="Arial" panose="020B0604020202020204" pitchFamily="34" charset="0"/>
+              <a:rPr lang="en-US" sz="2600" dirty="0" err="1">
+                <a:solidFill>
+                  <a:srgbClr val="FF0000"/>
+                </a:solidFill>
+                <a:latin typeface="Calibri" panose="020F0502020204030204" pitchFamily="34" charset="0"/>
+                <a:cs typeface="Calibri" panose="020F0502020204030204" pitchFamily="34" charset="0"/>
               </a:rPr>
-              <a:t>password.txt</a:t>
+              <a:t>quả</a:t>
             </a:r>
-            <a:endParaRPr lang="en-US" sz="2800" dirty="0">
-              <a:latin typeface="Arial" panose="020B0604020202020204" pitchFamily="34" charset="0"/>
-              <a:cs typeface="Arial" panose="020B0604020202020204" pitchFamily="34" charset="0"/>
-            </a:endParaRPr>
-          </a:p>
-          <a:p>
-            <a:endParaRPr lang="en-US" dirty="0"/>
+            <a:r>
+              <a:rPr lang="en-US" sz="2600" dirty="0">
+                <a:solidFill>
+                  <a:srgbClr val="FF0000"/>
+                </a:solidFill>
+                <a:latin typeface="Calibri" panose="020F0502020204030204" pitchFamily="34" charset="0"/>
+                <a:cs typeface="Calibri" panose="020F0502020204030204" pitchFamily="34" charset="0"/>
+              </a:rPr>
+              <a:t> </a:t>
+            </a:r>
+            <a:r>
+              <a:rPr lang="en-US" sz="2600" dirty="0" err="1">
+                <a:solidFill>
+                  <a:srgbClr val="FF0000"/>
+                </a:solidFill>
+                <a:latin typeface="Calibri" panose="020F0502020204030204" pitchFamily="34" charset="0"/>
+                <a:cs typeface="Calibri" panose="020F0502020204030204" pitchFamily="34" charset="0"/>
+              </a:rPr>
+              <a:t>thu</a:t>
+            </a:r>
+            <a:r>
+              <a:rPr lang="en-US" sz="2600" dirty="0">
+                <a:solidFill>
+                  <a:srgbClr val="FF0000"/>
+                </a:solidFill>
+                <a:latin typeface="Calibri" panose="020F0502020204030204" pitchFamily="34" charset="0"/>
+                <a:cs typeface="Calibri" panose="020F0502020204030204" pitchFamily="34" charset="0"/>
+              </a:rPr>
+              <a:t> </a:t>
+            </a:r>
+            <a:r>
+              <a:rPr lang="en-US" sz="2600" dirty="0" err="1">
+                <a:solidFill>
+                  <a:srgbClr val="FF0000"/>
+                </a:solidFill>
+                <a:latin typeface="Calibri" panose="020F0502020204030204" pitchFamily="34" charset="0"/>
+                <a:cs typeface="Calibri" panose="020F0502020204030204" pitchFamily="34" charset="0"/>
+              </a:rPr>
+              <a:t>được</a:t>
+            </a:r>
+            <a:r>
+              <a:rPr lang="en-US" sz="2600" dirty="0">
+                <a:solidFill>
+                  <a:srgbClr val="FF0000"/>
+                </a:solidFill>
+                <a:latin typeface="Calibri" panose="020F0502020204030204" pitchFamily="34" charset="0"/>
+                <a:cs typeface="Calibri" panose="020F0502020204030204" pitchFamily="34" charset="0"/>
+              </a:rPr>
+              <a:t> </a:t>
+            </a:r>
+            <a:r>
+              <a:rPr lang="en-US" sz="2600" dirty="0" err="1">
+                <a:solidFill>
+                  <a:srgbClr val="FF0000"/>
+                </a:solidFill>
+                <a:latin typeface="Calibri" panose="020F0502020204030204" pitchFamily="34" charset="0"/>
+                <a:cs typeface="Calibri" panose="020F0502020204030204" pitchFamily="34" charset="0"/>
+              </a:rPr>
+              <a:t>trên</a:t>
+            </a:r>
+            <a:r>
+              <a:rPr lang="en-US" sz="2600" dirty="0">
+                <a:solidFill>
+                  <a:srgbClr val="FF0000"/>
+                </a:solidFill>
+                <a:latin typeface="Calibri" panose="020F0502020204030204" pitchFamily="34" charset="0"/>
+                <a:cs typeface="Calibri" panose="020F0502020204030204" pitchFamily="34" charset="0"/>
+              </a:rPr>
+              <a:t> server</a:t>
+            </a:r>
           </a:p>
         </p:txBody>
       </p:sp>
       <p:pic>
         <p:nvPicPr>
-          <p:cNvPr id="5122" name="Picture 1"/>
+          <p:cNvPr id="8194" name="Picture 1"/>
           <p:cNvPicPr>
             <a:picLocks noChangeAspect="1" noChangeArrowheads="1"/>
           </p:cNvPicPr>
           <p:nvPr/>
         </p:nvPicPr>
         <p:blipFill>
-          <a:blip r:embed="rId2">
+          <a:blip r:embed="rId3">
             <a:extLst>
               <a:ext uri="{28A0092B-C50C-407E-A947-70E740481C1C}">
                 <a14:useLocalDpi xmlns:a14="http://schemas.microsoft.com/office/drawing/2010/main" val="0"/>
@@ -19353,8 +20473,8 @@
         </p:blipFill>
         <p:spPr bwMode="auto">
           <a:xfrm>
-            <a:off x="481858" y="1729540"/>
-            <a:ext cx="8338757" cy="4507605"/>
+            <a:off x="204904" y="1670579"/>
+            <a:ext cx="8605267" cy="5008877"/>
           </a:xfrm>
           <a:prstGeom prst="rect">
             <a:avLst/>
@@ -19384,10 +20504,111 @@
           </a:extLst>
         </p:spPr>
       </p:pic>
+      <p:sp>
+        <p:nvSpPr>
+          <p:cNvPr id="6" name="Rectangle 5"/>
+          <p:cNvSpPr/>
+          <p:nvPr/>
+        </p:nvSpPr>
+        <p:spPr>
+          <a:xfrm>
+            <a:off x="110067" y="67733"/>
+            <a:ext cx="8881533" cy="6654800"/>
+          </a:xfrm>
+          <a:prstGeom prst="rect">
+            <a:avLst/>
+          </a:prstGeom>
+          <a:noFill/>
+          <a:ln>
+            <a:solidFill>
+              <a:schemeClr val="tx1"/>
+            </a:solidFill>
+          </a:ln>
+        </p:spPr>
+        <p:style>
+          <a:lnRef idx="2">
+            <a:schemeClr val="accent1">
+              <a:shade val="50000"/>
+            </a:schemeClr>
+          </a:lnRef>
+          <a:fillRef idx="1">
+            <a:schemeClr val="accent1"/>
+          </a:fillRef>
+          <a:effectRef idx="0">
+            <a:schemeClr val="accent1"/>
+          </a:effectRef>
+          <a:fontRef idx="minor">
+            <a:schemeClr val="lt1"/>
+          </a:fontRef>
+        </p:style>
+        <p:txBody>
+          <a:bodyPr rtlCol="0" anchor="ctr"/>
+          <a:lstStyle/>
+          <a:p>
+            <a:pPr algn="ctr"/>
+            <a:endParaRPr lang="en-US"/>
+          </a:p>
+        </p:txBody>
+      </p:sp>
+      <p:sp>
+        <p:nvSpPr>
+          <p:cNvPr id="7" name="Title 1"/>
+          <p:cNvSpPr txBox="1">
+            <a:spLocks/>
+          </p:cNvSpPr>
+          <p:nvPr/>
+        </p:nvSpPr>
+        <p:spPr>
+          <a:xfrm>
+            <a:off x="479502" y="316126"/>
+            <a:ext cx="4919812" cy="671512"/>
+          </a:xfrm>
+          <a:prstGeom prst="rect">
+            <a:avLst/>
+          </a:prstGeom>
+        </p:spPr>
+        <p:txBody>
+          <a:bodyPr vert="horz" lIns="91440" tIns="45720" rIns="91440" bIns="45720" rtlCol="0" anchor="ctr">
+            <a:normAutofit/>
+          </a:bodyPr>
+          <a:lstStyle>
+            <a:lvl1pPr algn="l" defTabSz="685800" rtl="0" eaLnBrk="1" latinLnBrk="0" hangingPunct="1">
+              <a:lnSpc>
+                <a:spcPct val="90000"/>
+              </a:lnSpc>
+              <a:spcBef>
+                <a:spcPct val="0"/>
+              </a:spcBef>
+              <a:buNone/>
+              <a:defRPr sz="4000" kern="1200">
+                <a:solidFill>
+                  <a:schemeClr val="tx1"/>
+                </a:solidFill>
+                <a:latin typeface="+mj-lt"/>
+                <a:ea typeface="+mj-ea"/>
+                <a:cs typeface="+mj-cs"/>
+              </a:defRPr>
+            </a:lvl1pPr>
+          </a:lstStyle>
+          <a:p>
+            <a:r>
+              <a:rPr lang="en-US" sz="3000" b="1" smtClean="0">
+                <a:latin typeface="Calibri" panose="020F0502020204030204" pitchFamily="34" charset="0"/>
+                <a:cs typeface="Calibri" panose="020F0502020204030204" pitchFamily="34" charset="0"/>
+              </a:rPr>
+              <a:t>IV. Kết quả thử nghiệm</a:t>
+            </a:r>
+            <a:endParaRPr lang="en-US" sz="3000" b="1" dirty="0">
+              <a:latin typeface="Calibri" panose="020F0502020204030204" pitchFamily="34" charset="0"/>
+              <a:cs typeface="Calibri" panose="020F0502020204030204" pitchFamily="34" charset="0"/>
+            </a:endParaRPr>
+          </a:p>
+        </p:txBody>
+      </p:sp>
     </p:spTree>
     <p:extLst>
       <p:ext uri="{BB962C8B-B14F-4D97-AF65-F5344CB8AC3E}">
-        <p14:creationId xmlns:p14="http://schemas.microsoft.com/office/powerpoint/2010/main" val="2532016187"/>
+        <p14:creationId xmlns:p14="http://schemas.microsoft.com/office/powerpoint/2010/main" val="154634365"/>
       </p:ext>
     </p:extLst>
   </p:cSld>
@@ -19412,9 +20633,23 @@
 </p:sld>
 </file>
 
-<file path=ppt/slides/slide13.xml><?xml version="1.0" encoding="utf-8"?>
-<p:sld xmlns:a="http://schemas.openxmlformats.org/drawingml/2006/main" xmlns:r="http://schemas.openxmlformats.org/officeDocument/2006/relationships" xmlns:p="http://schemas.openxmlformats.org/presentationml/2006/main">
+<file path=ppt/slides/slide16.xml><?xml version="1.0" encoding="utf-8"?>
+<p:sld xmlns:a="http://schemas.openxmlformats.org/drawingml/2006/main" xmlns:r="http://schemas.openxmlformats.org/officeDocument/2006/relationships" xmlns:p="http://schemas.openxmlformats.org/presentationml/2006/main" showMasterSp="0">
   <p:cSld>
+    <p:bg>
+      <p:bgPr>
+        <a:blipFill dpi="0" rotWithShape="1">
+          <a:blip r:embed="rId2">
+            <a:lum/>
+          </a:blip>
+          <a:srcRect/>
+          <a:stretch>
+            <a:fillRect/>
+          </a:stretch>
+        </a:blipFill>
+        <a:effectLst/>
+      </p:bgPr>
+    </p:bg>
     <p:spTree>
       <p:nvGrpSpPr>
         <p:cNvPr id="1" name=""/>
@@ -19441,69 +20676,60 @@
         </p:nvSpPr>
         <p:spPr>
           <a:xfrm>
-            <a:off x="211873" y="0"/>
-            <a:ext cx="7886700" cy="1325563"/>
+            <a:off x="245328" y="798284"/>
+            <a:ext cx="7886700" cy="599849"/>
           </a:xfrm>
         </p:spPr>
         <p:txBody>
-          <a:bodyPr/>
+          <a:bodyPr>
+            <a:normAutofit/>
+          </a:bodyPr>
           <a:lstStyle/>
           <a:p>
+            <a:pPr marL="342900" indent="-342900">
+              <a:buFont typeface="Arial" panose="020B0604020202020204" pitchFamily="34" charset="0"/>
+              <a:buChar char="•"/>
+            </a:pPr>
             <a:r>
-              <a:rPr lang="en-US" dirty="0" err="1">
+              <a:rPr lang="en-US" sz="2400" dirty="0">
+                <a:solidFill>
+                  <a:srgbClr val="FF0000"/>
+                </a:solidFill>
                 <a:latin typeface="Arial" panose="020B0604020202020204" pitchFamily="34" charset="0"/>
                 <a:cs typeface="Arial" panose="020B0604020202020204" pitchFamily="34" charset="0"/>
               </a:rPr>
-              <a:t>Khởi</a:t>
+              <a:t>Kết quả </a:t>
             </a:r>
             <a:r>
-              <a:rPr lang="en-US" dirty="0">
+              <a:rPr lang="en-US" sz="2400" dirty="0" smtClean="0">
+                <a:solidFill>
+                  <a:srgbClr val="FF0000"/>
+                </a:solidFill>
                 <a:latin typeface="Arial" panose="020B0604020202020204" pitchFamily="34" charset="0"/>
                 <a:cs typeface="Arial" panose="020B0604020202020204" pitchFamily="34" charset="0"/>
               </a:rPr>
-              <a:t> </a:t>
+              <a:t>gói tin trên đường truyền</a:t>
             </a:r>
-            <a:r>
-              <a:rPr lang="en-US" dirty="0" err="1">
-                <a:latin typeface="Arial" panose="020B0604020202020204" pitchFamily="34" charset="0"/>
-                <a:cs typeface="Arial" panose="020B0604020202020204" pitchFamily="34" charset="0"/>
-              </a:rPr>
-              <a:t>chạy</a:t>
-            </a:r>
-            <a:r>
-              <a:rPr lang="en-US" dirty="0">
-                <a:latin typeface="Arial" panose="020B0604020202020204" pitchFamily="34" charset="0"/>
-                <a:cs typeface="Arial" panose="020B0604020202020204" pitchFamily="34" charset="0"/>
-              </a:rPr>
-              <a:t> </a:t>
-            </a:r>
-            <a:r>
-              <a:rPr lang="en-US" dirty="0" err="1">
-                <a:latin typeface="Arial" panose="020B0604020202020204" pitchFamily="34" charset="0"/>
-                <a:cs typeface="Arial" panose="020B0604020202020204" pitchFamily="34" charset="0"/>
-              </a:rPr>
-              <a:t>trên</a:t>
-            </a:r>
-            <a:r>
-              <a:rPr lang="en-US" dirty="0">
-                <a:latin typeface="Arial" panose="020B0604020202020204" pitchFamily="34" charset="0"/>
-                <a:cs typeface="Arial" panose="020B0604020202020204" pitchFamily="34" charset="0"/>
-              </a:rPr>
-              <a:t> server</a:t>
-            </a:r>
+            <a:endParaRPr lang="en-US" sz="2400" dirty="0">
+              <a:solidFill>
+                <a:srgbClr val="FF0000"/>
+              </a:solidFill>
+              <a:latin typeface="Arial" panose="020B0604020202020204" pitchFamily="34" charset="0"/>
+              <a:cs typeface="Arial" panose="020B0604020202020204" pitchFamily="34" charset="0"/>
+            </a:endParaRPr>
           </a:p>
         </p:txBody>
       </p:sp>
       <p:pic>
         <p:nvPicPr>
-          <p:cNvPr id="6146" name="Picture 1"/>
+          <p:cNvPr id="9218" name="Picture 1"/>
           <p:cNvPicPr>
             <a:picLocks noChangeAspect="1" noChangeArrowheads="1"/>
           </p:cNvPicPr>
           <p:nvPr/>
         </p:nvPicPr>
         <p:blipFill>
-          <a:blip r:embed="rId2">
+          <a:blip r:embed="rId3">
             <a:extLst>
               <a:ext uri="{28A0092B-C50C-407E-A947-70E740481C1C}">
                 <a14:useLocalDpi xmlns:a14="http://schemas.microsoft.com/office/drawing/2010/main" val="0"/>
@@ -19517,8 +20743,8 @@
         </p:blipFill>
         <p:spPr bwMode="auto">
           <a:xfrm>
-            <a:off x="661848" y="1438293"/>
-            <a:ext cx="8049295" cy="4670268"/>
+            <a:off x="245328" y="1538513"/>
+            <a:ext cx="8680958" cy="5086725"/>
           </a:xfrm>
           <a:prstGeom prst="rect">
             <a:avLst/>
@@ -19548,526 +20774,107 @@
           </a:extLst>
         </p:spPr>
       </p:pic>
-    </p:spTree>
-    <p:extLst>
-      <p:ext uri="{BB962C8B-B14F-4D97-AF65-F5344CB8AC3E}">
-        <p14:creationId xmlns:p14="http://schemas.microsoft.com/office/powerpoint/2010/main" val="2091734977"/>
-      </p:ext>
-    </p:extLst>
-  </p:cSld>
-  <p:clrMapOvr>
-    <a:masterClrMapping/>
-  </p:clrMapOvr>
-  <mc:AlternateContent xmlns:mc="http://schemas.openxmlformats.org/markup-compatibility/2006" xmlns:p14="http://schemas.microsoft.com/office/powerpoint/2010/main">
-    <mc:Choice Requires="p14">
-      <p:transition spd="slow" p14:dur="2000"/>
-    </mc:Choice>
-    <mc:Fallback xmlns="">
-      <p:transition spd="slow"/>
-    </mc:Fallback>
-  </mc:AlternateContent>
-  <p:timing>
-    <p:tnLst>
-      <p:par>
-        <p:cTn id="1" dur="indefinite" restart="never" nodeType="tmRoot"/>
-      </p:par>
-    </p:tnLst>
-  </p:timing>
-</p:sld>
-</file>
-
-<file path=ppt/slides/slide14.xml><?xml version="1.0" encoding="utf-8"?>
-<p:sld xmlns:a="http://schemas.openxmlformats.org/drawingml/2006/main" xmlns:r="http://schemas.openxmlformats.org/officeDocument/2006/relationships" xmlns:p="http://schemas.openxmlformats.org/presentationml/2006/main">
-  <p:cSld>
-    <p:spTree>
-      <p:nvGrpSpPr>
-        <p:cNvPr id="1" name=""/>
-        <p:cNvGrpSpPr/>
-        <p:nvPr/>
-      </p:nvGrpSpPr>
-      <p:grpSpPr>
-        <a:xfrm>
-          <a:off x="0" y="0"/>
-          <a:ext cx="0" cy="0"/>
-          <a:chOff x="0" y="0"/>
-          <a:chExt cx="0" cy="0"/>
-        </a:xfrm>
-      </p:grpSpPr>
       <p:sp>
         <p:nvSpPr>
-          <p:cNvPr id="2" name="Title 1"/>
-          <p:cNvSpPr>
-            <a:spLocks noGrp="1"/>
-          </p:cNvSpPr>
-          <p:nvPr>
-            <p:ph type="title" idx="4294967295"/>
-          </p:nvPr>
+          <p:cNvPr id="5" name="Rectangle 4"/>
+          <p:cNvSpPr/>
+          <p:nvPr/>
         </p:nvSpPr>
         <p:spPr>
           <a:xfrm>
-            <a:off x="184858" y="268326"/>
-            <a:ext cx="7423150" cy="1201738"/>
-          </a:xfrm>
-        </p:spPr>
-        <p:txBody>
-          <a:bodyPr/>
-          <a:lstStyle/>
-          <a:p>
-            <a:r>
-              <a:rPr lang="en-US" dirty="0" err="1">
-                <a:latin typeface="Arial" panose="020B0604020202020204" pitchFamily="34" charset="0"/>
-                <a:cs typeface="Arial" panose="020B0604020202020204" pitchFamily="34" charset="0"/>
-              </a:rPr>
-              <a:t>Khởi</a:t>
-            </a:r>
-            <a:r>
-              <a:rPr lang="en-US" dirty="0">
-                <a:latin typeface="Arial" panose="020B0604020202020204" pitchFamily="34" charset="0"/>
-                <a:cs typeface="Arial" panose="020B0604020202020204" pitchFamily="34" charset="0"/>
-              </a:rPr>
-              <a:t> </a:t>
-            </a:r>
-            <a:r>
-              <a:rPr lang="en-US" dirty="0" err="1">
-                <a:latin typeface="Arial" panose="020B0604020202020204" pitchFamily="34" charset="0"/>
-                <a:cs typeface="Arial" panose="020B0604020202020204" pitchFamily="34" charset="0"/>
-              </a:rPr>
-              <a:t>chạy</a:t>
-            </a:r>
-            <a:r>
-              <a:rPr lang="en-US" dirty="0">
-                <a:latin typeface="Arial" panose="020B0604020202020204" pitchFamily="34" charset="0"/>
-                <a:cs typeface="Arial" panose="020B0604020202020204" pitchFamily="34" charset="0"/>
-              </a:rPr>
-              <a:t> client</a:t>
-            </a:r>
-          </a:p>
-        </p:txBody>
-      </p:sp>
-      <p:pic>
-        <p:nvPicPr>
-          <p:cNvPr id="7170" name="Picture 1"/>
-          <p:cNvPicPr>
-            <a:picLocks noChangeAspect="1" noChangeArrowheads="1"/>
-          </p:cNvPicPr>
-          <p:nvPr/>
-        </p:nvPicPr>
-        <p:blipFill>
-          <a:blip r:embed="rId2">
-            <a:extLst>
-              <a:ext uri="{28A0092B-C50C-407E-A947-70E740481C1C}">
-                <a14:useLocalDpi xmlns:a14="http://schemas.microsoft.com/office/drawing/2010/main" val="0"/>
-              </a:ext>
-            </a:extLst>
-          </a:blip>
-          <a:srcRect/>
-          <a:stretch>
-            <a:fillRect/>
-          </a:stretch>
-        </p:blipFill>
-        <p:spPr bwMode="auto">
-          <a:xfrm>
-            <a:off x="463638" y="1603834"/>
-            <a:ext cx="8371268" cy="4507605"/>
+            <a:off x="110067" y="67733"/>
+            <a:ext cx="8881533" cy="6654800"/>
           </a:xfrm>
           <a:prstGeom prst="rect">
             <a:avLst/>
           </a:prstGeom>
           <a:noFill/>
           <a:ln>
-            <a:noFill/>
+            <a:solidFill>
+              <a:schemeClr val="tx1"/>
+            </a:solidFill>
           </a:ln>
-          <a:extLst>
-            <a:ext uri="{909E8E84-426E-40DD-AFC4-6F175D3DCCD1}">
-              <a14:hiddenFill xmlns:a14="http://schemas.microsoft.com/office/drawing/2010/main">
-                <a:solidFill>
-                  <a:srgbClr val="FFFFFF"/>
-                </a:solidFill>
-              </a14:hiddenFill>
-            </a:ext>
-            <a:ext uri="{91240B29-F687-4F45-9708-019B960494DF}">
-              <a14:hiddenLine xmlns:a14="http://schemas.microsoft.com/office/drawing/2010/main" w="9525">
-                <a:solidFill>
-                  <a:srgbClr val="000000"/>
-                </a:solidFill>
-                <a:miter lim="800000"/>
-                <a:headEnd/>
-                <a:tailEnd/>
-              </a14:hiddenLine>
-            </a:ext>
-          </a:extLst>
         </p:spPr>
-      </p:pic>
-    </p:spTree>
-    <p:extLst>
-      <p:ext uri="{BB962C8B-B14F-4D97-AF65-F5344CB8AC3E}">
-        <p14:creationId xmlns:p14="http://schemas.microsoft.com/office/powerpoint/2010/main" val="3356502304"/>
-      </p:ext>
-    </p:extLst>
-  </p:cSld>
-  <p:clrMapOvr>
-    <a:masterClrMapping/>
-  </p:clrMapOvr>
-  <mc:AlternateContent xmlns:mc="http://schemas.openxmlformats.org/markup-compatibility/2006" xmlns:p14="http://schemas.microsoft.com/office/powerpoint/2010/main">
-    <mc:Choice Requires="p14">
-      <p:transition spd="slow" p14:dur="2000"/>
-    </mc:Choice>
-    <mc:Fallback xmlns="">
-      <p:transition spd="slow"/>
-    </mc:Fallback>
-  </mc:AlternateContent>
-  <p:timing>
-    <p:tnLst>
-      <p:par>
-        <p:cTn id="1" dur="indefinite" restart="never" nodeType="tmRoot"/>
-      </p:par>
-    </p:tnLst>
-  </p:timing>
-</p:sld>
-</file>
-
-<file path=ppt/slides/slide15.xml><?xml version="1.0" encoding="utf-8"?>
-<p:sld xmlns:a="http://schemas.openxmlformats.org/drawingml/2006/main" xmlns:r="http://schemas.openxmlformats.org/officeDocument/2006/relationships" xmlns:p="http://schemas.openxmlformats.org/presentationml/2006/main">
-  <p:cSld>
-    <p:spTree>
-      <p:nvGrpSpPr>
-        <p:cNvPr id="1" name=""/>
-        <p:cNvGrpSpPr/>
-        <p:nvPr/>
-      </p:nvGrpSpPr>
-      <p:grpSpPr>
-        <a:xfrm>
-          <a:off x="0" y="0"/>
-          <a:ext cx="0" cy="0"/>
-          <a:chOff x="0" y="0"/>
-          <a:chExt cx="0" cy="0"/>
-        </a:xfrm>
-      </p:grpSpPr>
+        <p:style>
+          <a:lnRef idx="2">
+            <a:schemeClr val="accent1">
+              <a:shade val="50000"/>
+            </a:schemeClr>
+          </a:lnRef>
+          <a:fillRef idx="1">
+            <a:schemeClr val="accent1"/>
+          </a:fillRef>
+          <a:effectRef idx="0">
+            <a:schemeClr val="accent1"/>
+          </a:effectRef>
+          <a:fontRef idx="minor">
+            <a:schemeClr val="lt1"/>
+          </a:fontRef>
+        </p:style>
+        <p:txBody>
+          <a:bodyPr rtlCol="0" anchor="ctr"/>
+          <a:lstStyle/>
+          <a:p>
+            <a:pPr algn="ctr"/>
+            <a:endParaRPr lang="en-US"/>
+          </a:p>
+        </p:txBody>
+      </p:sp>
       <p:sp>
         <p:nvSpPr>
-          <p:cNvPr id="2" name="Title 1"/>
-          <p:cNvSpPr>
-            <a:spLocks noGrp="1"/>
+          <p:cNvPr id="6" name="Title 1"/>
+          <p:cNvSpPr txBox="1">
+            <a:spLocks/>
           </p:cNvSpPr>
-          <p:nvPr>
-            <p:ph type="title" idx="4294967295"/>
-          </p:nvPr>
+          <p:nvPr/>
         </p:nvSpPr>
         <p:spPr>
           <a:xfrm>
-            <a:off x="323385" y="219166"/>
-            <a:ext cx="7886700" cy="1325563"/>
-          </a:xfrm>
-        </p:spPr>
-        <p:txBody>
-          <a:bodyPr/>
-          <a:lstStyle/>
-          <a:p>
-            <a:r>
-              <a:rPr lang="en-US" dirty="0" err="1">
-                <a:latin typeface="Arial" panose="020B0604020202020204" pitchFamily="34" charset="0"/>
-                <a:cs typeface="Arial" panose="020B0604020202020204" pitchFamily="34" charset="0"/>
-              </a:rPr>
-              <a:t>Kết</a:t>
-            </a:r>
-            <a:r>
-              <a:rPr lang="en-US" dirty="0">
-                <a:latin typeface="Arial" panose="020B0604020202020204" pitchFamily="34" charset="0"/>
-                <a:cs typeface="Arial" panose="020B0604020202020204" pitchFamily="34" charset="0"/>
-              </a:rPr>
-              <a:t> </a:t>
-            </a:r>
-            <a:r>
-              <a:rPr lang="en-US" dirty="0" err="1">
-                <a:latin typeface="Arial" panose="020B0604020202020204" pitchFamily="34" charset="0"/>
-                <a:cs typeface="Arial" panose="020B0604020202020204" pitchFamily="34" charset="0"/>
-              </a:rPr>
-              <a:t>quả</a:t>
-            </a:r>
-            <a:r>
-              <a:rPr lang="en-US" dirty="0">
-                <a:latin typeface="Arial" panose="020B0604020202020204" pitchFamily="34" charset="0"/>
-                <a:cs typeface="Arial" panose="020B0604020202020204" pitchFamily="34" charset="0"/>
-              </a:rPr>
-              <a:t> </a:t>
-            </a:r>
-            <a:r>
-              <a:rPr lang="en-US" dirty="0" err="1">
-                <a:latin typeface="Arial" panose="020B0604020202020204" pitchFamily="34" charset="0"/>
-                <a:cs typeface="Arial" panose="020B0604020202020204" pitchFamily="34" charset="0"/>
-              </a:rPr>
-              <a:t>thu</a:t>
-            </a:r>
-            <a:r>
-              <a:rPr lang="en-US" dirty="0">
-                <a:latin typeface="Arial" panose="020B0604020202020204" pitchFamily="34" charset="0"/>
-                <a:cs typeface="Arial" panose="020B0604020202020204" pitchFamily="34" charset="0"/>
-              </a:rPr>
-              <a:t> </a:t>
-            </a:r>
-            <a:r>
-              <a:rPr lang="en-US" dirty="0" err="1">
-                <a:latin typeface="Arial" panose="020B0604020202020204" pitchFamily="34" charset="0"/>
-                <a:cs typeface="Arial" panose="020B0604020202020204" pitchFamily="34" charset="0"/>
-              </a:rPr>
-              <a:t>được</a:t>
-            </a:r>
-            <a:r>
-              <a:rPr lang="en-US" dirty="0">
-                <a:latin typeface="Arial" panose="020B0604020202020204" pitchFamily="34" charset="0"/>
-                <a:cs typeface="Arial" panose="020B0604020202020204" pitchFamily="34" charset="0"/>
-              </a:rPr>
-              <a:t> </a:t>
-            </a:r>
-            <a:r>
-              <a:rPr lang="en-US" dirty="0" err="1">
-                <a:latin typeface="Arial" panose="020B0604020202020204" pitchFamily="34" charset="0"/>
-                <a:cs typeface="Arial" panose="020B0604020202020204" pitchFamily="34" charset="0"/>
-              </a:rPr>
-              <a:t>trên</a:t>
-            </a:r>
-            <a:r>
-              <a:rPr lang="en-US" dirty="0">
-                <a:latin typeface="Arial" panose="020B0604020202020204" pitchFamily="34" charset="0"/>
-                <a:cs typeface="Arial" panose="020B0604020202020204" pitchFamily="34" charset="0"/>
-              </a:rPr>
-              <a:t> server</a:t>
-            </a:r>
-          </a:p>
-        </p:txBody>
-      </p:sp>
-      <p:pic>
-        <p:nvPicPr>
-          <p:cNvPr id="8194" name="Picture 1"/>
-          <p:cNvPicPr>
-            <a:picLocks noChangeAspect="1" noChangeArrowheads="1"/>
-          </p:cNvPicPr>
-          <p:nvPr/>
-        </p:nvPicPr>
-        <p:blipFill>
-          <a:blip r:embed="rId2">
-            <a:extLst>
-              <a:ext uri="{28A0092B-C50C-407E-A947-70E740481C1C}">
-                <a14:useLocalDpi xmlns:a14="http://schemas.microsoft.com/office/drawing/2010/main" val="0"/>
-              </a:ext>
-            </a:extLst>
-          </a:blip>
-          <a:srcRect/>
-          <a:stretch>
-            <a:fillRect/>
-          </a:stretch>
-        </p:blipFill>
-        <p:spPr bwMode="auto">
-          <a:xfrm>
-            <a:off x="596825" y="1544729"/>
-            <a:ext cx="8023537" cy="4670269"/>
+            <a:off x="479502" y="316126"/>
+            <a:ext cx="4919812" cy="671512"/>
           </a:xfrm>
           <a:prstGeom prst="rect">
             <a:avLst/>
           </a:prstGeom>
-          <a:noFill/>
-          <a:ln>
-            <a:noFill/>
-          </a:ln>
-          <a:extLst>
-            <a:ext uri="{909E8E84-426E-40DD-AFC4-6F175D3DCCD1}">
-              <a14:hiddenFill xmlns:a14="http://schemas.microsoft.com/office/drawing/2010/main">
-                <a:solidFill>
-                  <a:srgbClr val="FFFFFF"/>
-                </a:solidFill>
-              </a14:hiddenFill>
-            </a:ext>
-            <a:ext uri="{91240B29-F687-4F45-9708-019B960494DF}">
-              <a14:hiddenLine xmlns:a14="http://schemas.microsoft.com/office/drawing/2010/main" w="9525">
-                <a:solidFill>
-                  <a:srgbClr val="000000"/>
-                </a:solidFill>
-                <a:miter lim="800000"/>
-                <a:headEnd/>
-                <a:tailEnd/>
-              </a14:hiddenLine>
-            </a:ext>
-          </a:extLst>
-        </p:spPr>
-      </p:pic>
-    </p:spTree>
-    <p:extLst>
-      <p:ext uri="{BB962C8B-B14F-4D97-AF65-F5344CB8AC3E}">
-        <p14:creationId xmlns:p14="http://schemas.microsoft.com/office/powerpoint/2010/main" val="154634365"/>
-      </p:ext>
-    </p:extLst>
-  </p:cSld>
-  <p:clrMapOvr>
-    <a:masterClrMapping/>
-  </p:clrMapOvr>
-  <mc:AlternateContent xmlns:mc="http://schemas.openxmlformats.org/markup-compatibility/2006" xmlns:p14="http://schemas.microsoft.com/office/powerpoint/2010/main">
-    <mc:Choice Requires="p14">
-      <p:transition spd="slow" p14:dur="2000"/>
-    </mc:Choice>
-    <mc:Fallback xmlns="">
-      <p:transition spd="slow"/>
-    </mc:Fallback>
-  </mc:AlternateContent>
-  <p:timing>
-    <p:tnLst>
-      <p:par>
-        <p:cTn id="1" dur="indefinite" restart="never" nodeType="tmRoot"/>
-      </p:par>
-    </p:tnLst>
-  </p:timing>
-</p:sld>
-</file>
-
-<file path=ppt/slides/slide16.xml><?xml version="1.0" encoding="utf-8"?>
-<p:sld xmlns:a="http://schemas.openxmlformats.org/drawingml/2006/main" xmlns:r="http://schemas.openxmlformats.org/officeDocument/2006/relationships" xmlns:p="http://schemas.openxmlformats.org/presentationml/2006/main">
-  <p:cSld>
-    <p:spTree>
-      <p:nvGrpSpPr>
-        <p:cNvPr id="1" name=""/>
-        <p:cNvGrpSpPr/>
-        <p:nvPr/>
-      </p:nvGrpSpPr>
-      <p:grpSpPr>
-        <a:xfrm>
-          <a:off x="0" y="0"/>
-          <a:ext cx="0" cy="0"/>
-          <a:chOff x="0" y="0"/>
-          <a:chExt cx="0" cy="0"/>
-        </a:xfrm>
-      </p:grpSpPr>
-      <p:sp>
-        <p:nvSpPr>
-          <p:cNvPr id="2" name="Title 1"/>
-          <p:cNvSpPr>
-            <a:spLocks noGrp="1"/>
-          </p:cNvSpPr>
-          <p:nvPr>
-            <p:ph type="title" idx="4294967295"/>
-          </p:nvPr>
-        </p:nvSpPr>
-        <p:spPr>
-          <a:xfrm>
-            <a:off x="245327" y="0"/>
-            <a:ext cx="7886700" cy="1325563"/>
-          </a:xfrm>
         </p:spPr>
         <p:txBody>
-          <a:bodyPr/>
-          <a:lstStyle/>
+          <a:bodyPr vert="horz" lIns="91440" tIns="45720" rIns="91440" bIns="45720" rtlCol="0" anchor="ctr">
+            <a:normAutofit/>
+          </a:bodyPr>
+          <a:lstStyle>
+            <a:lvl1pPr algn="l" defTabSz="685800" rtl="0" eaLnBrk="1" latinLnBrk="0" hangingPunct="1">
+              <a:lnSpc>
+                <a:spcPct val="90000"/>
+              </a:lnSpc>
+              <a:spcBef>
+                <a:spcPct val="0"/>
+              </a:spcBef>
+              <a:buNone/>
+              <a:defRPr sz="4000" kern="1200">
+                <a:solidFill>
+                  <a:schemeClr val="tx1"/>
+                </a:solidFill>
+                <a:latin typeface="+mj-lt"/>
+                <a:ea typeface="+mj-ea"/>
+                <a:cs typeface="+mj-cs"/>
+              </a:defRPr>
+            </a:lvl1pPr>
+          </a:lstStyle>
           <a:p>
             <a:r>
-              <a:rPr lang="en-US" dirty="0" err="1">
-                <a:latin typeface="Arial" panose="020B0604020202020204" pitchFamily="34" charset="0"/>
-                <a:cs typeface="Arial" panose="020B0604020202020204" pitchFamily="34" charset="0"/>
+              <a:rPr lang="en-US" sz="3000" b="1" smtClean="0">
+                <a:latin typeface="Calibri" panose="020F0502020204030204" pitchFamily="34" charset="0"/>
+                <a:cs typeface="Calibri" panose="020F0502020204030204" pitchFamily="34" charset="0"/>
               </a:rPr>
-              <a:t>Kết</a:t>
+              <a:t>IV. Kết quả thử nghiệm</a:t>
             </a:r>
-            <a:r>
-              <a:rPr lang="en-US" dirty="0">
-                <a:latin typeface="Arial" panose="020B0604020202020204" pitchFamily="34" charset="0"/>
-                <a:cs typeface="Arial" panose="020B0604020202020204" pitchFamily="34" charset="0"/>
-              </a:rPr>
-              <a:t> </a:t>
-            </a:r>
-            <a:r>
-              <a:rPr lang="en-US" dirty="0" err="1">
-                <a:latin typeface="Arial" panose="020B0604020202020204" pitchFamily="34" charset="0"/>
-                <a:cs typeface="Arial" panose="020B0604020202020204" pitchFamily="34" charset="0"/>
-              </a:rPr>
-              <a:t>quả</a:t>
-            </a:r>
-            <a:r>
-              <a:rPr lang="en-US" dirty="0">
-                <a:latin typeface="Arial" panose="020B0604020202020204" pitchFamily="34" charset="0"/>
-                <a:cs typeface="Arial" panose="020B0604020202020204" pitchFamily="34" charset="0"/>
-              </a:rPr>
-              <a:t> </a:t>
-            </a:r>
-            <a:r>
-              <a:rPr lang="en-US" dirty="0" err="1">
-                <a:latin typeface="Arial" panose="020B0604020202020204" pitchFamily="34" charset="0"/>
-                <a:cs typeface="Arial" panose="020B0604020202020204" pitchFamily="34" charset="0"/>
-              </a:rPr>
-              <a:t>bắt</a:t>
-            </a:r>
-            <a:r>
-              <a:rPr lang="en-US" dirty="0">
-                <a:latin typeface="Arial" panose="020B0604020202020204" pitchFamily="34" charset="0"/>
-                <a:cs typeface="Arial" panose="020B0604020202020204" pitchFamily="34" charset="0"/>
-              </a:rPr>
-              <a:t> </a:t>
-            </a:r>
-            <a:r>
-              <a:rPr lang="en-US" dirty="0" err="1">
-                <a:latin typeface="Arial" panose="020B0604020202020204" pitchFamily="34" charset="0"/>
-                <a:cs typeface="Arial" panose="020B0604020202020204" pitchFamily="34" charset="0"/>
-              </a:rPr>
-              <a:t>gói</a:t>
-            </a:r>
-            <a:r>
-              <a:rPr lang="en-US" dirty="0">
-                <a:latin typeface="Arial" panose="020B0604020202020204" pitchFamily="34" charset="0"/>
-                <a:cs typeface="Arial" panose="020B0604020202020204" pitchFamily="34" charset="0"/>
-              </a:rPr>
-              <a:t> tin</a:t>
-            </a:r>
+            <a:endParaRPr lang="en-US" sz="3000" b="1" dirty="0">
+              <a:latin typeface="Calibri" panose="020F0502020204030204" pitchFamily="34" charset="0"/>
+              <a:cs typeface="Calibri" panose="020F0502020204030204" pitchFamily="34" charset="0"/>
+            </a:endParaRPr>
           </a:p>
         </p:txBody>
       </p:sp>
-      <p:pic>
-        <p:nvPicPr>
-          <p:cNvPr id="9218" name="Picture 1"/>
-          <p:cNvPicPr>
-            <a:picLocks noChangeAspect="1" noChangeArrowheads="1"/>
-          </p:cNvPicPr>
-          <p:nvPr/>
-        </p:nvPicPr>
-        <p:blipFill>
-          <a:blip r:embed="rId2">
-            <a:extLst>
-              <a:ext uri="{28A0092B-C50C-407E-A947-70E740481C1C}">
-                <a14:useLocalDpi xmlns:a14="http://schemas.microsoft.com/office/drawing/2010/main" val="0"/>
-              </a:ext>
-            </a:extLst>
-          </a:blip>
-          <a:srcRect/>
-          <a:stretch>
-            <a:fillRect/>
-          </a:stretch>
-        </p:blipFill>
-        <p:spPr bwMode="auto">
-          <a:xfrm>
-            <a:off x="1123132" y="1119789"/>
-            <a:ext cx="6529587" cy="5505450"/>
-          </a:xfrm>
-          <a:prstGeom prst="rect">
-            <a:avLst/>
-          </a:prstGeom>
-          <a:noFill/>
-          <a:ln>
-            <a:noFill/>
-          </a:ln>
-          <a:extLst>
-            <a:ext uri="{909E8E84-426E-40DD-AFC4-6F175D3DCCD1}">
-              <a14:hiddenFill xmlns:a14="http://schemas.microsoft.com/office/drawing/2010/main">
-                <a:solidFill>
-                  <a:srgbClr val="FFFFFF"/>
-                </a:solidFill>
-              </a14:hiddenFill>
-            </a:ext>
-            <a:ext uri="{91240B29-F687-4F45-9708-019B960494DF}">
-              <a14:hiddenLine xmlns:a14="http://schemas.microsoft.com/office/drawing/2010/main" w="9525">
-                <a:solidFill>
-                  <a:srgbClr val="000000"/>
-                </a:solidFill>
-                <a:miter lim="800000"/>
-                <a:headEnd/>
-                <a:tailEnd/>
-              </a14:hiddenLine>
-            </a:ext>
-          </a:extLst>
-        </p:spPr>
-      </p:pic>
     </p:spTree>
     <p:extLst>
       <p:ext uri="{BB962C8B-B14F-4D97-AF65-F5344CB8AC3E}">
@@ -20097,6 +20904,583 @@
 </file>
 
 <file path=ppt/slides/slide17.xml><?xml version="1.0" encoding="utf-8"?>
+<p:sld xmlns:a="http://schemas.openxmlformats.org/drawingml/2006/main" xmlns:r="http://schemas.openxmlformats.org/officeDocument/2006/relationships" xmlns:p="http://schemas.openxmlformats.org/presentationml/2006/main" showMasterSp="0">
+  <p:cSld>
+    <p:bg>
+      <p:bgPr>
+        <a:blipFill dpi="0" rotWithShape="1">
+          <a:blip r:embed="rId2">
+            <a:lum/>
+          </a:blip>
+          <a:srcRect/>
+          <a:stretch>
+            <a:fillRect/>
+          </a:stretch>
+        </a:blipFill>
+        <a:effectLst/>
+      </p:bgPr>
+    </p:bg>
+    <p:spTree>
+      <p:nvGrpSpPr>
+        <p:cNvPr id="1" name=""/>
+        <p:cNvGrpSpPr/>
+        <p:nvPr/>
+      </p:nvGrpSpPr>
+      <p:grpSpPr>
+        <a:xfrm>
+          <a:off x="0" y="0"/>
+          <a:ext cx="0" cy="0"/>
+          <a:chOff x="0" y="0"/>
+          <a:chExt cx="0" cy="0"/>
+        </a:xfrm>
+      </p:grpSpPr>
+      <p:sp>
+        <p:nvSpPr>
+          <p:cNvPr id="2" name="Rectangle 1"/>
+          <p:cNvSpPr/>
+          <p:nvPr/>
+        </p:nvSpPr>
+        <p:spPr>
+          <a:xfrm>
+            <a:off x="305692" y="230201"/>
+            <a:ext cx="3360792" cy="553998"/>
+          </a:xfrm>
+          <a:prstGeom prst="rect">
+            <a:avLst/>
+          </a:prstGeom>
+        </p:spPr>
+        <p:txBody>
+          <a:bodyPr wrap="none">
+            <a:spAutoFit/>
+          </a:bodyPr>
+          <a:lstStyle/>
+          <a:p>
+            <a:pPr lvl="0"/>
+            <a:r>
+              <a:rPr lang="en-US" sz="3000" b="1" dirty="0" smtClean="0">
+                <a:latin typeface="Calibri" panose="020F0502020204030204" pitchFamily="34" charset="0"/>
+                <a:cs typeface="Calibri" panose="020F0502020204030204" pitchFamily="34" charset="0"/>
+              </a:rPr>
+              <a:t>V. Đề xuất giải pháp</a:t>
+            </a:r>
+            <a:endParaRPr lang="en-US" sz="3000" b="1" dirty="0">
+              <a:latin typeface="Calibri" panose="020F0502020204030204" pitchFamily="34" charset="0"/>
+              <a:cs typeface="Calibri" panose="020F0502020204030204" pitchFamily="34" charset="0"/>
+            </a:endParaRPr>
+          </a:p>
+        </p:txBody>
+      </p:sp>
+      <p:pic>
+        <p:nvPicPr>
+          <p:cNvPr id="1028" name="Picture 4" descr="Phòng net game vắng khách (ế), làm gì để phòng net game đông khách?"/>
+          <p:cNvPicPr>
+            <a:picLocks noChangeAspect="1" noChangeArrowheads="1"/>
+          </p:cNvPicPr>
+          <p:nvPr/>
+        </p:nvPicPr>
+        <p:blipFill>
+          <a:blip r:embed="rId3">
+            <a:extLst>
+              <a:ext uri="{28A0092B-C50C-407E-A947-70E740481C1C}">
+                <a14:useLocalDpi xmlns:a14="http://schemas.microsoft.com/office/drawing/2010/main" val="0"/>
+              </a:ext>
+            </a:extLst>
+          </a:blip>
+          <a:srcRect/>
+          <a:stretch>
+            <a:fillRect/>
+          </a:stretch>
+        </p:blipFill>
+        <p:spPr bwMode="auto">
+          <a:xfrm>
+            <a:off x="6191555" y="2222362"/>
+            <a:ext cx="2952445" cy="2301512"/>
+          </a:xfrm>
+          <a:prstGeom prst="rect">
+            <a:avLst/>
+          </a:prstGeom>
+          <a:noFill/>
+          <a:extLst>
+            <a:ext uri="{909E8E84-426E-40DD-AFC4-6F175D3DCCD1}">
+              <a14:hiddenFill xmlns:a14="http://schemas.microsoft.com/office/drawing/2010/main">
+                <a:solidFill>
+                  <a:srgbClr val="FFFFFF"/>
+                </a:solidFill>
+              </a14:hiddenFill>
+            </a:ext>
+          </a:extLst>
+        </p:spPr>
+      </p:pic>
+      <p:sp>
+        <p:nvSpPr>
+          <p:cNvPr id="4" name="Rectangle 3"/>
+          <p:cNvSpPr/>
+          <p:nvPr/>
+        </p:nvSpPr>
+        <p:spPr>
+          <a:xfrm>
+            <a:off x="476023" y="1207328"/>
+            <a:ext cx="6380922" cy="4711148"/>
+          </a:xfrm>
+          <a:prstGeom prst="rect">
+            <a:avLst/>
+          </a:prstGeom>
+        </p:spPr>
+        <p:style>
+          <a:lnRef idx="2">
+            <a:schemeClr val="accent6"/>
+          </a:lnRef>
+          <a:fillRef idx="1">
+            <a:schemeClr val="lt1"/>
+          </a:fillRef>
+          <a:effectRef idx="0">
+            <a:schemeClr val="accent6"/>
+          </a:effectRef>
+          <a:fontRef idx="minor">
+            <a:schemeClr val="dk1"/>
+          </a:fontRef>
+        </p:style>
+        <p:txBody>
+          <a:bodyPr rtlCol="0" anchor="ctr"/>
+          <a:lstStyle/>
+          <a:p>
+            <a:pPr marL="342900" indent="-342900">
+              <a:buFont typeface="Arial" panose="020B0604020202020204" pitchFamily="34" charset="0"/>
+              <a:buChar char="•"/>
+            </a:pPr>
+            <a:r>
+              <a:rPr lang="en-US" sz="2400" dirty="0" smtClean="0">
+                <a:latin typeface="Calibri" panose="020F0502020204030204" pitchFamily="34" charset="0"/>
+                <a:cs typeface="Calibri" panose="020F0502020204030204" pitchFamily="34" charset="0"/>
+              </a:rPr>
+              <a:t>Chặn các dịch vụ không cần thiết.</a:t>
+            </a:r>
+          </a:p>
+          <a:p>
+            <a:pPr marL="342900" indent="-342900">
+              <a:buFont typeface="Arial" panose="020B0604020202020204" pitchFamily="34" charset="0"/>
+              <a:buChar char="•"/>
+            </a:pPr>
+            <a:r>
+              <a:rPr lang="en-US" sz="2400" dirty="0" smtClean="0">
+                <a:latin typeface="Calibri" panose="020F0502020204030204" pitchFamily="34" charset="0"/>
+                <a:cs typeface="Calibri" panose="020F0502020204030204" pitchFamily="34" charset="0"/>
+              </a:rPr>
+              <a:t>Triển khai hệ thống kiểm soát dữ liệu vào ra hệ thống.</a:t>
+            </a:r>
+          </a:p>
+          <a:p>
+            <a:pPr marL="342900" indent="-342900">
+              <a:buFont typeface="Arial" panose="020B0604020202020204" pitchFamily="34" charset="0"/>
+              <a:buChar char="•"/>
+            </a:pPr>
+            <a:r>
+              <a:rPr lang="en-US" sz="2400" dirty="0" smtClean="0">
+                <a:latin typeface="Calibri" panose="020F0502020204030204" pitchFamily="34" charset="0"/>
+                <a:cs typeface="Calibri" panose="020F0502020204030204" pitchFamily="34" charset="0"/>
+              </a:rPr>
+              <a:t>Đối với giao thức NTP nên sử dụng một server riêng trong mạng.</a:t>
+            </a:r>
+          </a:p>
+          <a:p>
+            <a:pPr marL="342900" indent="-342900">
+              <a:buFont typeface="Arial" panose="020B0604020202020204" pitchFamily="34" charset="0"/>
+              <a:buChar char="•"/>
+            </a:pPr>
+            <a:r>
+              <a:rPr lang="en-US" sz="2400" dirty="0" smtClean="0">
+                <a:latin typeface="Calibri" panose="020F0502020204030204" pitchFamily="34" charset="0"/>
+                <a:cs typeface="Calibri" panose="020F0502020204030204" pitchFamily="34" charset="0"/>
+              </a:rPr>
+              <a:t>Xây dựng hệ thống DLP.</a:t>
+            </a:r>
+            <a:endParaRPr lang="en-US" sz="2400" dirty="0">
+              <a:latin typeface="Calibri" panose="020F0502020204030204" pitchFamily="34" charset="0"/>
+              <a:cs typeface="Calibri" panose="020F0502020204030204" pitchFamily="34" charset="0"/>
+            </a:endParaRPr>
+          </a:p>
+        </p:txBody>
+      </p:sp>
+      <p:sp>
+        <p:nvSpPr>
+          <p:cNvPr id="7" name="Rectangle 6"/>
+          <p:cNvSpPr/>
+          <p:nvPr/>
+        </p:nvSpPr>
+        <p:spPr>
+          <a:xfrm>
+            <a:off x="110067" y="67733"/>
+            <a:ext cx="8881533" cy="6654800"/>
+          </a:xfrm>
+          <a:prstGeom prst="rect">
+            <a:avLst/>
+          </a:prstGeom>
+          <a:noFill/>
+          <a:ln>
+            <a:solidFill>
+              <a:schemeClr val="tx1"/>
+            </a:solidFill>
+          </a:ln>
+        </p:spPr>
+        <p:style>
+          <a:lnRef idx="2">
+            <a:schemeClr val="accent1">
+              <a:shade val="50000"/>
+            </a:schemeClr>
+          </a:lnRef>
+          <a:fillRef idx="1">
+            <a:schemeClr val="accent1"/>
+          </a:fillRef>
+          <a:effectRef idx="0">
+            <a:schemeClr val="accent1"/>
+          </a:effectRef>
+          <a:fontRef idx="minor">
+            <a:schemeClr val="lt1"/>
+          </a:fontRef>
+        </p:style>
+        <p:txBody>
+          <a:bodyPr rtlCol="0" anchor="ctr"/>
+          <a:lstStyle/>
+          <a:p>
+            <a:pPr algn="ctr"/>
+            <a:endParaRPr lang="en-US"/>
+          </a:p>
+        </p:txBody>
+      </p:sp>
+    </p:spTree>
+    <p:extLst>
+      <p:ext uri="{BB962C8B-B14F-4D97-AF65-F5344CB8AC3E}">
+        <p14:creationId xmlns:p14="http://schemas.microsoft.com/office/powerpoint/2010/main" val="3726116322"/>
+      </p:ext>
+    </p:extLst>
+  </p:cSld>
+  <p:clrMapOvr>
+    <a:masterClrMapping/>
+  </p:clrMapOvr>
+  <p:timing>
+    <p:tnLst>
+      <p:par>
+        <p:cTn id="1" dur="indefinite" restart="never" nodeType="tmRoot"/>
+      </p:par>
+    </p:tnLst>
+  </p:timing>
+</p:sld>
+</file>
+
+<file path=ppt/slides/slide18.xml><?xml version="1.0" encoding="utf-8"?>
+<p:sld xmlns:a="http://schemas.openxmlformats.org/drawingml/2006/main" xmlns:r="http://schemas.openxmlformats.org/officeDocument/2006/relationships" xmlns:p="http://schemas.openxmlformats.org/presentationml/2006/main" showMasterSp="0">
+  <p:cSld>
+    <p:bg>
+      <p:bgPr>
+        <a:blipFill dpi="0" rotWithShape="1">
+          <a:blip r:embed="rId2">
+            <a:lum/>
+          </a:blip>
+          <a:srcRect/>
+          <a:stretch>
+            <a:fillRect/>
+          </a:stretch>
+        </a:blipFill>
+        <a:effectLst/>
+      </p:bgPr>
+    </p:bg>
+    <p:spTree>
+      <p:nvGrpSpPr>
+        <p:cNvPr id="1" name=""/>
+        <p:cNvGrpSpPr/>
+        <p:nvPr/>
+      </p:nvGrpSpPr>
+      <p:grpSpPr>
+        <a:xfrm>
+          <a:off x="0" y="0"/>
+          <a:ext cx="0" cy="0"/>
+          <a:chOff x="0" y="0"/>
+          <a:chExt cx="0" cy="0"/>
+        </a:xfrm>
+      </p:grpSpPr>
+      <p:sp>
+        <p:nvSpPr>
+          <p:cNvPr id="3" name="Rectangle 2"/>
+          <p:cNvSpPr/>
+          <p:nvPr/>
+        </p:nvSpPr>
+        <p:spPr>
+          <a:xfrm>
+            <a:off x="110067" y="67733"/>
+            <a:ext cx="8881533" cy="6654800"/>
+          </a:xfrm>
+          <a:prstGeom prst="rect">
+            <a:avLst/>
+          </a:prstGeom>
+          <a:noFill/>
+          <a:ln>
+            <a:solidFill>
+              <a:schemeClr val="tx1"/>
+            </a:solidFill>
+          </a:ln>
+        </p:spPr>
+        <p:style>
+          <a:lnRef idx="2">
+            <a:schemeClr val="accent1">
+              <a:shade val="50000"/>
+            </a:schemeClr>
+          </a:lnRef>
+          <a:fillRef idx="1">
+            <a:schemeClr val="accent1"/>
+          </a:fillRef>
+          <a:effectRef idx="0">
+            <a:schemeClr val="accent1"/>
+          </a:effectRef>
+          <a:fontRef idx="minor">
+            <a:schemeClr val="lt1"/>
+          </a:fontRef>
+        </p:style>
+        <p:txBody>
+          <a:bodyPr rtlCol="0" anchor="ctr"/>
+          <a:lstStyle/>
+          <a:p>
+            <a:pPr algn="ctr"/>
+            <a:endParaRPr lang="en-US"/>
+          </a:p>
+        </p:txBody>
+      </p:sp>
+      <p:sp>
+        <p:nvSpPr>
+          <p:cNvPr id="2" name="Rectangle 1"/>
+          <p:cNvSpPr/>
+          <p:nvPr/>
+        </p:nvSpPr>
+        <p:spPr>
+          <a:xfrm>
+            <a:off x="544826" y="784199"/>
+            <a:ext cx="2959458" cy="492443"/>
+          </a:xfrm>
+          <a:prstGeom prst="rect">
+            <a:avLst/>
+          </a:prstGeom>
+        </p:spPr>
+        <p:txBody>
+          <a:bodyPr wrap="square">
+            <a:spAutoFit/>
+          </a:bodyPr>
+          <a:lstStyle/>
+          <a:p>
+            <a:r>
+              <a:rPr lang="en-US" sz="2600" dirty="0" smtClean="0">
+                <a:solidFill>
+                  <a:srgbClr val="FF0000"/>
+                </a:solidFill>
+                <a:latin typeface="Calibri" panose="020F0502020204030204" pitchFamily="34" charset="0"/>
+                <a:cs typeface="Calibri" panose="020F0502020204030204" pitchFamily="34" charset="0"/>
+              </a:rPr>
+              <a:t>Kết quả đạt được</a:t>
+            </a:r>
+            <a:endParaRPr lang="en-US" sz="2600" dirty="0">
+              <a:solidFill>
+                <a:srgbClr val="FF0000"/>
+              </a:solidFill>
+              <a:latin typeface="Calibri" panose="020F0502020204030204" pitchFamily="34" charset="0"/>
+              <a:cs typeface="Calibri" panose="020F0502020204030204" pitchFamily="34" charset="0"/>
+            </a:endParaRPr>
+          </a:p>
+        </p:txBody>
+      </p:sp>
+      <p:sp>
+        <p:nvSpPr>
+          <p:cNvPr id="7" name="Rectangle 6"/>
+          <p:cNvSpPr/>
+          <p:nvPr/>
+        </p:nvSpPr>
+        <p:spPr>
+          <a:xfrm>
+            <a:off x="305692" y="230201"/>
+            <a:ext cx="1523238" cy="553998"/>
+          </a:xfrm>
+          <a:prstGeom prst="rect">
+            <a:avLst/>
+          </a:prstGeom>
+        </p:spPr>
+        <p:txBody>
+          <a:bodyPr wrap="none">
+            <a:spAutoFit/>
+          </a:bodyPr>
+          <a:lstStyle/>
+          <a:p>
+            <a:pPr lvl="0"/>
+            <a:r>
+              <a:rPr lang="en-AU" sz="3000" b="1" dirty="0" smtClean="0">
+                <a:latin typeface="Calibri" panose="020F0502020204030204" pitchFamily="34" charset="0"/>
+                <a:cs typeface="Calibri" panose="020F0502020204030204" pitchFamily="34" charset="0"/>
+              </a:rPr>
+              <a:t>Tổng kết</a:t>
+            </a:r>
+            <a:endParaRPr lang="en-US" sz="3000" b="1" dirty="0">
+              <a:latin typeface="Calibri" panose="020F0502020204030204" pitchFamily="34" charset="0"/>
+              <a:cs typeface="Calibri" panose="020F0502020204030204" pitchFamily="34" charset="0"/>
+            </a:endParaRPr>
+          </a:p>
+        </p:txBody>
+      </p:sp>
+      <p:sp>
+        <p:nvSpPr>
+          <p:cNvPr id="6" name="Rectangle 5"/>
+          <p:cNvSpPr/>
+          <p:nvPr/>
+        </p:nvSpPr>
+        <p:spPr>
+          <a:xfrm>
+            <a:off x="544826" y="1467262"/>
+            <a:ext cx="8446774" cy="1200329"/>
+          </a:xfrm>
+          <a:prstGeom prst="rect">
+            <a:avLst/>
+          </a:prstGeom>
+        </p:spPr>
+        <p:txBody>
+          <a:bodyPr wrap="square">
+            <a:spAutoFit/>
+          </a:bodyPr>
+          <a:lstStyle/>
+          <a:p>
+            <a:pPr marL="285750" indent="-285750">
+              <a:buFont typeface="Arial" panose="020B0604020202020204" pitchFamily="34" charset="0"/>
+              <a:buChar char="•"/>
+            </a:pPr>
+            <a:r>
+              <a:rPr lang="en-US" sz="2400" dirty="0">
+                <a:latin typeface="Calibri" panose="020F0502020204030204" pitchFamily="34" charset="0"/>
+                <a:cs typeface="Calibri" panose="020F0502020204030204" pitchFamily="34" charset="0"/>
+              </a:rPr>
+              <a:t>Bước đầu đồ án đã hoàn thành được mục đích đề ra của đề tài</a:t>
+            </a:r>
+            <a:r>
+              <a:rPr lang="en-US" sz="2400" dirty="0" smtClean="0">
+                <a:latin typeface="Calibri" panose="020F0502020204030204" pitchFamily="34" charset="0"/>
+                <a:cs typeface="Calibri" panose="020F0502020204030204" pitchFamily="34" charset="0"/>
+              </a:rPr>
+              <a:t>.</a:t>
+            </a:r>
+          </a:p>
+          <a:p>
+            <a:pPr marL="285750" indent="-285750">
+              <a:buFont typeface="Arial" panose="020B0604020202020204" pitchFamily="34" charset="0"/>
+              <a:buChar char="•"/>
+            </a:pPr>
+            <a:r>
+              <a:rPr lang="en-US" sz="2400" dirty="0" smtClean="0">
+                <a:latin typeface="Calibri" panose="020F0502020204030204" pitchFamily="34" charset="0"/>
+                <a:cs typeface="Calibri" panose="020F0502020204030204" pitchFamily="34" charset="0"/>
+              </a:rPr>
+              <a:t>Đề tài cung cấp một góc nhìn mới về truyền dữ liệu có thể bị khai thác.</a:t>
+            </a:r>
+          </a:p>
+        </p:txBody>
+      </p:sp>
+      <p:sp>
+        <p:nvSpPr>
+          <p:cNvPr id="9" name="Rectangle 8"/>
+          <p:cNvSpPr/>
+          <p:nvPr/>
+        </p:nvSpPr>
+        <p:spPr>
+          <a:xfrm>
+            <a:off x="544825" y="2858211"/>
+            <a:ext cx="4563887" cy="492443"/>
+          </a:xfrm>
+          <a:prstGeom prst="rect">
+            <a:avLst/>
+          </a:prstGeom>
+        </p:spPr>
+        <p:txBody>
+          <a:bodyPr wrap="square">
+            <a:spAutoFit/>
+          </a:bodyPr>
+          <a:lstStyle/>
+          <a:p>
+            <a:r>
+              <a:rPr lang="en-US" sz="2600" dirty="0" smtClean="0">
+                <a:solidFill>
+                  <a:srgbClr val="FF0000"/>
+                </a:solidFill>
+                <a:latin typeface="Calibri" panose="020F0502020204030204" pitchFamily="34" charset="0"/>
+                <a:cs typeface="Calibri" panose="020F0502020204030204" pitchFamily="34" charset="0"/>
+              </a:rPr>
+              <a:t>Phương hướng phát triển</a:t>
+            </a:r>
+            <a:endParaRPr lang="en-US" sz="2600" dirty="0">
+              <a:solidFill>
+                <a:srgbClr val="FF0000"/>
+              </a:solidFill>
+              <a:latin typeface="Calibri" panose="020F0502020204030204" pitchFamily="34" charset="0"/>
+              <a:cs typeface="Calibri" panose="020F0502020204030204" pitchFamily="34" charset="0"/>
+            </a:endParaRPr>
+          </a:p>
+        </p:txBody>
+      </p:sp>
+      <p:sp>
+        <p:nvSpPr>
+          <p:cNvPr id="8" name="Rectangle 7"/>
+          <p:cNvSpPr/>
+          <p:nvPr/>
+        </p:nvSpPr>
+        <p:spPr>
+          <a:xfrm>
+            <a:off x="544825" y="3435150"/>
+            <a:ext cx="8042584" cy="461665"/>
+          </a:xfrm>
+          <a:prstGeom prst="rect">
+            <a:avLst/>
+          </a:prstGeom>
+        </p:spPr>
+        <p:txBody>
+          <a:bodyPr wrap="square">
+            <a:spAutoFit/>
+          </a:bodyPr>
+          <a:lstStyle/>
+          <a:p>
+            <a:pPr marL="285750" indent="-285750">
+              <a:buFont typeface="Arial" panose="020B0604020202020204" pitchFamily="34" charset="0"/>
+              <a:buChar char="•"/>
+            </a:pPr>
+            <a:r>
+              <a:rPr lang="en-US" sz="2400" dirty="0" smtClean="0">
+                <a:latin typeface="Calibri" panose="020F0502020204030204" pitchFamily="34" charset="0"/>
+                <a:cs typeface="Calibri" panose="020F0502020204030204" pitchFamily="34" charset="0"/>
+              </a:rPr>
+              <a:t>Tiếp tục tìm hiểu đối với các giao thức khác.</a:t>
+            </a:r>
+          </a:p>
+        </p:txBody>
+      </p:sp>
+    </p:spTree>
+    <p:extLst>
+      <p:ext uri="{BB962C8B-B14F-4D97-AF65-F5344CB8AC3E}">
+        <p14:creationId xmlns:p14="http://schemas.microsoft.com/office/powerpoint/2010/main" val="1763493709"/>
+      </p:ext>
+    </p:extLst>
+  </p:cSld>
+  <p:clrMapOvr>
+    <a:masterClrMapping/>
+  </p:clrMapOvr>
+  <mc:AlternateContent xmlns:mc="http://schemas.openxmlformats.org/markup-compatibility/2006" xmlns:p14="http://schemas.microsoft.com/office/powerpoint/2010/main">
+    <mc:Choice Requires="p14">
+      <p:transition spd="slow" p14:dur="2000"/>
+    </mc:Choice>
+    <mc:Fallback xmlns="">
+      <p:transition spd="slow"/>
+    </mc:Fallback>
+  </mc:AlternateContent>
+  <p:timing>
+    <p:tnLst>
+      <p:par>
+        <p:cTn id="1" dur="indefinite" restart="never" nodeType="tmRoot"/>
+      </p:par>
+    </p:tnLst>
+  </p:timing>
+</p:sld>
+</file>
+
+<file path=ppt/slides/slide19.xml><?xml version="1.0" encoding="utf-8"?>
 <p:sld xmlns:a="http://schemas.openxmlformats.org/drawingml/2006/main" xmlns:r="http://schemas.openxmlformats.org/officeDocument/2006/relationships" xmlns:p="http://schemas.openxmlformats.org/presentationml/2006/main">
   <p:cSld>
     <p:spTree>
@@ -20313,106 +21697,6 @@
 </p:sld>
 </file>
 
-<file path=ppt/slides/slide18.xml><?xml version="1.0" encoding="utf-8"?>
-<p:sld xmlns:a="http://schemas.openxmlformats.org/drawingml/2006/main" xmlns:r="http://schemas.openxmlformats.org/officeDocument/2006/relationships" xmlns:p="http://schemas.openxmlformats.org/presentationml/2006/main" showMasterSp="0">
-  <p:cSld>
-    <p:bg>
-      <p:bgPr>
-        <a:blipFill dpi="0" rotWithShape="1">
-          <a:blip r:embed="rId2">
-            <a:lum/>
-          </a:blip>
-          <a:srcRect/>
-          <a:stretch>
-            <a:fillRect/>
-          </a:stretch>
-        </a:blipFill>
-        <a:effectLst/>
-      </p:bgPr>
-    </p:bg>
-    <p:spTree>
-      <p:nvGrpSpPr>
-        <p:cNvPr id="1" name=""/>
-        <p:cNvGrpSpPr/>
-        <p:nvPr/>
-      </p:nvGrpSpPr>
-      <p:grpSpPr>
-        <a:xfrm>
-          <a:off x="0" y="0"/>
-          <a:ext cx="0" cy="0"/>
-          <a:chOff x="0" y="0"/>
-          <a:chExt cx="0" cy="0"/>
-        </a:xfrm>
-      </p:grpSpPr>
-      <p:pic>
-        <p:nvPicPr>
-          <p:cNvPr id="2050" name="Picture 2" descr="Q and a Logos"/>
-          <p:cNvPicPr>
-            <a:picLocks noChangeAspect="1" noChangeArrowheads="1"/>
-          </p:cNvPicPr>
-          <p:nvPr/>
-        </p:nvPicPr>
-        <p:blipFill>
-          <a:blip r:embed="rId3">
-            <a:extLst>
-              <a:ext uri="{28A0092B-C50C-407E-A947-70E740481C1C}">
-                <a14:useLocalDpi xmlns:a14="http://schemas.microsoft.com/office/drawing/2010/main" val="0"/>
-              </a:ext>
-            </a:extLst>
-          </a:blip>
-          <a:srcRect/>
-          <a:stretch>
-            <a:fillRect/>
-          </a:stretch>
-        </p:blipFill>
-        <p:spPr bwMode="auto">
-          <a:xfrm>
-            <a:off x="3002239" y="1998662"/>
-            <a:ext cx="3267075" cy="2286001"/>
-          </a:xfrm>
-          <a:prstGeom prst="rect">
-            <a:avLst/>
-          </a:prstGeom>
-          <a:noFill/>
-          <a:extLst>
-            <a:ext uri="{909E8E84-426E-40DD-AFC4-6F175D3DCCD1}">
-              <a14:hiddenFill xmlns:a14="http://schemas.microsoft.com/office/drawing/2010/main">
-                <a:solidFill>
-                  <a:srgbClr val="FFFFFF"/>
-                </a:solidFill>
-              </a14:hiddenFill>
-            </a:ext>
-          </a:extLst>
-        </p:spPr>
-      </p:pic>
-    </p:spTree>
-    <p:extLst>
-      <p:ext uri="{BB962C8B-B14F-4D97-AF65-F5344CB8AC3E}">
-        <p14:creationId xmlns:p14="http://schemas.microsoft.com/office/powerpoint/2010/main" val="2034434124"/>
-      </p:ext>
-    </p:extLst>
-  </p:cSld>
-  <p:clrMapOvr>
-    <a:masterClrMapping/>
-  </p:clrMapOvr>
-  <mc:AlternateContent xmlns:mc="http://schemas.openxmlformats.org/markup-compatibility/2006" xmlns:p14="http://schemas.microsoft.com/office/powerpoint/2010/main">
-    <mc:Choice Requires="p14">
-      <p:transition spd="slow" p14:dur="2000"/>
-    </mc:Choice>
-    <mc:Fallback xmlns="">
-      <p:transition spd="slow"/>
-    </mc:Fallback>
-  </mc:AlternateContent>
-  <p:timing>
-    <p:tnLst>
-      <p:par>
-        <p:cTn id="1" dur="indefinite" restart="never" nodeType="tmRoot"/>
-      </p:par>
-    </p:tnLst>
-  </p:timing>
-</p:sld>
-</file>
-
 <file path=ppt/slides/slide2.xml><?xml version="1.0" encoding="utf-8"?>
 <p:sld xmlns:a="http://schemas.openxmlformats.org/drawingml/2006/main" xmlns:r="http://schemas.openxmlformats.org/officeDocument/2006/relationships" xmlns:p="http://schemas.openxmlformats.org/presentationml/2006/main" showMasterSp="0">
   <p:cSld>
@@ -20588,6 +21872,106 @@
   <p:transition>
     <p:push dir="u"/>
   </p:transition>
+  <p:timing>
+    <p:tnLst>
+      <p:par>
+        <p:cTn id="1" dur="indefinite" restart="never" nodeType="tmRoot"/>
+      </p:par>
+    </p:tnLst>
+  </p:timing>
+</p:sld>
+</file>
+
+<file path=ppt/slides/slide20.xml><?xml version="1.0" encoding="utf-8"?>
+<p:sld xmlns:a="http://schemas.openxmlformats.org/drawingml/2006/main" xmlns:r="http://schemas.openxmlformats.org/officeDocument/2006/relationships" xmlns:p="http://schemas.openxmlformats.org/presentationml/2006/main" showMasterSp="0">
+  <p:cSld>
+    <p:bg>
+      <p:bgPr>
+        <a:blipFill dpi="0" rotWithShape="1">
+          <a:blip r:embed="rId2">
+            <a:lum/>
+          </a:blip>
+          <a:srcRect/>
+          <a:stretch>
+            <a:fillRect/>
+          </a:stretch>
+        </a:blipFill>
+        <a:effectLst/>
+      </p:bgPr>
+    </p:bg>
+    <p:spTree>
+      <p:nvGrpSpPr>
+        <p:cNvPr id="1" name=""/>
+        <p:cNvGrpSpPr/>
+        <p:nvPr/>
+      </p:nvGrpSpPr>
+      <p:grpSpPr>
+        <a:xfrm>
+          <a:off x="0" y="0"/>
+          <a:ext cx="0" cy="0"/>
+          <a:chOff x="0" y="0"/>
+          <a:chExt cx="0" cy="0"/>
+        </a:xfrm>
+      </p:grpSpPr>
+      <p:pic>
+        <p:nvPicPr>
+          <p:cNvPr id="2050" name="Picture 2" descr="Q and a Logos"/>
+          <p:cNvPicPr>
+            <a:picLocks noChangeAspect="1" noChangeArrowheads="1"/>
+          </p:cNvPicPr>
+          <p:nvPr/>
+        </p:nvPicPr>
+        <p:blipFill>
+          <a:blip r:embed="rId3">
+            <a:extLst>
+              <a:ext uri="{28A0092B-C50C-407E-A947-70E740481C1C}">
+                <a14:useLocalDpi xmlns:a14="http://schemas.microsoft.com/office/drawing/2010/main" val="0"/>
+              </a:ext>
+            </a:extLst>
+          </a:blip>
+          <a:srcRect/>
+          <a:stretch>
+            <a:fillRect/>
+          </a:stretch>
+        </p:blipFill>
+        <p:spPr bwMode="auto">
+          <a:xfrm>
+            <a:off x="3002239" y="1998662"/>
+            <a:ext cx="3267075" cy="2286001"/>
+          </a:xfrm>
+          <a:prstGeom prst="rect">
+            <a:avLst/>
+          </a:prstGeom>
+          <a:noFill/>
+          <a:extLst>
+            <a:ext uri="{909E8E84-426E-40DD-AFC4-6F175D3DCCD1}">
+              <a14:hiddenFill xmlns:a14="http://schemas.microsoft.com/office/drawing/2010/main">
+                <a:solidFill>
+                  <a:srgbClr val="FFFFFF"/>
+                </a:solidFill>
+              </a14:hiddenFill>
+            </a:ext>
+          </a:extLst>
+        </p:spPr>
+      </p:pic>
+    </p:spTree>
+    <p:extLst>
+      <p:ext uri="{BB962C8B-B14F-4D97-AF65-F5344CB8AC3E}">
+        <p14:creationId xmlns:p14="http://schemas.microsoft.com/office/powerpoint/2010/main" val="2034434124"/>
+      </p:ext>
+    </p:extLst>
+  </p:cSld>
+  <p:clrMapOvr>
+    <a:masterClrMapping/>
+  </p:clrMapOvr>
+  <mc:AlternateContent xmlns:mc="http://schemas.openxmlformats.org/markup-compatibility/2006" xmlns:p14="http://schemas.microsoft.com/office/powerpoint/2010/main">
+    <mc:Choice Requires="p14">
+      <p:transition spd="slow" p14:dur="2000"/>
+    </mc:Choice>
+    <mc:Fallback xmlns="">
+      <p:transition spd="slow"/>
+    </mc:Fallback>
+  </mc:AlternateContent>
   <p:timing>
     <p:tnLst>
       <p:par>
@@ -20893,14 +22277,14 @@
             <p:ph idx="1"/>
             <p:extLst>
               <p:ext uri="{D42A27DB-BD31-4B8C-83A1-F6EECF244321}">
-                <p14:modId xmlns:p14="http://schemas.microsoft.com/office/powerpoint/2010/main" val="3512345689"/>
+                <p14:modId xmlns:p14="http://schemas.microsoft.com/office/powerpoint/2010/main" val="2458871676"/>
               </p:ext>
             </p:extLst>
           </p:nvPr>
         </p:nvGraphicFramePr>
         <p:xfrm>
-          <a:off x="27517" y="613567"/>
-          <a:ext cx="7886700" cy="5605463"/>
+          <a:off x="27516" y="613567"/>
+          <a:ext cx="8392583" cy="5605463"/>
         </p:xfrm>
         <a:graphic>
           <a:graphicData uri="http://schemas.openxmlformats.org/drawingml/2006/diagram">
@@ -20916,7 +22300,7 @@
         </p:nvSpPr>
         <p:spPr>
           <a:xfrm>
-            <a:off x="218015" y="1074208"/>
+            <a:off x="230450" y="1071373"/>
             <a:ext cx="866775" cy="821531"/>
           </a:xfrm>
           <a:prstGeom prst="flowChartConnector">
@@ -20946,10 +22330,12 @@
           <a:p>
             <a:pPr algn="ctr"/>
             <a:r>
-              <a:rPr lang="en-US" dirty="0">
+              <a:rPr lang="en-US" sz="3000" b="1" dirty="0">
                 <a:solidFill>
                   <a:schemeClr val="tx1"/>
                 </a:solidFill>
+                <a:latin typeface="Calibri" panose="020F0502020204030204" pitchFamily="34" charset="0"/>
+                <a:cs typeface="Calibri" panose="020F0502020204030204" pitchFamily="34" charset="0"/>
               </a:rPr>
               <a:t>I</a:t>
             </a:r>
@@ -20964,7 +22350,7 @@
         </p:nvSpPr>
         <p:spPr>
           <a:xfrm>
-            <a:off x="710669" y="2356380"/>
+            <a:off x="725358" y="2350710"/>
             <a:ext cx="866775" cy="828674"/>
           </a:xfrm>
           <a:prstGeom prst="flowChartConnector">
@@ -20994,70 +22380,21 @@
           <a:p>
             <a:pPr algn="ctr"/>
             <a:r>
-              <a:rPr lang="en-US" dirty="0" smtClean="0">
+              <a:rPr lang="en-US" sz="3000" b="1" dirty="0" smtClean="0">
                 <a:solidFill>
                   <a:schemeClr val="tx1"/>
                 </a:solidFill>
+                <a:latin typeface="Calibri" panose="020F0502020204030204" pitchFamily="34" charset="0"/>
+                <a:cs typeface="Calibri" panose="020F0502020204030204" pitchFamily="34" charset="0"/>
               </a:rPr>
               <a:t>II</a:t>
             </a:r>
-            <a:endParaRPr lang="en-US" dirty="0">
+            <a:endParaRPr lang="en-US" sz="3000" b="1" dirty="0">
               <a:solidFill>
                 <a:schemeClr val="tx1"/>
               </a:solidFill>
-            </a:endParaRPr>
-          </a:p>
-        </p:txBody>
-      </p:sp>
-      <p:sp>
-        <p:nvSpPr>
-          <p:cNvPr id="7" name="Flowchart: Connector 6"/>
-          <p:cNvSpPr/>
-          <p:nvPr/>
-        </p:nvSpPr>
-        <p:spPr>
-          <a:xfrm>
-            <a:off x="710668" y="3645695"/>
-            <a:ext cx="866776" cy="838201"/>
-          </a:xfrm>
-          <a:prstGeom prst="flowChartConnector">
-            <a:avLst/>
-          </a:prstGeom>
-          <a:noFill/>
-        </p:spPr>
-        <p:style>
-          <a:lnRef idx="2">
-            <a:schemeClr val="accent1">
-              <a:shade val="50000"/>
-            </a:schemeClr>
-          </a:lnRef>
-          <a:fillRef idx="1">
-            <a:schemeClr val="accent1"/>
-          </a:fillRef>
-          <a:effectRef idx="0">
-            <a:schemeClr val="accent1"/>
-          </a:effectRef>
-          <a:fontRef idx="minor">
-            <a:schemeClr val="lt1"/>
-          </a:fontRef>
-        </p:style>
-        <p:txBody>
-          <a:bodyPr rtlCol="0" anchor="ctr"/>
-          <a:lstStyle/>
-          <a:p>
-            <a:pPr algn="ctr"/>
-            <a:r>
-              <a:rPr lang="en-US" dirty="0" smtClean="0">
-                <a:solidFill>
-                  <a:schemeClr val="tx1"/>
-                </a:solidFill>
-              </a:rPr>
-              <a:t>III</a:t>
-            </a:r>
-            <a:endParaRPr lang="en-US" dirty="0">
-              <a:solidFill>
-                <a:schemeClr val="tx1"/>
-              </a:solidFill>
+              <a:latin typeface="Calibri" panose="020F0502020204030204" pitchFamily="34" charset="0"/>
+              <a:cs typeface="Calibri" panose="020F0502020204030204" pitchFamily="34" charset="0"/>
             </a:endParaRPr>
           </a:p>
         </p:txBody>
@@ -21116,7 +22453,7 @@
         </p:nvSpPr>
         <p:spPr>
           <a:xfrm>
-            <a:off x="218015" y="4927867"/>
+            <a:off x="725357" y="3736328"/>
             <a:ext cx="866776" cy="838201"/>
           </a:xfrm>
           <a:prstGeom prst="flowChartConnector">
@@ -21146,17 +22483,78 @@
           <a:p>
             <a:pPr algn="ctr"/>
             <a:r>
-              <a:rPr lang="en-US" dirty="0" smtClean="0">
+              <a:rPr lang="en-US" sz="3000" b="1" dirty="0" smtClean="0">
                 <a:solidFill>
                   <a:schemeClr val="tx1"/>
                 </a:solidFill>
+                <a:latin typeface="Calibri" panose="020F0502020204030204" pitchFamily="34" charset="0"/>
+                <a:cs typeface="Calibri" panose="020F0502020204030204" pitchFamily="34" charset="0"/>
+              </a:rPr>
+              <a:t>III</a:t>
+            </a:r>
+            <a:endParaRPr lang="en-US" sz="3000" b="1" dirty="0">
+              <a:solidFill>
+                <a:schemeClr val="tx1"/>
+              </a:solidFill>
+              <a:latin typeface="Calibri" panose="020F0502020204030204" pitchFamily="34" charset="0"/>
+              <a:cs typeface="Calibri" panose="020F0502020204030204" pitchFamily="34" charset="0"/>
+            </a:endParaRPr>
+          </a:p>
+        </p:txBody>
+      </p:sp>
+      <p:sp>
+        <p:nvSpPr>
+          <p:cNvPr id="10" name="Flowchart: Connector 9"/>
+          <p:cNvSpPr/>
+          <p:nvPr/>
+        </p:nvSpPr>
+        <p:spPr>
+          <a:xfrm>
+            <a:off x="230449" y="4916527"/>
+            <a:ext cx="866776" cy="838201"/>
+          </a:xfrm>
+          <a:prstGeom prst="flowChartConnector">
+            <a:avLst/>
+          </a:prstGeom>
+          <a:noFill/>
+        </p:spPr>
+        <p:style>
+          <a:lnRef idx="2">
+            <a:schemeClr val="accent1">
+              <a:shade val="50000"/>
+            </a:schemeClr>
+          </a:lnRef>
+          <a:fillRef idx="1">
+            <a:schemeClr val="accent1"/>
+          </a:fillRef>
+          <a:effectRef idx="0">
+            <a:schemeClr val="accent1"/>
+          </a:effectRef>
+          <a:fontRef idx="minor">
+            <a:schemeClr val="lt1"/>
+          </a:fontRef>
+        </p:style>
+        <p:txBody>
+          <a:bodyPr rtlCol="0" anchor="ctr"/>
+          <a:lstStyle/>
+          <a:p>
+            <a:pPr algn="ctr"/>
+            <a:r>
+              <a:rPr lang="en-US" sz="3000" b="1" dirty="0" smtClean="0">
+                <a:solidFill>
+                  <a:schemeClr val="tx1"/>
+                </a:solidFill>
+                <a:latin typeface="Calibri" panose="020F0502020204030204" pitchFamily="34" charset="0"/>
+                <a:cs typeface="Calibri" panose="020F0502020204030204" pitchFamily="34" charset="0"/>
               </a:rPr>
               <a:t>IV</a:t>
             </a:r>
-            <a:endParaRPr lang="en-US" dirty="0">
+            <a:endParaRPr lang="en-US" sz="3000" b="1" dirty="0">
               <a:solidFill>
                 <a:schemeClr val="tx1"/>
               </a:solidFill>
+              <a:latin typeface="Calibri" panose="020F0502020204030204" pitchFamily="34" charset="0"/>
+              <a:cs typeface="Calibri" panose="020F0502020204030204" pitchFamily="34" charset="0"/>
             </a:endParaRPr>
           </a:p>
         </p:txBody>
@@ -21229,7 +22627,7 @@
         <p:spPr>
           <a:xfrm>
             <a:off x="305692" y="230201"/>
-            <a:ext cx="4318042" cy="553998"/>
+            <a:ext cx="4546566" cy="553998"/>
           </a:xfrm>
           <a:prstGeom prst="rect">
             <a:avLst/>
@@ -21243,13 +22641,27 @@
           <a:p>
             <a:pPr lvl="0"/>
             <a:r>
-              <a:rPr lang="en-AU" sz="3000" dirty="0">
+              <a:rPr lang="en-AU" sz="3000" b="1" dirty="0">
                 <a:latin typeface="Calibri" panose="020F0502020204030204" pitchFamily="34" charset="0"/>
                 <a:cs typeface="Calibri" panose="020F0502020204030204" pitchFamily="34" charset="0"/>
               </a:rPr>
-              <a:t>I.Tổng quan vể rò rỉ dữ liệu</a:t>
+              <a:t>I</a:t>
             </a:r>
-            <a:endParaRPr lang="en-US" sz="3000" dirty="0">
+            <a:r>
+              <a:rPr lang="en-AU" sz="3000" b="1" dirty="0" smtClean="0">
+                <a:latin typeface="Calibri" panose="020F0502020204030204" pitchFamily="34" charset="0"/>
+                <a:cs typeface="Calibri" panose="020F0502020204030204" pitchFamily="34" charset="0"/>
+              </a:rPr>
+              <a:t>. Tổng </a:t>
+            </a:r>
+            <a:r>
+              <a:rPr lang="en-AU" sz="3000" b="1" dirty="0">
+                <a:latin typeface="Calibri" panose="020F0502020204030204" pitchFamily="34" charset="0"/>
+                <a:cs typeface="Calibri" panose="020F0502020204030204" pitchFamily="34" charset="0"/>
+              </a:rPr>
+              <a:t>quan vể rò rỉ dữ liệu</a:t>
+            </a:r>
+            <a:endParaRPr lang="en-US" sz="3000" b="1" dirty="0">
               <a:latin typeface="Calibri" panose="020F0502020204030204" pitchFamily="34" charset="0"/>
               <a:cs typeface="Calibri" panose="020F0502020204030204" pitchFamily="34" charset="0"/>
             </a:endParaRPr>
@@ -21265,7 +22677,7 @@
         <p:spPr>
           <a:xfrm>
             <a:off x="520700" y="2523794"/>
-            <a:ext cx="4466167" cy="1015663"/>
+            <a:ext cx="4466167" cy="1569660"/>
           </a:xfrm>
           <a:prstGeom prst="rect">
             <a:avLst/>
@@ -21279,31 +22691,33 @@
           <a:p>
             <a:pPr lvl="0" algn="just"/>
             <a:r>
-              <a:rPr lang="en-AU" sz="2000" dirty="0" smtClean="0">
-                <a:latin typeface="Arial" panose="020B0604020202020204" pitchFamily="34" charset="0"/>
-                <a:cs typeface="Arial" panose="020B0604020202020204" pitchFamily="34" charset="0"/>
+              <a:rPr lang="en-AU" sz="2400" dirty="0" smtClean="0">
+                <a:latin typeface="Calibri" panose="020F0502020204030204" pitchFamily="34" charset="0"/>
+                <a:cs typeface="Calibri" panose="020F0502020204030204" pitchFamily="34" charset="0"/>
               </a:rPr>
               <a:t>Rò </a:t>
             </a:r>
             <a:r>
-              <a:rPr lang="en-AU" sz="2000" dirty="0">
-                <a:latin typeface="Arial" panose="020B0604020202020204" pitchFamily="34" charset="0"/>
-                <a:cs typeface="Arial" panose="020B0604020202020204" pitchFamily="34" charset="0"/>
+              <a:rPr lang="en-AU" sz="2400" dirty="0">
+                <a:latin typeface="Calibri" panose="020F0502020204030204" pitchFamily="34" charset="0"/>
+                <a:cs typeface="Calibri" panose="020F0502020204030204" pitchFamily="34" charset="0"/>
               </a:rPr>
               <a:t>rỉ dữ liệu là việc truyền dữ liệu trái phép từ bên trong một tổ chức đến đích hoặc người nhận bên </a:t>
             </a:r>
             <a:r>
-              <a:rPr lang="en-AU" sz="2000" dirty="0" smtClean="0">
-                <a:latin typeface="Arial" panose="020B0604020202020204" pitchFamily="34" charset="0"/>
-                <a:cs typeface="Arial" panose="020B0604020202020204" pitchFamily="34" charset="0"/>
+              <a:rPr lang="en-AU" sz="2400" dirty="0" smtClean="0">
+                <a:latin typeface="Calibri" panose="020F0502020204030204" pitchFamily="34" charset="0"/>
+                <a:cs typeface="Calibri" panose="020F0502020204030204" pitchFamily="34" charset="0"/>
               </a:rPr>
               <a:t>ngoài</a:t>
             </a:r>
             <a:r>
-              <a:rPr lang="en-US" sz="2000" dirty="0"/>
+              <a:rPr lang="en-US" sz="2400" dirty="0">
+                <a:latin typeface="Calibri" panose="020F0502020204030204" pitchFamily="34" charset="0"/>
+                <a:cs typeface="Calibri" panose="020F0502020204030204" pitchFamily="34" charset="0"/>
+              </a:rPr>
               <a:t>.</a:t>
             </a:r>
-            <a:endParaRPr lang="en-US" sz="2000" dirty="0"/>
           </a:p>
         </p:txBody>
       </p:sp>
@@ -21315,8 +22729,8 @@
         </p:nvSpPr>
         <p:spPr>
           <a:xfrm>
-            <a:off x="735339" y="856734"/>
-            <a:ext cx="1289457" cy="369332"/>
+            <a:off x="520700" y="1161553"/>
+            <a:ext cx="1699824" cy="492443"/>
           </a:xfrm>
           <a:prstGeom prst="rect">
             <a:avLst/>
@@ -21333,7 +22747,7 @@
               <a:buChar char="•"/>
             </a:pPr>
             <a:r>
-              <a:rPr lang="en-US" dirty="0">
+              <a:rPr lang="en-US" sz="2600" dirty="0">
                 <a:solidFill>
                   <a:srgbClr val="FF0000"/>
                 </a:solidFill>
@@ -21342,13 +22756,6 @@
               </a:rPr>
               <a:t>Khái niệm</a:t>
             </a:r>
-            <a:endParaRPr lang="en-US" dirty="0">
-              <a:solidFill>
-                <a:srgbClr val="FF0000"/>
-              </a:solidFill>
-              <a:latin typeface="Calibri" panose="020F0502020204030204" pitchFamily="34" charset="0"/>
-              <a:cs typeface="Calibri" panose="020F0502020204030204" pitchFamily="34" charset="0"/>
-            </a:endParaRPr>
           </a:p>
         </p:txBody>
       </p:sp>
@@ -21495,8 +22902,8 @@
         </p:nvSpPr>
         <p:spPr>
           <a:xfrm>
-            <a:off x="744053" y="560400"/>
-            <a:ext cx="1634102" cy="369332"/>
+            <a:off x="555367" y="904333"/>
+            <a:ext cx="2201565" cy="492443"/>
           </a:xfrm>
           <a:prstGeom prst="rect">
             <a:avLst/>
@@ -21513,14 +22920,14 @@
               <a:buChar char="•"/>
             </a:pPr>
             <a:r>
-              <a:rPr lang="en-US" dirty="0" smtClean="0">
+              <a:rPr lang="en-US" sz="2600" dirty="0" smtClean="0">
                 <a:solidFill>
                   <a:srgbClr val="FF0000"/>
                 </a:solidFill>
               </a:rPr>
               <a:t>Nguyên nhân</a:t>
             </a:r>
-            <a:endParaRPr lang="en-US" dirty="0">
+            <a:endParaRPr lang="en-US" sz="2600" dirty="0">
               <a:solidFill>
                 <a:srgbClr val="FF0000"/>
               </a:solidFill>
@@ -21535,14 +22942,14 @@
           <p:nvPr>
             <p:extLst>
               <p:ext uri="{D42A27DB-BD31-4B8C-83A1-F6EECF244321}">
-                <p14:modId xmlns:p14="http://schemas.microsoft.com/office/powerpoint/2010/main" val="2452487820"/>
+                <p14:modId xmlns:p14="http://schemas.microsoft.com/office/powerpoint/2010/main" val="2651301650"/>
               </p:ext>
             </p:extLst>
           </p:nvPr>
         </p:nvGraphicFramePr>
         <p:xfrm>
-          <a:off x="1524000" y="1397000"/>
-          <a:ext cx="6096000" cy="4064000"/>
+          <a:off x="1200150" y="1503176"/>
+          <a:ext cx="6800850" cy="4192774"/>
         </p:xfrm>
         <a:graphic>
           <a:graphicData uri="http://schemas.openxmlformats.org/drawingml/2006/diagram">
@@ -21596,6 +23003,56 @@
           </a:p>
         </p:txBody>
       </p:sp>
+      <p:sp>
+        <p:nvSpPr>
+          <p:cNvPr id="6" name="Rectangle 5"/>
+          <p:cNvSpPr/>
+          <p:nvPr/>
+        </p:nvSpPr>
+        <p:spPr>
+          <a:xfrm>
+            <a:off x="305692" y="230201"/>
+            <a:ext cx="4546566" cy="553998"/>
+          </a:xfrm>
+          <a:prstGeom prst="rect">
+            <a:avLst/>
+          </a:prstGeom>
+        </p:spPr>
+        <p:txBody>
+          <a:bodyPr wrap="none">
+            <a:spAutoFit/>
+          </a:bodyPr>
+          <a:lstStyle/>
+          <a:p>
+            <a:pPr lvl="0"/>
+            <a:r>
+              <a:rPr lang="en-AU" sz="3000" b="1" dirty="0">
+                <a:latin typeface="Calibri" panose="020F0502020204030204" pitchFamily="34" charset="0"/>
+                <a:cs typeface="Calibri" panose="020F0502020204030204" pitchFamily="34" charset="0"/>
+              </a:rPr>
+              <a:t>I</a:t>
+            </a:r>
+            <a:r>
+              <a:rPr lang="en-AU" sz="3000" b="1" dirty="0" smtClean="0">
+                <a:latin typeface="Calibri" panose="020F0502020204030204" pitchFamily="34" charset="0"/>
+                <a:cs typeface="Calibri" panose="020F0502020204030204" pitchFamily="34" charset="0"/>
+              </a:rPr>
+              <a:t>. Tổng </a:t>
+            </a:r>
+            <a:r>
+              <a:rPr lang="en-AU" sz="3000" b="1" dirty="0">
+                <a:latin typeface="Calibri" panose="020F0502020204030204" pitchFamily="34" charset="0"/>
+                <a:cs typeface="Calibri" panose="020F0502020204030204" pitchFamily="34" charset="0"/>
+              </a:rPr>
+              <a:t>quan vể rò rỉ dữ liệu</a:t>
+            </a:r>
+            <a:endParaRPr lang="en-US" sz="3000" b="1" dirty="0">
+              <a:latin typeface="Calibri" panose="020F0502020204030204" pitchFamily="34" charset="0"/>
+              <a:cs typeface="Calibri" panose="020F0502020204030204" pitchFamily="34" charset="0"/>
+            </a:endParaRPr>
+          </a:p>
+        </p:txBody>
+      </p:sp>
     </p:spTree>
     <p:extLst>
       <p:ext uri="{BB962C8B-B14F-4D97-AF65-F5344CB8AC3E}">
@@ -21606,6 +23063,13 @@
   <p:clrMapOvr>
     <a:masterClrMapping/>
   </p:clrMapOvr>
+  <p:timing>
+    <p:tnLst>
+      <p:par>
+        <p:cTn id="1" dur="indefinite" restart="never" nodeType="tmRoot"/>
+      </p:par>
+    </p:tnLst>
+  </p:timing>
 </p:sld>
 </file>
 
@@ -21649,7 +23113,7 @@
         <p:spPr>
           <a:xfrm>
             <a:off x="3772313" y="1582238"/>
-            <a:ext cx="3926053" cy="400110"/>
+            <a:ext cx="3926053" cy="461665"/>
           </a:xfrm>
           <a:prstGeom prst="rect">
             <a:avLst/>
@@ -21680,14 +23144,14 @@
               <a:buChar char="•"/>
             </a:pPr>
             <a:r>
-              <a:rPr lang="en-AU" sz="2000" dirty="0">
+              <a:rPr lang="en-AU" sz="2400" dirty="0">
                 <a:latin typeface="Calibri" panose="020F0502020204030204" pitchFamily="34" charset="0"/>
                 <a:ea typeface="Calibri" panose="020F0502020204030204" pitchFamily="34" charset="0"/>
                 <a:cs typeface="Calibri" panose="020F0502020204030204" pitchFamily="34" charset="0"/>
               </a:rPr>
               <a:t>Gian lận thẻ tín dụng</a:t>
             </a:r>
-            <a:endParaRPr lang="en-US" sz="2000" dirty="0">
+            <a:endParaRPr lang="en-US" sz="2400" dirty="0">
               <a:latin typeface="Calibri" panose="020F0502020204030204" pitchFamily="34" charset="0"/>
               <a:cs typeface="Calibri" panose="020F0502020204030204" pitchFamily="34" charset="0"/>
             </a:endParaRPr>
@@ -21703,7 +23167,7 @@
         <p:spPr>
           <a:xfrm>
             <a:off x="3772312" y="2833126"/>
-            <a:ext cx="3926053" cy="400110"/>
+            <a:ext cx="3926053" cy="461665"/>
           </a:xfrm>
           <a:prstGeom prst="rect">
             <a:avLst/>
@@ -21734,7 +23198,7 @@
               <a:buChar char="•"/>
             </a:pPr>
             <a:r>
-              <a:rPr lang="en-AU" sz="2000" dirty="0" smtClean="0">
+              <a:rPr lang="en-AU" sz="2400" dirty="0" smtClean="0">
                 <a:solidFill>
                   <a:srgbClr val="000000"/>
                 </a:solidFill>
@@ -21744,7 +23208,7 @@
               </a:rPr>
               <a:t>Bán hàng ở chợ đen</a:t>
             </a:r>
-            <a:endParaRPr lang="en-US" sz="2000" dirty="0">
+            <a:endParaRPr lang="en-US" sz="2400" dirty="0">
               <a:latin typeface="Calibri" panose="020F0502020204030204" pitchFamily="34" charset="0"/>
               <a:cs typeface="Calibri" panose="020F0502020204030204" pitchFamily="34" charset="0"/>
             </a:endParaRPr>
@@ -21760,7 +23224,7 @@
         <p:spPr>
           <a:xfrm>
             <a:off x="3772312" y="4082055"/>
-            <a:ext cx="3926053" cy="400110"/>
+            <a:ext cx="3926053" cy="461665"/>
           </a:xfrm>
           <a:prstGeom prst="rect">
             <a:avLst/>
@@ -21791,7 +23255,7 @@
               <a:buChar char="•"/>
             </a:pPr>
             <a:r>
-              <a:rPr lang="en-AU" sz="2000" dirty="0">
+              <a:rPr lang="en-AU" sz="2400" dirty="0">
                 <a:solidFill>
                   <a:srgbClr val="000000"/>
                 </a:solidFill>
@@ -21801,7 +23265,7 @@
               </a:rPr>
               <a:t>Tống tiền</a:t>
             </a:r>
-            <a:endParaRPr lang="en-US" sz="2000" dirty="0">
+            <a:endParaRPr lang="en-US" sz="2400" dirty="0">
               <a:latin typeface="Calibri" panose="020F0502020204030204" pitchFamily="34" charset="0"/>
               <a:cs typeface="Calibri" panose="020F0502020204030204" pitchFamily="34" charset="0"/>
             </a:endParaRPr>
@@ -21817,7 +23281,7 @@
         <p:spPr>
           <a:xfrm>
             <a:off x="3772312" y="5327968"/>
-            <a:ext cx="3926053" cy="400110"/>
+            <a:ext cx="3926053" cy="461665"/>
           </a:xfrm>
           <a:prstGeom prst="rect">
             <a:avLst/>
@@ -21848,7 +23312,7 @@
               <a:buChar char="•"/>
             </a:pPr>
             <a:r>
-              <a:rPr lang="en-AU" sz="2000" dirty="0">
+              <a:rPr lang="en-AU" sz="2400" dirty="0">
                 <a:solidFill>
                   <a:srgbClr val="000000"/>
                 </a:solidFill>
@@ -21858,7 +23322,7 @@
               </a:rPr>
               <a:t>Làm giảm lợi thế cạnh tranh</a:t>
             </a:r>
-            <a:endParaRPr lang="en-US" sz="2000" dirty="0">
+            <a:endParaRPr lang="en-US" sz="2400" dirty="0">
               <a:latin typeface="Calibri" panose="020F0502020204030204" pitchFamily="34" charset="0"/>
               <a:cs typeface="Calibri" panose="020F0502020204030204" pitchFamily="34" charset="0"/>
             </a:endParaRPr>
@@ -21941,6 +23405,56 @@
           </a:prstGeom>
         </p:spPr>
       </p:pic>
+      <p:sp>
+        <p:nvSpPr>
+          <p:cNvPr id="8" name="Rectangle 7"/>
+          <p:cNvSpPr/>
+          <p:nvPr/>
+        </p:nvSpPr>
+        <p:spPr>
+          <a:xfrm>
+            <a:off x="305692" y="230201"/>
+            <a:ext cx="4546566" cy="553998"/>
+          </a:xfrm>
+          <a:prstGeom prst="rect">
+            <a:avLst/>
+          </a:prstGeom>
+        </p:spPr>
+        <p:txBody>
+          <a:bodyPr wrap="none">
+            <a:spAutoFit/>
+          </a:bodyPr>
+          <a:lstStyle/>
+          <a:p>
+            <a:pPr lvl="0"/>
+            <a:r>
+              <a:rPr lang="en-AU" sz="3000" b="1" dirty="0">
+                <a:latin typeface="Calibri" panose="020F0502020204030204" pitchFamily="34" charset="0"/>
+                <a:cs typeface="Calibri" panose="020F0502020204030204" pitchFamily="34" charset="0"/>
+              </a:rPr>
+              <a:t>I</a:t>
+            </a:r>
+            <a:r>
+              <a:rPr lang="en-AU" sz="3000" b="1" dirty="0" smtClean="0">
+                <a:latin typeface="Calibri" panose="020F0502020204030204" pitchFamily="34" charset="0"/>
+                <a:cs typeface="Calibri" panose="020F0502020204030204" pitchFamily="34" charset="0"/>
+              </a:rPr>
+              <a:t>. Tổng </a:t>
+            </a:r>
+            <a:r>
+              <a:rPr lang="en-AU" sz="3000" b="1" dirty="0">
+                <a:latin typeface="Calibri" panose="020F0502020204030204" pitchFamily="34" charset="0"/>
+                <a:cs typeface="Calibri" panose="020F0502020204030204" pitchFamily="34" charset="0"/>
+              </a:rPr>
+              <a:t>quan vể rò rỉ dữ liệu</a:t>
+            </a:r>
+            <a:endParaRPr lang="en-US" sz="3000" b="1" dirty="0">
+              <a:latin typeface="Calibri" panose="020F0502020204030204" pitchFamily="34" charset="0"/>
+              <a:cs typeface="Calibri" panose="020F0502020204030204" pitchFamily="34" charset="0"/>
+            </a:endParaRPr>
+          </a:p>
+        </p:txBody>
+      </p:sp>
     </p:spTree>
     <p:extLst>
       <p:ext uri="{BB962C8B-B14F-4D97-AF65-F5344CB8AC3E}">
@@ -21951,6 +23465,13 @@
   <p:clrMapOvr>
     <a:masterClrMapping/>
   </p:clrMapOvr>
+  <p:timing>
+    <p:tnLst>
+      <p:par>
+        <p:cTn id="1" dur="indefinite" restart="never" nodeType="tmRoot"/>
+      </p:par>
+    </p:tnLst>
+  </p:timing>
 </p:sld>
 </file>
 
@@ -22069,8 +23590,8 @@
         </p:nvSpPr>
         <p:spPr>
           <a:xfrm>
-            <a:off x="484093" y="902331"/>
-            <a:ext cx="8499040" cy="1323439"/>
+            <a:off x="297080" y="1321431"/>
+            <a:ext cx="5532220" cy="2677656"/>
           </a:xfrm>
           <a:prstGeom prst="rect">
             <a:avLst/>
@@ -22082,8 +23603,20 @@
           </a:bodyPr>
           <a:lstStyle/>
           <a:p>
+            <a:pPr algn="just"/>
             <a:r>
-              <a:rPr lang="en-US" sz="2000" dirty="0">
+              <a:rPr lang="en-US" sz="2400" dirty="0">
+                <a:solidFill>
+                  <a:srgbClr val="FF0000"/>
+                </a:solidFill>
+                <a:latin typeface="Calibri" panose="020F0502020204030204" pitchFamily="34" charset="0"/>
+                <a:ea typeface="Calibri" panose="020F0502020204030204" pitchFamily="34" charset="0"/>
+                <a:cs typeface="Calibri" panose="020F0502020204030204" pitchFamily="34" charset="0"/>
+              </a:rPr>
+              <a:t>Giao thức NTP </a:t>
+            </a:r>
+            <a:r>
+              <a:rPr lang="en-US" sz="2400" dirty="0">
                 <a:solidFill>
                   <a:srgbClr val="000000"/>
                 </a:solidFill>
@@ -22091,9 +23624,9 @@
                 <a:ea typeface="Calibri" panose="020F0502020204030204" pitchFamily="34" charset="0"/>
                 <a:cs typeface="Calibri" panose="020F0502020204030204" pitchFamily="34" charset="0"/>
               </a:rPr>
-              <a:t>Giao thức NTP (Network Time Protocol) là một giao thức để đồng bộ đồng hồ của các hệ thống máy tính thông qua mạng dữ liệu chuyển mạch gói với độ trễ biến đổi. Giao thức này được thiết kế để tránh ảnh hưởng của độ trễ biến đổi bằng cách sử dụng bộ đệm jitter. </a:t>
+              <a:t>(Network Time Protocol) là một giao thức để đồng bộ đồng hồ của các hệ thống máy tính thông qua mạng dữ liệu chuyển mạch gói với độ trễ biến đổi. Giao thức này được thiết kế để tránh ảnh hưởng của độ trễ biến đổi bằng cách sử dụng bộ đệm jitter. </a:t>
             </a:r>
-            <a:endParaRPr lang="en-US" sz="2000" dirty="0">
+            <a:endParaRPr lang="en-US" sz="2400" dirty="0">
               <a:latin typeface="Calibri" panose="020F0502020204030204" pitchFamily="34" charset="0"/>
               <a:cs typeface="Calibri" panose="020F0502020204030204" pitchFamily="34" charset="0"/>
             </a:endParaRPr>
@@ -22110,7 +23643,7 @@
         </p:nvSpPr>
         <p:spPr>
           <a:xfrm>
-            <a:off x="234176" y="156117"/>
+            <a:off x="186267" y="312392"/>
             <a:ext cx="7748246" cy="596918"/>
           </a:xfrm>
           <a:prstGeom prst="rect">
@@ -22141,17 +23674,72 @@
             </a:lvl1pPr>
           </a:lstStyle>
           <a:p>
+            <a:pPr lvl="0"/>
             <a:r>
-              <a:rPr lang="en-US" sz="3000" dirty="0" smtClean="0">
+              <a:rPr lang="en-US" sz="3000" b="1" dirty="0" smtClean="0">
                 <a:latin typeface="Calibri" panose="020F0502020204030204" pitchFamily="34" charset="0"/>
                 <a:cs typeface="Calibri" panose="020F0502020204030204" pitchFamily="34" charset="0"/>
               </a:rPr>
-              <a:t>II: Giao thức NTP</a:t>
+              <a:t>II. </a:t>
             </a:r>
-            <a:endParaRPr lang="en-US" sz="3000" dirty="0">
+            <a:r>
+              <a:rPr lang="en-US" sz="3200" b="1" dirty="0">
+                <a:latin typeface="Calibri" panose="020F0502020204030204" pitchFamily="34" charset="0"/>
+                <a:cs typeface="Calibri" panose="020F0502020204030204" pitchFamily="34" charset="0"/>
+              </a:rPr>
+              <a:t>Truyền dữ liệu ra ngoài sử dụng NTP</a:t>
+            </a:r>
+            <a:endParaRPr lang="en-US" sz="3200" b="1" dirty="0">
               <a:latin typeface="Calibri" panose="020F0502020204030204" pitchFamily="34" charset="0"/>
               <a:cs typeface="Calibri" panose="020F0502020204030204" pitchFamily="34" charset="0"/>
             </a:endParaRPr>
+          </a:p>
+        </p:txBody>
+      </p:sp>
+      <p:sp>
+        <p:nvSpPr>
+          <p:cNvPr id="2" name="Rectangle 1"/>
+          <p:cNvSpPr/>
+          <p:nvPr/>
+        </p:nvSpPr>
+        <p:spPr>
+          <a:xfrm>
+            <a:off x="297080" y="909310"/>
+            <a:ext cx="2300630" cy="492443"/>
+          </a:xfrm>
+          <a:prstGeom prst="rect">
+            <a:avLst/>
+          </a:prstGeom>
+        </p:spPr>
+        <p:txBody>
+          <a:bodyPr wrap="none">
+            <a:spAutoFit/>
+          </a:bodyPr>
+          <a:lstStyle/>
+          <a:p>
+            <a:r>
+              <a:rPr lang="en-US" sz="2600" dirty="0">
+                <a:solidFill>
+                  <a:srgbClr val="FF0000"/>
+                </a:solidFill>
+                <a:latin typeface="Calibri" panose="020F0502020204030204" pitchFamily="34" charset="0"/>
+                <a:ea typeface="Calibri" panose="020F0502020204030204" pitchFamily="34" charset="0"/>
+                <a:cs typeface="Calibri" panose="020F0502020204030204" pitchFamily="34" charset="0"/>
+              </a:rPr>
+              <a:t>Giao thức </a:t>
+            </a:r>
+            <a:r>
+              <a:rPr lang="en-US" sz="2600" dirty="0" smtClean="0">
+                <a:solidFill>
+                  <a:srgbClr val="FF0000"/>
+                </a:solidFill>
+                <a:latin typeface="Calibri" panose="020F0502020204030204" pitchFamily="34" charset="0"/>
+                <a:ea typeface="Calibri" panose="020F0502020204030204" pitchFamily="34" charset="0"/>
+                <a:cs typeface="Calibri" panose="020F0502020204030204" pitchFamily="34" charset="0"/>
+              </a:rPr>
+              <a:t>NTP: </a:t>
+            </a:r>
+            <a:endParaRPr lang="en-US" sz="2600" dirty="0"/>
           </a:p>
         </p:txBody>
       </p:sp>
@@ -22165,12 +23753,33 @@
   <p:clrMapOvr>
     <a:masterClrMapping/>
   </p:clrMapOvr>
+  <p:timing>
+    <p:tnLst>
+      <p:par>
+        <p:cTn id="1" dur="indefinite" restart="never" nodeType="tmRoot"/>
+      </p:par>
+    </p:tnLst>
+  </p:timing>
 </p:sld>
 </file>
 
 <file path=ppt/slides/slide9.xml><?xml version="1.0" encoding="utf-8"?>
-<p:sld xmlns:a="http://schemas.openxmlformats.org/drawingml/2006/main" xmlns:r="http://schemas.openxmlformats.org/officeDocument/2006/relationships" xmlns:p="http://schemas.openxmlformats.org/presentationml/2006/main">
+<p:sld xmlns:a="http://schemas.openxmlformats.org/drawingml/2006/main" xmlns:r="http://schemas.openxmlformats.org/officeDocument/2006/relationships" xmlns:p="http://schemas.openxmlformats.org/presentationml/2006/main" showMasterSp="0">
   <p:cSld>
+    <p:bg>
+      <p:bgPr>
+        <a:blipFill dpi="0" rotWithShape="1">
+          <a:blip r:embed="rId3">
+            <a:lum/>
+          </a:blip>
+          <a:srcRect/>
+          <a:stretch>
+            <a:fillRect/>
+          </a:stretch>
+        </a:blipFill>
+        <a:effectLst/>
+      </p:bgPr>
+    </p:bg>
     <p:spTree>
       <p:nvGrpSpPr>
         <p:cNvPr id="1" name=""/>
@@ -22185,56 +23794,6 @@
           <a:chExt cx="0" cy="0"/>
         </a:xfrm>
       </p:grpSpPr>
-      <p:sp>
-        <p:nvSpPr>
-          <p:cNvPr id="2" name="Title 1"/>
-          <p:cNvSpPr>
-            <a:spLocks noGrp="1"/>
-          </p:cNvSpPr>
-          <p:nvPr>
-            <p:ph type="title"/>
-          </p:nvPr>
-        </p:nvSpPr>
-        <p:spPr>
-          <a:xfrm>
-            <a:off x="234176" y="156117"/>
-            <a:ext cx="7748246" cy="748316"/>
-          </a:xfrm>
-        </p:spPr>
-        <p:txBody>
-          <a:bodyPr>
-            <a:normAutofit/>
-          </a:bodyPr>
-          <a:lstStyle/>
-          <a:p>
-            <a:r>
-              <a:rPr lang="en-US" sz="3000" dirty="0" smtClean="0">
-                <a:latin typeface="Calibri" panose="020F0502020204030204" pitchFamily="34" charset="0"/>
-                <a:cs typeface="Calibri" panose="020F0502020204030204" pitchFamily="34" charset="0"/>
-              </a:rPr>
-              <a:t>II: </a:t>
-            </a:r>
-            <a:r>
-              <a:rPr lang="en-US" sz="3000" dirty="0" smtClean="0">
-                <a:latin typeface="Calibri" panose="020F0502020204030204" pitchFamily="34" charset="0"/>
-                <a:cs typeface="Calibri" panose="020F0502020204030204" pitchFamily="34" charset="0"/>
-              </a:rPr>
-              <a:t>Giao thức </a:t>
-            </a:r>
-            <a:r>
-              <a:rPr lang="en-US" sz="3000" dirty="0" smtClean="0">
-                <a:latin typeface="Calibri" panose="020F0502020204030204" pitchFamily="34" charset="0"/>
-                <a:cs typeface="Calibri" panose="020F0502020204030204" pitchFamily="34" charset="0"/>
-              </a:rPr>
-              <a:t>NTP</a:t>
-            </a:r>
-            <a:endParaRPr lang="en-US" sz="3000" dirty="0">
-              <a:latin typeface="Calibri" panose="020F0502020204030204" pitchFamily="34" charset="0"/>
-              <a:cs typeface="Calibri" panose="020F0502020204030204" pitchFamily="34" charset="0"/>
-            </a:endParaRPr>
-          </a:p>
-        </p:txBody>
-      </p:sp>
       <p:pic>
         <p:nvPicPr>
           <p:cNvPr id="7" name="Picture 1" descr="2020-03-25 (4)"/>
@@ -22244,7 +23803,7 @@
           <p:nvPr/>
         </p:nvPicPr>
         <p:blipFill>
-          <a:blip r:embed="rId3">
+          <a:blip r:embed="rId4">
             <a:extLst>
               <a:ext uri="{28A0092B-C50C-407E-A947-70E740481C1C}">
                 <a14:useLocalDpi xmlns:a14="http://schemas.microsoft.com/office/drawing/2010/main" val="0"/>
@@ -22258,8 +23817,8 @@
         </p:blipFill>
         <p:spPr bwMode="auto">
           <a:xfrm>
-            <a:off x="389467" y="904433"/>
-            <a:ext cx="8322734" cy="5491251"/>
+            <a:off x="200943" y="1118337"/>
+            <a:ext cx="8744274" cy="5555474"/>
           </a:xfrm>
           <a:prstGeom prst="rect">
             <a:avLst/>
@@ -22276,6 +23835,154 @@
           </a:extLst>
         </p:spPr>
       </p:pic>
+      <p:sp>
+        <p:nvSpPr>
+          <p:cNvPr id="6" name="Rectangle 5"/>
+          <p:cNvSpPr/>
+          <p:nvPr/>
+        </p:nvSpPr>
+        <p:spPr>
+          <a:xfrm>
+            <a:off x="110067" y="188685"/>
+            <a:ext cx="8881533" cy="6533847"/>
+          </a:xfrm>
+          <a:prstGeom prst="rect">
+            <a:avLst/>
+          </a:prstGeom>
+          <a:noFill/>
+          <a:ln>
+            <a:solidFill>
+              <a:schemeClr val="tx1"/>
+            </a:solidFill>
+          </a:ln>
+        </p:spPr>
+        <p:style>
+          <a:lnRef idx="2">
+            <a:schemeClr val="accent1">
+              <a:shade val="50000"/>
+            </a:schemeClr>
+          </a:lnRef>
+          <a:fillRef idx="1">
+            <a:schemeClr val="accent1"/>
+          </a:fillRef>
+          <a:effectRef idx="0">
+            <a:schemeClr val="accent1"/>
+          </a:effectRef>
+          <a:fontRef idx="minor">
+            <a:schemeClr val="lt1"/>
+          </a:fontRef>
+        </p:style>
+        <p:txBody>
+          <a:bodyPr rtlCol="0" anchor="ctr"/>
+          <a:lstStyle/>
+          <a:p>
+            <a:pPr algn="ctr"/>
+            <a:endParaRPr lang="en-US"/>
+          </a:p>
+        </p:txBody>
+      </p:sp>
+      <p:sp>
+        <p:nvSpPr>
+          <p:cNvPr id="8" name="Title 1"/>
+          <p:cNvSpPr txBox="1">
+            <a:spLocks/>
+          </p:cNvSpPr>
+          <p:nvPr/>
+        </p:nvSpPr>
+        <p:spPr>
+          <a:xfrm>
+            <a:off x="186267" y="312392"/>
+            <a:ext cx="7748246" cy="596918"/>
+          </a:xfrm>
+          <a:prstGeom prst="rect">
+            <a:avLst/>
+          </a:prstGeom>
+        </p:spPr>
+        <p:txBody>
+          <a:bodyPr>
+            <a:normAutofit/>
+          </a:bodyPr>
+          <a:lstStyle>
+            <a:lvl1pPr algn="l" defTabSz="685800" rtl="0" eaLnBrk="1" latinLnBrk="0" hangingPunct="1">
+              <a:lnSpc>
+                <a:spcPct val="90000"/>
+              </a:lnSpc>
+              <a:spcBef>
+                <a:spcPct val="0"/>
+              </a:spcBef>
+              <a:buNone/>
+              <a:defRPr sz="4000" kern="1200">
+                <a:solidFill>
+                  <a:schemeClr val="tx1"/>
+                </a:solidFill>
+                <a:latin typeface="+mj-lt"/>
+                <a:ea typeface="+mj-ea"/>
+                <a:cs typeface="+mj-cs"/>
+              </a:defRPr>
+            </a:lvl1pPr>
+          </a:lstStyle>
+          <a:p>
+            <a:pPr lvl="0"/>
+            <a:r>
+              <a:rPr lang="en-US" sz="3000" b="1" dirty="0" smtClean="0">
+                <a:latin typeface="Calibri" panose="020F0502020204030204" pitchFamily="34" charset="0"/>
+                <a:cs typeface="Calibri" panose="020F0502020204030204" pitchFamily="34" charset="0"/>
+              </a:rPr>
+              <a:t>II. </a:t>
+            </a:r>
+            <a:r>
+              <a:rPr lang="en-US" sz="3200" b="1" dirty="0">
+                <a:latin typeface="Calibri" panose="020F0502020204030204" pitchFamily="34" charset="0"/>
+                <a:cs typeface="Calibri" panose="020F0502020204030204" pitchFamily="34" charset="0"/>
+              </a:rPr>
+              <a:t>Truyền dữ liệu ra ngoài sử dụng NTP</a:t>
+            </a:r>
+            <a:endParaRPr lang="en-US" sz="3200" b="1" dirty="0">
+              <a:latin typeface="Calibri" panose="020F0502020204030204" pitchFamily="34" charset="0"/>
+              <a:cs typeface="Calibri" panose="020F0502020204030204" pitchFamily="34" charset="0"/>
+            </a:endParaRPr>
+          </a:p>
+        </p:txBody>
+      </p:sp>
+      <p:sp>
+        <p:nvSpPr>
+          <p:cNvPr id="4" name="Rectangle 3"/>
+          <p:cNvSpPr/>
+          <p:nvPr/>
+        </p:nvSpPr>
+        <p:spPr>
+          <a:xfrm>
+            <a:off x="394921" y="749005"/>
+            <a:ext cx="2322111" cy="492443"/>
+          </a:xfrm>
+          <a:prstGeom prst="rect">
+            <a:avLst/>
+          </a:prstGeom>
+        </p:spPr>
+        <p:txBody>
+          <a:bodyPr wrap="none">
+            <a:spAutoFit/>
+          </a:bodyPr>
+          <a:lstStyle/>
+          <a:p>
+            <a:pPr marL="285750" indent="-285750">
+              <a:buFont typeface="Arial" panose="020B0604020202020204" pitchFamily="34" charset="0"/>
+              <a:buChar char="•"/>
+            </a:pPr>
+            <a:r>
+              <a:rPr lang="en-US" sz="2600" dirty="0" smtClean="0">
+                <a:solidFill>
+                  <a:srgbClr val="FF0000"/>
+                </a:solidFill>
+                <a:latin typeface="Calibri" panose="020F0502020204030204" pitchFamily="34" charset="0"/>
+                <a:cs typeface="Calibri" panose="020F0502020204030204" pitchFamily="34" charset="0"/>
+              </a:rPr>
+              <a:t>NTP version 4</a:t>
+            </a:r>
+            <a:endParaRPr lang="en-US" sz="2600" dirty="0"/>
+          </a:p>
+        </p:txBody>
+      </p:sp>
     </p:spTree>
     <p:extLst>
       <p:ext uri="{BB962C8B-B14F-4D97-AF65-F5344CB8AC3E}">

--- a/Kỹ-thuật-khai-thác-giao-thức-Network-Time.pptx
+++ b/Kỹ-thuật-khai-thác-giao-thức-Network-Time.pptx
@@ -2428,7 +2428,7 @@
       <dgm:prSet custT="1"/>
       <dgm:spPr>
         <a:solidFill>
-          <a:srgbClr val="00CCFF"/>
+          <a:srgbClr val="61E1FF"/>
         </a:solidFill>
       </dgm:spPr>
       <dgm:t>
@@ -2481,7 +2481,7 @@
       <dgm:prSet custT="1"/>
       <dgm:spPr>
         <a:solidFill>
-          <a:srgbClr val="00CCFF"/>
+          <a:srgbClr val="61E1FF"/>
         </a:solidFill>
       </dgm:spPr>
       <dgm:t>
@@ -2558,7 +2558,7 @@
       <dgm:prSet custT="1"/>
       <dgm:spPr>
         <a:solidFill>
-          <a:srgbClr val="00CCFF"/>
+          <a:srgbClr val="61E1FF"/>
         </a:solidFill>
       </dgm:spPr>
       <dgm:t>
@@ -2646,7 +2646,7 @@
       </dgm:t>
     </dgm:pt>
     <dgm:pt modelId="{44C8EEF1-3331-4104-B6AA-6F639A77D132}" type="pres">
-      <dgm:prSet presAssocID="{20604F15-8CFF-4F5D-AA09-9DCD68F70CD2}" presName="ThreeNodes_2" presStyleLbl="node1" presStyleIdx="1" presStyleCnt="3" custScaleX="108899" custScaleY="141484" custLinFactNeighborX="118" custLinFactNeighborY="-7382">
+      <dgm:prSet presAssocID="{20604F15-8CFF-4F5D-AA09-9DCD68F70CD2}" presName="ThreeNodes_2" presStyleLbl="node1" presStyleIdx="1" presStyleCnt="3" custScaleX="108899" custScaleY="141484" custLinFactNeighborX="-242" custLinFactNeighborY="-19291">
         <dgm:presLayoutVars>
           <dgm:bulletEnabled val="1"/>
         </dgm:presLayoutVars>
@@ -2661,7 +2661,7 @@
       </dgm:t>
     </dgm:pt>
     <dgm:pt modelId="{D183234B-C53B-4DD7-9231-34B9F846AE59}" type="pres">
-      <dgm:prSet presAssocID="{20604F15-8CFF-4F5D-AA09-9DCD68F70CD2}" presName="ThreeNodes_3" presStyleLbl="node1" presStyleIdx="2" presStyleCnt="3" custScaleX="110086" custScaleY="50159" custLinFactNeighborX="-240" custLinFactNeighborY="-3713">
+      <dgm:prSet presAssocID="{20604F15-8CFF-4F5D-AA09-9DCD68F70CD2}" presName="ThreeNodes_3" presStyleLbl="node1" presStyleIdx="2" presStyleCnt="3" custScaleX="110086" custScaleY="50159" custLinFactNeighborX="-2093" custLinFactNeighborY="-25978">
         <dgm:presLayoutVars>
           <dgm:bulletEnabled val="1"/>
         </dgm:presLayoutVars>
@@ -2803,7 +2803,11 @@
     </dgm:pt>
     <dgm:pt modelId="{DCBC3A18-D40D-4F8F-AF0A-FD7859D732C4}">
       <dgm:prSet phldrT="[Text]"/>
-      <dgm:spPr/>
+      <dgm:spPr>
+        <a:solidFill>
+          <a:srgbClr val="61E1FF"/>
+        </a:solidFill>
+      </dgm:spPr>
       <dgm:t>
         <a:bodyPr/>
         <a:lstStyle/>
@@ -2861,7 +2865,11 @@
     </dgm:pt>
     <dgm:pt modelId="{CF4367A6-8178-465F-BFBE-BEA7AFC2D4C5}">
       <dgm:prSet phldrT="[Text]"/>
-      <dgm:spPr/>
+      <dgm:spPr>
+        <a:solidFill>
+          <a:srgbClr val="61E1FF"/>
+        </a:solidFill>
+      </dgm:spPr>
       <dgm:t>
         <a:bodyPr/>
         <a:lstStyle/>
@@ -2910,7 +2918,11 @@
     </dgm:pt>
     <dgm:pt modelId="{5DD74C91-5B51-45D8-B21B-A05CD4C4FDAF}">
       <dgm:prSet phldrT="[Text]"/>
-      <dgm:spPr/>
+      <dgm:spPr>
+        <a:solidFill>
+          <a:srgbClr val="61E1FF"/>
+        </a:solidFill>
+      </dgm:spPr>
       <dgm:t>
         <a:bodyPr/>
         <a:lstStyle/>
@@ -2959,7 +2971,11 @@
     </dgm:pt>
     <dgm:pt modelId="{A102D7EE-27E8-44C9-9E8E-14FF440726B3}">
       <dgm:prSet phldrT="[Text]"/>
-      <dgm:spPr/>
+      <dgm:spPr>
+        <a:solidFill>
+          <a:srgbClr val="61E1FF"/>
+        </a:solidFill>
+      </dgm:spPr>
       <dgm:t>
         <a:bodyPr/>
         <a:lstStyle/>
@@ -3643,7 +3659,7 @@
           </a:avLst>
         </a:prstGeom>
         <a:solidFill>
-          <a:srgbClr val="00CCFF"/>
+          <a:srgbClr val="61E1FF"/>
         </a:solidFill>
         <a:ln>
           <a:noFill/>
@@ -3726,7 +3742,7 @@
       </dsp:nvSpPr>
       <dsp:spPr>
         <a:xfrm>
-          <a:off x="138986" y="1447797"/>
+          <a:off x="113594" y="1253068"/>
           <a:ext cx="7680928" cy="2313462"/>
         </a:xfrm>
         <a:prstGeom prst="roundRect">
@@ -3735,7 +3751,7 @@
           </a:avLst>
         </a:prstGeom>
         <a:solidFill>
-          <a:srgbClr val="00CCFF"/>
+          <a:srgbClr val="61E1FF"/>
         </a:solidFill>
         <a:ln>
           <a:noFill/>
@@ -3853,7 +3869,7 @@
         </a:p>
       </dsp:txBody>
       <dsp:txXfrm>
-        <a:off x="206745" y="1515556"/>
+        <a:off x="181353" y="1320827"/>
         <a:ext cx="5710258" cy="2177944"/>
       </dsp:txXfrm>
     </dsp:sp>
@@ -3864,7 +3880,7 @@
       </dsp:nvSpPr>
       <dsp:spPr>
         <a:xfrm>
-          <a:off x="694221" y="4162100"/>
+          <a:off x="563524" y="3798036"/>
           <a:ext cx="7764650" cy="820170"/>
         </a:xfrm>
         <a:prstGeom prst="roundRect">
@@ -3873,7 +3889,7 @@
           </a:avLst>
         </a:prstGeom>
         <a:solidFill>
-          <a:srgbClr val="00CCFF"/>
+          <a:srgbClr val="61E1FF"/>
         </a:solidFill>
         <a:ln>
           <a:noFill/>
@@ -3938,7 +3954,7 @@
         </a:p>
       </dsp:txBody>
       <dsp:txXfrm>
-        <a:off x="718243" y="4186122"/>
+        <a:off x="587546" y="3822058"/>
         <a:ext cx="5861451" cy="772126"/>
       </dsp:txXfrm>
     </dsp:sp>
@@ -4193,41 +4209,9 @@
         <a:prstGeom prst="rect">
           <a:avLst/>
         </a:prstGeom>
-        <a:gradFill rotWithShape="0">
-          <a:gsLst>
-            <a:gs pos="0">
-              <a:schemeClr val="accent3">
-                <a:hueOff val="0"/>
-                <a:satOff val="0"/>
-                <a:lumOff val="0"/>
-                <a:alphaOff val="0"/>
-              </a:schemeClr>
-            </a:gs>
-            <a:gs pos="90000">
-              <a:schemeClr val="accent3">
-                <a:hueOff val="0"/>
-                <a:satOff val="0"/>
-                <a:lumOff val="0"/>
-                <a:alphaOff val="0"/>
-                <a:shade val="100000"/>
-                <a:satMod val="105000"/>
-              </a:schemeClr>
-            </a:gs>
-            <a:gs pos="100000">
-              <a:schemeClr val="accent3">
-                <a:hueOff val="0"/>
-                <a:satOff val="0"/>
-                <a:lumOff val="0"/>
-                <a:alphaOff val="0"/>
-                <a:shade val="80000"/>
-                <a:satMod val="120000"/>
-              </a:schemeClr>
-            </a:gs>
-          </a:gsLst>
-          <a:path path="circle">
-            <a:fillToRect l="100000" t="100000" r="100000" b="100000"/>
-          </a:path>
-        </a:gradFill>
+        <a:solidFill>
+          <a:srgbClr val="61E1FF"/>
+        </a:solidFill>
         <a:ln>
           <a:noFill/>
         </a:ln>
@@ -4375,41 +4359,9 @@
         <a:prstGeom prst="rect">
           <a:avLst/>
         </a:prstGeom>
-        <a:gradFill rotWithShape="0">
-          <a:gsLst>
-            <a:gs pos="0">
-              <a:schemeClr val="accent3">
-                <a:hueOff val="3285135"/>
-                <a:satOff val="-17759"/>
-                <a:lumOff val="-654"/>
-                <a:alphaOff val="0"/>
-              </a:schemeClr>
-            </a:gs>
-            <a:gs pos="90000">
-              <a:schemeClr val="accent3">
-                <a:hueOff val="3285135"/>
-                <a:satOff val="-17759"/>
-                <a:lumOff val="-654"/>
-                <a:alphaOff val="0"/>
-                <a:shade val="100000"/>
-                <a:satMod val="105000"/>
-              </a:schemeClr>
-            </a:gs>
-            <a:gs pos="100000">
-              <a:schemeClr val="accent3">
-                <a:hueOff val="3285135"/>
-                <a:satOff val="-17759"/>
-                <a:lumOff val="-654"/>
-                <a:alphaOff val="0"/>
-                <a:shade val="80000"/>
-                <a:satMod val="120000"/>
-              </a:schemeClr>
-            </a:gs>
-          </a:gsLst>
-          <a:path path="circle">
-            <a:fillToRect l="100000" t="100000" r="100000" b="100000"/>
-          </a:path>
-        </a:gradFill>
+        <a:solidFill>
+          <a:srgbClr val="61E1FF"/>
+        </a:solidFill>
         <a:ln>
           <a:noFill/>
         </a:ln>
@@ -4557,41 +4509,9 @@
         <a:prstGeom prst="rect">
           <a:avLst/>
         </a:prstGeom>
-        <a:gradFill rotWithShape="0">
-          <a:gsLst>
-            <a:gs pos="0">
-              <a:schemeClr val="accent3">
-                <a:hueOff val="6570271"/>
-                <a:satOff val="-35519"/>
-                <a:lumOff val="-1307"/>
-                <a:alphaOff val="0"/>
-              </a:schemeClr>
-            </a:gs>
-            <a:gs pos="90000">
-              <a:schemeClr val="accent3">
-                <a:hueOff val="6570271"/>
-                <a:satOff val="-35519"/>
-                <a:lumOff val="-1307"/>
-                <a:alphaOff val="0"/>
-                <a:shade val="100000"/>
-                <a:satMod val="105000"/>
-              </a:schemeClr>
-            </a:gs>
-            <a:gs pos="100000">
-              <a:schemeClr val="accent3">
-                <a:hueOff val="6570271"/>
-                <a:satOff val="-35519"/>
-                <a:lumOff val="-1307"/>
-                <a:alphaOff val="0"/>
-                <a:shade val="80000"/>
-                <a:satMod val="120000"/>
-              </a:schemeClr>
-            </a:gs>
-          </a:gsLst>
-          <a:path path="circle">
-            <a:fillToRect l="100000" t="100000" r="100000" b="100000"/>
-          </a:path>
-        </a:gradFill>
+        <a:solidFill>
+          <a:srgbClr val="61E1FF"/>
+        </a:solidFill>
         <a:ln>
           <a:noFill/>
         </a:ln>
@@ -4739,41 +4659,9 @@
         <a:prstGeom prst="rect">
           <a:avLst/>
         </a:prstGeom>
-        <a:gradFill rotWithShape="0">
-          <a:gsLst>
-            <a:gs pos="0">
-              <a:schemeClr val="accent3">
-                <a:hueOff val="9855406"/>
-                <a:satOff val="-53278"/>
-                <a:lumOff val="-1961"/>
-                <a:alphaOff val="0"/>
-              </a:schemeClr>
-            </a:gs>
-            <a:gs pos="90000">
-              <a:schemeClr val="accent3">
-                <a:hueOff val="9855406"/>
-                <a:satOff val="-53278"/>
-                <a:lumOff val="-1961"/>
-                <a:alphaOff val="0"/>
-                <a:shade val="100000"/>
-                <a:satMod val="105000"/>
-              </a:schemeClr>
-            </a:gs>
-            <a:gs pos="100000">
-              <a:schemeClr val="accent3">
-                <a:hueOff val="9855406"/>
-                <a:satOff val="-53278"/>
-                <a:lumOff val="-1961"/>
-                <a:alphaOff val="0"/>
-                <a:shade val="80000"/>
-                <a:satMod val="120000"/>
-              </a:schemeClr>
-            </a:gs>
-          </a:gsLst>
-          <a:path path="circle">
-            <a:fillToRect l="100000" t="100000" r="100000" b="100000"/>
-          </a:path>
-        </a:gradFill>
+        <a:solidFill>
+          <a:srgbClr val="61E1FF"/>
+        </a:solidFill>
         <a:ln>
           <a:noFill/>
         </a:ln>
@@ -14343,7 +14231,7 @@
           <a:p>
             <a:fld id="{FE83B3B8-4113-4867-9A19-4A4B1D244722}" type="datetimeFigureOut">
               <a:rPr lang="en-US" smtClean="0"/>
-              <a:t>7/22/2020</a:t>
+              <a:t>7/23/2020</a:t>
             </a:fld>
             <a:endParaRPr lang="en-US"/>
           </a:p>
@@ -15022,15 +14910,6 @@
               </a:rPr>
               <a:t>00011011</a:t>
             </a:r>
-            <a:endParaRPr lang="en-US" sz="1200" kern="1200" dirty="0" smtClean="0">
-              <a:solidFill>
-                <a:schemeClr val="tx1"/>
-              </a:solidFill>
-              <a:effectLst/>
-              <a:latin typeface="+mn-lt"/>
-              <a:ea typeface="+mn-ea"/>
-              <a:cs typeface="+mn-cs"/>
-            </a:endParaRPr>
           </a:p>
           <a:p>
             <a:endParaRPr lang="en-US" sz="1200" kern="1200" dirty="0" smtClean="0">
@@ -15289,15 +15168,6 @@
               </a:rPr>
               <a:t>00011011</a:t>
             </a:r>
-            <a:endParaRPr lang="en-US" sz="1200" kern="1200" dirty="0" smtClean="0">
-              <a:solidFill>
-                <a:schemeClr val="tx1"/>
-              </a:solidFill>
-              <a:effectLst/>
-              <a:latin typeface="+mn-lt"/>
-              <a:ea typeface="+mn-ea"/>
-              <a:cs typeface="+mn-cs"/>
-            </a:endParaRPr>
           </a:p>
           <a:p>
             <a:endParaRPr lang="en-US" sz="1200" kern="1200" dirty="0" smtClean="0">
@@ -15568,7 +15438,7 @@
           <a:p>
             <a:fld id="{1BF6494D-876B-433C-A71D-E674F2C4844D}" type="datetimeFigureOut">
               <a:rPr lang="en-US" smtClean="0"/>
-              <a:t>7/22/2020</a:t>
+              <a:t>7/23/2020</a:t>
             </a:fld>
             <a:endParaRPr lang="en-US" dirty="0"/>
           </a:p>
@@ -15789,7 +15659,7 @@
           <a:p>
             <a:fld id="{1BF6494D-876B-433C-A71D-E674F2C4844D}" type="datetimeFigureOut">
               <a:rPr lang="en-US" smtClean="0"/>
-              <a:t>7/22/2020</a:t>
+              <a:t>7/23/2020</a:t>
             </a:fld>
             <a:endParaRPr lang="en-US" dirty="0"/>
           </a:p>
@@ -15969,7 +15839,7 @@
           <a:p>
             <a:fld id="{1BF6494D-876B-433C-A71D-E674F2C4844D}" type="datetimeFigureOut">
               <a:rPr lang="en-US" smtClean="0"/>
-              <a:t>7/22/2020</a:t>
+              <a:t>7/23/2020</a:t>
             </a:fld>
             <a:endParaRPr lang="en-US" dirty="0"/>
           </a:p>
@@ -16146,7 +16016,7 @@
           <a:p>
             <a:fld id="{1BF6494D-876B-433C-A71D-E674F2C4844D}" type="datetimeFigureOut">
               <a:rPr lang="en-US" smtClean="0"/>
-              <a:t>7/22/2020</a:t>
+              <a:t>7/23/2020</a:t>
             </a:fld>
             <a:endParaRPr lang="en-US" dirty="0"/>
           </a:p>
@@ -16397,7 +16267,7 @@
           <a:p>
             <a:fld id="{1BF6494D-876B-433C-A71D-E674F2C4844D}" type="datetimeFigureOut">
               <a:rPr lang="en-US" smtClean="0"/>
-              <a:t>7/22/2020</a:t>
+              <a:t>7/23/2020</a:t>
             </a:fld>
             <a:endParaRPr lang="en-US" dirty="0"/>
           </a:p>
@@ -16720,7 +16590,7 @@
           <a:p>
             <a:fld id="{1BF6494D-876B-433C-A71D-E674F2C4844D}" type="datetimeFigureOut">
               <a:rPr lang="en-US" smtClean="0"/>
-              <a:t>7/22/2020</a:t>
+              <a:t>7/23/2020</a:t>
             </a:fld>
             <a:endParaRPr lang="en-US" dirty="0"/>
           </a:p>
@@ -17144,7 +17014,7 @@
           <a:p>
             <a:fld id="{1BF6494D-876B-433C-A71D-E674F2C4844D}" type="datetimeFigureOut">
               <a:rPr lang="en-US" smtClean="0"/>
-              <a:t>7/22/2020</a:t>
+              <a:t>7/23/2020</a:t>
             </a:fld>
             <a:endParaRPr lang="en-US" dirty="0"/>
           </a:p>
@@ -17262,7 +17132,7 @@
           <a:p>
             <a:fld id="{1BF6494D-876B-433C-A71D-E674F2C4844D}" type="datetimeFigureOut">
               <a:rPr lang="en-US" smtClean="0"/>
-              <a:t>7/22/2020</a:t>
+              <a:t>7/23/2020</a:t>
             </a:fld>
             <a:endParaRPr lang="en-US" dirty="0"/>
           </a:p>
@@ -17357,7 +17227,7 @@
           <a:p>
             <a:fld id="{1BF6494D-876B-433C-A71D-E674F2C4844D}" type="datetimeFigureOut">
               <a:rPr lang="en-US" smtClean="0"/>
-              <a:t>7/22/2020</a:t>
+              <a:t>7/23/2020</a:t>
             </a:fld>
             <a:endParaRPr lang="en-US" dirty="0"/>
           </a:p>
@@ -17647,7 +17517,7 @@
           <a:p>
             <a:fld id="{1BF6494D-876B-433C-A71D-E674F2C4844D}" type="datetimeFigureOut">
               <a:rPr lang="en-US" smtClean="0"/>
-              <a:t>7/22/2020</a:t>
+              <a:t>7/23/2020</a:t>
             </a:fld>
             <a:endParaRPr lang="en-US" dirty="0"/>
           </a:p>
@@ -17919,7 +17789,7 @@
           <a:p>
             <a:fld id="{1BF6494D-876B-433C-A71D-E674F2C4844D}" type="datetimeFigureOut">
               <a:rPr lang="en-US" smtClean="0"/>
-              <a:t>7/22/2020</a:t>
+              <a:t>7/23/2020</a:t>
             </a:fld>
             <a:endParaRPr lang="en-US" dirty="0"/>
           </a:p>
@@ -18170,7 +18040,7 @@
           <a:p>
             <a:fld id="{1BF6494D-876B-433C-A71D-E674F2C4844D}" type="datetimeFigureOut">
               <a:rPr lang="en-US" smtClean="0"/>
-              <a:t>7/22/2020</a:t>
+              <a:t>7/23/2020</a:t>
             </a:fld>
             <a:endParaRPr lang="en-US" dirty="0"/>
           </a:p>
@@ -18662,7 +18532,7 @@
         </p:nvSpPr>
         <p:spPr>
           <a:xfrm>
-            <a:off x="728661" y="1743514"/>
+            <a:off x="728661" y="1595596"/>
             <a:ext cx="7686675" cy="1985525"/>
           </a:xfrm>
         </p:spPr>
@@ -18686,7 +18556,6 @@
                       <a:alpha val="40000"/>
                     </a:prstClr>
                   </a:outerShdw>
-                  <a:reflection blurRad="6350" stA="55000" endA="300" endPos="45500" dir="5400000" sy="-100000" algn="bl" rotWithShape="0"/>
                 </a:effectLst>
                 <a:latin typeface="Calibri" panose="020F0502020204030204" pitchFamily="34" charset="0"/>
                 <a:cs typeface="Calibri" panose="020F0502020204030204" pitchFamily="34" charset="0"/>
@@ -18704,7 +18573,6 @@
                       <a:alpha val="40000"/>
                     </a:prstClr>
                   </a:outerShdw>
-                  <a:reflection blurRad="6350" stA="55000" endA="300" endPos="45500" dir="5400000" sy="-100000" algn="bl" rotWithShape="0"/>
                 </a:effectLst>
                 <a:latin typeface="Calibri" panose="020F0502020204030204" pitchFamily="34" charset="0"/>
                 <a:cs typeface="Calibri" panose="020F0502020204030204" pitchFamily="34" charset="0"/>
@@ -18919,7 +18787,7 @@
         </p:blipFill>
         <p:spPr>
           <a:xfrm>
-            <a:off x="187236" y="194733"/>
+            <a:off x="3956613" y="261968"/>
             <a:ext cx="1230770" cy="1218584"/>
           </a:xfrm>
           <a:prstGeom prst="rect">
@@ -19092,10 +18960,6 @@
               </a:rPr>
               <a:t>Truyền dữ liệu ra ngoài sử dụng NTP</a:t>
             </a:r>
-            <a:endParaRPr lang="en-US" sz="3200" b="1" dirty="0">
-              <a:latin typeface="Calibri" panose="020F0502020204030204" pitchFamily="34" charset="0"/>
-              <a:cs typeface="Calibri" panose="020F0502020204030204" pitchFamily="34" charset="0"/>
-            </a:endParaRPr>
           </a:p>
         </p:txBody>
       </p:sp>
@@ -19242,14 +19106,9 @@
   <p:clrMapOvr>
     <a:masterClrMapping/>
   </p:clrMapOvr>
-  <mc:AlternateContent xmlns:mc="http://schemas.openxmlformats.org/markup-compatibility/2006" xmlns:p14="http://schemas.microsoft.com/office/powerpoint/2010/main">
-    <mc:Choice Requires="p14">
-      <p:transition spd="slow" p14:dur="2000"/>
-    </mc:Choice>
-    <mc:Fallback xmlns="">
-      <p:transition spd="slow"/>
-    </mc:Fallback>
-  </mc:AlternateContent>
+  <p:transition spd="slow">
+    <p:push dir="u"/>
+  </p:transition>
   <p:timing>
     <p:tnLst>
       <p:par>
@@ -19318,14 +19177,7 @@
                 <a:latin typeface="Calibri" panose="020F0502020204030204" pitchFamily="34" charset="0"/>
                 <a:cs typeface="Calibri" panose="020F0502020204030204" pitchFamily="34" charset="0"/>
               </a:rPr>
-              <a:t>IV. Kết quả thử </a:t>
-            </a:r>
-            <a:r>
-              <a:rPr lang="en-US" sz="3000" b="1" dirty="0" smtClean="0">
-                <a:latin typeface="Calibri" panose="020F0502020204030204" pitchFamily="34" charset="0"/>
-                <a:cs typeface="Calibri" panose="020F0502020204030204" pitchFamily="34" charset="0"/>
-              </a:rPr>
-              <a:t>nghiệm</a:t>
+              <a:t>IV. Kết quả thử nghiệm</a:t>
             </a:r>
             <a:endParaRPr lang="en-US" sz="3000" b="1" dirty="0">
               <a:latin typeface="Calibri" panose="020F0502020204030204" pitchFamily="34" charset="0"/>
@@ -19465,14 +19317,9 @@
   <p:clrMapOvr>
     <a:masterClrMapping/>
   </p:clrMapOvr>
-  <mc:AlternateContent xmlns:mc="http://schemas.openxmlformats.org/markup-compatibility/2006" xmlns:p14="http://schemas.microsoft.com/office/powerpoint/2010/main">
-    <mc:Choice Requires="p14">
-      <p:transition spd="slow" p14:dur="2000"/>
-    </mc:Choice>
-    <mc:Fallback xmlns="">
-      <p:transition spd="slow"/>
-    </mc:Fallback>
-  </mc:AlternateContent>
+  <p:transition spd="slow">
+    <p:push dir="u"/>
+  </p:transition>
   <p:timing>
     <p:tnLst>
       <p:par>
@@ -19684,14 +19531,7 @@
                 <a:latin typeface="Calibri" panose="020F0502020204030204" pitchFamily="34" charset="0"/>
                 <a:cs typeface="Calibri" panose="020F0502020204030204" pitchFamily="34" charset="0"/>
               </a:rPr>
-              <a:t>IV. Kết quả thử </a:t>
-            </a:r>
-            <a:r>
-              <a:rPr lang="en-US" sz="3000" b="1" dirty="0" smtClean="0">
-                <a:latin typeface="Calibri" panose="020F0502020204030204" pitchFamily="34" charset="0"/>
-                <a:cs typeface="Calibri" panose="020F0502020204030204" pitchFamily="34" charset="0"/>
-              </a:rPr>
-              <a:t>nghiệm</a:t>
+              <a:t>IV. Kết quả thử nghiệm</a:t>
             </a:r>
             <a:endParaRPr lang="en-US" sz="3000" b="1" dirty="0">
               <a:latin typeface="Calibri" panose="020F0502020204030204" pitchFamily="34" charset="0"/>
@@ -19710,14 +19550,9 @@
   <p:clrMapOvr>
     <a:masterClrMapping/>
   </p:clrMapOvr>
-  <mc:AlternateContent xmlns:mc="http://schemas.openxmlformats.org/markup-compatibility/2006" xmlns:p14="http://schemas.microsoft.com/office/powerpoint/2010/main">
-    <mc:Choice Requires="p14">
-      <p:transition spd="slow" p14:dur="2000"/>
-    </mc:Choice>
-    <mc:Fallback xmlns="">
-      <p:transition spd="slow"/>
-    </mc:Fallback>
-  </mc:AlternateContent>
+  <p:transition spd="slow">
+    <p:push dir="u"/>
+  </p:transition>
   <p:timing>
     <p:tnLst>
       <p:par>
@@ -19989,14 +19824,9 @@
   <p:clrMapOvr>
     <a:masterClrMapping/>
   </p:clrMapOvr>
-  <mc:AlternateContent xmlns:mc="http://schemas.openxmlformats.org/markup-compatibility/2006" xmlns:p14="http://schemas.microsoft.com/office/powerpoint/2010/main">
-    <mc:Choice Requires="p14">
-      <p:transition spd="slow" p14:dur="2000"/>
-    </mc:Choice>
-    <mc:Fallback xmlns="">
-      <p:transition spd="slow"/>
-    </mc:Fallback>
-  </mc:AlternateContent>
+  <p:transition spd="slow">
+    <p:push dir="u"/>
+  </p:transition>
   <p:timing>
     <p:tnLst>
       <p:par>
@@ -20272,14 +20102,9 @@
   <p:clrMapOvr>
     <a:masterClrMapping/>
   </p:clrMapOvr>
-  <mc:AlternateContent xmlns:mc="http://schemas.openxmlformats.org/markup-compatibility/2006" xmlns:p14="http://schemas.microsoft.com/office/powerpoint/2010/main">
-    <mc:Choice Requires="p14">
-      <p:transition spd="slow" p14:dur="2000"/>
-    </mc:Choice>
-    <mc:Fallback xmlns="">
-      <p:transition spd="slow"/>
-    </mc:Fallback>
-  </mc:AlternateContent>
+  <p:transition spd="slow">
+    <p:wipe/>
+  </p:transition>
   <p:timing>
     <p:tnLst>
       <p:par>
@@ -20615,14 +20440,9 @@
   <p:clrMapOvr>
     <a:masterClrMapping/>
   </p:clrMapOvr>
-  <mc:AlternateContent xmlns:mc="http://schemas.openxmlformats.org/markup-compatibility/2006" xmlns:p14="http://schemas.microsoft.com/office/powerpoint/2010/main">
-    <mc:Choice Requires="p14">
-      <p:transition spd="slow" p14:dur="2000"/>
-    </mc:Choice>
-    <mc:Fallback xmlns="">
-      <p:transition spd="slow"/>
-    </mc:Fallback>
-  </mc:AlternateContent>
+  <p:transition spd="slow">
+    <p:wipe/>
+  </p:transition>
   <p:timing>
     <p:tnLst>
       <p:par>
@@ -20885,14 +20705,9 @@
   <p:clrMapOvr>
     <a:masterClrMapping/>
   </p:clrMapOvr>
-  <mc:AlternateContent xmlns:mc="http://schemas.openxmlformats.org/markup-compatibility/2006" xmlns:p14="http://schemas.microsoft.com/office/powerpoint/2010/main">
-    <mc:Choice Requires="p14">
-      <p:transition spd="slow" p14:dur="2000"/>
-    </mc:Choice>
-    <mc:Fallback xmlns="">
-      <p:transition spd="slow"/>
-    </mc:Fallback>
-  </mc:AlternateContent>
+  <p:transition spd="slow">
+    <p:wipe/>
+  </p:transition>
   <p:timing>
     <p:tnLst>
       <p:par>
@@ -21157,6 +20972,9 @@
   <p:clrMapOvr>
     <a:masterClrMapping/>
   </p:clrMapOvr>
+  <p:transition spd="slow">
+    <p:wipe/>
+  </p:transition>
   <p:timing>
     <p:tnLst>
       <p:par>
@@ -21462,14 +21280,9 @@
   <p:clrMapOvr>
     <a:masterClrMapping/>
   </p:clrMapOvr>
-  <mc:AlternateContent xmlns:mc="http://schemas.openxmlformats.org/markup-compatibility/2006" xmlns:p14="http://schemas.microsoft.com/office/powerpoint/2010/main">
-    <mc:Choice Requires="p14">
-      <p:transition spd="slow" p14:dur="2000"/>
-    </mc:Choice>
-    <mc:Fallback xmlns="">
-      <p:transition spd="slow"/>
-    </mc:Fallback>
-  </mc:AlternateContent>
+  <p:transition spd="slow">
+    <p:wipe/>
+  </p:transition>
   <p:timing>
     <p:tnLst>
       <p:par>
@@ -21679,14 +21492,9 @@
   <p:clrMapOvr>
     <a:masterClrMapping/>
   </p:clrMapOvr>
-  <mc:AlternateContent xmlns:mc="http://schemas.openxmlformats.org/markup-compatibility/2006" xmlns:p14="http://schemas.microsoft.com/office/powerpoint/2010/main">
-    <mc:Choice Requires="p14">
-      <p:transition spd="slow" p14:dur="2000"/>
-    </mc:Choice>
-    <mc:Fallback xmlns="">
-      <p:transition spd="slow"/>
-    </mc:Fallback>
-  </mc:AlternateContent>
+  <p:transition spd="slow">
+    <p:push dir="u"/>
+  </p:transition>
   <p:timing>
     <p:tnLst>
       <p:par>
@@ -21735,7 +21543,7 @@
           <p:nvPr>
             <p:extLst>
               <p:ext uri="{D42A27DB-BD31-4B8C-83A1-F6EECF244321}">
-                <p14:modId xmlns:p14="http://schemas.microsoft.com/office/powerpoint/2010/main" val="763918979"/>
+                <p14:modId xmlns:p14="http://schemas.microsoft.com/office/powerpoint/2010/main" val="711572913"/>
               </p:ext>
             </p:extLst>
           </p:nvPr>
@@ -21964,14 +21772,9 @@
   <p:clrMapOvr>
     <a:masterClrMapping/>
   </p:clrMapOvr>
-  <mc:AlternateContent xmlns:mc="http://schemas.openxmlformats.org/markup-compatibility/2006" xmlns:p14="http://schemas.microsoft.com/office/powerpoint/2010/main">
-    <mc:Choice Requires="p14">
-      <p:transition spd="slow" p14:dur="2000"/>
-    </mc:Choice>
-    <mc:Fallback xmlns="">
-      <p:transition spd="slow"/>
-    </mc:Fallback>
-  </mc:AlternateContent>
+  <p:transition spd="slow">
+    <p:push dir="u"/>
+  </p:transition>
   <p:timing>
     <p:tnLst>
       <p:par>
@@ -22013,6 +21816,36 @@
           <a:chExt cx="0" cy="0"/>
         </a:xfrm>
       </p:grpSpPr>
+      <p:pic>
+        <p:nvPicPr>
+          <p:cNvPr id="3" name="Picture 2"/>
+          <p:cNvPicPr>
+            <a:picLocks noChangeAspect="1"/>
+          </p:cNvPicPr>
+          <p:nvPr/>
+        </p:nvPicPr>
+        <p:blipFill>
+          <a:blip r:embed="rId3">
+            <a:extLst>
+              <a:ext uri="{28A0092B-C50C-407E-A947-70E740481C1C}">
+                <a14:useLocalDpi xmlns:a14="http://schemas.microsoft.com/office/drawing/2010/main" val="0"/>
+              </a:ext>
+            </a:extLst>
+          </a:blip>
+          <a:stretch>
+            <a:fillRect/>
+          </a:stretch>
+        </p:blipFill>
+        <p:spPr>
+          <a:xfrm>
+            <a:off x="898254" y="1231434"/>
+            <a:ext cx="7347491" cy="4403598"/>
+          </a:xfrm>
+          <a:prstGeom prst="rect">
+            <a:avLst/>
+          </a:prstGeom>
+        </p:spPr>
+      </p:pic>
       <p:sp>
         <p:nvSpPr>
           <p:cNvPr id="2" name="Rectangle 1"/>
@@ -22178,36 +22011,6 @@
           </a:p>
         </p:txBody>
       </p:sp>
-      <p:pic>
-        <p:nvPicPr>
-          <p:cNvPr id="3" name="Picture 2"/>
-          <p:cNvPicPr>
-            <a:picLocks noChangeAspect="1"/>
-          </p:cNvPicPr>
-          <p:nvPr/>
-        </p:nvPicPr>
-        <p:blipFill>
-          <a:blip r:embed="rId3">
-            <a:extLst>
-              <a:ext uri="{28A0092B-C50C-407E-A947-70E740481C1C}">
-                <a14:useLocalDpi xmlns:a14="http://schemas.microsoft.com/office/drawing/2010/main" val="0"/>
-              </a:ext>
-            </a:extLst>
-          </a:blip>
-          <a:stretch>
-            <a:fillRect/>
-          </a:stretch>
-        </p:blipFill>
-        <p:spPr>
-          <a:xfrm>
-            <a:off x="613830" y="1000078"/>
-            <a:ext cx="8119538" cy="4866310"/>
-          </a:xfrm>
-          <a:prstGeom prst="rect">
-            <a:avLst/>
-          </a:prstGeom>
-        </p:spPr>
-      </p:pic>
     </p:spTree>
     <p:extLst>
       <p:ext uri="{BB962C8B-B14F-4D97-AF65-F5344CB8AC3E}">
@@ -22218,14 +22021,9 @@
   <p:clrMapOvr>
     <a:masterClrMapping/>
   </p:clrMapOvr>
-  <mc:AlternateContent xmlns:mc="http://schemas.openxmlformats.org/markup-compatibility/2006" xmlns:p14="http://schemas.microsoft.com/office/powerpoint/2010/main">
-    <mc:Choice Requires="p14">
-      <p:transition spd="slow" p14:dur="2000"/>
-    </mc:Choice>
-    <mc:Fallback xmlns="">
-      <p:transition spd="slow"/>
-    </mc:Fallback>
-  </mc:AlternateContent>
+  <p:transition spd="slow">
+    <p:push dir="u"/>
+  </p:transition>
   <p:timing>
     <p:tnLst>
       <p:par>
@@ -22277,7 +22075,7 @@
             <p:ph idx="1"/>
             <p:extLst>
               <p:ext uri="{D42A27DB-BD31-4B8C-83A1-F6EECF244321}">
-                <p14:modId xmlns:p14="http://schemas.microsoft.com/office/powerpoint/2010/main" val="2458871676"/>
+                <p14:modId xmlns:p14="http://schemas.microsoft.com/office/powerpoint/2010/main" val="629114932"/>
               </p:ext>
             </p:extLst>
           </p:nvPr>
@@ -22569,14 +22367,9 @@
   <p:clrMapOvr>
     <a:masterClrMapping/>
   </p:clrMapOvr>
-  <mc:AlternateContent xmlns:mc="http://schemas.openxmlformats.org/markup-compatibility/2006" xmlns:p14="http://schemas.microsoft.com/office/powerpoint/2010/main">
-    <mc:Choice Requires="p14">
-      <p:transition spd="slow" p14:dur="2000"/>
-    </mc:Choice>
-    <mc:Fallback xmlns="">
-      <p:transition spd="slow"/>
-    </mc:Fallback>
-  </mc:AlternateContent>
+  <p:transition spd="slow">
+    <p:wipe/>
+  </p:transition>
   <p:timing>
     <p:tnLst>
       <p:par>
@@ -22847,10 +22640,14 @@
   </p:clrMapOvr>
   <mc:AlternateContent xmlns:mc="http://schemas.openxmlformats.org/markup-compatibility/2006" xmlns:p14="http://schemas.microsoft.com/office/powerpoint/2010/main">
     <mc:Choice Requires="p14">
-      <p:transition spd="slow" p14:dur="2000"/>
+      <p:transition spd="slow" p14:dur="1500">
+        <p:split orient="vert"/>
+      </p:transition>
     </mc:Choice>
     <mc:Fallback xmlns="">
-      <p:transition spd="slow"/>
+      <p:transition spd="slow">
+        <p:split orient="vert"/>
+      </p:transition>
     </mc:Fallback>
   </mc:AlternateContent>
   <p:timing>
@@ -23063,6 +22860,9 @@
   <p:clrMapOvr>
     <a:masterClrMapping/>
   </p:clrMapOvr>
+  <p:transition spd="slow">
+    <p:push dir="u"/>
+  </p:transition>
   <p:timing>
     <p:tnLst>
       <p:par>
@@ -23465,6 +23265,9 @@
   <p:clrMapOvr>
     <a:masterClrMapping/>
   </p:clrMapOvr>
+  <p:transition spd="slow">
+    <p:push dir="u"/>
+  </p:transition>
   <p:timing>
     <p:tnLst>
       <p:par>
@@ -23574,8 +23377,8 @@
         </p:blipFill>
         <p:spPr>
           <a:xfrm>
-            <a:off x="110067" y="110067"/>
-            <a:ext cx="8873066" cy="6612465"/>
+            <a:off x="110067" y="521304"/>
+            <a:ext cx="8321239" cy="6201228"/>
           </a:xfrm>
           <a:prstGeom prst="rect">
             <a:avLst/>
@@ -23643,7 +23446,7 @@
         </p:nvSpPr>
         <p:spPr>
           <a:xfrm>
-            <a:off x="186267" y="312392"/>
+            <a:off x="110067" y="506377"/>
             <a:ext cx="7748246" cy="596918"/>
           </a:xfrm>
           <a:prstGeom prst="rect">
@@ -23689,10 +23492,6 @@
               </a:rPr>
               <a:t>Truyền dữ liệu ra ngoài sử dụng NTP</a:t>
             </a:r>
-            <a:endParaRPr lang="en-US" sz="3200" b="1" dirty="0">
-              <a:latin typeface="Calibri" panose="020F0502020204030204" pitchFamily="34" charset="0"/>
-              <a:cs typeface="Calibri" panose="020F0502020204030204" pitchFamily="34" charset="0"/>
-            </a:endParaRPr>
           </a:p>
         </p:txBody>
       </p:sp>
@@ -23753,6 +23552,9 @@
   <p:clrMapOvr>
     <a:masterClrMapping/>
   </p:clrMapOvr>
+  <p:transition spd="slow">
+    <p:push dir="u"/>
+  </p:transition>
   <p:timing>
     <p:tnLst>
       <p:par>
@@ -23937,10 +23739,6 @@
               </a:rPr>
               <a:t>Truyền dữ liệu ra ngoài sử dụng NTP</a:t>
             </a:r>
-            <a:endParaRPr lang="en-US" sz="3200" b="1" dirty="0">
-              <a:latin typeface="Calibri" panose="020F0502020204030204" pitchFamily="34" charset="0"/>
-              <a:cs typeface="Calibri" panose="020F0502020204030204" pitchFamily="34" charset="0"/>
-            </a:endParaRPr>
           </a:p>
         </p:txBody>
       </p:sp>
@@ -23993,14 +23791,9 @@
   <p:clrMapOvr>
     <a:masterClrMapping/>
   </p:clrMapOvr>
-  <mc:AlternateContent xmlns:mc="http://schemas.openxmlformats.org/markup-compatibility/2006" xmlns:p14="http://schemas.microsoft.com/office/powerpoint/2010/main">
-    <mc:Choice Requires="p14">
-      <p:transition spd="slow" p14:dur="2000"/>
-    </mc:Choice>
-    <mc:Fallback xmlns="">
-      <p:transition spd="slow"/>
-    </mc:Fallback>
-  </mc:AlternateContent>
+  <p:transition spd="slow">
+    <p:push dir="u"/>
+  </p:transition>
   <p:timing>
     <p:tnLst>
       <p:par>

--- a/Kỹ-thuật-khai-thác-giao-thức-Network-Time.pptx
+++ b/Kỹ-thuật-khai-thác-giao-thức-Network-Time.pptx
@@ -135,753 +135,6 @@
 </file>
 
 <file path=ppt/diagrams/colors1.xml><?xml version="1.0" encoding="utf-8"?>
-<dgm:colorsDef xmlns:dgm="http://schemas.openxmlformats.org/drawingml/2006/diagram" xmlns:a="http://schemas.openxmlformats.org/drawingml/2006/main" uniqueId="urn:microsoft.com/office/officeart/2005/8/colors/accent3_2">
-  <dgm:title val=""/>
-  <dgm:desc val=""/>
-  <dgm:catLst>
-    <dgm:cat type="accent3" pri="11200"/>
-  </dgm:catLst>
-  <dgm:styleLbl name="node0">
-    <dgm:fillClrLst meth="repeat">
-      <a:schemeClr val="accent3"/>
-    </dgm:fillClrLst>
-    <dgm:linClrLst meth="repeat">
-      <a:schemeClr val="lt1"/>
-    </dgm:linClrLst>
-    <dgm:effectClrLst/>
-    <dgm:txLinClrLst/>
-    <dgm:txFillClrLst/>
-    <dgm:txEffectClrLst/>
-  </dgm:styleLbl>
-  <dgm:styleLbl name="node1">
-    <dgm:fillClrLst meth="repeat">
-      <a:schemeClr val="accent3"/>
-    </dgm:fillClrLst>
-    <dgm:linClrLst meth="repeat">
-      <a:schemeClr val="lt1"/>
-    </dgm:linClrLst>
-    <dgm:effectClrLst/>
-    <dgm:txLinClrLst/>
-    <dgm:txFillClrLst/>
-    <dgm:txEffectClrLst/>
-  </dgm:styleLbl>
-  <dgm:styleLbl name="alignNode1">
-    <dgm:fillClrLst meth="repeat">
-      <a:schemeClr val="accent3"/>
-    </dgm:fillClrLst>
-    <dgm:linClrLst meth="repeat">
-      <a:schemeClr val="accent3"/>
-    </dgm:linClrLst>
-    <dgm:effectClrLst/>
-    <dgm:txLinClrLst/>
-    <dgm:txFillClrLst/>
-    <dgm:txEffectClrLst/>
-  </dgm:styleLbl>
-  <dgm:styleLbl name="lnNode1">
-    <dgm:fillClrLst meth="repeat">
-      <a:schemeClr val="accent3"/>
-    </dgm:fillClrLst>
-    <dgm:linClrLst meth="repeat">
-      <a:schemeClr val="lt1"/>
-    </dgm:linClrLst>
-    <dgm:effectClrLst/>
-    <dgm:txLinClrLst/>
-    <dgm:txFillClrLst/>
-    <dgm:txEffectClrLst/>
-  </dgm:styleLbl>
-  <dgm:styleLbl name="vennNode1">
-    <dgm:fillClrLst meth="repeat">
-      <a:schemeClr val="accent3">
-        <a:alpha val="50000"/>
-      </a:schemeClr>
-    </dgm:fillClrLst>
-    <dgm:linClrLst meth="repeat">
-      <a:schemeClr val="lt1"/>
-    </dgm:linClrLst>
-    <dgm:effectClrLst/>
-    <dgm:txLinClrLst/>
-    <dgm:txFillClrLst/>
-    <dgm:txEffectClrLst/>
-  </dgm:styleLbl>
-  <dgm:styleLbl name="node2">
-    <dgm:fillClrLst meth="repeat">
-      <a:schemeClr val="accent3"/>
-    </dgm:fillClrLst>
-    <dgm:linClrLst meth="repeat">
-      <a:schemeClr val="lt1"/>
-    </dgm:linClrLst>
-    <dgm:effectClrLst/>
-    <dgm:txLinClrLst/>
-    <dgm:txFillClrLst/>
-    <dgm:txEffectClrLst/>
-  </dgm:styleLbl>
-  <dgm:styleLbl name="node3">
-    <dgm:fillClrLst meth="repeat">
-      <a:schemeClr val="accent3"/>
-    </dgm:fillClrLst>
-    <dgm:linClrLst meth="repeat">
-      <a:schemeClr val="lt1"/>
-    </dgm:linClrLst>
-    <dgm:effectClrLst/>
-    <dgm:txLinClrLst/>
-    <dgm:txFillClrLst/>
-    <dgm:txEffectClrLst/>
-  </dgm:styleLbl>
-  <dgm:styleLbl name="node4">
-    <dgm:fillClrLst meth="repeat">
-      <a:schemeClr val="accent3"/>
-    </dgm:fillClrLst>
-    <dgm:linClrLst meth="repeat">
-      <a:schemeClr val="lt1"/>
-    </dgm:linClrLst>
-    <dgm:effectClrLst/>
-    <dgm:txLinClrLst/>
-    <dgm:txFillClrLst/>
-    <dgm:txEffectClrLst/>
-  </dgm:styleLbl>
-  <dgm:styleLbl name="fgImgPlace1">
-    <dgm:fillClrLst meth="repeat">
-      <a:schemeClr val="accent3">
-        <a:tint val="50000"/>
-      </a:schemeClr>
-    </dgm:fillClrLst>
-    <dgm:linClrLst meth="repeat">
-      <a:schemeClr val="lt1"/>
-    </dgm:linClrLst>
-    <dgm:effectClrLst/>
-    <dgm:txLinClrLst/>
-    <dgm:txFillClrLst meth="repeat">
-      <a:schemeClr val="lt1"/>
-    </dgm:txFillClrLst>
-    <dgm:txEffectClrLst/>
-  </dgm:styleLbl>
-  <dgm:styleLbl name="alignImgPlace1">
-    <dgm:fillClrLst meth="repeat">
-      <a:schemeClr val="accent3">
-        <a:tint val="50000"/>
-      </a:schemeClr>
-    </dgm:fillClrLst>
-    <dgm:linClrLst meth="repeat">
-      <a:schemeClr val="lt1"/>
-    </dgm:linClrLst>
-    <dgm:effectClrLst/>
-    <dgm:txLinClrLst/>
-    <dgm:txFillClrLst meth="repeat">
-      <a:schemeClr val="lt1"/>
-    </dgm:txFillClrLst>
-    <dgm:txEffectClrLst/>
-  </dgm:styleLbl>
-  <dgm:styleLbl name="bgImgPlace1">
-    <dgm:fillClrLst meth="repeat">
-      <a:schemeClr val="accent3">
-        <a:tint val="50000"/>
-      </a:schemeClr>
-    </dgm:fillClrLst>
-    <dgm:linClrLst meth="repeat">
-      <a:schemeClr val="lt1"/>
-    </dgm:linClrLst>
-    <dgm:effectClrLst/>
-    <dgm:txLinClrLst/>
-    <dgm:txFillClrLst meth="repeat">
-      <a:schemeClr val="lt1"/>
-    </dgm:txFillClrLst>
-    <dgm:txEffectClrLst/>
-  </dgm:styleLbl>
-  <dgm:styleLbl name="sibTrans2D1">
-    <dgm:fillClrLst meth="repeat">
-      <a:schemeClr val="accent3">
-        <a:tint val="60000"/>
-      </a:schemeClr>
-    </dgm:fillClrLst>
-    <dgm:linClrLst meth="repeat">
-      <a:schemeClr val="accent3">
-        <a:tint val="60000"/>
-      </a:schemeClr>
-    </dgm:linClrLst>
-    <dgm:effectClrLst/>
-    <dgm:txLinClrLst/>
-    <dgm:txFillClrLst/>
-    <dgm:txEffectClrLst/>
-  </dgm:styleLbl>
-  <dgm:styleLbl name="fgSibTrans2D1">
-    <dgm:fillClrLst meth="repeat">
-      <a:schemeClr val="accent3">
-        <a:tint val="60000"/>
-      </a:schemeClr>
-    </dgm:fillClrLst>
-    <dgm:linClrLst meth="repeat">
-      <a:schemeClr val="accent3">
-        <a:tint val="60000"/>
-      </a:schemeClr>
-    </dgm:linClrLst>
-    <dgm:effectClrLst/>
-    <dgm:txLinClrLst/>
-    <dgm:txFillClrLst/>
-    <dgm:txEffectClrLst/>
-  </dgm:styleLbl>
-  <dgm:styleLbl name="bgSibTrans2D1">
-    <dgm:fillClrLst meth="repeat">
-      <a:schemeClr val="accent3">
-        <a:tint val="60000"/>
-      </a:schemeClr>
-    </dgm:fillClrLst>
-    <dgm:linClrLst meth="repeat">
-      <a:schemeClr val="accent3">
-        <a:tint val="60000"/>
-      </a:schemeClr>
-    </dgm:linClrLst>
-    <dgm:effectClrLst/>
-    <dgm:txLinClrLst/>
-    <dgm:txFillClrLst/>
-    <dgm:txEffectClrLst/>
-  </dgm:styleLbl>
-  <dgm:styleLbl name="sibTrans1D1">
-    <dgm:fillClrLst meth="repeat">
-      <a:schemeClr val="accent3"/>
-    </dgm:fillClrLst>
-    <dgm:linClrLst meth="repeat">
-      <a:schemeClr val="accent3"/>
-    </dgm:linClrLst>
-    <dgm:effectClrLst/>
-    <dgm:txLinClrLst/>
-    <dgm:txFillClrLst meth="repeat">
-      <a:schemeClr val="tx1"/>
-    </dgm:txFillClrLst>
-    <dgm:txEffectClrLst/>
-  </dgm:styleLbl>
-  <dgm:styleLbl name="callout">
-    <dgm:fillClrLst meth="repeat">
-      <a:schemeClr val="accent3"/>
-    </dgm:fillClrLst>
-    <dgm:linClrLst meth="repeat">
-      <a:schemeClr val="accent3">
-        <a:tint val="50000"/>
-      </a:schemeClr>
-    </dgm:linClrLst>
-    <dgm:effectClrLst/>
-    <dgm:txLinClrLst/>
-    <dgm:txFillClrLst meth="repeat">
-      <a:schemeClr val="tx1"/>
-    </dgm:txFillClrLst>
-    <dgm:txEffectClrLst/>
-  </dgm:styleLbl>
-  <dgm:styleLbl name="asst0">
-    <dgm:fillClrLst meth="repeat">
-      <a:schemeClr val="accent3"/>
-    </dgm:fillClrLst>
-    <dgm:linClrLst meth="repeat">
-      <a:schemeClr val="lt1"/>
-    </dgm:linClrLst>
-    <dgm:effectClrLst/>
-    <dgm:txLinClrLst/>
-    <dgm:txFillClrLst/>
-    <dgm:txEffectClrLst/>
-  </dgm:styleLbl>
-  <dgm:styleLbl name="asst1">
-    <dgm:fillClrLst meth="repeat">
-      <a:schemeClr val="accent3"/>
-    </dgm:fillClrLst>
-    <dgm:linClrLst meth="repeat">
-      <a:schemeClr val="lt1"/>
-    </dgm:linClrLst>
-    <dgm:effectClrLst/>
-    <dgm:txLinClrLst/>
-    <dgm:txFillClrLst/>
-    <dgm:txEffectClrLst/>
-  </dgm:styleLbl>
-  <dgm:styleLbl name="asst2">
-    <dgm:fillClrLst meth="repeat">
-      <a:schemeClr val="accent3"/>
-    </dgm:fillClrLst>
-    <dgm:linClrLst meth="repeat">
-      <a:schemeClr val="lt1"/>
-    </dgm:linClrLst>
-    <dgm:effectClrLst/>
-    <dgm:txLinClrLst/>
-    <dgm:txFillClrLst/>
-    <dgm:txEffectClrLst/>
-  </dgm:styleLbl>
-  <dgm:styleLbl name="asst3">
-    <dgm:fillClrLst meth="repeat">
-      <a:schemeClr val="accent3"/>
-    </dgm:fillClrLst>
-    <dgm:linClrLst meth="repeat">
-      <a:schemeClr val="lt1"/>
-    </dgm:linClrLst>
-    <dgm:effectClrLst/>
-    <dgm:txLinClrLst/>
-    <dgm:txFillClrLst/>
-    <dgm:txEffectClrLst/>
-  </dgm:styleLbl>
-  <dgm:styleLbl name="asst4">
-    <dgm:fillClrLst meth="repeat">
-      <a:schemeClr val="accent3"/>
-    </dgm:fillClrLst>
-    <dgm:linClrLst meth="repeat">
-      <a:schemeClr val="lt1"/>
-    </dgm:linClrLst>
-    <dgm:effectClrLst/>
-    <dgm:txLinClrLst/>
-    <dgm:txFillClrLst/>
-    <dgm:txEffectClrLst/>
-  </dgm:styleLbl>
-  <dgm:styleLbl name="parChTrans2D1">
-    <dgm:fillClrLst meth="repeat">
-      <a:schemeClr val="accent3">
-        <a:tint val="60000"/>
-      </a:schemeClr>
-    </dgm:fillClrLst>
-    <dgm:linClrLst meth="repeat">
-      <a:schemeClr val="accent3">
-        <a:tint val="60000"/>
-      </a:schemeClr>
-    </dgm:linClrLst>
-    <dgm:effectClrLst/>
-    <dgm:txLinClrLst/>
-    <dgm:txFillClrLst meth="repeat">
-      <a:schemeClr val="lt1"/>
-    </dgm:txFillClrLst>
-    <dgm:txEffectClrLst/>
-  </dgm:styleLbl>
-  <dgm:styleLbl name="parChTrans2D2">
-    <dgm:fillClrLst meth="repeat">
-      <a:schemeClr val="accent3"/>
-    </dgm:fillClrLst>
-    <dgm:linClrLst meth="repeat">
-      <a:schemeClr val="accent3"/>
-    </dgm:linClrLst>
-    <dgm:effectClrLst/>
-    <dgm:txLinClrLst/>
-    <dgm:txFillClrLst meth="repeat">
-      <a:schemeClr val="lt1"/>
-    </dgm:txFillClrLst>
-    <dgm:txEffectClrLst/>
-  </dgm:styleLbl>
-  <dgm:styleLbl name="parChTrans2D3">
-    <dgm:fillClrLst meth="repeat">
-      <a:schemeClr val="accent3"/>
-    </dgm:fillClrLst>
-    <dgm:linClrLst meth="repeat">
-      <a:schemeClr val="accent3"/>
-    </dgm:linClrLst>
-    <dgm:effectClrLst/>
-    <dgm:txLinClrLst/>
-    <dgm:txFillClrLst meth="repeat">
-      <a:schemeClr val="lt1"/>
-    </dgm:txFillClrLst>
-    <dgm:txEffectClrLst/>
-  </dgm:styleLbl>
-  <dgm:styleLbl name="parChTrans2D4">
-    <dgm:fillClrLst meth="repeat">
-      <a:schemeClr val="accent3"/>
-    </dgm:fillClrLst>
-    <dgm:linClrLst meth="repeat">
-      <a:schemeClr val="accent3"/>
-    </dgm:linClrLst>
-    <dgm:effectClrLst/>
-    <dgm:txLinClrLst/>
-    <dgm:txFillClrLst meth="repeat">
-      <a:schemeClr val="lt1"/>
-    </dgm:txFillClrLst>
-    <dgm:txEffectClrLst/>
-  </dgm:styleLbl>
-  <dgm:styleLbl name="parChTrans1D1">
-    <dgm:fillClrLst meth="repeat">
-      <a:schemeClr val="accent3"/>
-    </dgm:fillClrLst>
-    <dgm:linClrLst meth="repeat">
-      <a:schemeClr val="accent3">
-        <a:shade val="60000"/>
-      </a:schemeClr>
-    </dgm:linClrLst>
-    <dgm:effectClrLst/>
-    <dgm:txLinClrLst/>
-    <dgm:txFillClrLst meth="repeat">
-      <a:schemeClr val="tx1"/>
-    </dgm:txFillClrLst>
-    <dgm:txEffectClrLst/>
-  </dgm:styleLbl>
-  <dgm:styleLbl name="parChTrans1D2">
-    <dgm:fillClrLst meth="repeat">
-      <a:schemeClr val="accent3"/>
-    </dgm:fillClrLst>
-    <dgm:linClrLst meth="repeat">
-      <a:schemeClr val="accent3">
-        <a:shade val="60000"/>
-      </a:schemeClr>
-    </dgm:linClrLst>
-    <dgm:effectClrLst/>
-    <dgm:txLinClrLst/>
-    <dgm:txFillClrLst meth="repeat">
-      <a:schemeClr val="tx1"/>
-    </dgm:txFillClrLst>
-    <dgm:txEffectClrLst/>
-  </dgm:styleLbl>
-  <dgm:styleLbl name="parChTrans1D3">
-    <dgm:fillClrLst meth="repeat">
-      <a:schemeClr val="accent3"/>
-    </dgm:fillClrLst>
-    <dgm:linClrLst meth="repeat">
-      <a:schemeClr val="accent3">
-        <a:shade val="80000"/>
-      </a:schemeClr>
-    </dgm:linClrLst>
-    <dgm:effectClrLst/>
-    <dgm:txLinClrLst/>
-    <dgm:txFillClrLst meth="repeat">
-      <a:schemeClr val="tx1"/>
-    </dgm:txFillClrLst>
-    <dgm:txEffectClrLst/>
-  </dgm:styleLbl>
-  <dgm:styleLbl name="parChTrans1D4">
-    <dgm:fillClrLst meth="repeat">
-      <a:schemeClr val="accent3"/>
-    </dgm:fillClrLst>
-    <dgm:linClrLst meth="repeat">
-      <a:schemeClr val="accent3">
-        <a:shade val="80000"/>
-      </a:schemeClr>
-    </dgm:linClrLst>
-    <dgm:effectClrLst/>
-    <dgm:txLinClrLst/>
-    <dgm:txFillClrLst meth="repeat">
-      <a:schemeClr val="tx1"/>
-    </dgm:txFillClrLst>
-    <dgm:txEffectClrLst/>
-  </dgm:styleLbl>
-  <dgm:styleLbl name="fgAcc1">
-    <dgm:fillClrLst meth="repeat">
-      <a:schemeClr val="lt1">
-        <a:alpha val="90000"/>
-      </a:schemeClr>
-    </dgm:fillClrLst>
-    <dgm:linClrLst meth="repeat">
-      <a:schemeClr val="accent3"/>
-    </dgm:linClrLst>
-    <dgm:effectClrLst/>
-    <dgm:txLinClrLst/>
-    <dgm:txFillClrLst meth="repeat">
-      <a:schemeClr val="dk1"/>
-    </dgm:txFillClrLst>
-    <dgm:txEffectClrLst/>
-  </dgm:styleLbl>
-  <dgm:styleLbl name="conFgAcc1">
-    <dgm:fillClrLst meth="repeat">
-      <a:schemeClr val="lt1">
-        <a:alpha val="90000"/>
-      </a:schemeClr>
-    </dgm:fillClrLst>
-    <dgm:linClrLst meth="repeat">
-      <a:schemeClr val="accent3"/>
-    </dgm:linClrLst>
-    <dgm:effectClrLst/>
-    <dgm:txLinClrLst/>
-    <dgm:txFillClrLst meth="repeat">
-      <a:schemeClr val="dk1"/>
-    </dgm:txFillClrLst>
-    <dgm:txEffectClrLst/>
-  </dgm:styleLbl>
-  <dgm:styleLbl name="alignAcc1">
-    <dgm:fillClrLst meth="repeat">
-      <a:schemeClr val="lt1">
-        <a:alpha val="90000"/>
-      </a:schemeClr>
-    </dgm:fillClrLst>
-    <dgm:linClrLst meth="repeat">
-      <a:schemeClr val="accent3"/>
-    </dgm:linClrLst>
-    <dgm:effectClrLst/>
-    <dgm:txLinClrLst/>
-    <dgm:txFillClrLst meth="repeat">
-      <a:schemeClr val="dk1"/>
-    </dgm:txFillClrLst>
-    <dgm:txEffectClrLst/>
-  </dgm:styleLbl>
-  <dgm:styleLbl name="trAlignAcc1">
-    <dgm:fillClrLst meth="repeat">
-      <a:schemeClr val="lt1">
-        <a:alpha val="40000"/>
-      </a:schemeClr>
-    </dgm:fillClrLst>
-    <dgm:linClrLst meth="repeat">
-      <a:schemeClr val="accent3"/>
-    </dgm:linClrLst>
-    <dgm:effectClrLst/>
-    <dgm:txLinClrLst/>
-    <dgm:txFillClrLst meth="repeat">
-      <a:schemeClr val="dk1"/>
-    </dgm:txFillClrLst>
-    <dgm:txEffectClrLst/>
-  </dgm:styleLbl>
-  <dgm:styleLbl name="bgAcc1">
-    <dgm:fillClrLst meth="repeat">
-      <a:schemeClr val="lt1">
-        <a:alpha val="90000"/>
-      </a:schemeClr>
-    </dgm:fillClrLst>
-    <dgm:linClrLst meth="repeat">
-      <a:schemeClr val="accent3"/>
-    </dgm:linClrLst>
-    <dgm:effectClrLst/>
-    <dgm:txLinClrLst/>
-    <dgm:txFillClrLst meth="repeat">
-      <a:schemeClr val="dk1"/>
-    </dgm:txFillClrLst>
-    <dgm:txEffectClrLst/>
-  </dgm:styleLbl>
-  <dgm:styleLbl name="solidFgAcc1">
-    <dgm:fillClrLst meth="repeat">
-      <a:schemeClr val="lt1"/>
-    </dgm:fillClrLst>
-    <dgm:linClrLst meth="repeat">
-      <a:schemeClr val="accent3"/>
-    </dgm:linClrLst>
-    <dgm:effectClrLst/>
-    <dgm:txLinClrLst/>
-    <dgm:txFillClrLst meth="repeat">
-      <a:schemeClr val="dk1"/>
-    </dgm:txFillClrLst>
-    <dgm:txEffectClrLst/>
-  </dgm:styleLbl>
-  <dgm:styleLbl name="solidAlignAcc1">
-    <dgm:fillClrLst meth="repeat">
-      <a:schemeClr val="lt1"/>
-    </dgm:fillClrLst>
-    <dgm:linClrLst meth="repeat">
-      <a:schemeClr val="accent3"/>
-    </dgm:linClrLst>
-    <dgm:effectClrLst/>
-    <dgm:txLinClrLst/>
-    <dgm:txFillClrLst meth="repeat">
-      <a:schemeClr val="dk1"/>
-    </dgm:txFillClrLst>
-    <dgm:txEffectClrLst/>
-  </dgm:styleLbl>
-  <dgm:styleLbl name="solidBgAcc1">
-    <dgm:fillClrLst meth="repeat">
-      <a:schemeClr val="lt1"/>
-    </dgm:fillClrLst>
-    <dgm:linClrLst meth="repeat">
-      <a:schemeClr val="accent3"/>
-    </dgm:linClrLst>
-    <dgm:effectClrLst/>
-    <dgm:txLinClrLst/>
-    <dgm:txFillClrLst meth="repeat">
-      <a:schemeClr val="dk1"/>
-    </dgm:txFillClrLst>
-    <dgm:txEffectClrLst/>
-  </dgm:styleLbl>
-  <dgm:styleLbl name="fgAccFollowNode1">
-    <dgm:fillClrLst meth="repeat">
-      <a:schemeClr val="accent3">
-        <a:alpha val="90000"/>
-        <a:tint val="40000"/>
-      </a:schemeClr>
-    </dgm:fillClrLst>
-    <dgm:linClrLst meth="repeat">
-      <a:schemeClr val="accent3">
-        <a:alpha val="90000"/>
-        <a:tint val="40000"/>
-      </a:schemeClr>
-    </dgm:linClrLst>
-    <dgm:effectClrLst/>
-    <dgm:txLinClrLst/>
-    <dgm:txFillClrLst meth="repeat">
-      <a:schemeClr val="dk1"/>
-    </dgm:txFillClrLst>
-    <dgm:txEffectClrLst/>
-  </dgm:styleLbl>
-  <dgm:styleLbl name="alignAccFollowNode1">
-    <dgm:fillClrLst meth="repeat">
-      <a:schemeClr val="accent3">
-        <a:alpha val="90000"/>
-        <a:tint val="40000"/>
-      </a:schemeClr>
-    </dgm:fillClrLst>
-    <dgm:linClrLst meth="repeat">
-      <a:schemeClr val="accent3">
-        <a:alpha val="90000"/>
-        <a:tint val="40000"/>
-      </a:schemeClr>
-    </dgm:linClrLst>
-    <dgm:effectClrLst/>
-    <dgm:txLinClrLst/>
-    <dgm:txFillClrLst meth="repeat">
-      <a:schemeClr val="dk1"/>
-    </dgm:txFillClrLst>
-    <dgm:txEffectClrLst/>
-  </dgm:styleLbl>
-  <dgm:styleLbl name="bgAccFollowNode1">
-    <dgm:fillClrLst meth="repeat">
-      <a:schemeClr val="accent3">
-        <a:alpha val="90000"/>
-        <a:tint val="40000"/>
-      </a:schemeClr>
-    </dgm:fillClrLst>
-    <dgm:linClrLst meth="repeat">
-      <a:schemeClr val="accent3">
-        <a:alpha val="90000"/>
-        <a:tint val="40000"/>
-      </a:schemeClr>
-    </dgm:linClrLst>
-    <dgm:effectClrLst/>
-    <dgm:txLinClrLst/>
-    <dgm:txFillClrLst meth="repeat">
-      <a:schemeClr val="dk1"/>
-    </dgm:txFillClrLst>
-    <dgm:txEffectClrLst/>
-  </dgm:styleLbl>
-  <dgm:styleLbl name="fgAcc0">
-    <dgm:fillClrLst meth="repeat">
-      <a:schemeClr val="lt1">
-        <a:alpha val="90000"/>
-      </a:schemeClr>
-    </dgm:fillClrLst>
-    <dgm:linClrLst meth="repeat">
-      <a:schemeClr val="accent3"/>
-    </dgm:linClrLst>
-    <dgm:effectClrLst/>
-    <dgm:txLinClrLst/>
-    <dgm:txFillClrLst meth="repeat">
-      <a:schemeClr val="dk1"/>
-    </dgm:txFillClrLst>
-    <dgm:txEffectClrLst/>
-  </dgm:styleLbl>
-  <dgm:styleLbl name="fgAcc2">
-    <dgm:fillClrLst meth="repeat">
-      <a:schemeClr val="lt1">
-        <a:alpha val="90000"/>
-      </a:schemeClr>
-    </dgm:fillClrLst>
-    <dgm:linClrLst meth="repeat">
-      <a:schemeClr val="accent3"/>
-    </dgm:linClrLst>
-    <dgm:effectClrLst/>
-    <dgm:txLinClrLst/>
-    <dgm:txFillClrLst meth="repeat">
-      <a:schemeClr val="dk1"/>
-    </dgm:txFillClrLst>
-    <dgm:txEffectClrLst/>
-  </dgm:styleLbl>
-  <dgm:styleLbl name="fgAcc3">
-    <dgm:fillClrLst meth="repeat">
-      <a:schemeClr val="lt1">
-        <a:alpha val="90000"/>
-      </a:schemeClr>
-    </dgm:fillClrLst>
-    <dgm:linClrLst meth="repeat">
-      <a:schemeClr val="accent3"/>
-    </dgm:linClrLst>
-    <dgm:effectClrLst/>
-    <dgm:txLinClrLst/>
-    <dgm:txFillClrLst meth="repeat">
-      <a:schemeClr val="dk1"/>
-    </dgm:txFillClrLst>
-    <dgm:txEffectClrLst/>
-  </dgm:styleLbl>
-  <dgm:styleLbl name="fgAcc4">
-    <dgm:fillClrLst meth="repeat">
-      <a:schemeClr val="lt1">
-        <a:alpha val="90000"/>
-      </a:schemeClr>
-    </dgm:fillClrLst>
-    <dgm:linClrLst meth="repeat">
-      <a:schemeClr val="accent3"/>
-    </dgm:linClrLst>
-    <dgm:effectClrLst/>
-    <dgm:txLinClrLst/>
-    <dgm:txFillClrLst meth="repeat">
-      <a:schemeClr val="dk1"/>
-    </dgm:txFillClrLst>
-    <dgm:txEffectClrLst/>
-  </dgm:styleLbl>
-  <dgm:styleLbl name="bgShp">
-    <dgm:fillClrLst meth="repeat">
-      <a:schemeClr val="accent3">
-        <a:tint val="40000"/>
-      </a:schemeClr>
-    </dgm:fillClrLst>
-    <dgm:linClrLst meth="repeat">
-      <a:schemeClr val="accent3"/>
-    </dgm:linClrLst>
-    <dgm:effectClrLst/>
-    <dgm:txLinClrLst/>
-    <dgm:txFillClrLst meth="repeat">
-      <a:schemeClr val="dk1"/>
-    </dgm:txFillClrLst>
-    <dgm:txEffectClrLst/>
-  </dgm:styleLbl>
-  <dgm:styleLbl name="dkBgShp">
-    <dgm:fillClrLst meth="repeat">
-      <a:schemeClr val="accent3">
-        <a:shade val="80000"/>
-      </a:schemeClr>
-    </dgm:fillClrLst>
-    <dgm:linClrLst meth="repeat">
-      <a:schemeClr val="accent3"/>
-    </dgm:linClrLst>
-    <dgm:effectClrLst/>
-    <dgm:txLinClrLst/>
-    <dgm:txFillClrLst meth="repeat">
-      <a:schemeClr val="lt1"/>
-    </dgm:txFillClrLst>
-    <dgm:txEffectClrLst/>
-  </dgm:styleLbl>
-  <dgm:styleLbl name="trBgShp">
-    <dgm:fillClrLst meth="repeat">
-      <a:schemeClr val="accent3">
-        <a:tint val="50000"/>
-        <a:alpha val="40000"/>
-      </a:schemeClr>
-    </dgm:fillClrLst>
-    <dgm:linClrLst meth="repeat">
-      <a:schemeClr val="accent3"/>
-    </dgm:linClrLst>
-    <dgm:effectClrLst/>
-    <dgm:txLinClrLst/>
-    <dgm:txFillClrLst meth="repeat">
-      <a:schemeClr val="lt1"/>
-    </dgm:txFillClrLst>
-    <dgm:txEffectClrLst/>
-  </dgm:styleLbl>
-  <dgm:styleLbl name="fgShp">
-    <dgm:fillClrLst meth="repeat">
-      <a:schemeClr val="accent3">
-        <a:tint val="60000"/>
-      </a:schemeClr>
-    </dgm:fillClrLst>
-    <dgm:linClrLst meth="repeat">
-      <a:schemeClr val="lt1"/>
-    </dgm:linClrLst>
-    <dgm:effectClrLst/>
-    <dgm:txLinClrLst/>
-    <dgm:txFillClrLst meth="repeat">
-      <a:schemeClr val="dk1"/>
-    </dgm:txFillClrLst>
-    <dgm:txEffectClrLst/>
-  </dgm:styleLbl>
-  <dgm:styleLbl name="revTx">
-    <dgm:fillClrLst meth="repeat">
-      <a:schemeClr val="lt1">
-        <a:alpha val="0"/>
-      </a:schemeClr>
-    </dgm:fillClrLst>
-    <dgm:linClrLst meth="repeat">
-      <a:schemeClr val="dk1">
-        <a:alpha val="0"/>
-      </a:schemeClr>
-    </dgm:linClrLst>
-    <dgm:effectClrLst/>
-    <dgm:txLinClrLst/>
-    <dgm:txFillClrLst meth="repeat">
-      <a:schemeClr val="tx1"/>
-    </dgm:txFillClrLst>
-    <dgm:txEffectClrLst/>
-  </dgm:styleLbl>
-</dgm:colorsDef>
-</file>
-
-<file path=ppt/diagrams/colors2.xml><?xml version="1.0" encoding="utf-8"?>
 <dgm:colorsDef xmlns:dgm="http://schemas.openxmlformats.org/drawingml/2006/diagram" xmlns:a="http://schemas.openxmlformats.org/drawingml/2006/main" uniqueId="urn:microsoft.com/office/officeart/2005/8/colors/colorful3">
   <dgm:title val=""/>
   <dgm:desc val=""/>
@@ -1663,7 +916,7 @@
 </dgm:colorsDef>
 </file>
 
-<file path=ppt/diagrams/colors3.xml><?xml version="1.0" encoding="utf-8"?>
+<file path=ppt/diagrams/colors2.xml><?xml version="1.0" encoding="utf-8"?>
 <dgm:colorsDef xmlns:dgm="http://schemas.openxmlformats.org/drawingml/2006/diagram" xmlns:a="http://schemas.openxmlformats.org/drawingml/2006/main" uniqueId="urn:microsoft.com/office/officeart/2005/8/colors/accent1_2">
   <dgm:title val=""/>
   <dgm:desc val=""/>
@@ -2413,383 +1666,6 @@
 <file path=ppt/diagrams/data1.xml><?xml version="1.0" encoding="utf-8"?>
 <dgm:dataModel xmlns:dgm="http://schemas.openxmlformats.org/drawingml/2006/diagram" xmlns:a="http://schemas.openxmlformats.org/drawingml/2006/main">
   <dgm:ptLst>
-    <dgm:pt modelId="{20604F15-8CFF-4F5D-AA09-9DCD68F70CD2}" type="doc">
-      <dgm:prSet loTypeId="urn:microsoft.com/office/officeart/2005/8/layout/vProcess5" loCatId="process" qsTypeId="urn:microsoft.com/office/officeart/2005/8/quickstyle/3d1" qsCatId="3D" csTypeId="urn:microsoft.com/office/officeart/2005/8/colors/accent3_2" csCatId="accent3" phldr="1"/>
-      <dgm:spPr/>
-      <dgm:t>
-        <a:bodyPr/>
-        <a:lstStyle/>
-        <a:p>
-          <a:endParaRPr lang="en-US"/>
-        </a:p>
-      </dgm:t>
-    </dgm:pt>
-    <dgm:pt modelId="{EF15813B-03B7-49DD-8483-E0D124630F92}">
-      <dgm:prSet custT="1"/>
-      <dgm:spPr>
-        <a:solidFill>
-          <a:srgbClr val="61E1FF"/>
-        </a:solidFill>
-      </dgm:spPr>
-      <dgm:t>
-        <a:bodyPr/>
-        <a:lstStyle/>
-        <a:p>
-          <a:r>
-            <a:rPr lang="en-US" sz="2400" b="0" dirty="0" smtClean="0">
-              <a:solidFill>
-                <a:schemeClr val="tx1"/>
-              </a:solidFill>
-              <a:latin typeface="Calibri" panose="020F0502020204030204" pitchFamily="34" charset="0"/>
-              <a:cs typeface="Calibri" panose="020F0502020204030204" pitchFamily="34" charset="0"/>
-            </a:rPr>
-            <a:t>Dữ liệu là thành phần quan trọng trong thời đại công nghệ 4.0</a:t>
-          </a:r>
-          <a:endParaRPr lang="en-US" sz="2400" b="0" dirty="0">
-            <a:solidFill>
-              <a:schemeClr val="tx1"/>
-            </a:solidFill>
-            <a:latin typeface="Calibri" panose="020F0502020204030204" pitchFamily="34" charset="0"/>
-            <a:cs typeface="Calibri" panose="020F0502020204030204" pitchFamily="34" charset="0"/>
-          </a:endParaRPr>
-        </a:p>
-      </dgm:t>
-    </dgm:pt>
-    <dgm:pt modelId="{3AAD3AF7-1266-4E4E-8B36-E76EFEBAC638}" type="parTrans" cxnId="{950A843F-61BB-4A05-960E-C41F60E0FCE0}">
-      <dgm:prSet/>
-      <dgm:spPr/>
-      <dgm:t>
-        <a:bodyPr/>
-        <a:lstStyle/>
-        <a:p>
-          <a:endParaRPr lang="en-US"/>
-        </a:p>
-      </dgm:t>
-    </dgm:pt>
-    <dgm:pt modelId="{F6D571B3-25EC-45B5-B9D5-AD3105EB5460}" type="sibTrans" cxnId="{950A843F-61BB-4A05-960E-C41F60E0FCE0}">
-      <dgm:prSet/>
-      <dgm:spPr/>
-      <dgm:t>
-        <a:bodyPr/>
-        <a:lstStyle/>
-        <a:p>
-          <a:endParaRPr lang="en-US"/>
-        </a:p>
-      </dgm:t>
-    </dgm:pt>
-    <dgm:pt modelId="{8A95030C-2CAF-4F38-A94E-01DCC0B33598}">
-      <dgm:prSet custT="1"/>
-      <dgm:spPr>
-        <a:solidFill>
-          <a:srgbClr val="61E1FF"/>
-        </a:solidFill>
-      </dgm:spPr>
-      <dgm:t>
-        <a:bodyPr/>
-        <a:lstStyle/>
-        <a:p>
-          <a:r>
-            <a:rPr lang="en-US" sz="2400" b="0" i="0" dirty="0" smtClean="0">
-              <a:solidFill>
-                <a:schemeClr val="tx1"/>
-              </a:solidFill>
-              <a:latin typeface="Calibri" panose="020F0502020204030204" pitchFamily="34" charset="0"/>
-              <a:cs typeface="Calibri" panose="020F0502020204030204" pitchFamily="34" charset="0"/>
-            </a:rPr>
-            <a:t>- Các ứng dụng FB, Google, tiktok,... Vẫn đang thu thập dữ liệu của người dùng hàng ngày.</a:t>
-          </a:r>
-        </a:p>
-        <a:p>
-          <a:r>
-            <a:rPr lang="en-US" sz="2400" b="0" i="0" dirty="0" smtClean="0">
-              <a:solidFill>
-                <a:schemeClr val="tx1"/>
-              </a:solidFill>
-              <a:latin typeface="Calibri" panose="020F0502020204030204" pitchFamily="34" charset="0"/>
-              <a:cs typeface="Calibri" panose="020F0502020204030204" pitchFamily="34" charset="0"/>
-            </a:rPr>
-            <a:t>- Mỹ cảnh báo đồng minh về vấn đề bảo mật của Huawei.</a:t>
-          </a:r>
-        </a:p>
-        <a:p>
-          <a:r>
-            <a:rPr lang="en-US" sz="2400" b="0" i="0" dirty="0" smtClean="0">
-              <a:solidFill>
-                <a:schemeClr val="tx1"/>
-              </a:solidFill>
-              <a:latin typeface="Calibri" panose="020F0502020204030204" pitchFamily="34" charset="0"/>
-              <a:cs typeface="Calibri" panose="020F0502020204030204" pitchFamily="34" charset="0"/>
-            </a:rPr>
-            <a:t>-Các gián điệp trong các công ty, trường học.</a:t>
-          </a:r>
-          <a:endParaRPr lang="en-US" sz="2400" b="0" dirty="0">
-            <a:solidFill>
-              <a:schemeClr val="tx1"/>
-            </a:solidFill>
-            <a:latin typeface="Calibri" panose="020F0502020204030204" pitchFamily="34" charset="0"/>
-            <a:cs typeface="Calibri" panose="020F0502020204030204" pitchFamily="34" charset="0"/>
-          </a:endParaRPr>
-        </a:p>
-      </dgm:t>
-    </dgm:pt>
-    <dgm:pt modelId="{7321387F-BF50-4015-A801-3B8D941976E3}" type="parTrans" cxnId="{817A7D39-6DBB-454A-9637-E7A04D5A02F6}">
-      <dgm:prSet/>
-      <dgm:spPr/>
-      <dgm:t>
-        <a:bodyPr/>
-        <a:lstStyle/>
-        <a:p>
-          <a:endParaRPr lang="en-US"/>
-        </a:p>
-      </dgm:t>
-    </dgm:pt>
-    <dgm:pt modelId="{7C635706-FE3F-4B46-B8A2-04F1CFBE2881}" type="sibTrans" cxnId="{817A7D39-6DBB-454A-9637-E7A04D5A02F6}">
-      <dgm:prSet/>
-      <dgm:spPr/>
-      <dgm:t>
-        <a:bodyPr/>
-        <a:lstStyle/>
-        <a:p>
-          <a:endParaRPr lang="en-US"/>
-        </a:p>
-      </dgm:t>
-    </dgm:pt>
-    <dgm:pt modelId="{368816E0-FAF3-498B-A492-14A193D7C374}">
-      <dgm:prSet custT="1"/>
-      <dgm:spPr>
-        <a:solidFill>
-          <a:srgbClr val="61E1FF"/>
-        </a:solidFill>
-      </dgm:spPr>
-      <dgm:t>
-        <a:bodyPr/>
-        <a:lstStyle/>
-        <a:p>
-          <a:r>
-            <a:rPr lang="en-US" sz="2400" b="0" i="0" dirty="0" smtClean="0">
-              <a:solidFill>
-                <a:schemeClr val="tx1"/>
-              </a:solidFill>
-              <a:latin typeface="Calibri" panose="020F0502020204030204" pitchFamily="34" charset="0"/>
-              <a:cs typeface="Calibri" panose="020F0502020204030204" pitchFamily="34" charset="0"/>
-            </a:rPr>
-            <a:t>Đề tài cung cấp một góc nhìn mới trong việc kiểm tra độ an toàn của hệ thống mạng.</a:t>
-          </a:r>
-        </a:p>
-      </dgm:t>
-    </dgm:pt>
-    <dgm:pt modelId="{63AB17AB-86F6-41A8-8FDA-56EC0809E88F}" type="parTrans" cxnId="{E9F2FD24-8F02-4737-92E2-3D9012D35C27}">
-      <dgm:prSet/>
-      <dgm:spPr/>
-      <dgm:t>
-        <a:bodyPr/>
-        <a:lstStyle/>
-        <a:p>
-          <a:endParaRPr lang="en-US"/>
-        </a:p>
-      </dgm:t>
-    </dgm:pt>
-    <dgm:pt modelId="{98C086B4-6C08-40C0-83D9-ABC3BD85DC3F}" type="sibTrans" cxnId="{E9F2FD24-8F02-4737-92E2-3D9012D35C27}">
-      <dgm:prSet/>
-      <dgm:spPr/>
-      <dgm:t>
-        <a:bodyPr/>
-        <a:lstStyle/>
-        <a:p>
-          <a:endParaRPr lang="en-US"/>
-        </a:p>
-      </dgm:t>
-    </dgm:pt>
-    <dgm:pt modelId="{9B2AA086-1859-480C-A6B5-C4E852983355}" type="pres">
-      <dgm:prSet presAssocID="{20604F15-8CFF-4F5D-AA09-9DCD68F70CD2}" presName="outerComposite" presStyleCnt="0">
-        <dgm:presLayoutVars>
-          <dgm:chMax val="5"/>
-          <dgm:dir/>
-          <dgm:resizeHandles val="exact"/>
-        </dgm:presLayoutVars>
-      </dgm:prSet>
-      <dgm:spPr/>
-      <dgm:t>
-        <a:bodyPr/>
-        <a:lstStyle/>
-        <a:p>
-          <a:endParaRPr lang="en-US"/>
-        </a:p>
-      </dgm:t>
-    </dgm:pt>
-    <dgm:pt modelId="{B8E66BE0-F8B8-4C1F-9D3B-64CD795608A8}" type="pres">
-      <dgm:prSet presAssocID="{20604F15-8CFF-4F5D-AA09-9DCD68F70CD2}" presName="dummyMaxCanvas" presStyleCnt="0">
-        <dgm:presLayoutVars/>
-      </dgm:prSet>
-      <dgm:spPr/>
-      <dgm:t>
-        <a:bodyPr/>
-        <a:lstStyle/>
-        <a:p>
-          <a:endParaRPr lang="en-US"/>
-        </a:p>
-      </dgm:t>
-    </dgm:pt>
-    <dgm:pt modelId="{5EC477AC-3687-4683-B662-509B14DEEBC6}" type="pres">
-      <dgm:prSet presAssocID="{20604F15-8CFF-4F5D-AA09-9DCD68F70CD2}" presName="ThreeNodes_1" presStyleLbl="node1" presStyleIdx="0" presStyleCnt="3" custScaleY="61732" custLinFactNeighborX="239" custLinFactNeighborY="-15106">
-        <dgm:presLayoutVars>
-          <dgm:bulletEnabled val="1"/>
-        </dgm:presLayoutVars>
-      </dgm:prSet>
-      <dgm:spPr/>
-      <dgm:t>
-        <a:bodyPr/>
-        <a:lstStyle/>
-        <a:p>
-          <a:endParaRPr lang="en-US"/>
-        </a:p>
-      </dgm:t>
-    </dgm:pt>
-    <dgm:pt modelId="{44C8EEF1-3331-4104-B6AA-6F639A77D132}" type="pres">
-      <dgm:prSet presAssocID="{20604F15-8CFF-4F5D-AA09-9DCD68F70CD2}" presName="ThreeNodes_2" presStyleLbl="node1" presStyleIdx="1" presStyleCnt="3" custScaleX="108899" custScaleY="141484" custLinFactNeighborX="-242" custLinFactNeighborY="-19291">
-        <dgm:presLayoutVars>
-          <dgm:bulletEnabled val="1"/>
-        </dgm:presLayoutVars>
-      </dgm:prSet>
-      <dgm:spPr/>
-      <dgm:t>
-        <a:bodyPr/>
-        <a:lstStyle/>
-        <a:p>
-          <a:endParaRPr lang="en-US"/>
-        </a:p>
-      </dgm:t>
-    </dgm:pt>
-    <dgm:pt modelId="{D183234B-C53B-4DD7-9231-34B9F846AE59}" type="pres">
-      <dgm:prSet presAssocID="{20604F15-8CFF-4F5D-AA09-9DCD68F70CD2}" presName="ThreeNodes_3" presStyleLbl="node1" presStyleIdx="2" presStyleCnt="3" custScaleX="110086" custScaleY="50159" custLinFactNeighborX="-2093" custLinFactNeighborY="-25978">
-        <dgm:presLayoutVars>
-          <dgm:bulletEnabled val="1"/>
-        </dgm:presLayoutVars>
-      </dgm:prSet>
-      <dgm:spPr/>
-      <dgm:t>
-        <a:bodyPr/>
-        <a:lstStyle/>
-        <a:p>
-          <a:endParaRPr lang="en-US"/>
-        </a:p>
-      </dgm:t>
-    </dgm:pt>
-    <dgm:pt modelId="{5EEB5A4C-6F88-4E4A-B8BC-DD54C38B8E67}" type="pres">
-      <dgm:prSet presAssocID="{20604F15-8CFF-4F5D-AA09-9DCD68F70CD2}" presName="ThreeConn_1-2" presStyleLbl="fgAccFollowNode1" presStyleIdx="0" presStyleCnt="2" custLinFactNeighborX="-3983" custLinFactNeighborY="-46999">
-        <dgm:presLayoutVars>
-          <dgm:bulletEnabled val="1"/>
-        </dgm:presLayoutVars>
-      </dgm:prSet>
-      <dgm:spPr/>
-      <dgm:t>
-        <a:bodyPr/>
-        <a:lstStyle/>
-        <a:p>
-          <a:endParaRPr lang="en-US"/>
-        </a:p>
-      </dgm:t>
-    </dgm:pt>
-    <dgm:pt modelId="{EEC3239B-AE97-403A-9A18-691B34438FFA}" type="pres">
-      <dgm:prSet presAssocID="{20604F15-8CFF-4F5D-AA09-9DCD68F70CD2}" presName="ThreeConn_2-3" presStyleLbl="fgAccFollowNode1" presStyleIdx="1" presStyleCnt="2" custLinFactNeighborY="23102">
-        <dgm:presLayoutVars>
-          <dgm:bulletEnabled val="1"/>
-        </dgm:presLayoutVars>
-      </dgm:prSet>
-      <dgm:spPr/>
-      <dgm:t>
-        <a:bodyPr/>
-        <a:lstStyle/>
-        <a:p>
-          <a:endParaRPr lang="en-US"/>
-        </a:p>
-      </dgm:t>
-    </dgm:pt>
-    <dgm:pt modelId="{857692DD-EAF5-43B3-B823-70865F7D3CA2}" type="pres">
-      <dgm:prSet presAssocID="{20604F15-8CFF-4F5D-AA09-9DCD68F70CD2}" presName="ThreeNodes_1_text" presStyleLbl="node1" presStyleIdx="2" presStyleCnt="3">
-        <dgm:presLayoutVars>
-          <dgm:bulletEnabled val="1"/>
-        </dgm:presLayoutVars>
-      </dgm:prSet>
-      <dgm:spPr/>
-      <dgm:t>
-        <a:bodyPr/>
-        <a:lstStyle/>
-        <a:p>
-          <a:endParaRPr lang="en-US"/>
-        </a:p>
-      </dgm:t>
-    </dgm:pt>
-    <dgm:pt modelId="{26EB5018-5F16-44DC-AEA7-AE650C4C196C}" type="pres">
-      <dgm:prSet presAssocID="{20604F15-8CFF-4F5D-AA09-9DCD68F70CD2}" presName="ThreeNodes_2_text" presStyleLbl="node1" presStyleIdx="2" presStyleCnt="3">
-        <dgm:presLayoutVars>
-          <dgm:bulletEnabled val="1"/>
-        </dgm:presLayoutVars>
-      </dgm:prSet>
-      <dgm:spPr/>
-      <dgm:t>
-        <a:bodyPr/>
-        <a:lstStyle/>
-        <a:p>
-          <a:endParaRPr lang="en-US"/>
-        </a:p>
-      </dgm:t>
-    </dgm:pt>
-    <dgm:pt modelId="{5157CFB9-24F0-4AC0-A96A-5C7E7878B382}" type="pres">
-      <dgm:prSet presAssocID="{20604F15-8CFF-4F5D-AA09-9DCD68F70CD2}" presName="ThreeNodes_3_text" presStyleLbl="node1" presStyleIdx="2" presStyleCnt="3">
-        <dgm:presLayoutVars>
-          <dgm:bulletEnabled val="1"/>
-        </dgm:presLayoutVars>
-      </dgm:prSet>
-      <dgm:spPr/>
-      <dgm:t>
-        <a:bodyPr/>
-        <a:lstStyle/>
-        <a:p>
-          <a:endParaRPr lang="en-US"/>
-        </a:p>
-      </dgm:t>
-    </dgm:pt>
-  </dgm:ptLst>
-  <dgm:cxnLst>
-    <dgm:cxn modelId="{36EBD3A3-2925-4645-8D8D-3E0C4FBC8730}" type="presOf" srcId="{8A95030C-2CAF-4F38-A94E-01DCC0B33598}" destId="{44C8EEF1-3331-4104-B6AA-6F639A77D132}" srcOrd="0" destOrd="0" presId="urn:microsoft.com/office/officeart/2005/8/layout/vProcess5"/>
-    <dgm:cxn modelId="{E853514A-4CF5-41CF-8450-CD918D8D2E44}" type="presOf" srcId="{EF15813B-03B7-49DD-8483-E0D124630F92}" destId="{5EC477AC-3687-4683-B662-509B14DEEBC6}" srcOrd="0" destOrd="0" presId="urn:microsoft.com/office/officeart/2005/8/layout/vProcess5"/>
-    <dgm:cxn modelId="{A4260B7C-D513-4857-8C32-D21C4DC71E69}" type="presOf" srcId="{20604F15-8CFF-4F5D-AA09-9DCD68F70CD2}" destId="{9B2AA086-1859-480C-A6B5-C4E852983355}" srcOrd="0" destOrd="0" presId="urn:microsoft.com/office/officeart/2005/8/layout/vProcess5"/>
-    <dgm:cxn modelId="{1B2707B4-8F44-4FFE-856E-D441768D61CB}" type="presOf" srcId="{368816E0-FAF3-498B-A492-14A193D7C374}" destId="{D183234B-C53B-4DD7-9231-34B9F846AE59}" srcOrd="0" destOrd="0" presId="urn:microsoft.com/office/officeart/2005/8/layout/vProcess5"/>
-    <dgm:cxn modelId="{5BF0AA1A-E5EF-408B-B19B-C5250638DBDA}" type="presOf" srcId="{8A95030C-2CAF-4F38-A94E-01DCC0B33598}" destId="{26EB5018-5F16-44DC-AEA7-AE650C4C196C}" srcOrd="1" destOrd="0" presId="urn:microsoft.com/office/officeart/2005/8/layout/vProcess5"/>
-    <dgm:cxn modelId="{059757E3-9668-4740-AA93-FA8F2AD4ED4B}" type="presOf" srcId="{F6D571B3-25EC-45B5-B9D5-AD3105EB5460}" destId="{5EEB5A4C-6F88-4E4A-B8BC-DD54C38B8E67}" srcOrd="0" destOrd="0" presId="urn:microsoft.com/office/officeart/2005/8/layout/vProcess5"/>
-    <dgm:cxn modelId="{3EC4A3A9-F991-4E78-AB6E-3A31F480D6A3}" type="presOf" srcId="{EF15813B-03B7-49DD-8483-E0D124630F92}" destId="{857692DD-EAF5-43B3-B823-70865F7D3CA2}" srcOrd="1" destOrd="0" presId="urn:microsoft.com/office/officeart/2005/8/layout/vProcess5"/>
-    <dgm:cxn modelId="{817A7D39-6DBB-454A-9637-E7A04D5A02F6}" srcId="{20604F15-8CFF-4F5D-AA09-9DCD68F70CD2}" destId="{8A95030C-2CAF-4F38-A94E-01DCC0B33598}" srcOrd="1" destOrd="0" parTransId="{7321387F-BF50-4015-A801-3B8D941976E3}" sibTransId="{7C635706-FE3F-4B46-B8A2-04F1CFBE2881}"/>
-    <dgm:cxn modelId="{950A843F-61BB-4A05-960E-C41F60E0FCE0}" srcId="{20604F15-8CFF-4F5D-AA09-9DCD68F70CD2}" destId="{EF15813B-03B7-49DD-8483-E0D124630F92}" srcOrd="0" destOrd="0" parTransId="{3AAD3AF7-1266-4E4E-8B36-E76EFEBAC638}" sibTransId="{F6D571B3-25EC-45B5-B9D5-AD3105EB5460}"/>
-    <dgm:cxn modelId="{15BA1481-E3C1-400B-B46A-006D2BEA9D97}" type="presOf" srcId="{7C635706-FE3F-4B46-B8A2-04F1CFBE2881}" destId="{EEC3239B-AE97-403A-9A18-691B34438FFA}" srcOrd="0" destOrd="0" presId="urn:microsoft.com/office/officeart/2005/8/layout/vProcess5"/>
-    <dgm:cxn modelId="{727DD7A3-8D23-4C22-A7B6-FC7412272BC8}" type="presOf" srcId="{368816E0-FAF3-498B-A492-14A193D7C374}" destId="{5157CFB9-24F0-4AC0-A96A-5C7E7878B382}" srcOrd="1" destOrd="0" presId="urn:microsoft.com/office/officeart/2005/8/layout/vProcess5"/>
-    <dgm:cxn modelId="{E9F2FD24-8F02-4737-92E2-3D9012D35C27}" srcId="{20604F15-8CFF-4F5D-AA09-9DCD68F70CD2}" destId="{368816E0-FAF3-498B-A492-14A193D7C374}" srcOrd="2" destOrd="0" parTransId="{63AB17AB-86F6-41A8-8FDA-56EC0809E88F}" sibTransId="{98C086B4-6C08-40C0-83D9-ABC3BD85DC3F}"/>
-    <dgm:cxn modelId="{814D8353-A1F6-4CD6-A875-864679C94105}" type="presParOf" srcId="{9B2AA086-1859-480C-A6B5-C4E852983355}" destId="{B8E66BE0-F8B8-4C1F-9D3B-64CD795608A8}" srcOrd="0" destOrd="0" presId="urn:microsoft.com/office/officeart/2005/8/layout/vProcess5"/>
-    <dgm:cxn modelId="{39FDB0B9-C3B4-4EFE-88E3-07EB9803D3E2}" type="presParOf" srcId="{9B2AA086-1859-480C-A6B5-C4E852983355}" destId="{5EC477AC-3687-4683-B662-509B14DEEBC6}" srcOrd="1" destOrd="0" presId="urn:microsoft.com/office/officeart/2005/8/layout/vProcess5"/>
-    <dgm:cxn modelId="{75260331-62DB-43D1-8F9B-9F931E7DD3C2}" type="presParOf" srcId="{9B2AA086-1859-480C-A6B5-C4E852983355}" destId="{44C8EEF1-3331-4104-B6AA-6F639A77D132}" srcOrd="2" destOrd="0" presId="urn:microsoft.com/office/officeart/2005/8/layout/vProcess5"/>
-    <dgm:cxn modelId="{E153B008-997D-4630-8F21-A728673E4868}" type="presParOf" srcId="{9B2AA086-1859-480C-A6B5-C4E852983355}" destId="{D183234B-C53B-4DD7-9231-34B9F846AE59}" srcOrd="3" destOrd="0" presId="urn:microsoft.com/office/officeart/2005/8/layout/vProcess5"/>
-    <dgm:cxn modelId="{0E428936-6632-453F-844C-357DAA846A23}" type="presParOf" srcId="{9B2AA086-1859-480C-A6B5-C4E852983355}" destId="{5EEB5A4C-6F88-4E4A-B8BC-DD54C38B8E67}" srcOrd="4" destOrd="0" presId="urn:microsoft.com/office/officeart/2005/8/layout/vProcess5"/>
-    <dgm:cxn modelId="{5CAF758A-1847-459C-8BBA-EEFF5FEA274A}" type="presParOf" srcId="{9B2AA086-1859-480C-A6B5-C4E852983355}" destId="{EEC3239B-AE97-403A-9A18-691B34438FFA}" srcOrd="5" destOrd="0" presId="urn:microsoft.com/office/officeart/2005/8/layout/vProcess5"/>
-    <dgm:cxn modelId="{FA268328-D0CE-4C31-A2BE-64F71D8EC54B}" type="presParOf" srcId="{9B2AA086-1859-480C-A6B5-C4E852983355}" destId="{857692DD-EAF5-43B3-B823-70865F7D3CA2}" srcOrd="6" destOrd="0" presId="urn:microsoft.com/office/officeart/2005/8/layout/vProcess5"/>
-    <dgm:cxn modelId="{24CDDD16-E3EC-4083-B1A0-5E87D505EFB2}" type="presParOf" srcId="{9B2AA086-1859-480C-A6B5-C4E852983355}" destId="{26EB5018-5F16-44DC-AEA7-AE650C4C196C}" srcOrd="7" destOrd="0" presId="urn:microsoft.com/office/officeart/2005/8/layout/vProcess5"/>
-    <dgm:cxn modelId="{769E28AE-E086-4797-BD55-1C50FD4C3161}" type="presParOf" srcId="{9B2AA086-1859-480C-A6B5-C4E852983355}" destId="{5157CFB9-24F0-4AC0-A96A-5C7E7878B382}" srcOrd="8" destOrd="0" presId="urn:microsoft.com/office/officeart/2005/8/layout/vProcess5"/>
-  </dgm:cxnLst>
-  <dgm:bg/>
-  <dgm:whole/>
-  <dgm:extLst>
-    <a:ext uri="http://schemas.microsoft.com/office/drawing/2008/diagram">
-      <dsp:dataModelExt xmlns:dsp="http://schemas.microsoft.com/office/drawing/2008/diagram" relId="rId7" minVer="http://schemas.openxmlformats.org/drawingml/2006/diagram"/>
-    </a:ext>
-    <a:ext uri="{C62137D5-CB1D-491B-B009-E17868A290BF}">
-      <dgm14:recolorImg xmlns:dgm14="http://schemas.microsoft.com/office/drawing/2010/diagram" val="1"/>
-    </a:ext>
-  </dgm:extLst>
-</dgm:dataModel>
-</file>
-
-<file path=ppt/diagrams/data2.xml><?xml version="1.0" encoding="utf-8"?>
-<dgm:dataModel xmlns:dgm="http://schemas.openxmlformats.org/drawingml/2006/diagram" xmlns:a="http://schemas.openxmlformats.org/drawingml/2006/main">
-  <dgm:ptLst>
     <dgm:pt modelId="{34B15CB4-4242-4FCF-8422-2B92965B551B}" type="doc">
       <dgm:prSet loTypeId="urn:microsoft.com/office/officeart/2008/layout/VerticalCurvedList" loCatId="list" qsTypeId="urn:microsoft.com/office/officeart/2005/8/quickstyle/3d1" qsCatId="3D" csTypeId="urn:microsoft.com/office/officeart/2005/8/colors/colorful3" csCatId="colorful" phldr="1"/>
       <dgm:spPr/>
@@ -3273,7 +2149,7 @@
 </dgm:dataModel>
 </file>
 
-<file path=ppt/diagrams/data3.xml><?xml version="1.0" encoding="utf-8"?>
+<file path=ppt/diagrams/data2.xml><?xml version="1.0" encoding="utf-8"?>
 <dgm:dataModel xmlns:dgm="http://schemas.openxmlformats.org/drawingml/2006/diagram" xmlns:a="http://schemas.openxmlformats.org/drawingml/2006/main">
   <dgm:ptLst>
     <dgm:pt modelId="{CFAF6A0D-B79B-43C9-AAD4-85589291C614}" type="doc">
@@ -3636,515 +2512,6 @@
 </file>
 
 <file path=ppt/diagrams/drawing1.xml><?xml version="1.0" encoding="utf-8"?>
-<dsp:drawing xmlns:dgm="http://schemas.openxmlformats.org/drawingml/2006/diagram" xmlns:dsp="http://schemas.microsoft.com/office/drawing/2008/diagram" xmlns:a="http://schemas.openxmlformats.org/drawingml/2006/main">
-  <dsp:spTree>
-    <dsp:nvGrpSpPr>
-      <dsp:cNvPr id="0" name=""/>
-      <dsp:cNvGrpSpPr/>
-    </dsp:nvGrpSpPr>
-    <dsp:grpSpPr/>
-    <dsp:sp modelId="{5EC477AC-3687-4683-B662-509B14DEEBC6}">
-      <dsp:nvSpPr>
-        <dsp:cNvPr id="0" name=""/>
-        <dsp:cNvSpPr/>
-      </dsp:nvSpPr>
-      <dsp:spPr>
-        <a:xfrm>
-          <a:off x="-160990" y="65863"/>
-          <a:ext cx="7053259" cy="1009405"/>
-        </a:xfrm>
-        <a:prstGeom prst="roundRect">
-          <a:avLst>
-            <a:gd name="adj" fmla="val 10000"/>
-          </a:avLst>
-        </a:prstGeom>
-        <a:solidFill>
-          <a:srgbClr val="61E1FF"/>
-        </a:solidFill>
-        <a:ln>
-          <a:noFill/>
-        </a:ln>
-        <a:effectLst>
-          <a:outerShdw blurRad="38100" dist="25400" dir="5400000" rotWithShape="0">
-            <a:srgbClr val="000000">
-              <a:alpha val="45000"/>
-            </a:srgbClr>
-          </a:outerShdw>
-        </a:effectLst>
-        <a:scene3d>
-          <a:camera prst="orthographicFront"/>
-          <a:lightRig rig="flat" dir="t"/>
-        </a:scene3d>
-        <a:sp3d prstMaterial="plastic">
-          <a:bevelT w="120900" h="88900"/>
-          <a:bevelB w="88900" h="31750" prst="angle"/>
-        </a:sp3d>
-      </dsp:spPr>
-      <dsp:style>
-        <a:lnRef idx="0">
-          <a:scrgbClr r="0" g="0" b="0"/>
-        </a:lnRef>
-        <a:fillRef idx="3">
-          <a:scrgbClr r="0" g="0" b="0"/>
-        </a:fillRef>
-        <a:effectRef idx="2">
-          <a:scrgbClr r="0" g="0" b="0"/>
-        </a:effectRef>
-        <a:fontRef idx="minor">
-          <a:schemeClr val="lt1"/>
-        </a:fontRef>
-      </dsp:style>
-      <dsp:txBody>
-        <a:bodyPr spcFirstLastPara="0" vert="horz" wrap="square" lIns="91440" tIns="91440" rIns="91440" bIns="91440" numCol="1" spcCol="1270" anchor="ctr" anchorCtr="0">
-          <a:noAutofit/>
-        </a:bodyPr>
-        <a:lstStyle/>
-        <a:p>
-          <a:pPr lvl="0" algn="l" defTabSz="1066800">
-            <a:lnSpc>
-              <a:spcPct val="90000"/>
-            </a:lnSpc>
-            <a:spcBef>
-              <a:spcPct val="0"/>
-            </a:spcBef>
-            <a:spcAft>
-              <a:spcPct val="35000"/>
-            </a:spcAft>
-          </a:pPr>
-          <a:r>
-            <a:rPr lang="en-US" sz="2400" b="0" kern="1200" dirty="0" smtClean="0">
-              <a:solidFill>
-                <a:schemeClr val="tx1"/>
-              </a:solidFill>
-              <a:latin typeface="Calibri" panose="020F0502020204030204" pitchFamily="34" charset="0"/>
-              <a:cs typeface="Calibri" panose="020F0502020204030204" pitchFamily="34" charset="0"/>
-            </a:rPr>
-            <a:t>Dữ liệu là thành phần quan trọng trong thời đại công nghệ 4.0</a:t>
-          </a:r>
-          <a:endParaRPr lang="en-US" sz="2400" b="0" kern="1200" dirty="0">
-            <a:solidFill>
-              <a:schemeClr val="tx1"/>
-            </a:solidFill>
-            <a:latin typeface="Calibri" panose="020F0502020204030204" pitchFamily="34" charset="0"/>
-            <a:cs typeface="Calibri" panose="020F0502020204030204" pitchFamily="34" charset="0"/>
-          </a:endParaRPr>
-        </a:p>
-      </dsp:txBody>
-      <dsp:txXfrm>
-        <a:off x="-131426" y="95427"/>
-        <a:ext cx="5325470" cy="950277"/>
-      </dsp:txXfrm>
-    </dsp:sp>
-    <dsp:sp modelId="{44C8EEF1-3331-4104-B6AA-6F639A77D132}">
-      <dsp:nvSpPr>
-        <dsp:cNvPr id="0" name=""/>
-        <dsp:cNvSpPr/>
-      </dsp:nvSpPr>
-      <dsp:spPr>
-        <a:xfrm>
-          <a:off x="113594" y="1253068"/>
-          <a:ext cx="7680928" cy="2313462"/>
-        </a:xfrm>
-        <a:prstGeom prst="roundRect">
-          <a:avLst>
-            <a:gd name="adj" fmla="val 10000"/>
-          </a:avLst>
-        </a:prstGeom>
-        <a:solidFill>
-          <a:srgbClr val="61E1FF"/>
-        </a:solidFill>
-        <a:ln>
-          <a:noFill/>
-        </a:ln>
-        <a:effectLst>
-          <a:outerShdw blurRad="38100" dist="25400" dir="5400000" rotWithShape="0">
-            <a:srgbClr val="000000">
-              <a:alpha val="45000"/>
-            </a:srgbClr>
-          </a:outerShdw>
-        </a:effectLst>
-        <a:scene3d>
-          <a:camera prst="orthographicFront"/>
-          <a:lightRig rig="flat" dir="t"/>
-        </a:scene3d>
-        <a:sp3d prstMaterial="plastic">
-          <a:bevelT w="120900" h="88900"/>
-          <a:bevelB w="88900" h="31750" prst="angle"/>
-        </a:sp3d>
-      </dsp:spPr>
-      <dsp:style>
-        <a:lnRef idx="0">
-          <a:scrgbClr r="0" g="0" b="0"/>
-        </a:lnRef>
-        <a:fillRef idx="3">
-          <a:scrgbClr r="0" g="0" b="0"/>
-        </a:fillRef>
-        <a:effectRef idx="2">
-          <a:scrgbClr r="0" g="0" b="0"/>
-        </a:effectRef>
-        <a:fontRef idx="minor">
-          <a:schemeClr val="lt1"/>
-        </a:fontRef>
-      </dsp:style>
-      <dsp:txBody>
-        <a:bodyPr spcFirstLastPara="0" vert="horz" wrap="square" lIns="91440" tIns="91440" rIns="91440" bIns="91440" numCol="1" spcCol="1270" anchor="ctr" anchorCtr="0">
-          <a:noAutofit/>
-        </a:bodyPr>
-        <a:lstStyle/>
-        <a:p>
-          <a:pPr lvl="0" algn="l" defTabSz="1066800">
-            <a:lnSpc>
-              <a:spcPct val="90000"/>
-            </a:lnSpc>
-            <a:spcBef>
-              <a:spcPct val="0"/>
-            </a:spcBef>
-            <a:spcAft>
-              <a:spcPct val="35000"/>
-            </a:spcAft>
-          </a:pPr>
-          <a:r>
-            <a:rPr lang="en-US" sz="2400" b="0" i="0" kern="1200" dirty="0" smtClean="0">
-              <a:solidFill>
-                <a:schemeClr val="tx1"/>
-              </a:solidFill>
-              <a:latin typeface="Calibri" panose="020F0502020204030204" pitchFamily="34" charset="0"/>
-              <a:cs typeface="Calibri" panose="020F0502020204030204" pitchFamily="34" charset="0"/>
-            </a:rPr>
-            <a:t>- Các ứng dụng FB, Google, tiktok,... Vẫn đang thu thập dữ liệu của người dùng hàng ngày.</a:t>
-          </a:r>
-        </a:p>
-        <a:p>
-          <a:pPr lvl="0" algn="l" defTabSz="1066800">
-            <a:lnSpc>
-              <a:spcPct val="90000"/>
-            </a:lnSpc>
-            <a:spcBef>
-              <a:spcPct val="0"/>
-            </a:spcBef>
-            <a:spcAft>
-              <a:spcPct val="35000"/>
-            </a:spcAft>
-          </a:pPr>
-          <a:r>
-            <a:rPr lang="en-US" sz="2400" b="0" i="0" kern="1200" dirty="0" smtClean="0">
-              <a:solidFill>
-                <a:schemeClr val="tx1"/>
-              </a:solidFill>
-              <a:latin typeface="Calibri" panose="020F0502020204030204" pitchFamily="34" charset="0"/>
-              <a:cs typeface="Calibri" panose="020F0502020204030204" pitchFamily="34" charset="0"/>
-            </a:rPr>
-            <a:t>- Mỹ cảnh báo đồng minh về vấn đề bảo mật của Huawei.</a:t>
-          </a:r>
-        </a:p>
-        <a:p>
-          <a:pPr lvl="0" algn="l" defTabSz="1066800">
-            <a:lnSpc>
-              <a:spcPct val="90000"/>
-            </a:lnSpc>
-            <a:spcBef>
-              <a:spcPct val="0"/>
-            </a:spcBef>
-            <a:spcAft>
-              <a:spcPct val="35000"/>
-            </a:spcAft>
-          </a:pPr>
-          <a:r>
-            <a:rPr lang="en-US" sz="2400" b="0" i="0" kern="1200" dirty="0" smtClean="0">
-              <a:solidFill>
-                <a:schemeClr val="tx1"/>
-              </a:solidFill>
-              <a:latin typeface="Calibri" panose="020F0502020204030204" pitchFamily="34" charset="0"/>
-              <a:cs typeface="Calibri" panose="020F0502020204030204" pitchFamily="34" charset="0"/>
-            </a:rPr>
-            <a:t>-Các gián điệp trong các công ty, trường học.</a:t>
-          </a:r>
-          <a:endParaRPr lang="en-US" sz="2400" b="0" kern="1200" dirty="0">
-            <a:solidFill>
-              <a:schemeClr val="tx1"/>
-            </a:solidFill>
-            <a:latin typeface="Calibri" panose="020F0502020204030204" pitchFamily="34" charset="0"/>
-            <a:cs typeface="Calibri" panose="020F0502020204030204" pitchFamily="34" charset="0"/>
-          </a:endParaRPr>
-        </a:p>
-      </dsp:txBody>
-      <dsp:txXfrm>
-        <a:off x="181353" y="1320827"/>
-        <a:ext cx="5710258" cy="2177944"/>
-      </dsp:txXfrm>
-    </dsp:sp>
-    <dsp:sp modelId="{D183234B-C53B-4DD7-9231-34B9F846AE59}">
-      <dsp:nvSpPr>
-        <dsp:cNvPr id="0" name=""/>
-        <dsp:cNvSpPr/>
-      </dsp:nvSpPr>
-      <dsp:spPr>
-        <a:xfrm>
-          <a:off x="563524" y="3798036"/>
-          <a:ext cx="7764650" cy="820170"/>
-        </a:xfrm>
-        <a:prstGeom prst="roundRect">
-          <a:avLst>
-            <a:gd name="adj" fmla="val 10000"/>
-          </a:avLst>
-        </a:prstGeom>
-        <a:solidFill>
-          <a:srgbClr val="61E1FF"/>
-        </a:solidFill>
-        <a:ln>
-          <a:noFill/>
-        </a:ln>
-        <a:effectLst>
-          <a:outerShdw blurRad="38100" dist="25400" dir="5400000" rotWithShape="0">
-            <a:srgbClr val="000000">
-              <a:alpha val="45000"/>
-            </a:srgbClr>
-          </a:outerShdw>
-        </a:effectLst>
-        <a:scene3d>
-          <a:camera prst="orthographicFront"/>
-          <a:lightRig rig="flat" dir="t"/>
-        </a:scene3d>
-        <a:sp3d prstMaterial="plastic">
-          <a:bevelT w="120900" h="88900"/>
-          <a:bevelB w="88900" h="31750" prst="angle"/>
-        </a:sp3d>
-      </dsp:spPr>
-      <dsp:style>
-        <a:lnRef idx="0">
-          <a:scrgbClr r="0" g="0" b="0"/>
-        </a:lnRef>
-        <a:fillRef idx="3">
-          <a:scrgbClr r="0" g="0" b="0"/>
-        </a:fillRef>
-        <a:effectRef idx="2">
-          <a:scrgbClr r="0" g="0" b="0"/>
-        </a:effectRef>
-        <a:fontRef idx="minor">
-          <a:schemeClr val="lt1"/>
-        </a:fontRef>
-      </dsp:style>
-      <dsp:txBody>
-        <a:bodyPr spcFirstLastPara="0" vert="horz" wrap="square" lIns="91440" tIns="91440" rIns="91440" bIns="91440" numCol="1" spcCol="1270" anchor="ctr" anchorCtr="0">
-          <a:noAutofit/>
-        </a:bodyPr>
-        <a:lstStyle/>
-        <a:p>
-          <a:pPr lvl="0" algn="l" defTabSz="1066800">
-            <a:lnSpc>
-              <a:spcPct val="90000"/>
-            </a:lnSpc>
-            <a:spcBef>
-              <a:spcPct val="0"/>
-            </a:spcBef>
-            <a:spcAft>
-              <a:spcPct val="35000"/>
-            </a:spcAft>
-          </a:pPr>
-          <a:r>
-            <a:rPr lang="en-US" sz="2400" b="0" i="0" kern="1200" dirty="0" smtClean="0">
-              <a:solidFill>
-                <a:schemeClr val="tx1"/>
-              </a:solidFill>
-              <a:latin typeface="Calibri" panose="020F0502020204030204" pitchFamily="34" charset="0"/>
-              <a:cs typeface="Calibri" panose="020F0502020204030204" pitchFamily="34" charset="0"/>
-            </a:rPr>
-            <a:t>Đề tài cung cấp một góc nhìn mới trong việc kiểm tra độ an toàn của hệ thống mạng.</a:t>
-          </a:r>
-        </a:p>
-      </dsp:txBody>
-      <dsp:txXfrm>
-        <a:off x="587546" y="3822058"/>
-        <a:ext cx="5861451" cy="772126"/>
-      </dsp:txXfrm>
-    </dsp:sp>
-    <dsp:sp modelId="{5EEB5A4C-6F88-4E4A-B8BC-DD54C38B8E67}">
-      <dsp:nvSpPr>
-        <dsp:cNvPr id="0" name=""/>
-        <dsp:cNvSpPr/>
-      </dsp:nvSpPr>
-      <dsp:spPr>
-        <a:xfrm>
-          <a:off x="5770236" y="740456"/>
-          <a:ext cx="1062841" cy="1062841"/>
-        </a:xfrm>
-        <a:prstGeom prst="downArrow">
-          <a:avLst>
-            <a:gd name="adj1" fmla="val 55000"/>
-            <a:gd name="adj2" fmla="val 45000"/>
-          </a:avLst>
-        </a:prstGeom>
-        <a:solidFill>
-          <a:schemeClr val="accent3">
-            <a:alpha val="90000"/>
-            <a:tint val="40000"/>
-            <a:hueOff val="0"/>
-            <a:satOff val="0"/>
-            <a:lumOff val="0"/>
-            <a:alphaOff val="0"/>
-          </a:schemeClr>
-        </a:solidFill>
-        <a:ln w="10000" cap="flat" cmpd="sng" algn="ctr">
-          <a:solidFill>
-            <a:schemeClr val="accent3">
-              <a:alpha val="90000"/>
-              <a:tint val="40000"/>
-              <a:hueOff val="0"/>
-              <a:satOff val="0"/>
-              <a:lumOff val="0"/>
-              <a:alphaOff val="0"/>
-            </a:schemeClr>
-          </a:solidFill>
-          <a:prstDash val="solid"/>
-        </a:ln>
-        <a:effectLst>
-          <a:outerShdw blurRad="38100" dist="25400" dir="5400000" rotWithShape="0">
-            <a:srgbClr val="000000">
-              <a:alpha val="45000"/>
-            </a:srgbClr>
-          </a:outerShdw>
-        </a:effectLst>
-        <a:scene3d>
-          <a:camera prst="orthographicFront"/>
-          <a:lightRig rig="flat" dir="t"/>
-        </a:scene3d>
-        <a:sp3d z="190500" extrusionH="12700" prstMaterial="plastic">
-          <a:bevelT w="50800" h="50800"/>
-        </a:sp3d>
-      </dsp:spPr>
-      <dsp:style>
-        <a:lnRef idx="1">
-          <a:scrgbClr r="0" g="0" b="0"/>
-        </a:lnRef>
-        <a:fillRef idx="1">
-          <a:scrgbClr r="0" g="0" b="0"/>
-        </a:fillRef>
-        <a:effectRef idx="2">
-          <a:scrgbClr r="0" g="0" b="0"/>
-        </a:effectRef>
-        <a:fontRef idx="minor"/>
-      </dsp:style>
-      <dsp:txBody>
-        <a:bodyPr spcFirstLastPara="0" vert="horz" wrap="square" lIns="45720" tIns="45720" rIns="45720" bIns="45720" numCol="1" spcCol="1270" anchor="ctr" anchorCtr="0">
-          <a:noAutofit/>
-        </a:bodyPr>
-        <a:lstStyle/>
-        <a:p>
-          <a:pPr lvl="0" algn="ctr" defTabSz="1600200">
-            <a:lnSpc>
-              <a:spcPct val="90000"/>
-            </a:lnSpc>
-            <a:spcBef>
-              <a:spcPct val="0"/>
-            </a:spcBef>
-            <a:spcAft>
-              <a:spcPct val="35000"/>
-            </a:spcAft>
-          </a:pPr>
-          <a:endParaRPr lang="en-US" sz="3600" kern="1200"/>
-        </a:p>
-      </dsp:txBody>
-      <dsp:txXfrm>
-        <a:off x="6009375" y="740456"/>
-        <a:ext cx="584563" cy="799788"/>
-      </dsp:txXfrm>
-    </dsp:sp>
-    <dsp:sp modelId="{EEC3239B-AE97-403A-9A18-691B34438FFA}">
-      <dsp:nvSpPr>
-        <dsp:cNvPr id="0" name=""/>
-        <dsp:cNvSpPr/>
-      </dsp:nvSpPr>
-      <dsp:spPr>
-        <a:xfrm>
-          <a:off x="6434916" y="3382282"/>
-          <a:ext cx="1062841" cy="1062841"/>
-        </a:xfrm>
-        <a:prstGeom prst="downArrow">
-          <a:avLst>
-            <a:gd name="adj1" fmla="val 55000"/>
-            <a:gd name="adj2" fmla="val 45000"/>
-          </a:avLst>
-        </a:prstGeom>
-        <a:solidFill>
-          <a:schemeClr val="accent3">
-            <a:alpha val="90000"/>
-            <a:tint val="40000"/>
-            <a:hueOff val="0"/>
-            <a:satOff val="0"/>
-            <a:lumOff val="0"/>
-            <a:alphaOff val="0"/>
-          </a:schemeClr>
-        </a:solidFill>
-        <a:ln w="10000" cap="flat" cmpd="sng" algn="ctr">
-          <a:solidFill>
-            <a:schemeClr val="accent3">
-              <a:alpha val="90000"/>
-              <a:tint val="40000"/>
-              <a:hueOff val="0"/>
-              <a:satOff val="0"/>
-              <a:lumOff val="0"/>
-              <a:alphaOff val="0"/>
-            </a:schemeClr>
-          </a:solidFill>
-          <a:prstDash val="solid"/>
-        </a:ln>
-        <a:effectLst>
-          <a:outerShdw blurRad="38100" dist="25400" dir="5400000" rotWithShape="0">
-            <a:srgbClr val="000000">
-              <a:alpha val="45000"/>
-            </a:srgbClr>
-          </a:outerShdw>
-        </a:effectLst>
-        <a:scene3d>
-          <a:camera prst="orthographicFront"/>
-          <a:lightRig rig="flat" dir="t"/>
-        </a:scene3d>
-        <a:sp3d z="190500" extrusionH="12700" prstMaterial="plastic">
-          <a:bevelT w="50800" h="50800"/>
-        </a:sp3d>
-      </dsp:spPr>
-      <dsp:style>
-        <a:lnRef idx="1">
-          <a:scrgbClr r="0" g="0" b="0"/>
-        </a:lnRef>
-        <a:fillRef idx="1">
-          <a:scrgbClr r="0" g="0" b="0"/>
-        </a:fillRef>
-        <a:effectRef idx="2">
-          <a:scrgbClr r="0" g="0" b="0"/>
-        </a:effectRef>
-        <a:fontRef idx="minor"/>
-      </dsp:style>
-      <dsp:txBody>
-        <a:bodyPr spcFirstLastPara="0" vert="horz" wrap="square" lIns="45720" tIns="45720" rIns="45720" bIns="45720" numCol="1" spcCol="1270" anchor="ctr" anchorCtr="0">
-          <a:noAutofit/>
-        </a:bodyPr>
-        <a:lstStyle/>
-        <a:p>
-          <a:pPr lvl="0" algn="ctr" defTabSz="1600200">
-            <a:lnSpc>
-              <a:spcPct val="90000"/>
-            </a:lnSpc>
-            <a:spcBef>
-              <a:spcPct val="0"/>
-            </a:spcBef>
-            <a:spcAft>
-              <a:spcPct val="35000"/>
-            </a:spcAft>
-          </a:pPr>
-          <a:endParaRPr lang="en-US" sz="3600" kern="1200"/>
-        </a:p>
-      </dsp:txBody>
-      <dsp:txXfrm>
-        <a:off x="6674055" y="3382282"/>
-        <a:ext cx="584563" cy="799788"/>
-      </dsp:txXfrm>
-    </dsp:sp>
-  </dsp:spTree>
-</dsp:drawing>
-</file>
-
-<file path=ppt/diagrams/drawing2.xml><?xml version="1.0" encoding="utf-8"?>
 <dsp:drawing xmlns:dgm="http://schemas.openxmlformats.org/drawingml/2006/diagram" xmlns:dsp="http://schemas.microsoft.com/office/drawing/2008/diagram" xmlns:a="http://schemas.openxmlformats.org/drawingml/2006/main">
   <dsp:spTree>
     <dsp:nvGrpSpPr>
@@ -4800,7 +3167,7 @@
 </dsp:drawing>
 </file>
 
-<file path=ppt/diagrams/drawing3.xml><?xml version="1.0" encoding="utf-8"?>
+<file path=ppt/diagrams/drawing2.xml><?xml version="1.0" encoding="utf-8"?>
 <dsp:drawing xmlns:dgm="http://schemas.openxmlformats.org/drawingml/2006/diagram" xmlns:dsp="http://schemas.microsoft.com/office/drawing/2008/diagram" xmlns:a="http://schemas.openxmlformats.org/drawingml/2006/main">
   <dsp:spTree>
     <dsp:nvGrpSpPr>
@@ -5300,1232 +3667,6 @@
 </file>
 
 <file path=ppt/diagrams/layout1.xml><?xml version="1.0" encoding="utf-8"?>
-<dgm:layoutDef xmlns:dgm="http://schemas.openxmlformats.org/drawingml/2006/diagram" xmlns:a="http://schemas.openxmlformats.org/drawingml/2006/main" uniqueId="urn:microsoft.com/office/officeart/2005/8/layout/vProcess5">
-  <dgm:title val=""/>
-  <dgm:desc val=""/>
-  <dgm:catLst>
-    <dgm:cat type="process" pri="14000"/>
-  </dgm:catLst>
-  <dgm:sampData>
-    <dgm:dataModel>
-      <dgm:ptLst>
-        <dgm:pt modelId="0" type="doc"/>
-        <dgm:pt modelId="1">
-          <dgm:prSet phldr="1"/>
-        </dgm:pt>
-        <dgm:pt modelId="2">
-          <dgm:prSet phldr="1"/>
-        </dgm:pt>
-        <dgm:pt modelId="3">
-          <dgm:prSet phldr="1"/>
-        </dgm:pt>
-      </dgm:ptLst>
-      <dgm:cxnLst>
-        <dgm:cxn modelId="5" srcId="0" destId="1" srcOrd="0" destOrd="0"/>
-        <dgm:cxn modelId="6" srcId="0" destId="2" srcOrd="1" destOrd="0"/>
-        <dgm:cxn modelId="7" srcId="0" destId="3" srcOrd="2" destOrd="0"/>
-      </dgm:cxnLst>
-      <dgm:bg/>
-      <dgm:whole/>
-    </dgm:dataModel>
-  </dgm:sampData>
-  <dgm:styleData>
-    <dgm:dataModel>
-      <dgm:ptLst>
-        <dgm:pt modelId="0" type="doc"/>
-        <dgm:pt modelId="1"/>
-        <dgm:pt modelId="2"/>
-      </dgm:ptLst>
-      <dgm:cxnLst>
-        <dgm:cxn modelId="3" srcId="0" destId="1" srcOrd="0" destOrd="0"/>
-        <dgm:cxn modelId="4" srcId="0" destId="2" srcOrd="1" destOrd="0"/>
-      </dgm:cxnLst>
-      <dgm:bg/>
-      <dgm:whole/>
-    </dgm:dataModel>
-  </dgm:styleData>
-  <dgm:clrData>
-    <dgm:dataModel>
-      <dgm:ptLst>
-        <dgm:pt modelId="0" type="doc"/>
-        <dgm:pt modelId="1"/>
-        <dgm:pt modelId="2"/>
-        <dgm:pt modelId="3"/>
-        <dgm:pt modelId="4"/>
-      </dgm:ptLst>
-      <dgm:cxnLst>
-        <dgm:cxn modelId="6" srcId="0" destId="1" srcOrd="0" destOrd="0"/>
-        <dgm:cxn modelId="7" srcId="0" destId="2" srcOrd="1" destOrd="0"/>
-        <dgm:cxn modelId="8" srcId="0" destId="3" srcOrd="2" destOrd="0"/>
-        <dgm:cxn modelId="9" srcId="0" destId="4" srcOrd="3" destOrd="0"/>
-      </dgm:cxnLst>
-      <dgm:bg/>
-      <dgm:whole/>
-    </dgm:dataModel>
-  </dgm:clrData>
-  <dgm:layoutNode name="outerComposite">
-    <dgm:varLst>
-      <dgm:chMax val="5"/>
-      <dgm:dir/>
-      <dgm:resizeHandles val="exact"/>
-    </dgm:varLst>
-    <dgm:alg type="composite"/>
-    <dgm:shape xmlns:r="http://schemas.openxmlformats.org/officeDocument/2006/relationships" r:blip="">
-      <dgm:adjLst/>
-    </dgm:shape>
-    <dgm:presOf/>
-    <dgm:choose name="Name0">
-      <dgm:if name="Name1" func="var" arg="dir" op="equ" val="norm">
-        <dgm:constrLst>
-          <dgm:constr type="primFontSz" for="ch" ptType="node" op="equ" val="65"/>
-          <dgm:constr type="w" for="ch" forName="dummyMaxCanvas" refType="w"/>
-          <dgm:constr type="h" for="ch" forName="dummyMaxCanvas" refType="h"/>
-          <dgm:constr type="w" for="ch" forName="OneNode_1" refType="w"/>
-          <dgm:constr type="h" for="ch" forName="OneNode_1" refType="h" fact="0.5"/>
-          <dgm:constr type="ctrY" for="ch" forName="OneNode_1" refType="h" fact="0.5"/>
-          <dgm:constr type="w" for="ch" forName="TwoNodes_1" refType="w" fact="0.85"/>
-          <dgm:constr type="h" for="ch" forName="TwoNodes_1" refType="h" fact="0.45"/>
-          <dgm:constr type="t" for="ch" forName="TwoNodes_1"/>
-          <dgm:constr type="l" for="ch" forName="TwoNodes_1"/>
-          <dgm:constr type="w" for="ch" forName="TwoNodes_2" refType="w" fact="0.85"/>
-          <dgm:constr type="h" for="ch" forName="TwoNodes_2" refType="h" fact="0.45"/>
-          <dgm:constr type="b" for="ch" forName="TwoNodes_2" refType="h"/>
-          <dgm:constr type="r" for="ch" forName="TwoNodes_2" refType="w"/>
-          <dgm:constr type="w" for="ch" forName="TwoConn_1-2" refType="h" refFor="ch" refForName="TwoNodes_1" fact="0.65"/>
-          <dgm:constr type="h" for="ch" forName="TwoConn_1-2" refType="h" refFor="ch" refForName="TwoNodes_1" fact="0.65"/>
-          <dgm:constr type="ctrY" for="ch" forName="TwoConn_1-2" refType="h" fact="0.5"/>
-          <dgm:constr type="r" for="ch" forName="TwoConn_1-2" refType="r" refFor="ch" refForName="TwoNodes_1"/>
-          <dgm:constr type="r" for="ch" forName="TwoNodes_1_text" refType="l" refFor="ch" refForName="TwoConn_1-2"/>
-          <dgm:constr type="rOff" for="ch" forName="TwoNodes_1_text" refType="w" refFor="ch" refForName="TwoConn_1-2" fact="-0.5"/>
-          <dgm:constr type="t" for="ch" forName="TwoNodes_1_text" refType="t" refFor="ch" refForName="TwoNodes_1"/>
-          <dgm:constr type="b" for="ch" forName="TwoNodes_1_text" refType="b" refFor="ch" refForName="TwoNodes_1"/>
-          <dgm:constr type="l" for="ch" forName="TwoNodes_1_text" refType="l" refFor="ch" refForName="TwoNodes_1"/>
-          <dgm:constr type="r" for="ch" forName="TwoNodes_2_text" refType="l" refFor="ch" refForName="TwoConn_1-2"/>
-          <dgm:constr type="t" for="ch" forName="TwoNodes_2_text" refType="t" refFor="ch" refForName="TwoNodes_2"/>
-          <dgm:constr type="b" for="ch" forName="TwoNodes_2_text" refType="b" refFor="ch" refForName="TwoNodes_2"/>
-          <dgm:constr type="l" for="ch" forName="TwoNodes_2_text" refType="l" refFor="ch" refForName="TwoNodes_2"/>
-          <dgm:constr type="w" for="ch" forName="ThreeNodes_1" refType="w" fact="0.85"/>
-          <dgm:constr type="h" for="ch" forName="ThreeNodes_1" refType="h" fact="0.3"/>
-          <dgm:constr type="t" for="ch" forName="ThreeNodes_1"/>
-          <dgm:constr type="l" for="ch" forName="ThreeNodes_1"/>
-          <dgm:constr type="w" for="ch" forName="ThreeNodes_2" refType="w" fact="0.85"/>
-          <dgm:constr type="h" for="ch" forName="ThreeNodes_2" refType="h" fact="0.3"/>
-          <dgm:constr type="ctrY" for="ch" forName="ThreeNodes_2" refType="h" fact="0.5"/>
-          <dgm:constr type="ctrX" for="ch" forName="ThreeNodes_2" refType="w" fact="0.5"/>
-          <dgm:constr type="w" for="ch" forName="ThreeNodes_3" refType="w" fact="0.85"/>
-          <dgm:constr type="h" for="ch" forName="ThreeNodes_3" refType="h" fact="0.3"/>
-          <dgm:constr type="b" for="ch" forName="ThreeNodes_3" refType="h"/>
-          <dgm:constr type="r" for="ch" forName="ThreeNodes_3" refType="w"/>
-          <dgm:constr type="w" for="ch" forName="ThreeConn_1-2" refType="h" refFor="ch" refForName="ThreeNodes_1" fact="0.65"/>
-          <dgm:constr type="h" for="ch" forName="ThreeConn_1-2" refType="h" refFor="ch" refForName="ThreeNodes_1" fact="0.65"/>
-          <dgm:constr type="ctrY" for="ch" forName="ThreeConn_1-2" refType="h" fact="0.325"/>
-          <dgm:constr type="r" for="ch" forName="ThreeConn_1-2" refType="r" refFor="ch" refForName="ThreeNodes_1"/>
-          <dgm:constr type="w" for="ch" forName="ThreeConn_2-3" refType="h" refFor="ch" refForName="ThreeNodes_2" fact="0.65"/>
-          <dgm:constr type="h" for="ch" forName="ThreeConn_2-3" refType="h" refFor="ch" refForName="ThreeNodes_2" fact="0.65"/>
-          <dgm:constr type="ctrY" for="ch" forName="ThreeConn_2-3" refType="h" fact="0.673"/>
-          <dgm:constr type="r" for="ch" forName="ThreeConn_2-3" refType="r" refFor="ch" refForName="ThreeNodes_2"/>
-          <dgm:constr type="r" for="ch" forName="ThreeNodes_1_text" refType="l" refFor="ch" refForName="ThreeConn_1-2"/>
-          <dgm:constr type="rOff" for="ch" forName="ThreeNodes_1_text" refType="w" refFor="ch" refForName="ThreeConn_1-2" fact="-0.57"/>
-          <dgm:constr type="t" for="ch" forName="ThreeNodes_1_text" refType="t" refFor="ch" refForName="ThreeNodes_1"/>
-          <dgm:constr type="b" for="ch" forName="ThreeNodes_1_text" refType="b" refFor="ch" refForName="ThreeNodes_1"/>
-          <dgm:constr type="l" for="ch" forName="ThreeNodes_1_text" refType="l" refFor="ch" refForName="ThreeNodes_1"/>
-          <dgm:constr type="r" for="ch" forName="ThreeNodes_2_text" refType="l" refFor="ch" refForName="ThreeConn_1-2"/>
-          <dgm:constr type="t" for="ch" forName="ThreeNodes_2_text" refType="t" refFor="ch" refForName="ThreeNodes_2"/>
-          <dgm:constr type="b" for="ch" forName="ThreeNodes_2_text" refType="b" refFor="ch" refForName="ThreeNodes_2"/>
-          <dgm:constr type="l" for="ch" forName="ThreeNodes_2_text" refType="l" refFor="ch" refForName="ThreeNodes_2"/>
-          <dgm:constr type="r" for="ch" forName="ThreeNodes_3_text" refType="l" refFor="ch" refForName="ThreeConn_2-3"/>
-          <dgm:constr type="t" for="ch" forName="ThreeNodes_3_text" refType="t" refFor="ch" refForName="ThreeNodes_3"/>
-          <dgm:constr type="b" for="ch" forName="ThreeNodes_3_text" refType="b" refFor="ch" refForName="ThreeNodes_3"/>
-          <dgm:constr type="l" for="ch" forName="ThreeNodes_3_text" refType="l" refFor="ch" refForName="ThreeNodes_3"/>
-          <dgm:constr type="w" for="ch" forName="FourNodes_1" refType="w" fact="0.8"/>
-          <dgm:constr type="h" for="ch" forName="FourNodes_1" refType="h" fact="0.22"/>
-          <dgm:constr type="t" for="ch" forName="FourNodes_1"/>
-          <dgm:constr type="l" for="ch" forName="FourNodes_1"/>
-          <dgm:constr type="w" for="ch" forName="FourNodes_2" refType="w" fact="0.8"/>
-          <dgm:constr type="h" for="ch" forName="FourNodes_2" refType="h" fact="0.22"/>
-          <dgm:constr type="ctrY" for="ch" forName="FourNodes_2" refType="h" fact="0.37"/>
-          <dgm:constr type="ctrX" for="ch" forName="FourNodes_2" refType="w" fact="0.467"/>
-          <dgm:constr type="w" for="ch" forName="FourNodes_3" refType="w" fact="0.8"/>
-          <dgm:constr type="h" for="ch" forName="FourNodes_3" refType="h" fact="0.22"/>
-          <dgm:constr type="ctrY" for="ch" forName="FourNodes_3" refType="h" fact="0.63"/>
-          <dgm:constr type="ctrX" for="ch" forName="FourNodes_3" refType="w" fact="0.533"/>
-          <dgm:constr type="w" for="ch" forName="FourNodes_4" refType="w" fact="0.8"/>
-          <dgm:constr type="h" for="ch" forName="FourNodes_4" refType="h" fact="0.22"/>
-          <dgm:constr type="b" for="ch" forName="FourNodes_4" refType="h"/>
-          <dgm:constr type="r" for="ch" forName="FourNodes_4" refType="w"/>
-          <dgm:constr type="w" for="ch" forName="FourConn_1-2" refType="h" refFor="ch" refForName="FourNodes_1" fact="0.65"/>
-          <dgm:constr type="h" for="ch" forName="FourConn_1-2" refType="h" refFor="ch" refForName="FourNodes_1" fact="0.65"/>
-          <dgm:constr type="ctrY" for="ch" forName="FourConn_1-2" refType="h" fact="0.24"/>
-          <dgm:constr type="r" for="ch" forName="FourConn_1-2" refType="r" refFor="ch" refForName="FourNodes_1"/>
-          <dgm:constr type="w" for="ch" forName="FourConn_2-3" refType="h" refFor="ch" refForName="FourNodes_2" fact="0.65"/>
-          <dgm:constr type="h" for="ch" forName="FourConn_2-3" refType="h" refFor="ch" refForName="FourNodes_2" fact="0.65"/>
-          <dgm:constr type="ctrY" for="ch" forName="FourConn_2-3" refType="h" fact="0.5"/>
-          <dgm:constr type="r" for="ch" forName="FourConn_2-3" refType="r" refFor="ch" refForName="FourNodes_2"/>
-          <dgm:constr type="w" for="ch" forName="FourConn_3-4" refType="h" refFor="ch" refForName="FourNodes_3" fact="0.65"/>
-          <dgm:constr type="h" for="ch" forName="FourConn_3-4" refType="h" refFor="ch" refForName="FourNodes_3" fact="0.65"/>
-          <dgm:constr type="ctrY" for="ch" forName="FourConn_3-4" refType="h" fact="0.76"/>
-          <dgm:constr type="r" for="ch" forName="FourConn_3-4" refType="r" refFor="ch" refForName="FourNodes_3"/>
-          <dgm:constr type="r" for="ch" forName="FourNodes_1_text" refType="l" refFor="ch" refForName="FourConn_1-2"/>
-          <dgm:constr type="rOff" for="ch" forName="FourNodes_1_text" refType="w" refFor="ch" refForName="FourConn_1-2" fact="-0.7"/>
-          <dgm:constr type="t" for="ch" forName="FourNodes_1_text" refType="t" refFor="ch" refForName="FourNodes_1"/>
-          <dgm:constr type="b" for="ch" forName="FourNodes_1_text" refType="b" refFor="ch" refForName="FourNodes_1"/>
-          <dgm:constr type="l" for="ch" forName="FourNodes_1_text" refType="l" refFor="ch" refForName="FourNodes_1"/>
-          <dgm:constr type="r" for="ch" forName="FourNodes_2_text" refType="l" refFor="ch" refForName="FourConn_1-2"/>
-          <dgm:constr type="t" for="ch" forName="FourNodes_2_text" refType="t" refFor="ch" refForName="FourNodes_2"/>
-          <dgm:constr type="b" for="ch" forName="FourNodes_2_text" refType="b" refFor="ch" refForName="FourNodes_2"/>
-          <dgm:constr type="l" for="ch" forName="FourNodes_2_text" refType="l" refFor="ch" refForName="FourNodes_2"/>
-          <dgm:constr type="r" for="ch" forName="FourNodes_3_text" refType="l" refFor="ch" refForName="FourConn_2-3"/>
-          <dgm:constr type="t" for="ch" forName="FourNodes_3_text" refType="t" refFor="ch" refForName="FourNodes_3"/>
-          <dgm:constr type="b" for="ch" forName="FourNodes_3_text" refType="b" refFor="ch" refForName="FourNodes_3"/>
-          <dgm:constr type="l" for="ch" forName="FourNodes_3_text" refType="l" refFor="ch" refForName="FourNodes_3"/>
-          <dgm:constr type="r" for="ch" forName="FourNodes_4_text" refType="l" refFor="ch" refForName="FourConn_3-4"/>
-          <dgm:constr type="t" for="ch" forName="FourNodes_4_text" refType="t" refFor="ch" refForName="FourNodes_4"/>
-          <dgm:constr type="b" for="ch" forName="FourNodes_4_text" refType="b" refFor="ch" refForName="FourNodes_4"/>
-          <dgm:constr type="l" for="ch" forName="FourNodes_4_text" refType="l" refFor="ch" refForName="FourNodes_4"/>
-          <dgm:constr type="w" for="ch" forName="FiveNodes_1" refType="w" fact="0.77"/>
-          <dgm:constr type="h" for="ch" forName="FiveNodes_1" refType="h" fact="0.18"/>
-          <dgm:constr type="t" for="ch" forName="FiveNodes_1"/>
-          <dgm:constr type="l" for="ch" forName="FiveNodes_1"/>
-          <dgm:constr type="w" for="ch" forName="FiveNodes_2" refType="w" fact="0.77"/>
-          <dgm:constr type="h" for="ch" forName="FiveNodes_2" refType="h" fact="0.18"/>
-          <dgm:constr type="ctrY" for="ch" forName="FiveNodes_2" refType="h" fact="0.295"/>
-          <dgm:constr type="ctrX" for="ch" forName="FiveNodes_2" refType="w" fact="0.4425"/>
-          <dgm:constr type="w" for="ch" forName="FiveNodes_3" refType="w" fact="0.77"/>
-          <dgm:constr type="h" for="ch" forName="FiveNodes_3" refType="h" fact="0.18"/>
-          <dgm:constr type="ctrY" for="ch" forName="FiveNodes_3" refType="h" fact="0.5"/>
-          <dgm:constr type="ctrX" for="ch" forName="FiveNodes_3" refType="w" fact="0.5"/>
-          <dgm:constr type="w" for="ch" forName="FiveNodes_4" refType="w" fact="0.77"/>
-          <dgm:constr type="h" for="ch" forName="FiveNodes_4" refType="h" fact="0.18"/>
-          <dgm:constr type="ctrY" for="ch" forName="FiveNodes_4" refType="h" fact="0.705"/>
-          <dgm:constr type="ctrX" for="ch" forName="FiveNodes_4" refType="w" fact="0.5575"/>
-          <dgm:constr type="w" for="ch" forName="FiveNodes_5" refType="w" fact="0.77"/>
-          <dgm:constr type="h" for="ch" forName="FiveNodes_5" refType="h" fact="0.18"/>
-          <dgm:constr type="b" for="ch" forName="FiveNodes_5" refType="h"/>
-          <dgm:constr type="r" for="ch" forName="FiveNodes_5" refType="w"/>
-          <dgm:constr type="w" for="ch" forName="FiveConn_1-2" refType="h" refFor="ch" refForName="FiveNodes_1" fact="0.65"/>
-          <dgm:constr type="h" for="ch" forName="FiveConn_1-2" refType="h" refFor="ch" refForName="FiveNodes_1" fact="0.65"/>
-          <dgm:constr type="ctrY" for="ch" forName="FiveConn_1-2" refType="h" fact="0.19"/>
-          <dgm:constr type="r" for="ch" forName="FiveConn_1-2" refType="r" refFor="ch" refForName="FiveNodes_1"/>
-          <dgm:constr type="w" for="ch" forName="FiveConn_2-3" refType="h" refFor="ch" refForName="FiveNodes_2" fact="0.65"/>
-          <dgm:constr type="h" for="ch" forName="FiveConn_2-3" refType="h" refFor="ch" refForName="FiveNodes_2" fact="0.65"/>
-          <dgm:constr type="ctrY" for="ch" forName="FiveConn_2-3" refType="h" fact="0.395"/>
-          <dgm:constr type="r" for="ch" forName="FiveConn_2-3" refType="r" refFor="ch" refForName="FiveNodes_2"/>
-          <dgm:constr type="w" for="ch" forName="FiveConn_3-4" refType="h" refFor="ch" refForName="FiveNodes_3" fact="0.65"/>
-          <dgm:constr type="h" for="ch" forName="FiveConn_3-4" refType="h" refFor="ch" refForName="FiveNodes_3" fact="0.65"/>
-          <dgm:constr type="ctrY" for="ch" forName="FiveConn_3-4" refType="h" fact="0.597"/>
-          <dgm:constr type="r" for="ch" forName="FiveConn_3-4" refType="r" refFor="ch" refForName="FiveNodes_3"/>
-          <dgm:constr type="w" for="ch" forName="FiveConn_4-5" refType="h" refFor="ch" refForName="FiveNodes_4" fact="0.65"/>
-          <dgm:constr type="h" for="ch" forName="FiveConn_4-5" refType="h" refFor="ch" refForName="FiveNodes_4" fact="0.65"/>
-          <dgm:constr type="ctrY" for="ch" forName="FiveConn_4-5" refType="h" fact="0.804"/>
-          <dgm:constr type="r" for="ch" forName="FiveConn_4-5" refType="r" refFor="ch" refForName="FiveNodes_4"/>
-          <dgm:constr type="r" for="ch" forName="FiveNodes_1_text" refType="l" refFor="ch" refForName="FiveConn_1-2"/>
-          <dgm:constr type="rOff" for="ch" forName="FiveNodes_1_text" refType="w" refFor="ch" refForName="FiveConn_1-2" fact="-0.75"/>
-          <dgm:constr type="t" for="ch" forName="FiveNodes_1_text" refType="t" refFor="ch" refForName="FiveNodes_1"/>
-          <dgm:constr type="b" for="ch" forName="FiveNodes_1_text" refType="b" refFor="ch" refForName="FiveNodes_1"/>
-          <dgm:constr type="l" for="ch" forName="FiveNodes_1_text" refType="l" refFor="ch" refForName="FiveNodes_1"/>
-          <dgm:constr type="r" for="ch" forName="FiveNodes_2_text" refType="l" refFor="ch" refForName="FiveConn_1-2"/>
-          <dgm:constr type="t" for="ch" forName="FiveNodes_2_text" refType="t" refFor="ch" refForName="FiveNodes_2"/>
-          <dgm:constr type="b" for="ch" forName="FiveNodes_2_text" refType="b" refFor="ch" refForName="FiveNodes_2"/>
-          <dgm:constr type="l" for="ch" forName="FiveNodes_2_text" refType="l" refFor="ch" refForName="FiveNodes_2"/>
-          <dgm:constr type="r" for="ch" forName="FiveNodes_3_text" refType="l" refFor="ch" refForName="FiveConn_2-3"/>
-          <dgm:constr type="t" for="ch" forName="FiveNodes_3_text" refType="t" refFor="ch" refForName="FiveNodes_3"/>
-          <dgm:constr type="b" for="ch" forName="FiveNodes_3_text" refType="b" refFor="ch" refForName="FiveNodes_3"/>
-          <dgm:constr type="l" for="ch" forName="FiveNodes_3_text" refType="l" refFor="ch" refForName="FiveNodes_3"/>
-          <dgm:constr type="r" for="ch" forName="FiveNodes_4_text" refType="l" refFor="ch" refForName="FiveConn_3-4"/>
-          <dgm:constr type="t" for="ch" forName="FiveNodes_4_text" refType="t" refFor="ch" refForName="FiveNodes_4"/>
-          <dgm:constr type="b" for="ch" forName="FiveNodes_4_text" refType="b" refFor="ch" refForName="FiveNodes_4"/>
-          <dgm:constr type="l" for="ch" forName="FiveNodes_4_text" refType="l" refFor="ch" refForName="FiveNodes_4"/>
-          <dgm:constr type="r" for="ch" forName="FiveNodes_5_text" refType="l" refFor="ch" refForName="FiveConn_4-5"/>
-          <dgm:constr type="t" for="ch" forName="FiveNodes_5_text" refType="t" refFor="ch" refForName="FiveNodes_5"/>
-          <dgm:constr type="b" for="ch" forName="FiveNodes_5_text" refType="b" refFor="ch" refForName="FiveNodes_5"/>
-          <dgm:constr type="l" for="ch" forName="FiveNodes_5_text" refType="l" refFor="ch" refForName="FiveNodes_5"/>
-        </dgm:constrLst>
-      </dgm:if>
-      <dgm:else name="Name2">
-        <dgm:constrLst>
-          <dgm:constr type="primFontSz" for="ch" ptType="node" op="equ" val="65"/>
-          <dgm:constr type="w" for="ch" forName="dummyMaxCanvas" refType="w"/>
-          <dgm:constr type="h" for="ch" forName="dummyMaxCanvas" refType="h"/>
-          <dgm:constr type="w" for="ch" forName="OneNode_1" refType="w"/>
-          <dgm:constr type="h" for="ch" forName="OneNode_1" refType="h" fact="0.5"/>
-          <dgm:constr type="ctrY" for="ch" forName="OneNode_1" refType="h" fact="0.5"/>
-          <dgm:constr type="w" for="ch" forName="TwoNodes_1" refType="w" fact="0.85"/>
-          <dgm:constr type="h" for="ch" forName="TwoNodes_1" refType="h" fact="0.45"/>
-          <dgm:constr type="t" for="ch" forName="TwoNodes_1"/>
-          <dgm:constr type="r" for="ch" forName="TwoNodes_1" refType="w"/>
-          <dgm:constr type="w" for="ch" forName="TwoNodes_2" refType="w" fact="0.85"/>
-          <dgm:constr type="h" for="ch" forName="TwoNodes_2" refType="h" fact="0.45"/>
-          <dgm:constr type="b" for="ch" forName="TwoNodes_2" refType="h"/>
-          <dgm:constr type="l" for="ch" forName="TwoNodes_2"/>
-          <dgm:constr type="w" for="ch" forName="TwoConn_1-2" refType="h" refFor="ch" refForName="TwoNodes_1" fact="0.65"/>
-          <dgm:constr type="h" for="ch" forName="TwoConn_1-2" refType="h" refFor="ch" refForName="TwoNodes_1" fact="0.65"/>
-          <dgm:constr type="ctrY" for="ch" forName="TwoConn_1-2" refType="h" fact="0.5"/>
-          <dgm:constr type="l" for="ch" forName="TwoConn_1-2" refType="l" refFor="ch" refForName="TwoNodes_1"/>
-          <dgm:constr type="l" for="ch" forName="TwoNodes_1_text" refType="r" refFor="ch" refForName="TwoConn_1-2"/>
-          <dgm:constr type="lOff" for="ch" forName="TwoNodes_1_text" refType="w" refFor="ch" refForName="TwoConn_1-2" fact="0.5"/>
-          <dgm:constr type="t" for="ch" forName="TwoNodes_1_text" refType="t" refFor="ch" refForName="TwoNodes_1"/>
-          <dgm:constr type="b" for="ch" forName="TwoNodes_1_text" refType="b" refFor="ch" refForName="TwoNodes_1"/>
-          <dgm:constr type="r" for="ch" forName="TwoNodes_1_text" refType="r" refFor="ch" refForName="TwoNodes_1"/>
-          <dgm:constr type="l" for="ch" forName="TwoNodes_2_text" refType="r" refFor="ch" refForName="TwoConn_1-2"/>
-          <dgm:constr type="t" for="ch" forName="TwoNodes_2_text" refType="t" refFor="ch" refForName="TwoNodes_2"/>
-          <dgm:constr type="b" for="ch" forName="TwoNodes_2_text" refType="b" refFor="ch" refForName="TwoNodes_2"/>
-          <dgm:constr type="r" for="ch" forName="TwoNodes_2_text" refType="r" refFor="ch" refForName="TwoNodes_2"/>
-          <dgm:constr type="w" for="ch" forName="ThreeNodes_1" refType="w" fact="0.85"/>
-          <dgm:constr type="h" for="ch" forName="ThreeNodes_1" refType="h" fact="0.3"/>
-          <dgm:constr type="t" for="ch" forName="ThreeNodes_1"/>
-          <dgm:constr type="r" for="ch" forName="ThreeNodes_1" refType="w"/>
-          <dgm:constr type="w" for="ch" forName="ThreeNodes_2" refType="w" fact="0.85"/>
-          <dgm:constr type="h" for="ch" forName="ThreeNodes_2" refType="h" fact="0.3"/>
-          <dgm:constr type="ctrY" for="ch" forName="ThreeNodes_2" refType="h" fact="0.5"/>
-          <dgm:constr type="ctrX" for="ch" forName="ThreeNodes_2" refType="w" fact="0.5"/>
-          <dgm:constr type="w" for="ch" forName="ThreeNodes_3" refType="w" fact="0.85"/>
-          <dgm:constr type="h" for="ch" forName="ThreeNodes_3" refType="h" fact="0.3"/>
-          <dgm:constr type="b" for="ch" forName="ThreeNodes_3" refType="h"/>
-          <dgm:constr type="l" for="ch" forName="ThreeNodes_3"/>
-          <dgm:constr type="w" for="ch" forName="ThreeConn_1-2" refType="h" refFor="ch" refForName="ThreeNodes_1" fact="0.65"/>
-          <dgm:constr type="h" for="ch" forName="ThreeConn_1-2" refType="h" refFor="ch" refForName="ThreeNodes_1" fact="0.65"/>
-          <dgm:constr type="ctrY" for="ch" forName="ThreeConn_1-2" refType="h" fact="0.325"/>
-          <dgm:constr type="l" for="ch" forName="ThreeConn_1-2" refType="l" refFor="ch" refForName="ThreeNodes_1"/>
-          <dgm:constr type="w" for="ch" forName="ThreeConn_2-3" refType="h" refFor="ch" refForName="ThreeNodes_2" fact="0.65"/>
-          <dgm:constr type="h" for="ch" forName="ThreeConn_2-3" refType="h" refFor="ch" refForName="ThreeNodes_2" fact="0.65"/>
-          <dgm:constr type="ctrY" for="ch" forName="ThreeConn_2-3" refType="h" fact="0.673"/>
-          <dgm:constr type="l" for="ch" forName="ThreeConn_2-3" refType="l" refFor="ch" refForName="ThreeNodes_2"/>
-          <dgm:constr type="l" for="ch" forName="ThreeNodes_1_text" refType="r" refFor="ch" refForName="ThreeConn_1-2"/>
-          <dgm:constr type="lOff" for="ch" forName="ThreeNodes_1_text" refType="w" refFor="ch" refForName="ThreeConn_1-2" fact="0.55"/>
-          <dgm:constr type="t" for="ch" forName="ThreeNodes_1_text" refType="t" refFor="ch" refForName="ThreeNodes_1"/>
-          <dgm:constr type="b" for="ch" forName="ThreeNodes_1_text" refType="b" refFor="ch" refForName="ThreeNodes_1"/>
-          <dgm:constr type="r" for="ch" forName="ThreeNodes_1_text" refType="r" refFor="ch" refForName="ThreeNodes_1"/>
-          <dgm:constr type="l" for="ch" forName="ThreeNodes_2_text" refType="r" refFor="ch" refForName="ThreeConn_1-2"/>
-          <dgm:constr type="t" for="ch" forName="ThreeNodes_2_text" refType="t" refFor="ch" refForName="ThreeNodes_2"/>
-          <dgm:constr type="b" for="ch" forName="ThreeNodes_2_text" refType="b" refFor="ch" refForName="ThreeNodes_2"/>
-          <dgm:constr type="r" for="ch" forName="ThreeNodes_2_text" refType="r" refFor="ch" refForName="ThreeNodes_2"/>
-          <dgm:constr type="l" for="ch" forName="ThreeNodes_3_text" refType="r" refFor="ch" refForName="ThreeConn_2-3"/>
-          <dgm:constr type="t" for="ch" forName="ThreeNodes_3_text" refType="t" refFor="ch" refForName="ThreeNodes_3"/>
-          <dgm:constr type="b" for="ch" forName="ThreeNodes_3_text" refType="b" refFor="ch" refForName="ThreeNodes_3"/>
-          <dgm:constr type="r" for="ch" forName="ThreeNodes_3_text" refType="r" refFor="ch" refForName="ThreeNodes_3"/>
-          <dgm:constr type="w" for="ch" forName="FourNodes_1" refType="w" fact="0.8"/>
-          <dgm:constr type="h" for="ch" forName="FourNodes_1" refType="h" fact="0.22"/>
-          <dgm:constr type="t" for="ch" forName="FourNodes_1"/>
-          <dgm:constr type="r" for="ch" forName="FourNodes_1" refType="w"/>
-          <dgm:constr type="w" for="ch" forName="FourNodes_2" refType="w" fact="0.8"/>
-          <dgm:constr type="h" for="ch" forName="FourNodes_2" refType="h" fact="0.22"/>
-          <dgm:constr type="ctrY" for="ch" forName="FourNodes_2" refType="h" fact="0.37"/>
-          <dgm:constr type="ctrX" for="ch" forName="FourNodes_2" refType="w" fact="0.533"/>
-          <dgm:constr type="w" for="ch" forName="FourNodes_3" refType="w" fact="0.8"/>
-          <dgm:constr type="h" for="ch" forName="FourNodes_3" refType="h" fact="0.22"/>
-          <dgm:constr type="ctrY" for="ch" forName="FourNodes_3" refType="h" fact="0.63"/>
-          <dgm:constr type="ctrX" for="ch" forName="FourNodes_3" refType="w" fact="0.467"/>
-          <dgm:constr type="w" for="ch" forName="FourNodes_4" refType="w" fact="0.8"/>
-          <dgm:constr type="h" for="ch" forName="FourNodes_4" refType="h" fact="0.22"/>
-          <dgm:constr type="b" for="ch" forName="FourNodes_4" refType="h"/>
-          <dgm:constr type="l" for="ch" forName="FourNodes_4"/>
-          <dgm:constr type="w" for="ch" forName="FourConn_1-2" refType="h" refFor="ch" refForName="FourNodes_1" fact="0.65"/>
-          <dgm:constr type="h" for="ch" forName="FourConn_1-2" refType="h" refFor="ch" refForName="FourNodes_1" fact="0.65"/>
-          <dgm:constr type="ctrY" for="ch" forName="FourConn_1-2" refType="h" fact="0.24"/>
-          <dgm:constr type="l" for="ch" forName="FourConn_1-2" refType="l" refFor="ch" refForName="FourNodes_1"/>
-          <dgm:constr type="w" for="ch" forName="FourConn_2-3" refType="h" refFor="ch" refForName="FourNodes_2" fact="0.65"/>
-          <dgm:constr type="h" for="ch" forName="FourConn_2-3" refType="h" refFor="ch" refForName="FourNodes_2" fact="0.65"/>
-          <dgm:constr type="ctrY" for="ch" forName="FourConn_2-3" refType="h" fact="0.5"/>
-          <dgm:constr type="l" for="ch" forName="FourConn_2-3" refType="l" refFor="ch" refForName="FourNodes_2"/>
-          <dgm:constr type="w" for="ch" forName="FourConn_3-4" refType="h" refFor="ch" refForName="FourNodes_3" fact="0.65"/>
-          <dgm:constr type="h" for="ch" forName="FourConn_3-4" refType="h" refFor="ch" refForName="FourNodes_3" fact="0.65"/>
-          <dgm:constr type="ctrY" for="ch" forName="FourConn_3-4" refType="h" fact="0.76"/>
-          <dgm:constr type="l" for="ch" forName="FourConn_3-4" refType="l" refFor="ch" refForName="FourNodes_3"/>
-          <dgm:constr type="l" for="ch" forName="FourNodes_1_text" refType="r" refFor="ch" refForName="FourConn_1-2"/>
-          <dgm:constr type="lOff" for="ch" forName="FourNodes_1_text" refType="w" refFor="ch" refForName="FourConn_1-2" fact="0.69"/>
-          <dgm:constr type="t" for="ch" forName="FourNodes_1_text" refType="t" refFor="ch" refForName="FourNodes_1"/>
-          <dgm:constr type="b" for="ch" forName="FourNodes_1_text" refType="b" refFor="ch" refForName="FourNodes_1"/>
-          <dgm:constr type="r" for="ch" forName="FourNodes_1_text" refType="r" refFor="ch" refForName="FourNodes_1"/>
-          <dgm:constr type="l" for="ch" forName="FourNodes_2_text" refType="r" refFor="ch" refForName="FourConn_1-2"/>
-          <dgm:constr type="t" for="ch" forName="FourNodes_2_text" refType="t" refFor="ch" refForName="FourNodes_2"/>
-          <dgm:constr type="b" for="ch" forName="FourNodes_2_text" refType="b" refFor="ch" refForName="FourNodes_2"/>
-          <dgm:constr type="r" for="ch" forName="FourNodes_2_text" refType="r" refFor="ch" refForName="FourNodes_2"/>
-          <dgm:constr type="l" for="ch" forName="FourNodes_3_text" refType="r" refFor="ch" refForName="FourConn_2-3"/>
-          <dgm:constr type="t" for="ch" forName="FourNodes_3_text" refType="t" refFor="ch" refForName="FourNodes_3"/>
-          <dgm:constr type="b" for="ch" forName="FourNodes_3_text" refType="b" refFor="ch" refForName="FourNodes_3"/>
-          <dgm:constr type="r" for="ch" forName="FourNodes_3_text" refType="r" refFor="ch" refForName="FourNodes_3"/>
-          <dgm:constr type="l" for="ch" forName="FourNodes_4_text" refType="r" refFor="ch" refForName="FourConn_3-4"/>
-          <dgm:constr type="t" for="ch" forName="FourNodes_4_text" refType="t" refFor="ch" refForName="FourNodes_4"/>
-          <dgm:constr type="b" for="ch" forName="FourNodes_4_text" refType="b" refFor="ch" refForName="FourNodes_4"/>
-          <dgm:constr type="r" for="ch" forName="FourNodes_4_text" refType="r" refFor="ch" refForName="FourNodes_4"/>
-          <dgm:constr type="w" for="ch" forName="FiveNodes_1" refType="w" fact="0.77"/>
-          <dgm:constr type="h" for="ch" forName="FiveNodes_1" refType="h" fact="0.18"/>
-          <dgm:constr type="t" for="ch" forName="FiveNodes_1"/>
-          <dgm:constr type="r" for="ch" forName="FiveNodes_1" refType="w"/>
-          <dgm:constr type="w" for="ch" forName="FiveNodes_2" refType="w" fact="0.77"/>
-          <dgm:constr type="h" for="ch" forName="FiveNodes_2" refType="h" fact="0.18"/>
-          <dgm:constr type="ctrY" for="ch" forName="FiveNodes_2" refType="h" fact="0.295"/>
-          <dgm:constr type="ctrX" for="ch" forName="FiveNodes_2" refType="w" fact="0.5575"/>
-          <dgm:constr type="w" for="ch" forName="FiveNodes_3" refType="w" fact="0.77"/>
-          <dgm:constr type="h" for="ch" forName="FiveNodes_3" refType="h" fact="0.18"/>
-          <dgm:constr type="ctrY" for="ch" forName="FiveNodes_3" refType="h" fact="0.5"/>
-          <dgm:constr type="ctrX" for="ch" forName="FiveNodes_3" refType="w" fact="0.5"/>
-          <dgm:constr type="w" for="ch" forName="FiveNodes_4" refType="w" fact="0.77"/>
-          <dgm:constr type="h" for="ch" forName="FiveNodes_4" refType="h" fact="0.18"/>
-          <dgm:constr type="ctrY" for="ch" forName="FiveNodes_4" refType="h" fact="0.705"/>
-          <dgm:constr type="ctrX" for="ch" forName="FiveNodes_4" refType="w" fact="0.4425"/>
-          <dgm:constr type="w" for="ch" forName="FiveNodes_5" refType="w" fact="0.77"/>
-          <dgm:constr type="h" for="ch" forName="FiveNodes_5" refType="h" fact="0.18"/>
-          <dgm:constr type="b" for="ch" forName="FiveNodes_5" refType="h"/>
-          <dgm:constr type="l" for="ch" forName="FiveNodes_5"/>
-          <dgm:constr type="w" for="ch" forName="FiveConn_1-2" refType="h" refFor="ch" refForName="FiveNodes_1" fact="0.65"/>
-          <dgm:constr type="h" for="ch" forName="FiveConn_1-2" refType="h" refFor="ch" refForName="FiveNodes_1" fact="0.65"/>
-          <dgm:constr type="ctrY" for="ch" forName="FiveConn_1-2" refType="h" fact="0.19"/>
-          <dgm:constr type="l" for="ch" forName="FiveConn_1-2" refType="l" refFor="ch" refForName="FiveNodes_1"/>
-          <dgm:constr type="w" for="ch" forName="FiveConn_2-3" refType="h" refFor="ch" refForName="FiveNodes_2" fact="0.65"/>
-          <dgm:constr type="h" for="ch" forName="FiveConn_2-3" refType="h" refFor="ch" refForName="FiveNodes_2" fact="0.65"/>
-          <dgm:constr type="ctrY" for="ch" forName="FiveConn_2-3" refType="h" fact="0.395"/>
-          <dgm:constr type="l" for="ch" forName="FiveConn_2-3" refType="l" refFor="ch" refForName="FiveNodes_2"/>
-          <dgm:constr type="w" for="ch" forName="FiveConn_3-4" refType="h" refFor="ch" refForName="FiveNodes_3" fact="0.65"/>
-          <dgm:constr type="h" for="ch" forName="FiveConn_3-4" refType="h" refFor="ch" refForName="FiveNodes_3" fact="0.65"/>
-          <dgm:constr type="ctrY" for="ch" forName="FiveConn_3-4" refType="h" fact="0.597"/>
-          <dgm:constr type="l" for="ch" forName="FiveConn_3-4" refType="l" refFor="ch" refForName="FiveNodes_3"/>
-          <dgm:constr type="w" for="ch" forName="FiveConn_4-5" refType="h" refFor="ch" refForName="FiveNodes_4" fact="0.65"/>
-          <dgm:constr type="h" for="ch" forName="FiveConn_4-5" refType="h" refFor="ch" refForName="FiveNodes_4" fact="0.65"/>
-          <dgm:constr type="ctrY" for="ch" forName="FiveConn_4-5" refType="h" fact="0.804"/>
-          <dgm:constr type="l" for="ch" forName="FiveConn_4-5" refType="l" refFor="ch" refForName="FiveNodes_4"/>
-          <dgm:constr type="l" for="ch" forName="FiveNodes_1_text" refType="r" refFor="ch" refForName="FiveConn_1-2"/>
-          <dgm:constr type="lOff" for="ch" forName="FiveNodes_1_text" refType="w" refFor="ch" refForName="FiveConn_1-2" fact="0.73"/>
-          <dgm:constr type="t" for="ch" forName="FiveNodes_1_text" refType="t" refFor="ch" refForName="FiveNodes_1"/>
-          <dgm:constr type="b" for="ch" forName="FiveNodes_1_text" refType="b" refFor="ch" refForName="FiveNodes_1"/>
-          <dgm:constr type="r" for="ch" forName="FiveNodes_1_text" refType="r" refFor="ch" refForName="FiveNodes_1"/>
-          <dgm:constr type="l" for="ch" forName="FiveNodes_2_text" refType="r" refFor="ch" refForName="FiveConn_1-2"/>
-          <dgm:constr type="t" for="ch" forName="FiveNodes_2_text" refType="t" refFor="ch" refForName="FiveNodes_2"/>
-          <dgm:constr type="b" for="ch" forName="FiveNodes_2_text" refType="b" refFor="ch" refForName="FiveNodes_2"/>
-          <dgm:constr type="r" for="ch" forName="FiveNodes_2_text" refType="r" refFor="ch" refForName="FiveNodes_2"/>
-          <dgm:constr type="l" for="ch" forName="FiveNodes_3_text" refType="r" refFor="ch" refForName="FiveConn_2-3"/>
-          <dgm:constr type="t" for="ch" forName="FiveNodes_3_text" refType="t" refFor="ch" refForName="FiveNodes_3"/>
-          <dgm:constr type="b" for="ch" forName="FiveNodes_3_text" refType="b" refFor="ch" refForName="FiveNodes_3"/>
-          <dgm:constr type="r" for="ch" forName="FiveNodes_3_text" refType="r" refFor="ch" refForName="FiveNodes_3"/>
-          <dgm:constr type="l" for="ch" forName="FiveNodes_4_text" refType="r" refFor="ch" refForName="FiveConn_3-4"/>
-          <dgm:constr type="t" for="ch" forName="FiveNodes_4_text" refType="t" refFor="ch" refForName="FiveNodes_4"/>
-          <dgm:constr type="b" for="ch" forName="FiveNodes_4_text" refType="b" refFor="ch" refForName="FiveNodes_4"/>
-          <dgm:constr type="r" for="ch" forName="FiveNodes_4_text" refType="r" refFor="ch" refForName="FiveNodes_4"/>
-          <dgm:constr type="l" for="ch" forName="FiveNodes_5_text" refType="r" refFor="ch" refForName="FiveConn_4-5"/>
-          <dgm:constr type="t" for="ch" forName="FiveNodes_5_text" refType="t" refFor="ch" refForName="FiveNodes_5"/>
-          <dgm:constr type="b" for="ch" forName="FiveNodes_5_text" refType="b" refFor="ch" refForName="FiveNodes_5"/>
-          <dgm:constr type="r" for="ch" forName="FiveNodes_5_text" refType="r" refFor="ch" refForName="FiveNodes_5"/>
-        </dgm:constrLst>
-      </dgm:else>
-    </dgm:choose>
-    <dgm:ruleLst/>
-    <dgm:layoutNode name="dummyMaxCanvas">
-      <dgm:varLst/>
-      <dgm:alg type="sp"/>
-      <dgm:shape xmlns:r="http://schemas.openxmlformats.org/officeDocument/2006/relationships" r:blip="">
-        <dgm:adjLst/>
-      </dgm:shape>
-      <dgm:presOf/>
-      <dgm:constrLst/>
-      <dgm:ruleLst/>
-    </dgm:layoutNode>
-    <dgm:choose name="Name3">
-      <dgm:if name="Name4" axis="ch" ptType="node" func="cnt" op="equ" val="1">
-        <dgm:layoutNode name="OneNode_1">
-          <dgm:varLst>
-            <dgm:bulletEnabled val="1"/>
-          </dgm:varLst>
-          <dgm:alg type="tx"/>
-          <dgm:shape xmlns:r="http://schemas.openxmlformats.org/officeDocument/2006/relationships" type="roundRect" r:blip="">
-            <dgm:adjLst>
-              <dgm:adj idx="1" val="0.1"/>
-            </dgm:adjLst>
-          </dgm:shape>
-          <dgm:presOf axis="ch desOrSelf" ptType="node node" st="1 1" cnt="1 0"/>
-          <dgm:constrLst>
-            <dgm:constr type="lMarg" refType="primFontSz" fact="0.3"/>
-            <dgm:constr type="rMarg" refType="primFontSz" fact="0.3"/>
-            <dgm:constr type="tMarg" refType="primFontSz" fact="0.3"/>
-            <dgm:constr type="bMarg" refType="primFontSz" fact="0.3"/>
-          </dgm:constrLst>
-          <dgm:ruleLst>
-            <dgm:rule type="primFontSz" val="5" fact="NaN" max="NaN"/>
-          </dgm:ruleLst>
-        </dgm:layoutNode>
-      </dgm:if>
-      <dgm:else name="Name5">
-        <dgm:choose name="Name6">
-          <dgm:if name="Name7" axis="ch" ptType="node" func="cnt" op="equ" val="2">
-            <dgm:layoutNode name="TwoNodes_1">
-              <dgm:varLst>
-                <dgm:bulletEnabled val="1"/>
-              </dgm:varLst>
-              <dgm:alg type="sp"/>
-              <dgm:shape xmlns:r="http://schemas.openxmlformats.org/officeDocument/2006/relationships" type="roundRect" r:blip="">
-                <dgm:adjLst>
-                  <dgm:adj idx="1" val="0.1"/>
-                </dgm:adjLst>
-              </dgm:shape>
-              <dgm:presOf axis="ch desOrSelf" ptType="node node" st="1 1" cnt="1 0"/>
-              <dgm:constrLst/>
-              <dgm:ruleLst/>
-            </dgm:layoutNode>
-            <dgm:layoutNode name="TwoNodes_2">
-              <dgm:varLst>
-                <dgm:bulletEnabled val="1"/>
-              </dgm:varLst>
-              <dgm:alg type="sp"/>
-              <dgm:shape xmlns:r="http://schemas.openxmlformats.org/officeDocument/2006/relationships" type="roundRect" r:blip="">
-                <dgm:adjLst>
-                  <dgm:adj idx="1" val="0.1"/>
-                </dgm:adjLst>
-              </dgm:shape>
-              <dgm:presOf axis="ch desOrSelf" ptType="node node" st="2 1" cnt="1 0"/>
-              <dgm:constrLst/>
-              <dgm:ruleLst/>
-            </dgm:layoutNode>
-            <dgm:layoutNode name="TwoConn_1-2" styleLbl="fgAccFollowNode1">
-              <dgm:varLst>
-                <dgm:bulletEnabled val="1"/>
-              </dgm:varLst>
-              <dgm:alg type="tx"/>
-              <dgm:shape xmlns:r="http://schemas.openxmlformats.org/officeDocument/2006/relationships" type="downArrow" r:blip="">
-                <dgm:adjLst>
-                  <dgm:adj idx="1" val="0.55"/>
-                  <dgm:adj idx="2" val="0.45"/>
-                </dgm:adjLst>
-              </dgm:shape>
-              <dgm:presOf axis="ch" ptType="sibTrans" cnt="1"/>
-              <dgm:constrLst>
-                <dgm:constr type="lMarg" refType="primFontSz" fact="0.1"/>
-                <dgm:constr type="rMarg" refType="primFontSz" fact="0.1"/>
-                <dgm:constr type="tMarg" refType="primFontSz" fact="0.1"/>
-                <dgm:constr type="bMarg" refType="primFontSz" fact="0.1"/>
-              </dgm:constrLst>
-              <dgm:ruleLst>
-                <dgm:rule type="primFontSz" val="5" fact="NaN" max="NaN"/>
-              </dgm:ruleLst>
-            </dgm:layoutNode>
-            <dgm:layoutNode name="TwoNodes_1_text">
-              <dgm:varLst>
-                <dgm:bulletEnabled val="1"/>
-              </dgm:varLst>
-              <dgm:alg type="tx">
-                <dgm:param type="parTxLTRAlign" val="l"/>
-                <dgm:param type="txAnchorVertCh" val="mid"/>
-              </dgm:alg>
-              <dgm:shape xmlns:r="http://schemas.openxmlformats.org/officeDocument/2006/relationships" type="roundRect" r:blip="" hideGeom="1">
-                <dgm:adjLst>
-                  <dgm:adj idx="1" val="0.1"/>
-                </dgm:adjLst>
-              </dgm:shape>
-              <dgm:presOf axis="ch desOrSelf" ptType="node node" st="1 1" cnt="1 0"/>
-              <dgm:constrLst>
-                <dgm:constr type="lMarg" refType="primFontSz" fact="0.3"/>
-                <dgm:constr type="rMarg" refType="primFontSz" fact="0.3"/>
-                <dgm:constr type="tMarg" refType="primFontSz" fact="0.3"/>
-                <dgm:constr type="bMarg" refType="primFontSz" fact="0.3"/>
-              </dgm:constrLst>
-              <dgm:ruleLst>
-                <dgm:rule type="primFontSz" val="5" fact="NaN" max="NaN"/>
-              </dgm:ruleLst>
-            </dgm:layoutNode>
-            <dgm:layoutNode name="TwoNodes_2_text">
-              <dgm:varLst>
-                <dgm:bulletEnabled val="1"/>
-              </dgm:varLst>
-              <dgm:alg type="tx">
-                <dgm:param type="parTxLTRAlign" val="l"/>
-                <dgm:param type="txAnchorVertCh" val="mid"/>
-              </dgm:alg>
-              <dgm:shape xmlns:r="http://schemas.openxmlformats.org/officeDocument/2006/relationships" type="roundRect" r:blip="" hideGeom="1">
-                <dgm:adjLst>
-                  <dgm:adj idx="1" val="0.1"/>
-                </dgm:adjLst>
-              </dgm:shape>
-              <dgm:presOf axis="ch desOrSelf" ptType="node node" st="2 1" cnt="1 0"/>
-              <dgm:constrLst>
-                <dgm:constr type="lMarg" refType="primFontSz" fact="0.3"/>
-                <dgm:constr type="rMarg" refType="primFontSz" fact="0.3"/>
-                <dgm:constr type="tMarg" refType="primFontSz" fact="0.3"/>
-                <dgm:constr type="bMarg" refType="primFontSz" fact="0.3"/>
-              </dgm:constrLst>
-              <dgm:ruleLst>
-                <dgm:rule type="primFontSz" val="5" fact="NaN" max="NaN"/>
-              </dgm:ruleLst>
-            </dgm:layoutNode>
-          </dgm:if>
-          <dgm:else name="Name8">
-            <dgm:choose name="Name9">
-              <dgm:if name="Name10" axis="ch" ptType="node" func="cnt" op="equ" val="3">
-                <dgm:layoutNode name="ThreeNodes_1">
-                  <dgm:varLst>
-                    <dgm:bulletEnabled val="1"/>
-                  </dgm:varLst>
-                  <dgm:alg type="sp"/>
-                  <dgm:shape xmlns:r="http://schemas.openxmlformats.org/officeDocument/2006/relationships" type="roundRect" r:blip="">
-                    <dgm:adjLst>
-                      <dgm:adj idx="1" val="0.1"/>
-                    </dgm:adjLst>
-                  </dgm:shape>
-                  <dgm:presOf axis="ch desOrSelf" ptType="node node" st="1 1" cnt="1 0"/>
-                  <dgm:constrLst/>
-                  <dgm:ruleLst/>
-                </dgm:layoutNode>
-                <dgm:layoutNode name="ThreeNodes_2">
-                  <dgm:varLst>
-                    <dgm:bulletEnabled val="1"/>
-                  </dgm:varLst>
-                  <dgm:alg type="sp"/>
-                  <dgm:shape xmlns:r="http://schemas.openxmlformats.org/officeDocument/2006/relationships" type="roundRect" r:blip="">
-                    <dgm:adjLst>
-                      <dgm:adj idx="1" val="0.1"/>
-                    </dgm:adjLst>
-                  </dgm:shape>
-                  <dgm:presOf axis="ch desOrSelf" ptType="node node" st="2 1" cnt="1 0"/>
-                  <dgm:constrLst/>
-                  <dgm:ruleLst/>
-                </dgm:layoutNode>
-                <dgm:layoutNode name="ThreeNodes_3">
-                  <dgm:varLst>
-                    <dgm:bulletEnabled val="1"/>
-                  </dgm:varLst>
-                  <dgm:alg type="sp"/>
-                  <dgm:shape xmlns:r="http://schemas.openxmlformats.org/officeDocument/2006/relationships" type="roundRect" r:blip="">
-                    <dgm:adjLst>
-                      <dgm:adj idx="1" val="0.1"/>
-                    </dgm:adjLst>
-                  </dgm:shape>
-                  <dgm:presOf axis="ch desOrSelf" ptType="node node" st="3 1" cnt="1 0"/>
-                  <dgm:constrLst/>
-                  <dgm:ruleLst/>
-                </dgm:layoutNode>
-                <dgm:layoutNode name="ThreeConn_1-2" styleLbl="fgAccFollowNode1">
-                  <dgm:varLst>
-                    <dgm:bulletEnabled val="1"/>
-                  </dgm:varLst>
-                  <dgm:alg type="tx"/>
-                  <dgm:shape xmlns:r="http://schemas.openxmlformats.org/officeDocument/2006/relationships" type="downArrow" r:blip="">
-                    <dgm:adjLst>
-                      <dgm:adj idx="1" val="0.55"/>
-                      <dgm:adj idx="2" val="0.45"/>
-                    </dgm:adjLst>
-                  </dgm:shape>
-                  <dgm:presOf axis="ch" ptType="sibTrans" cnt="1"/>
-                  <dgm:constrLst>
-                    <dgm:constr type="lMarg" refType="primFontSz" fact="0.1"/>
-                    <dgm:constr type="rMarg" refType="primFontSz" fact="0.1"/>
-                    <dgm:constr type="tMarg" refType="primFontSz" fact="0.1"/>
-                    <dgm:constr type="bMarg" refType="primFontSz" fact="0.1"/>
-                  </dgm:constrLst>
-                  <dgm:ruleLst>
-                    <dgm:rule type="primFontSz" val="5" fact="NaN" max="NaN"/>
-                  </dgm:ruleLst>
-                </dgm:layoutNode>
-                <dgm:layoutNode name="ThreeConn_2-3" styleLbl="fgAccFollowNode1">
-                  <dgm:varLst>
-                    <dgm:bulletEnabled val="1"/>
-                  </dgm:varLst>
-                  <dgm:alg type="tx"/>
-                  <dgm:shape xmlns:r="http://schemas.openxmlformats.org/officeDocument/2006/relationships" type="downArrow" r:blip="">
-                    <dgm:adjLst>
-                      <dgm:adj idx="1" val="0.55"/>
-                      <dgm:adj idx="2" val="0.45"/>
-                    </dgm:adjLst>
-                  </dgm:shape>
-                  <dgm:presOf axis="ch" ptType="sibTrans" st="2" cnt="1"/>
-                  <dgm:constrLst>
-                    <dgm:constr type="lMarg" refType="primFontSz" fact="0.1"/>
-                    <dgm:constr type="rMarg" refType="primFontSz" fact="0.1"/>
-                    <dgm:constr type="tMarg" refType="primFontSz" fact="0.1"/>
-                    <dgm:constr type="bMarg" refType="primFontSz" fact="0.1"/>
-                  </dgm:constrLst>
-                  <dgm:ruleLst>
-                    <dgm:rule type="primFontSz" val="5" fact="NaN" max="NaN"/>
-                  </dgm:ruleLst>
-                </dgm:layoutNode>
-                <dgm:layoutNode name="ThreeNodes_1_text">
-                  <dgm:varLst>
-                    <dgm:bulletEnabled val="1"/>
-                  </dgm:varLst>
-                  <dgm:alg type="tx">
-                    <dgm:param type="parTxLTRAlign" val="l"/>
-                    <dgm:param type="txAnchorVertCh" val="mid"/>
-                  </dgm:alg>
-                  <dgm:shape xmlns:r="http://schemas.openxmlformats.org/officeDocument/2006/relationships" type="roundRect" r:blip="" hideGeom="1">
-                    <dgm:adjLst>
-                      <dgm:adj idx="1" val="0.1"/>
-                    </dgm:adjLst>
-                  </dgm:shape>
-                  <dgm:presOf axis="ch desOrSelf" ptType="node node" st="1 1" cnt="1 0"/>
-                  <dgm:constrLst>
-                    <dgm:constr type="lMarg" refType="primFontSz" fact="0.3"/>
-                    <dgm:constr type="rMarg" refType="primFontSz" fact="0.3"/>
-                    <dgm:constr type="tMarg" refType="primFontSz" fact="0.3"/>
-                    <dgm:constr type="bMarg" refType="primFontSz" fact="0.3"/>
-                  </dgm:constrLst>
-                  <dgm:ruleLst>
-                    <dgm:rule type="primFontSz" val="5" fact="NaN" max="NaN"/>
-                  </dgm:ruleLst>
-                </dgm:layoutNode>
-                <dgm:layoutNode name="ThreeNodes_2_text">
-                  <dgm:varLst>
-                    <dgm:bulletEnabled val="1"/>
-                  </dgm:varLst>
-                  <dgm:alg type="tx">
-                    <dgm:param type="parTxLTRAlign" val="l"/>
-                    <dgm:param type="txAnchorVertCh" val="mid"/>
-                  </dgm:alg>
-                  <dgm:shape xmlns:r="http://schemas.openxmlformats.org/officeDocument/2006/relationships" type="roundRect" r:blip="" hideGeom="1">
-                    <dgm:adjLst>
-                      <dgm:adj idx="1" val="0.1"/>
-                    </dgm:adjLst>
-                  </dgm:shape>
-                  <dgm:presOf axis="ch desOrSelf" ptType="node node" st="2 1" cnt="1 0"/>
-                  <dgm:constrLst>
-                    <dgm:constr type="lMarg" refType="primFontSz" fact="0.3"/>
-                    <dgm:constr type="rMarg" refType="primFontSz" fact="0.3"/>
-                    <dgm:constr type="tMarg" refType="primFontSz" fact="0.3"/>
-                    <dgm:constr type="bMarg" refType="primFontSz" fact="0.3"/>
-                  </dgm:constrLst>
-                  <dgm:ruleLst>
-                    <dgm:rule type="primFontSz" val="5" fact="NaN" max="NaN"/>
-                  </dgm:ruleLst>
-                </dgm:layoutNode>
-                <dgm:layoutNode name="ThreeNodes_3_text">
-                  <dgm:varLst>
-                    <dgm:bulletEnabled val="1"/>
-                  </dgm:varLst>
-                  <dgm:alg type="tx">
-                    <dgm:param type="parTxLTRAlign" val="l"/>
-                    <dgm:param type="txAnchorVertCh" val="mid"/>
-                  </dgm:alg>
-                  <dgm:shape xmlns:r="http://schemas.openxmlformats.org/officeDocument/2006/relationships" type="roundRect" r:blip="" hideGeom="1">
-                    <dgm:adjLst>
-                      <dgm:adj idx="1" val="0.1"/>
-                    </dgm:adjLst>
-                  </dgm:shape>
-                  <dgm:presOf axis="ch desOrSelf" ptType="node node" st="3 1" cnt="1 0"/>
-                  <dgm:constrLst>
-                    <dgm:constr type="lMarg" refType="primFontSz" fact="0.3"/>
-                    <dgm:constr type="rMarg" refType="primFontSz" fact="0.3"/>
-                    <dgm:constr type="tMarg" refType="primFontSz" fact="0.3"/>
-                    <dgm:constr type="bMarg" refType="primFontSz" fact="0.3"/>
-                  </dgm:constrLst>
-                  <dgm:ruleLst>
-                    <dgm:rule type="primFontSz" val="5" fact="NaN" max="NaN"/>
-                  </dgm:ruleLst>
-                </dgm:layoutNode>
-              </dgm:if>
-              <dgm:else name="Name11">
-                <dgm:choose name="Name12">
-                  <dgm:if name="Name13" axis="ch" ptType="node" func="cnt" op="equ" val="4">
-                    <dgm:layoutNode name="FourNodes_1">
-                      <dgm:varLst>
-                        <dgm:bulletEnabled val="1"/>
-                      </dgm:varLst>
-                      <dgm:alg type="sp"/>
-                      <dgm:shape xmlns:r="http://schemas.openxmlformats.org/officeDocument/2006/relationships" type="roundRect" r:blip="">
-                        <dgm:adjLst>
-                          <dgm:adj idx="1" val="0.1"/>
-                        </dgm:adjLst>
-                      </dgm:shape>
-                      <dgm:presOf axis="ch desOrSelf" ptType="node node" st="1 1" cnt="1 0"/>
-                      <dgm:constrLst/>
-                      <dgm:ruleLst/>
-                    </dgm:layoutNode>
-                    <dgm:layoutNode name="FourNodes_2">
-                      <dgm:varLst>
-                        <dgm:bulletEnabled val="1"/>
-                      </dgm:varLst>
-                      <dgm:alg type="sp"/>
-                      <dgm:shape xmlns:r="http://schemas.openxmlformats.org/officeDocument/2006/relationships" type="roundRect" r:blip="">
-                        <dgm:adjLst>
-                          <dgm:adj idx="1" val="0.1"/>
-                        </dgm:adjLst>
-                      </dgm:shape>
-                      <dgm:presOf axis="ch desOrSelf" ptType="node node" st="2 1" cnt="1 0"/>
-                      <dgm:constrLst/>
-                      <dgm:ruleLst/>
-                    </dgm:layoutNode>
-                    <dgm:layoutNode name="FourNodes_3">
-                      <dgm:varLst>
-                        <dgm:bulletEnabled val="1"/>
-                      </dgm:varLst>
-                      <dgm:alg type="sp"/>
-                      <dgm:shape xmlns:r="http://schemas.openxmlformats.org/officeDocument/2006/relationships" type="roundRect" r:blip="">
-                        <dgm:adjLst>
-                          <dgm:adj idx="1" val="0.1"/>
-                        </dgm:adjLst>
-                      </dgm:shape>
-                      <dgm:presOf axis="ch desOrSelf" ptType="node node" st="3 1" cnt="1 0"/>
-                      <dgm:constrLst/>
-                      <dgm:ruleLst/>
-                    </dgm:layoutNode>
-                    <dgm:layoutNode name="FourNodes_4">
-                      <dgm:varLst>
-                        <dgm:bulletEnabled val="1"/>
-                      </dgm:varLst>
-                      <dgm:alg type="sp"/>
-                      <dgm:shape xmlns:r="http://schemas.openxmlformats.org/officeDocument/2006/relationships" type="roundRect" r:blip="">
-                        <dgm:adjLst>
-                          <dgm:adj idx="1" val="0.1"/>
-                        </dgm:adjLst>
-                      </dgm:shape>
-                      <dgm:presOf axis="ch desOrSelf" ptType="node node" st="4 1" cnt="1 0"/>
-                      <dgm:constrLst/>
-                      <dgm:ruleLst/>
-                    </dgm:layoutNode>
-                    <dgm:layoutNode name="FourConn_1-2" styleLbl="fgAccFollowNode1">
-                      <dgm:varLst>
-                        <dgm:bulletEnabled val="1"/>
-                      </dgm:varLst>
-                      <dgm:alg type="tx"/>
-                      <dgm:shape xmlns:r="http://schemas.openxmlformats.org/officeDocument/2006/relationships" type="downArrow" r:blip="">
-                        <dgm:adjLst>
-                          <dgm:adj idx="1" val="0.55"/>
-                          <dgm:adj idx="2" val="0.45"/>
-                        </dgm:adjLst>
-                      </dgm:shape>
-                      <dgm:presOf axis="ch" ptType="sibTrans" cnt="1"/>
-                      <dgm:constrLst>
-                        <dgm:constr type="lMarg" refType="primFontSz" fact="0.1"/>
-                        <dgm:constr type="rMarg" refType="primFontSz" fact="0.1"/>
-                        <dgm:constr type="tMarg" refType="primFontSz" fact="0.1"/>
-                        <dgm:constr type="bMarg" refType="primFontSz" fact="0.1"/>
-                      </dgm:constrLst>
-                      <dgm:ruleLst>
-                        <dgm:rule type="primFontSz" val="5" fact="NaN" max="NaN"/>
-                      </dgm:ruleLst>
-                    </dgm:layoutNode>
-                    <dgm:layoutNode name="FourConn_2-3" styleLbl="fgAccFollowNode1">
-                      <dgm:varLst>
-                        <dgm:bulletEnabled val="1"/>
-                      </dgm:varLst>
-                      <dgm:alg type="tx"/>
-                      <dgm:shape xmlns:r="http://schemas.openxmlformats.org/officeDocument/2006/relationships" type="downArrow" r:blip="">
-                        <dgm:adjLst>
-                          <dgm:adj idx="1" val="0.55"/>
-                          <dgm:adj idx="2" val="0.45"/>
-                        </dgm:adjLst>
-                      </dgm:shape>
-                      <dgm:presOf axis="ch" ptType="sibTrans" st="2" cnt="1"/>
-                      <dgm:constrLst>
-                        <dgm:constr type="lMarg" refType="primFontSz" fact="0.1"/>
-                        <dgm:constr type="rMarg" refType="primFontSz" fact="0.1"/>
-                        <dgm:constr type="tMarg" refType="primFontSz" fact="0.1"/>
-                        <dgm:constr type="bMarg" refType="primFontSz" fact="0.1"/>
-                      </dgm:constrLst>
-                      <dgm:ruleLst>
-                        <dgm:rule type="primFontSz" val="5" fact="NaN" max="NaN"/>
-                      </dgm:ruleLst>
-                    </dgm:layoutNode>
-                    <dgm:layoutNode name="FourConn_3-4" styleLbl="fgAccFollowNode1">
-                      <dgm:varLst>
-                        <dgm:bulletEnabled val="1"/>
-                      </dgm:varLst>
-                      <dgm:alg type="tx"/>
-                      <dgm:shape xmlns:r="http://schemas.openxmlformats.org/officeDocument/2006/relationships" type="downArrow" r:blip="">
-                        <dgm:adjLst>
-                          <dgm:adj idx="1" val="0.55"/>
-                          <dgm:adj idx="2" val="0.45"/>
-                        </dgm:adjLst>
-                      </dgm:shape>
-                      <dgm:presOf axis="ch" ptType="sibTrans" st="3" cnt="1"/>
-                      <dgm:constrLst>
-                        <dgm:constr type="lMarg" refType="primFontSz" fact="0.1"/>
-                        <dgm:constr type="rMarg" refType="primFontSz" fact="0.1"/>
-                        <dgm:constr type="tMarg" refType="primFontSz" fact="0.1"/>
-                        <dgm:constr type="bMarg" refType="primFontSz" fact="0.1"/>
-                      </dgm:constrLst>
-                      <dgm:ruleLst>
-                        <dgm:rule type="primFontSz" val="5" fact="NaN" max="NaN"/>
-                      </dgm:ruleLst>
-                    </dgm:layoutNode>
-                    <dgm:layoutNode name="FourNodes_1_text">
-                      <dgm:varLst>
-                        <dgm:bulletEnabled val="1"/>
-                      </dgm:varLst>
-                      <dgm:alg type="tx">
-                        <dgm:param type="parTxLTRAlign" val="l"/>
-                        <dgm:param type="txAnchorVertCh" val="mid"/>
-                      </dgm:alg>
-                      <dgm:shape xmlns:r="http://schemas.openxmlformats.org/officeDocument/2006/relationships" type="roundRect" r:blip="" hideGeom="1">
-                        <dgm:adjLst>
-                          <dgm:adj idx="1" val="0.1"/>
-                        </dgm:adjLst>
-                      </dgm:shape>
-                      <dgm:presOf axis="ch desOrSelf" ptType="node node" st="1 1" cnt="1 0"/>
-                      <dgm:constrLst>
-                        <dgm:constr type="lMarg" refType="primFontSz" fact="0.3"/>
-                        <dgm:constr type="rMarg" refType="primFontSz" fact="0.3"/>
-                        <dgm:constr type="tMarg" refType="primFontSz" fact="0.3"/>
-                        <dgm:constr type="bMarg" refType="primFontSz" fact="0.3"/>
-                      </dgm:constrLst>
-                      <dgm:ruleLst>
-                        <dgm:rule type="primFontSz" val="5" fact="NaN" max="NaN"/>
-                      </dgm:ruleLst>
-                    </dgm:layoutNode>
-                    <dgm:layoutNode name="FourNodes_2_text">
-                      <dgm:varLst>
-                        <dgm:bulletEnabled val="1"/>
-                      </dgm:varLst>
-                      <dgm:alg type="tx">
-                        <dgm:param type="parTxLTRAlign" val="l"/>
-                        <dgm:param type="txAnchorVertCh" val="mid"/>
-                      </dgm:alg>
-                      <dgm:shape xmlns:r="http://schemas.openxmlformats.org/officeDocument/2006/relationships" type="roundRect" r:blip="" hideGeom="1">
-                        <dgm:adjLst>
-                          <dgm:adj idx="1" val="0.1"/>
-                        </dgm:adjLst>
-                      </dgm:shape>
-                      <dgm:presOf axis="ch desOrSelf" ptType="node node" st="2 1" cnt="1 0"/>
-                      <dgm:constrLst>
-                        <dgm:constr type="lMarg" refType="primFontSz" fact="0.3"/>
-                        <dgm:constr type="rMarg" refType="primFontSz" fact="0.3"/>
-                        <dgm:constr type="tMarg" refType="primFontSz" fact="0.3"/>
-                        <dgm:constr type="bMarg" refType="primFontSz" fact="0.3"/>
-                      </dgm:constrLst>
-                      <dgm:ruleLst>
-                        <dgm:rule type="primFontSz" val="5" fact="NaN" max="NaN"/>
-                      </dgm:ruleLst>
-                    </dgm:layoutNode>
-                    <dgm:layoutNode name="FourNodes_3_text">
-                      <dgm:varLst>
-                        <dgm:bulletEnabled val="1"/>
-                      </dgm:varLst>
-                      <dgm:alg type="tx">
-                        <dgm:param type="parTxLTRAlign" val="l"/>
-                        <dgm:param type="txAnchorVertCh" val="mid"/>
-                      </dgm:alg>
-                      <dgm:shape xmlns:r="http://schemas.openxmlformats.org/officeDocument/2006/relationships" type="roundRect" r:blip="" hideGeom="1">
-                        <dgm:adjLst>
-                          <dgm:adj idx="1" val="0.1"/>
-                        </dgm:adjLst>
-                      </dgm:shape>
-                      <dgm:presOf axis="ch desOrSelf" ptType="node node" st="3 1" cnt="1 0"/>
-                      <dgm:constrLst>
-                        <dgm:constr type="lMarg" refType="primFontSz" fact="0.3"/>
-                        <dgm:constr type="rMarg" refType="primFontSz" fact="0.3"/>
-                        <dgm:constr type="tMarg" refType="primFontSz" fact="0.3"/>
-                        <dgm:constr type="bMarg" refType="primFontSz" fact="0.3"/>
-                      </dgm:constrLst>
-                      <dgm:ruleLst>
-                        <dgm:rule type="primFontSz" val="5" fact="NaN" max="NaN"/>
-                      </dgm:ruleLst>
-                    </dgm:layoutNode>
-                    <dgm:layoutNode name="FourNodes_4_text">
-                      <dgm:varLst>
-                        <dgm:bulletEnabled val="1"/>
-                      </dgm:varLst>
-                      <dgm:alg type="tx">
-                        <dgm:param type="parTxLTRAlign" val="l"/>
-                        <dgm:param type="txAnchorVertCh" val="mid"/>
-                      </dgm:alg>
-                      <dgm:shape xmlns:r="http://schemas.openxmlformats.org/officeDocument/2006/relationships" type="roundRect" r:blip="" hideGeom="1">
-                        <dgm:adjLst>
-                          <dgm:adj idx="1" val="0.1"/>
-                        </dgm:adjLst>
-                      </dgm:shape>
-                      <dgm:presOf axis="ch desOrSelf" ptType="node node" st="4 1" cnt="1 0"/>
-                      <dgm:constrLst>
-                        <dgm:constr type="lMarg" refType="primFontSz" fact="0.3"/>
-                        <dgm:constr type="rMarg" refType="primFontSz" fact="0.3"/>
-                        <dgm:constr type="tMarg" refType="primFontSz" fact="0.3"/>
-                        <dgm:constr type="bMarg" refType="primFontSz" fact="0.3"/>
-                      </dgm:constrLst>
-                      <dgm:ruleLst>
-                        <dgm:rule type="primFontSz" val="5" fact="NaN" max="NaN"/>
-                      </dgm:ruleLst>
-                    </dgm:layoutNode>
-                  </dgm:if>
-                  <dgm:else name="Name14">
-                    <dgm:choose name="Name15">
-                      <dgm:if name="Name16" axis="ch" ptType="node" func="cnt" op="gte" val="5">
-                        <dgm:layoutNode name="FiveNodes_1">
-                          <dgm:varLst>
-                            <dgm:bulletEnabled val="1"/>
-                          </dgm:varLst>
-                          <dgm:alg type="sp"/>
-                          <dgm:shape xmlns:r="http://schemas.openxmlformats.org/officeDocument/2006/relationships" type="roundRect" r:blip="">
-                            <dgm:adjLst>
-                              <dgm:adj idx="1" val="0.1"/>
-                            </dgm:adjLst>
-                          </dgm:shape>
-                          <dgm:presOf axis="ch desOrSelf" ptType="node node" st="1 1" cnt="1 0"/>
-                          <dgm:constrLst/>
-                          <dgm:ruleLst/>
-                        </dgm:layoutNode>
-                        <dgm:layoutNode name="FiveNodes_2">
-                          <dgm:varLst>
-                            <dgm:bulletEnabled val="1"/>
-                          </dgm:varLst>
-                          <dgm:alg type="sp"/>
-                          <dgm:shape xmlns:r="http://schemas.openxmlformats.org/officeDocument/2006/relationships" type="roundRect" r:blip="">
-                            <dgm:adjLst>
-                              <dgm:adj idx="1" val="0.1"/>
-                            </dgm:adjLst>
-                          </dgm:shape>
-                          <dgm:presOf axis="ch desOrSelf" ptType="node node" st="2 1" cnt="1 0"/>
-                          <dgm:constrLst/>
-                          <dgm:ruleLst/>
-                        </dgm:layoutNode>
-                        <dgm:layoutNode name="FiveNodes_3">
-                          <dgm:varLst>
-                            <dgm:bulletEnabled val="1"/>
-                          </dgm:varLst>
-                          <dgm:alg type="sp"/>
-                          <dgm:shape xmlns:r="http://schemas.openxmlformats.org/officeDocument/2006/relationships" type="roundRect" r:blip="">
-                            <dgm:adjLst>
-                              <dgm:adj idx="1" val="0.1"/>
-                            </dgm:adjLst>
-                          </dgm:shape>
-                          <dgm:presOf axis="ch desOrSelf" ptType="node node" st="3 1" cnt="1 0"/>
-                          <dgm:constrLst/>
-                          <dgm:ruleLst/>
-                        </dgm:layoutNode>
-                        <dgm:layoutNode name="FiveNodes_4">
-                          <dgm:varLst>
-                            <dgm:bulletEnabled val="1"/>
-                          </dgm:varLst>
-                          <dgm:alg type="sp"/>
-                          <dgm:shape xmlns:r="http://schemas.openxmlformats.org/officeDocument/2006/relationships" type="roundRect" r:blip="">
-                            <dgm:adjLst>
-                              <dgm:adj idx="1" val="0.1"/>
-                            </dgm:adjLst>
-                          </dgm:shape>
-                          <dgm:presOf axis="ch desOrSelf" ptType="node node" st="4 1" cnt="1 0"/>
-                          <dgm:constrLst/>
-                          <dgm:ruleLst/>
-                        </dgm:layoutNode>
-                        <dgm:layoutNode name="FiveNodes_5">
-                          <dgm:varLst>
-                            <dgm:bulletEnabled val="1"/>
-                          </dgm:varLst>
-                          <dgm:alg type="sp"/>
-                          <dgm:shape xmlns:r="http://schemas.openxmlformats.org/officeDocument/2006/relationships" type="roundRect" r:blip="">
-                            <dgm:adjLst>
-                              <dgm:adj idx="1" val="0.1"/>
-                            </dgm:adjLst>
-                          </dgm:shape>
-                          <dgm:presOf axis="ch desOrSelf" ptType="node node" st="5 1" cnt="1 0"/>
-                          <dgm:constrLst/>
-                          <dgm:ruleLst/>
-                        </dgm:layoutNode>
-                        <dgm:layoutNode name="FiveConn_1-2" styleLbl="fgAccFollowNode1">
-                          <dgm:varLst>
-                            <dgm:bulletEnabled val="1"/>
-                          </dgm:varLst>
-                          <dgm:alg type="tx"/>
-                          <dgm:shape xmlns:r="http://schemas.openxmlformats.org/officeDocument/2006/relationships" type="downArrow" r:blip="">
-                            <dgm:adjLst>
-                              <dgm:adj idx="1" val="0.55"/>
-                              <dgm:adj idx="2" val="0.45"/>
-                            </dgm:adjLst>
-                          </dgm:shape>
-                          <dgm:presOf axis="ch" ptType="sibTrans" cnt="1"/>
-                          <dgm:constrLst>
-                            <dgm:constr type="lMarg" refType="primFontSz" fact="0.1"/>
-                            <dgm:constr type="rMarg" refType="primFontSz" fact="0.1"/>
-                            <dgm:constr type="tMarg" refType="primFontSz" fact="0.1"/>
-                            <dgm:constr type="bMarg" refType="primFontSz" fact="0.1"/>
-                          </dgm:constrLst>
-                          <dgm:ruleLst>
-                            <dgm:rule type="primFontSz" val="5" fact="NaN" max="NaN"/>
-                          </dgm:ruleLst>
-                        </dgm:layoutNode>
-                        <dgm:layoutNode name="FiveConn_2-3" styleLbl="fgAccFollowNode1">
-                          <dgm:varLst>
-                            <dgm:bulletEnabled val="1"/>
-                          </dgm:varLst>
-                          <dgm:alg type="tx"/>
-                          <dgm:shape xmlns:r="http://schemas.openxmlformats.org/officeDocument/2006/relationships" type="downArrow" r:blip="">
-                            <dgm:adjLst>
-                              <dgm:adj idx="1" val="0.55"/>
-                              <dgm:adj idx="2" val="0.45"/>
-                            </dgm:adjLst>
-                          </dgm:shape>
-                          <dgm:presOf axis="ch" ptType="sibTrans" st="2" cnt="1"/>
-                          <dgm:constrLst>
-                            <dgm:constr type="lMarg" refType="primFontSz" fact="0.1"/>
-                            <dgm:constr type="rMarg" refType="primFontSz" fact="0.1"/>
-                            <dgm:constr type="tMarg" refType="primFontSz" fact="0.1"/>
-                            <dgm:constr type="bMarg" refType="primFontSz" fact="0.1"/>
-                          </dgm:constrLst>
-                          <dgm:ruleLst>
-                            <dgm:rule type="primFontSz" val="5" fact="NaN" max="NaN"/>
-                          </dgm:ruleLst>
-                        </dgm:layoutNode>
-                        <dgm:layoutNode name="FiveConn_3-4" styleLbl="fgAccFollowNode1">
-                          <dgm:varLst>
-                            <dgm:bulletEnabled val="1"/>
-                          </dgm:varLst>
-                          <dgm:alg type="tx"/>
-                          <dgm:shape xmlns:r="http://schemas.openxmlformats.org/officeDocument/2006/relationships" type="downArrow" r:blip="">
-                            <dgm:adjLst>
-                              <dgm:adj idx="1" val="0.55"/>
-                              <dgm:adj idx="2" val="0.45"/>
-                            </dgm:adjLst>
-                          </dgm:shape>
-                          <dgm:presOf axis="ch" ptType="sibTrans" st="3" cnt="1"/>
-                          <dgm:constrLst>
-                            <dgm:constr type="lMarg" refType="primFontSz" fact="0.1"/>
-                            <dgm:constr type="rMarg" refType="primFontSz" fact="0.1"/>
-                            <dgm:constr type="tMarg" refType="primFontSz" fact="0.1"/>
-                            <dgm:constr type="bMarg" refType="primFontSz" fact="0.1"/>
-                          </dgm:constrLst>
-                          <dgm:ruleLst>
-                            <dgm:rule type="primFontSz" val="5" fact="NaN" max="NaN"/>
-                          </dgm:ruleLst>
-                        </dgm:layoutNode>
-                        <dgm:layoutNode name="FiveConn_4-5" styleLbl="fgAccFollowNode1">
-                          <dgm:varLst>
-                            <dgm:bulletEnabled val="1"/>
-                          </dgm:varLst>
-                          <dgm:alg type="tx"/>
-                          <dgm:shape xmlns:r="http://schemas.openxmlformats.org/officeDocument/2006/relationships" type="downArrow" r:blip="">
-                            <dgm:adjLst>
-                              <dgm:adj idx="1" val="0.55"/>
-                              <dgm:adj idx="2" val="0.45"/>
-                            </dgm:adjLst>
-                          </dgm:shape>
-                          <dgm:presOf axis="ch" ptType="sibTrans" st="4" cnt="1"/>
-                          <dgm:constrLst>
-                            <dgm:constr type="lMarg" refType="primFontSz" fact="0.1"/>
-                            <dgm:constr type="rMarg" refType="primFontSz" fact="0.1"/>
-                            <dgm:constr type="tMarg" refType="primFontSz" fact="0.1"/>
-                            <dgm:constr type="bMarg" refType="primFontSz" fact="0.1"/>
-                          </dgm:constrLst>
-                          <dgm:ruleLst>
-                            <dgm:rule type="primFontSz" val="5" fact="NaN" max="NaN"/>
-                          </dgm:ruleLst>
-                        </dgm:layoutNode>
-                        <dgm:layoutNode name="FiveNodes_1_text">
-                          <dgm:varLst>
-                            <dgm:bulletEnabled val="1"/>
-                          </dgm:varLst>
-                          <dgm:alg type="tx">
-                            <dgm:param type="parTxLTRAlign" val="l"/>
-                            <dgm:param type="txAnchorVertCh" val="mid"/>
-                          </dgm:alg>
-                          <dgm:shape xmlns:r="http://schemas.openxmlformats.org/officeDocument/2006/relationships" type="roundRect" r:blip="" hideGeom="1">
-                            <dgm:adjLst>
-                              <dgm:adj idx="1" val="0.1"/>
-                            </dgm:adjLst>
-                          </dgm:shape>
-                          <dgm:presOf axis="ch desOrSelf" ptType="node node" st="1 1" cnt="1 0"/>
-                          <dgm:constrLst>
-                            <dgm:constr type="lMarg" refType="primFontSz" fact="0.3"/>
-                            <dgm:constr type="rMarg" refType="primFontSz" fact="0.3"/>
-                            <dgm:constr type="tMarg" refType="primFontSz" fact="0.3"/>
-                            <dgm:constr type="bMarg" refType="primFontSz" fact="0.3"/>
-                          </dgm:constrLst>
-                          <dgm:ruleLst>
-                            <dgm:rule type="primFontSz" val="5" fact="NaN" max="NaN"/>
-                          </dgm:ruleLst>
-                        </dgm:layoutNode>
-                        <dgm:layoutNode name="FiveNodes_2_text">
-                          <dgm:varLst>
-                            <dgm:bulletEnabled val="1"/>
-                          </dgm:varLst>
-                          <dgm:alg type="tx">
-                            <dgm:param type="parTxLTRAlign" val="l"/>
-                            <dgm:param type="txAnchorVertCh" val="mid"/>
-                          </dgm:alg>
-                          <dgm:shape xmlns:r="http://schemas.openxmlformats.org/officeDocument/2006/relationships" type="roundRect" r:blip="" hideGeom="1">
-                            <dgm:adjLst>
-                              <dgm:adj idx="1" val="0.1"/>
-                            </dgm:adjLst>
-                          </dgm:shape>
-                          <dgm:presOf axis="ch desOrSelf" ptType="node node" st="2 1" cnt="1 0"/>
-                          <dgm:constrLst>
-                            <dgm:constr type="lMarg" refType="primFontSz" fact="0.3"/>
-                            <dgm:constr type="rMarg" refType="primFontSz" fact="0.3"/>
-                            <dgm:constr type="tMarg" refType="primFontSz" fact="0.3"/>
-                            <dgm:constr type="bMarg" refType="primFontSz" fact="0.3"/>
-                          </dgm:constrLst>
-                          <dgm:ruleLst>
-                            <dgm:rule type="primFontSz" val="5" fact="NaN" max="NaN"/>
-                          </dgm:ruleLst>
-                        </dgm:layoutNode>
-                        <dgm:layoutNode name="FiveNodes_3_text">
-                          <dgm:varLst>
-                            <dgm:bulletEnabled val="1"/>
-                          </dgm:varLst>
-                          <dgm:alg type="tx">
-                            <dgm:param type="parTxLTRAlign" val="l"/>
-                            <dgm:param type="txAnchorVertCh" val="mid"/>
-                          </dgm:alg>
-                          <dgm:shape xmlns:r="http://schemas.openxmlformats.org/officeDocument/2006/relationships" type="roundRect" r:blip="" hideGeom="1">
-                            <dgm:adjLst>
-                              <dgm:adj idx="1" val="0.1"/>
-                            </dgm:adjLst>
-                          </dgm:shape>
-                          <dgm:presOf axis="ch desOrSelf" ptType="node node" st="3 1" cnt="1 0"/>
-                          <dgm:constrLst>
-                            <dgm:constr type="lMarg" refType="primFontSz" fact="0.3"/>
-                            <dgm:constr type="rMarg" refType="primFontSz" fact="0.3"/>
-                            <dgm:constr type="tMarg" refType="primFontSz" fact="0.3"/>
-                            <dgm:constr type="bMarg" refType="primFontSz" fact="0.3"/>
-                          </dgm:constrLst>
-                          <dgm:ruleLst>
-                            <dgm:rule type="primFontSz" val="5" fact="NaN" max="NaN"/>
-                          </dgm:ruleLst>
-                        </dgm:layoutNode>
-                        <dgm:layoutNode name="FiveNodes_4_text">
-                          <dgm:varLst>
-                            <dgm:bulletEnabled val="1"/>
-                          </dgm:varLst>
-                          <dgm:alg type="tx">
-                            <dgm:param type="parTxLTRAlign" val="l"/>
-                            <dgm:param type="txAnchorVertCh" val="mid"/>
-                          </dgm:alg>
-                          <dgm:shape xmlns:r="http://schemas.openxmlformats.org/officeDocument/2006/relationships" type="roundRect" r:blip="" hideGeom="1">
-                            <dgm:adjLst>
-                              <dgm:adj idx="1" val="0.1"/>
-                            </dgm:adjLst>
-                          </dgm:shape>
-                          <dgm:presOf axis="ch desOrSelf" ptType="node node" st="4 1" cnt="1 0"/>
-                          <dgm:constrLst>
-                            <dgm:constr type="lMarg" refType="primFontSz" fact="0.3"/>
-                            <dgm:constr type="rMarg" refType="primFontSz" fact="0.3"/>
-                            <dgm:constr type="tMarg" refType="primFontSz" fact="0.3"/>
-                            <dgm:constr type="bMarg" refType="primFontSz" fact="0.3"/>
-                          </dgm:constrLst>
-                          <dgm:ruleLst>
-                            <dgm:rule type="primFontSz" val="5" fact="NaN" max="NaN"/>
-                          </dgm:ruleLst>
-                        </dgm:layoutNode>
-                        <dgm:layoutNode name="FiveNodes_5_text">
-                          <dgm:varLst>
-                            <dgm:bulletEnabled val="1"/>
-                          </dgm:varLst>
-                          <dgm:alg type="tx">
-                            <dgm:param type="parTxLTRAlign" val="l"/>
-                            <dgm:param type="txAnchorVertCh" val="mid"/>
-                          </dgm:alg>
-                          <dgm:shape xmlns:r="http://schemas.openxmlformats.org/officeDocument/2006/relationships" type="roundRect" r:blip="" hideGeom="1">
-                            <dgm:adjLst>
-                              <dgm:adj idx="1" val="0.1"/>
-                            </dgm:adjLst>
-                          </dgm:shape>
-                          <dgm:presOf axis="ch desOrSelf" ptType="node node" st="5 1" cnt="1 0"/>
-                          <dgm:constrLst>
-                            <dgm:constr type="lMarg" refType="primFontSz" fact="0.3"/>
-                            <dgm:constr type="rMarg" refType="primFontSz" fact="0.3"/>
-                            <dgm:constr type="tMarg" refType="primFontSz" fact="0.3"/>
-                            <dgm:constr type="bMarg" refType="primFontSz" fact="0.3"/>
-                          </dgm:constrLst>
-                          <dgm:ruleLst>
-                            <dgm:rule type="primFontSz" val="5" fact="NaN" max="NaN"/>
-                          </dgm:ruleLst>
-                        </dgm:layoutNode>
-                      </dgm:if>
-                      <dgm:else name="Name17"/>
-                    </dgm:choose>
-                  </dgm:else>
-                </dgm:choose>
-              </dgm:else>
-            </dgm:choose>
-          </dgm:else>
-        </dgm:choose>
-      </dgm:else>
-    </dgm:choose>
-  </dgm:layoutNode>
-</dgm:layoutDef>
-</file>
-
-<file path=ppt/diagrams/layout2.xml><?xml version="1.0" encoding="utf-8"?>
 <dgm:layoutDef xmlns:dgm="http://schemas.openxmlformats.org/drawingml/2006/diagram" xmlns:a="http://schemas.openxmlformats.org/drawingml/2006/main" uniqueId="urn:microsoft.com/office/officeart/2008/layout/VerticalCurvedList">
   <dgm:title val=""/>
   <dgm:desc val=""/>
@@ -7803,7 +4944,7 @@
 </dgm:layoutDef>
 </file>
 
-<file path=ppt/diagrams/layout3.xml><?xml version="1.0" encoding="utf-8"?>
+<file path=ppt/diagrams/layout2.xml><?xml version="1.0" encoding="utf-8"?>
 <dgm:layoutDef xmlns:dgm="http://schemas.openxmlformats.org/drawingml/2006/diagram" xmlns:a="http://schemas.openxmlformats.org/drawingml/2006/main" uniqueId="urn:microsoft.com/office/officeart/2008/layout/RadialCluster">
   <dgm:title val=""/>
   <dgm:desc val=""/>
@@ -11999,1123 +9140,6 @@
 </file>
 
 <file path=ppt/diagrams/quickStyle2.xml><?xml version="1.0" encoding="utf-8"?>
-<dgm:styleDef xmlns:dgm="http://schemas.openxmlformats.org/drawingml/2006/diagram" xmlns:a="http://schemas.openxmlformats.org/drawingml/2006/main" uniqueId="urn:microsoft.com/office/officeart/2005/8/quickstyle/3d1">
-  <dgm:title val=""/>
-  <dgm:desc val=""/>
-  <dgm:catLst>
-    <dgm:cat type="3D" pri="11100"/>
-  </dgm:catLst>
-  <dgm:scene3d>
-    <a:camera prst="orthographicFront"/>
-    <a:lightRig rig="threePt" dir="t"/>
-  </dgm:scene3d>
-  <dgm:styleLbl name="node0">
-    <dgm:scene3d>
-      <a:camera prst="orthographicFront"/>
-      <a:lightRig rig="flat" dir="t"/>
-    </dgm:scene3d>
-    <dgm:sp3d prstMaterial="plastic">
-      <a:bevelT w="120900" h="88900"/>
-      <a:bevelB w="88900" h="31750" prst="angle"/>
-    </dgm:sp3d>
-    <dgm:txPr/>
-    <dgm:style>
-      <a:lnRef idx="0">
-        <a:scrgbClr r="0" g="0" b="0"/>
-      </a:lnRef>
-      <a:fillRef idx="3">
-        <a:scrgbClr r="0" g="0" b="0"/>
-      </a:fillRef>
-      <a:effectRef idx="2">
-        <a:scrgbClr r="0" g="0" b="0"/>
-      </a:effectRef>
-      <a:fontRef idx="minor">
-        <a:schemeClr val="lt1"/>
-      </a:fontRef>
-    </dgm:style>
-  </dgm:styleLbl>
-  <dgm:styleLbl name="lnNode1">
-    <dgm:scene3d>
-      <a:camera prst="orthographicFront"/>
-      <a:lightRig rig="flat" dir="t"/>
-    </dgm:scene3d>
-    <dgm:sp3d prstMaterial="plastic">
-      <a:bevelT w="120900" h="88900"/>
-      <a:bevelB w="88900" h="31750" prst="angle"/>
-    </dgm:sp3d>
-    <dgm:txPr/>
-    <dgm:style>
-      <a:lnRef idx="0">
-        <a:scrgbClr r="0" g="0" b="0"/>
-      </a:lnRef>
-      <a:fillRef idx="3">
-        <a:scrgbClr r="0" g="0" b="0"/>
-      </a:fillRef>
-      <a:effectRef idx="1">
-        <a:scrgbClr r="0" g="0" b="0"/>
-      </a:effectRef>
-      <a:fontRef idx="minor">
-        <a:schemeClr val="lt1"/>
-      </a:fontRef>
-    </dgm:style>
-  </dgm:styleLbl>
-  <dgm:styleLbl name="vennNode1">
-    <dgm:scene3d>
-      <a:camera prst="orthographicFront"/>
-      <a:lightRig rig="flat" dir="t"/>
-    </dgm:scene3d>
-    <dgm:sp3d prstMaterial="plastic">
-      <a:bevelT w="120900" h="88900"/>
-      <a:bevelB w="88900" h="31750" prst="angle"/>
-    </dgm:sp3d>
-    <dgm:txPr/>
-    <dgm:style>
-      <a:lnRef idx="0">
-        <a:scrgbClr r="0" g="0" b="0"/>
-      </a:lnRef>
-      <a:fillRef idx="1">
-        <a:scrgbClr r="0" g="0" b="0"/>
-      </a:fillRef>
-      <a:effectRef idx="1">
-        <a:scrgbClr r="0" g="0" b="0"/>
-      </a:effectRef>
-      <a:fontRef idx="minor">
-        <a:schemeClr val="tx1"/>
-      </a:fontRef>
-    </dgm:style>
-  </dgm:styleLbl>
-  <dgm:styleLbl name="alignNode1">
-    <dgm:scene3d>
-      <a:camera prst="orthographicFront"/>
-      <a:lightRig rig="flat" dir="t"/>
-    </dgm:scene3d>
-    <dgm:sp3d prstMaterial="plastic">
-      <a:bevelT w="120900" h="88900"/>
-      <a:bevelB w="88900" h="31750" prst="angle"/>
-    </dgm:sp3d>
-    <dgm:txPr/>
-    <dgm:style>
-      <a:lnRef idx="1">
-        <a:scrgbClr r="0" g="0" b="0"/>
-      </a:lnRef>
-      <a:fillRef idx="3">
-        <a:scrgbClr r="0" g="0" b="0"/>
-      </a:fillRef>
-      <a:effectRef idx="2">
-        <a:scrgbClr r="0" g="0" b="0"/>
-      </a:effectRef>
-      <a:fontRef idx="minor">
-        <a:schemeClr val="lt1"/>
-      </a:fontRef>
-    </dgm:style>
-  </dgm:styleLbl>
-  <dgm:styleLbl name="node1">
-    <dgm:scene3d>
-      <a:camera prst="orthographicFront"/>
-      <a:lightRig rig="flat" dir="t"/>
-    </dgm:scene3d>
-    <dgm:sp3d prstMaterial="plastic">
-      <a:bevelT w="120900" h="88900"/>
-      <a:bevelB w="88900" h="31750" prst="angle"/>
-    </dgm:sp3d>
-    <dgm:txPr/>
-    <dgm:style>
-      <a:lnRef idx="0">
-        <a:scrgbClr r="0" g="0" b="0"/>
-      </a:lnRef>
-      <a:fillRef idx="3">
-        <a:scrgbClr r="0" g="0" b="0"/>
-      </a:fillRef>
-      <a:effectRef idx="2">
-        <a:scrgbClr r="0" g="0" b="0"/>
-      </a:effectRef>
-      <a:fontRef idx="minor">
-        <a:schemeClr val="lt1"/>
-      </a:fontRef>
-    </dgm:style>
-  </dgm:styleLbl>
-  <dgm:styleLbl name="node2">
-    <dgm:scene3d>
-      <a:camera prst="orthographicFront"/>
-      <a:lightRig rig="flat" dir="t"/>
-    </dgm:scene3d>
-    <dgm:sp3d prstMaterial="plastic">
-      <a:bevelT w="120900" h="88900"/>
-      <a:bevelB w="88900" h="31750" prst="angle"/>
-    </dgm:sp3d>
-    <dgm:txPr/>
-    <dgm:style>
-      <a:lnRef idx="0">
-        <a:scrgbClr r="0" g="0" b="0"/>
-      </a:lnRef>
-      <a:fillRef idx="3">
-        <a:scrgbClr r="0" g="0" b="0"/>
-      </a:fillRef>
-      <a:effectRef idx="1">
-        <a:scrgbClr r="0" g="0" b="0"/>
-      </a:effectRef>
-      <a:fontRef idx="minor">
-        <a:schemeClr val="lt1"/>
-      </a:fontRef>
-    </dgm:style>
-  </dgm:styleLbl>
-  <dgm:styleLbl name="node3">
-    <dgm:scene3d>
-      <a:camera prst="orthographicFront"/>
-      <a:lightRig rig="flat" dir="t"/>
-    </dgm:scene3d>
-    <dgm:sp3d prstMaterial="plastic">
-      <a:bevelT w="120900" h="88900"/>
-      <a:bevelB w="88900" h="31750" prst="angle"/>
-    </dgm:sp3d>
-    <dgm:txPr/>
-    <dgm:style>
-      <a:lnRef idx="0">
-        <a:scrgbClr r="0" g="0" b="0"/>
-      </a:lnRef>
-      <a:fillRef idx="3">
-        <a:scrgbClr r="0" g="0" b="0"/>
-      </a:fillRef>
-      <a:effectRef idx="1">
-        <a:scrgbClr r="0" g="0" b="0"/>
-      </a:effectRef>
-      <a:fontRef idx="minor">
-        <a:schemeClr val="lt1"/>
-      </a:fontRef>
-    </dgm:style>
-  </dgm:styleLbl>
-  <dgm:styleLbl name="node4">
-    <dgm:scene3d>
-      <a:camera prst="orthographicFront"/>
-      <a:lightRig rig="flat" dir="t"/>
-    </dgm:scene3d>
-    <dgm:sp3d prstMaterial="plastic">
-      <a:bevelT w="120900" h="88900"/>
-      <a:bevelB w="88900" h="31750" prst="angle"/>
-    </dgm:sp3d>
-    <dgm:txPr/>
-    <dgm:style>
-      <a:lnRef idx="0">
-        <a:scrgbClr r="0" g="0" b="0"/>
-      </a:lnRef>
-      <a:fillRef idx="3">
-        <a:scrgbClr r="0" g="0" b="0"/>
-      </a:fillRef>
-      <a:effectRef idx="1">
-        <a:scrgbClr r="0" g="0" b="0"/>
-      </a:effectRef>
-      <a:fontRef idx="minor">
-        <a:schemeClr val="lt1"/>
-      </a:fontRef>
-    </dgm:style>
-  </dgm:styleLbl>
-  <dgm:styleLbl name="fgImgPlace1">
-    <dgm:scene3d>
-      <a:camera prst="orthographicFront"/>
-      <a:lightRig rig="flat" dir="t"/>
-    </dgm:scene3d>
-    <dgm:sp3d z="127000" prstMaterial="plastic">
-      <a:bevelT w="88900" h="88900"/>
-      <a:bevelB w="88900" h="31750" prst="angle"/>
-    </dgm:sp3d>
-    <dgm:txPr/>
-    <dgm:style>
-      <a:lnRef idx="0">
-        <a:scrgbClr r="0" g="0" b="0"/>
-      </a:lnRef>
-      <a:fillRef idx="3">
-        <a:scrgbClr r="0" g="0" b="0"/>
-      </a:fillRef>
-      <a:effectRef idx="2">
-        <a:scrgbClr r="0" g="0" b="0"/>
-      </a:effectRef>
-      <a:fontRef idx="minor"/>
-    </dgm:style>
-  </dgm:styleLbl>
-  <dgm:styleLbl name="alignImgPlace1">
-    <dgm:scene3d>
-      <a:camera prst="orthographicFront"/>
-      <a:lightRig rig="flat" dir="t"/>
-    </dgm:scene3d>
-    <dgm:sp3d prstMaterial="plastic">
-      <a:bevelT w="88900" h="88900"/>
-      <a:bevelB w="88900" h="31750" prst="angle"/>
-    </dgm:sp3d>
-    <dgm:txPr/>
-    <dgm:style>
-      <a:lnRef idx="0">
-        <a:scrgbClr r="0" g="0" b="0"/>
-      </a:lnRef>
-      <a:fillRef idx="3">
-        <a:scrgbClr r="0" g="0" b="0"/>
-      </a:fillRef>
-      <a:effectRef idx="2">
-        <a:scrgbClr r="0" g="0" b="0"/>
-      </a:effectRef>
-      <a:fontRef idx="minor"/>
-    </dgm:style>
-  </dgm:styleLbl>
-  <dgm:styleLbl name="bgImgPlace1">
-    <dgm:scene3d>
-      <a:camera prst="orthographicFront"/>
-      <a:lightRig rig="flat" dir="t"/>
-    </dgm:scene3d>
-    <dgm:sp3d z="-190500" prstMaterial="plastic">
-      <a:bevelT w="88900" h="88900"/>
-      <a:bevelB w="88900" h="31750" prst="angle"/>
-    </dgm:sp3d>
-    <dgm:txPr/>
-    <dgm:style>
-      <a:lnRef idx="0">
-        <a:scrgbClr r="0" g="0" b="0"/>
-      </a:lnRef>
-      <a:fillRef idx="3">
-        <a:scrgbClr r="0" g="0" b="0"/>
-      </a:fillRef>
-      <a:effectRef idx="2">
-        <a:scrgbClr r="0" g="0" b="0"/>
-      </a:effectRef>
-      <a:fontRef idx="minor"/>
-    </dgm:style>
-  </dgm:styleLbl>
-  <dgm:styleLbl name="sibTrans2D1">
-    <dgm:scene3d>
-      <a:camera prst="orthographicFront"/>
-      <a:lightRig rig="flat" dir="t"/>
-    </dgm:scene3d>
-    <dgm:sp3d z="-80000" prstMaterial="plastic">
-      <a:bevelT w="50800" h="50800"/>
-      <a:bevelB w="25400" h="25400" prst="angle"/>
-    </dgm:sp3d>
-    <dgm:txPr/>
-    <dgm:style>
-      <a:lnRef idx="0">
-        <a:scrgbClr r="0" g="0" b="0"/>
-      </a:lnRef>
-      <a:fillRef idx="3">
-        <a:scrgbClr r="0" g="0" b="0"/>
-      </a:fillRef>
-      <a:effectRef idx="2">
-        <a:scrgbClr r="0" g="0" b="0"/>
-      </a:effectRef>
-      <a:fontRef idx="minor">
-        <a:schemeClr val="lt1"/>
-      </a:fontRef>
-    </dgm:style>
-  </dgm:styleLbl>
-  <dgm:styleLbl name="fgSibTrans2D1">
-    <dgm:scene3d>
-      <a:camera prst="orthographicFront"/>
-      <a:lightRig rig="flat" dir="t"/>
-    </dgm:scene3d>
-    <dgm:sp3d z="127000" prstMaterial="plastic">
-      <a:bevelT w="50800" h="50800"/>
-      <a:bevelB w="25400" h="25400" prst="angle"/>
-    </dgm:sp3d>
-    <dgm:txPr/>
-    <dgm:style>
-      <a:lnRef idx="0">
-        <a:scrgbClr r="0" g="0" b="0"/>
-      </a:lnRef>
-      <a:fillRef idx="3">
-        <a:scrgbClr r="0" g="0" b="0"/>
-      </a:fillRef>
-      <a:effectRef idx="2">
-        <a:scrgbClr r="0" g="0" b="0"/>
-      </a:effectRef>
-      <a:fontRef idx="minor">
-        <a:schemeClr val="lt1"/>
-      </a:fontRef>
-    </dgm:style>
-  </dgm:styleLbl>
-  <dgm:styleLbl name="bgSibTrans2D1">
-    <dgm:scene3d>
-      <a:camera prst="orthographicFront"/>
-      <a:lightRig rig="flat" dir="t"/>
-    </dgm:scene3d>
-    <dgm:sp3d z="-190500" prstMaterial="plastic">
-      <a:bevelT w="50800" h="50800"/>
-      <a:bevelB w="25400" h="25400" prst="angle"/>
-    </dgm:sp3d>
-    <dgm:txPr/>
-    <dgm:style>
-      <a:lnRef idx="0">
-        <a:scrgbClr r="0" g="0" b="0"/>
-      </a:lnRef>
-      <a:fillRef idx="3">
-        <a:scrgbClr r="0" g="0" b="0"/>
-      </a:fillRef>
-      <a:effectRef idx="2">
-        <a:scrgbClr r="0" g="0" b="0"/>
-      </a:effectRef>
-      <a:fontRef idx="minor">
-        <a:schemeClr val="lt1"/>
-      </a:fontRef>
-    </dgm:style>
-  </dgm:styleLbl>
-  <dgm:styleLbl name="sibTrans1D1">
-    <dgm:scene3d>
-      <a:camera prst="orthographicFront"/>
-      <a:lightRig rig="flat" dir="t"/>
-    </dgm:scene3d>
-    <dgm:sp3d z="-40000" prstMaterial="matte"/>
-    <dgm:txPr/>
-    <dgm:style>
-      <a:lnRef idx="1">
-        <a:scrgbClr r="0" g="0" b="0"/>
-      </a:lnRef>
-      <a:fillRef idx="0">
-        <a:scrgbClr r="0" g="0" b="0"/>
-      </a:fillRef>
-      <a:effectRef idx="0">
-        <a:scrgbClr r="0" g="0" b="0"/>
-      </a:effectRef>
-      <a:fontRef idx="minor"/>
-    </dgm:style>
-  </dgm:styleLbl>
-  <dgm:styleLbl name="callout">
-    <dgm:scene3d>
-      <a:camera prst="orthographicFront"/>
-      <a:lightRig rig="threePt" dir="t"/>
-    </dgm:scene3d>
-    <dgm:sp3d z="127000" prstMaterial="matte"/>
-    <dgm:txPr/>
-    <dgm:style>
-      <a:lnRef idx="2">
-        <a:scrgbClr r="0" g="0" b="0"/>
-      </a:lnRef>
-      <a:fillRef idx="1">
-        <a:scrgbClr r="0" g="0" b="0"/>
-      </a:fillRef>
-      <a:effectRef idx="0">
-        <a:scrgbClr r="0" g="0" b="0"/>
-      </a:effectRef>
-      <a:fontRef idx="minor"/>
-    </dgm:style>
-  </dgm:styleLbl>
-  <dgm:styleLbl name="asst0">
-    <dgm:scene3d>
-      <a:camera prst="orthographicFront"/>
-      <a:lightRig rig="flat" dir="t"/>
-    </dgm:scene3d>
-    <dgm:sp3d prstMaterial="plastic">
-      <a:bevelT w="120900" h="88900"/>
-      <a:bevelB w="88900" h="31750" prst="angle"/>
-    </dgm:sp3d>
-    <dgm:txPr/>
-    <dgm:style>
-      <a:lnRef idx="0">
-        <a:scrgbClr r="0" g="0" b="0"/>
-      </a:lnRef>
-      <a:fillRef idx="3">
-        <a:scrgbClr r="0" g="0" b="0"/>
-      </a:fillRef>
-      <a:effectRef idx="1">
-        <a:scrgbClr r="0" g="0" b="0"/>
-      </a:effectRef>
-      <a:fontRef idx="minor">
-        <a:schemeClr val="lt1"/>
-      </a:fontRef>
-    </dgm:style>
-  </dgm:styleLbl>
-  <dgm:styleLbl name="asst1">
-    <dgm:scene3d>
-      <a:camera prst="orthographicFront"/>
-      <a:lightRig rig="flat" dir="t"/>
-    </dgm:scene3d>
-    <dgm:sp3d prstMaterial="plastic">
-      <a:bevelT w="120900" h="88900"/>
-      <a:bevelB w="88900" h="31750" prst="angle"/>
-    </dgm:sp3d>
-    <dgm:txPr/>
-    <dgm:style>
-      <a:lnRef idx="0">
-        <a:scrgbClr r="0" g="0" b="0"/>
-      </a:lnRef>
-      <a:fillRef idx="3">
-        <a:scrgbClr r="0" g="0" b="0"/>
-      </a:fillRef>
-      <a:effectRef idx="1">
-        <a:scrgbClr r="0" g="0" b="0"/>
-      </a:effectRef>
-      <a:fontRef idx="minor">
-        <a:schemeClr val="lt1"/>
-      </a:fontRef>
-    </dgm:style>
-  </dgm:styleLbl>
-  <dgm:styleLbl name="asst2">
-    <dgm:scene3d>
-      <a:camera prst="orthographicFront"/>
-      <a:lightRig rig="flat" dir="t"/>
-    </dgm:scene3d>
-    <dgm:sp3d prstMaterial="plastic">
-      <a:bevelT w="120900" h="88900"/>
-      <a:bevelB w="88900" h="31750" prst="angle"/>
-    </dgm:sp3d>
-    <dgm:txPr/>
-    <dgm:style>
-      <a:lnRef idx="0">
-        <a:scrgbClr r="0" g="0" b="0"/>
-      </a:lnRef>
-      <a:fillRef idx="3">
-        <a:scrgbClr r="0" g="0" b="0"/>
-      </a:fillRef>
-      <a:effectRef idx="1">
-        <a:scrgbClr r="0" g="0" b="0"/>
-      </a:effectRef>
-      <a:fontRef idx="minor">
-        <a:schemeClr val="lt1"/>
-      </a:fontRef>
-    </dgm:style>
-  </dgm:styleLbl>
-  <dgm:styleLbl name="asst3">
-    <dgm:scene3d>
-      <a:camera prst="orthographicFront"/>
-      <a:lightRig rig="flat" dir="t"/>
-    </dgm:scene3d>
-    <dgm:sp3d prstMaterial="plastic">
-      <a:bevelT w="120900" h="88900"/>
-      <a:bevelB w="88900" h="31750" prst="angle"/>
-    </dgm:sp3d>
-    <dgm:txPr/>
-    <dgm:style>
-      <a:lnRef idx="0">
-        <a:scrgbClr r="0" g="0" b="0"/>
-      </a:lnRef>
-      <a:fillRef idx="3">
-        <a:scrgbClr r="0" g="0" b="0"/>
-      </a:fillRef>
-      <a:effectRef idx="1">
-        <a:scrgbClr r="0" g="0" b="0"/>
-      </a:effectRef>
-      <a:fontRef idx="minor">
-        <a:schemeClr val="lt1"/>
-      </a:fontRef>
-    </dgm:style>
-  </dgm:styleLbl>
-  <dgm:styleLbl name="parChTrans2D1">
-    <dgm:scene3d>
-      <a:camera prst="orthographicFront"/>
-      <a:lightRig rig="flat" dir="t"/>
-    </dgm:scene3d>
-    <dgm:sp3d z="-100000" prstMaterial="plastic">
-      <a:bevelT w="120900" h="88900"/>
-      <a:bevelB w="88900" h="31750" prst="angle"/>
-    </dgm:sp3d>
-    <dgm:txPr/>
-    <dgm:style>
-      <a:lnRef idx="0">
-        <a:scrgbClr r="0" g="0" b="0"/>
-      </a:lnRef>
-      <a:fillRef idx="3">
-        <a:scrgbClr r="0" g="0" b="0"/>
-      </a:fillRef>
-      <a:effectRef idx="1">
-        <a:scrgbClr r="0" g="0" b="0"/>
-      </a:effectRef>
-      <a:fontRef idx="minor">
-        <a:schemeClr val="lt1"/>
-      </a:fontRef>
-    </dgm:style>
-  </dgm:styleLbl>
-  <dgm:styleLbl name="parChTrans2D2">
-    <dgm:scene3d>
-      <a:camera prst="orthographicFront"/>
-      <a:lightRig rig="flat" dir="t"/>
-    </dgm:scene3d>
-    <dgm:sp3d z="-60000" prstMaterial="plastic">
-      <a:bevelT w="120900" h="88900"/>
-      <a:bevelB w="88900" h="31750" prst="angle"/>
-    </dgm:sp3d>
-    <dgm:txPr/>
-    <dgm:style>
-      <a:lnRef idx="0">
-        <a:scrgbClr r="0" g="0" b="0"/>
-      </a:lnRef>
-      <a:fillRef idx="3">
-        <a:scrgbClr r="0" g="0" b="0"/>
-      </a:fillRef>
-      <a:effectRef idx="1">
-        <a:scrgbClr r="0" g="0" b="0"/>
-      </a:effectRef>
-      <a:fontRef idx="minor">
-        <a:schemeClr val="lt1"/>
-      </a:fontRef>
-    </dgm:style>
-  </dgm:styleLbl>
-  <dgm:styleLbl name="parChTrans2D3">
-    <dgm:scene3d>
-      <a:camera prst="orthographicFront"/>
-      <a:lightRig rig="flat" dir="t"/>
-    </dgm:scene3d>
-    <dgm:sp3d z="-60000" prstMaterial="plastic">
-      <a:bevelT w="120900" h="88900"/>
-      <a:bevelB w="88900" h="31750" prst="angle"/>
-    </dgm:sp3d>
-    <dgm:txPr/>
-    <dgm:style>
-      <a:lnRef idx="0">
-        <a:scrgbClr r="0" g="0" b="0"/>
-      </a:lnRef>
-      <a:fillRef idx="3">
-        <a:scrgbClr r="0" g="0" b="0"/>
-      </a:fillRef>
-      <a:effectRef idx="1">
-        <a:scrgbClr r="0" g="0" b="0"/>
-      </a:effectRef>
-      <a:fontRef idx="minor">
-        <a:schemeClr val="lt1"/>
-      </a:fontRef>
-    </dgm:style>
-  </dgm:styleLbl>
-  <dgm:styleLbl name="parChTrans2D4">
-    <dgm:scene3d>
-      <a:camera prst="orthographicFront"/>
-      <a:lightRig rig="flat" dir="t"/>
-    </dgm:scene3d>
-    <dgm:sp3d z="-60000" prstMaterial="plastic">
-      <a:bevelT w="120900" h="88900"/>
-      <a:bevelB w="88900" h="31750" prst="angle"/>
-    </dgm:sp3d>
-    <dgm:txPr/>
-    <dgm:style>
-      <a:lnRef idx="0">
-        <a:scrgbClr r="0" g="0" b="0"/>
-      </a:lnRef>
-      <a:fillRef idx="3">
-        <a:scrgbClr r="0" g="0" b="0"/>
-      </a:fillRef>
-      <a:effectRef idx="1">
-        <a:scrgbClr r="0" g="0" b="0"/>
-      </a:effectRef>
-      <a:fontRef idx="minor">
-        <a:schemeClr val="lt1"/>
-      </a:fontRef>
-    </dgm:style>
-  </dgm:styleLbl>
-  <dgm:styleLbl name="parChTrans1D1">
-    <dgm:scene3d>
-      <a:camera prst="orthographicFront"/>
-      <a:lightRig rig="flat" dir="t"/>
-    </dgm:scene3d>
-    <dgm:sp3d prstMaterial="matte"/>
-    <dgm:txPr/>
-    <dgm:style>
-      <a:lnRef idx="2">
-        <a:scrgbClr r="0" g="0" b="0"/>
-      </a:lnRef>
-      <a:fillRef idx="0">
-        <a:scrgbClr r="0" g="0" b="0"/>
-      </a:fillRef>
-      <a:effectRef idx="0">
-        <a:scrgbClr r="0" g="0" b="0"/>
-      </a:effectRef>
-      <a:fontRef idx="minor"/>
-    </dgm:style>
-  </dgm:styleLbl>
-  <dgm:styleLbl name="parChTrans1D2">
-    <dgm:scene3d>
-      <a:camera prst="orthographicFront"/>
-      <a:lightRig rig="flat" dir="t"/>
-    </dgm:scene3d>
-    <dgm:sp3d prstMaterial="matte"/>
-    <dgm:txPr/>
-    <dgm:style>
-      <a:lnRef idx="2">
-        <a:scrgbClr r="0" g="0" b="0"/>
-      </a:lnRef>
-      <a:fillRef idx="0">
-        <a:scrgbClr r="0" g="0" b="0"/>
-      </a:fillRef>
-      <a:effectRef idx="0">
-        <a:scrgbClr r="0" g="0" b="0"/>
-      </a:effectRef>
-      <a:fontRef idx="minor"/>
-    </dgm:style>
-  </dgm:styleLbl>
-  <dgm:styleLbl name="parChTrans1D3">
-    <dgm:scene3d>
-      <a:camera prst="orthographicFront"/>
-      <a:lightRig rig="flat" dir="t"/>
-    </dgm:scene3d>
-    <dgm:sp3d prstMaterial="matte"/>
-    <dgm:txPr/>
-    <dgm:style>
-      <a:lnRef idx="2">
-        <a:scrgbClr r="0" g="0" b="0"/>
-      </a:lnRef>
-      <a:fillRef idx="0">
-        <a:scrgbClr r="0" g="0" b="0"/>
-      </a:fillRef>
-      <a:effectRef idx="0">
-        <a:scrgbClr r="0" g="0" b="0"/>
-      </a:effectRef>
-      <a:fontRef idx="minor"/>
-    </dgm:style>
-  </dgm:styleLbl>
-  <dgm:styleLbl name="parChTrans1D4">
-    <dgm:scene3d>
-      <a:camera prst="orthographicFront"/>
-      <a:lightRig rig="flat" dir="t"/>
-    </dgm:scene3d>
-    <dgm:sp3d prstMaterial="matte"/>
-    <dgm:txPr/>
-    <dgm:style>
-      <a:lnRef idx="2">
-        <a:scrgbClr r="0" g="0" b="0"/>
-      </a:lnRef>
-      <a:fillRef idx="0">
-        <a:scrgbClr r="0" g="0" b="0"/>
-      </a:fillRef>
-      <a:effectRef idx="0">
-        <a:scrgbClr r="0" g="0" b="0"/>
-      </a:effectRef>
-      <a:fontRef idx="minor"/>
-    </dgm:style>
-  </dgm:styleLbl>
-  <dgm:styleLbl name="fgAcc1">
-    <dgm:scene3d>
-      <a:camera prst="orthographicFront"/>
-      <a:lightRig rig="flat" dir="t"/>
-    </dgm:scene3d>
-    <dgm:sp3d z="190500" extrusionH="12700" prstMaterial="plastic">
-      <a:bevelT w="50800" h="50800"/>
-    </dgm:sp3d>
-    <dgm:txPr/>
-    <dgm:style>
-      <a:lnRef idx="1">
-        <a:scrgbClr r="0" g="0" b="0"/>
-      </a:lnRef>
-      <a:fillRef idx="1">
-        <a:scrgbClr r="0" g="0" b="0"/>
-      </a:fillRef>
-      <a:effectRef idx="2">
-        <a:scrgbClr r="0" g="0" b="0"/>
-      </a:effectRef>
-      <a:fontRef idx="minor"/>
-    </dgm:style>
-  </dgm:styleLbl>
-  <dgm:styleLbl name="conFgAcc1">
-    <dgm:scene3d>
-      <a:camera prst="orthographicFront"/>
-      <a:lightRig rig="flat" dir="t"/>
-    </dgm:scene3d>
-    <dgm:sp3d z="190500" extrusionH="12700" prstMaterial="plastic">
-      <a:bevelT w="50800" h="50800"/>
-    </dgm:sp3d>
-    <dgm:txPr/>
-    <dgm:style>
-      <a:lnRef idx="1">
-        <a:scrgbClr r="0" g="0" b="0"/>
-      </a:lnRef>
-      <a:fillRef idx="1">
-        <a:scrgbClr r="0" g="0" b="0"/>
-      </a:fillRef>
-      <a:effectRef idx="2">
-        <a:scrgbClr r="0" g="0" b="0"/>
-      </a:effectRef>
-      <a:fontRef idx="minor"/>
-    </dgm:style>
-  </dgm:styleLbl>
-  <dgm:styleLbl name="alignAcc1">
-    <dgm:scene3d>
-      <a:camera prst="orthographicFront"/>
-      <a:lightRig rig="flat" dir="t"/>
-    </dgm:scene3d>
-    <dgm:sp3d extrusionH="12700" prstMaterial="plastic">
-      <a:bevelT w="50800" h="50800"/>
-    </dgm:sp3d>
-    <dgm:txPr/>
-    <dgm:style>
-      <a:lnRef idx="1">
-        <a:scrgbClr r="0" g="0" b="0"/>
-      </a:lnRef>
-      <a:fillRef idx="1">
-        <a:scrgbClr r="0" g="0" b="0"/>
-      </a:fillRef>
-      <a:effectRef idx="2">
-        <a:scrgbClr r="0" g="0" b="0"/>
-      </a:effectRef>
-      <a:fontRef idx="minor"/>
-    </dgm:style>
-  </dgm:styleLbl>
-  <dgm:styleLbl name="trAlignAcc1">
-    <dgm:scene3d>
-      <a:camera prst="orthographicFront"/>
-      <a:lightRig rig="flat" dir="t"/>
-    </dgm:scene3d>
-    <dgm:sp3d extrusionH="12700" prstMaterial="plastic">
-      <a:bevelT w="50800" h="50800"/>
-    </dgm:sp3d>
-    <dgm:txPr/>
-    <dgm:style>
-      <a:lnRef idx="1">
-        <a:scrgbClr r="0" g="0" b="0"/>
-      </a:lnRef>
-      <a:fillRef idx="1">
-        <a:scrgbClr r="0" g="0" b="0"/>
-      </a:fillRef>
-      <a:effectRef idx="2">
-        <a:scrgbClr r="0" g="0" b="0"/>
-      </a:effectRef>
-      <a:fontRef idx="minor"/>
-    </dgm:style>
-  </dgm:styleLbl>
-  <dgm:styleLbl name="bgAcc1">
-    <dgm:scene3d>
-      <a:camera prst="orthographicFront"/>
-      <a:lightRig rig="flat" dir="t"/>
-    </dgm:scene3d>
-    <dgm:sp3d z="-190500" extrusionH="12700" prstMaterial="plastic">
-      <a:bevelT w="50800" h="50800"/>
-    </dgm:sp3d>
-    <dgm:txPr/>
-    <dgm:style>
-      <a:lnRef idx="1">
-        <a:scrgbClr r="0" g="0" b="0"/>
-      </a:lnRef>
-      <a:fillRef idx="1">
-        <a:scrgbClr r="0" g="0" b="0"/>
-      </a:fillRef>
-      <a:effectRef idx="2">
-        <a:scrgbClr r="0" g="0" b="0"/>
-      </a:effectRef>
-      <a:fontRef idx="minor"/>
-    </dgm:style>
-  </dgm:styleLbl>
-  <dgm:styleLbl name="solidFgAcc1">
-    <dgm:scene3d>
-      <a:camera prst="orthographicFront"/>
-      <a:lightRig rig="flat" dir="t"/>
-    </dgm:scene3d>
-    <dgm:sp3d z="190500" extrusionH="12700" prstMaterial="plastic">
-      <a:bevelT w="50800" h="50800"/>
-    </dgm:sp3d>
-    <dgm:txPr/>
-    <dgm:style>
-      <a:lnRef idx="1">
-        <a:scrgbClr r="0" g="0" b="0"/>
-      </a:lnRef>
-      <a:fillRef idx="1">
-        <a:scrgbClr r="0" g="0" b="0"/>
-      </a:fillRef>
-      <a:effectRef idx="2">
-        <a:scrgbClr r="0" g="0" b="0"/>
-      </a:effectRef>
-      <a:fontRef idx="minor"/>
-    </dgm:style>
-  </dgm:styleLbl>
-  <dgm:styleLbl name="solidAlignAcc1">
-    <dgm:scene3d>
-      <a:camera prst="orthographicFront"/>
-      <a:lightRig rig="flat" dir="t"/>
-    </dgm:scene3d>
-    <dgm:sp3d extrusionH="12700" prstMaterial="plastic">
-      <a:bevelT w="50800" h="50800"/>
-    </dgm:sp3d>
-    <dgm:txPr/>
-    <dgm:style>
-      <a:lnRef idx="1">
-        <a:scrgbClr r="0" g="0" b="0"/>
-      </a:lnRef>
-      <a:fillRef idx="1">
-        <a:scrgbClr r="0" g="0" b="0"/>
-      </a:fillRef>
-      <a:effectRef idx="2">
-        <a:scrgbClr r="0" g="0" b="0"/>
-      </a:effectRef>
-      <a:fontRef idx="minor"/>
-    </dgm:style>
-  </dgm:styleLbl>
-  <dgm:styleLbl name="solidBgAcc1">
-    <dgm:scene3d>
-      <a:camera prst="orthographicFront"/>
-      <a:lightRig rig="flat" dir="t"/>
-    </dgm:scene3d>
-    <dgm:sp3d z="-190500" extrusionH="12700" prstMaterial="plastic">
-      <a:bevelT w="50800" h="50800"/>
-    </dgm:sp3d>
-    <dgm:txPr/>
-    <dgm:style>
-      <a:lnRef idx="1">
-        <a:scrgbClr r="0" g="0" b="0"/>
-      </a:lnRef>
-      <a:fillRef idx="1">
-        <a:scrgbClr r="0" g="0" b="0"/>
-      </a:fillRef>
-      <a:effectRef idx="2">
-        <a:scrgbClr r="0" g="0" b="0"/>
-      </a:effectRef>
-      <a:fontRef idx="minor"/>
-    </dgm:style>
-  </dgm:styleLbl>
-  <dgm:styleLbl name="fgAccFollowNode1">
-    <dgm:scene3d>
-      <a:camera prst="orthographicFront"/>
-      <a:lightRig rig="flat" dir="t"/>
-    </dgm:scene3d>
-    <dgm:sp3d z="190500" extrusionH="12700" prstMaterial="plastic">
-      <a:bevelT w="50800" h="50800"/>
-    </dgm:sp3d>
-    <dgm:txPr/>
-    <dgm:style>
-      <a:lnRef idx="1">
-        <a:scrgbClr r="0" g="0" b="0"/>
-      </a:lnRef>
-      <a:fillRef idx="1">
-        <a:scrgbClr r="0" g="0" b="0"/>
-      </a:fillRef>
-      <a:effectRef idx="2">
-        <a:scrgbClr r="0" g="0" b="0"/>
-      </a:effectRef>
-      <a:fontRef idx="minor"/>
-    </dgm:style>
-  </dgm:styleLbl>
-  <dgm:styleLbl name="alignAccFollowNode1">
-    <dgm:scene3d>
-      <a:camera prst="orthographicFront"/>
-      <a:lightRig rig="flat" dir="t"/>
-    </dgm:scene3d>
-    <dgm:sp3d extrusionH="12700" prstMaterial="plastic">
-      <a:bevelT w="50800" h="50800"/>
-    </dgm:sp3d>
-    <dgm:txPr/>
-    <dgm:style>
-      <a:lnRef idx="1">
-        <a:scrgbClr r="0" g="0" b="0"/>
-      </a:lnRef>
-      <a:fillRef idx="1">
-        <a:scrgbClr r="0" g="0" b="0"/>
-      </a:fillRef>
-      <a:effectRef idx="2">
-        <a:scrgbClr r="0" g="0" b="0"/>
-      </a:effectRef>
-      <a:fontRef idx="minor"/>
-    </dgm:style>
-  </dgm:styleLbl>
-  <dgm:styleLbl name="bgAccFollowNode1">
-    <dgm:scene3d>
-      <a:camera prst="orthographicFront"/>
-      <a:lightRig rig="flat" dir="t"/>
-    </dgm:scene3d>
-    <dgm:sp3d z="-190500" extrusionH="12700" prstMaterial="plastic">
-      <a:bevelT w="50800" h="50800"/>
-    </dgm:sp3d>
-    <dgm:txPr/>
-    <dgm:style>
-      <a:lnRef idx="1">
-        <a:scrgbClr r="0" g="0" b="0"/>
-      </a:lnRef>
-      <a:fillRef idx="1">
-        <a:scrgbClr r="0" g="0" b="0"/>
-      </a:fillRef>
-      <a:effectRef idx="2">
-        <a:scrgbClr r="0" g="0" b="0"/>
-      </a:effectRef>
-      <a:fontRef idx="minor"/>
-    </dgm:style>
-  </dgm:styleLbl>
-  <dgm:styleLbl name="fgAcc0">
-    <dgm:scene3d>
-      <a:camera prst="orthographicFront"/>
-      <a:lightRig rig="flat" dir="t"/>
-    </dgm:scene3d>
-    <dgm:sp3d z="190500" extrusionH="12700" prstMaterial="plastic">
-      <a:bevelT w="50800" h="50800"/>
-    </dgm:sp3d>
-    <dgm:txPr/>
-    <dgm:style>
-      <a:lnRef idx="1">
-        <a:scrgbClr r="0" g="0" b="0"/>
-      </a:lnRef>
-      <a:fillRef idx="1">
-        <a:scrgbClr r="0" g="0" b="0"/>
-      </a:fillRef>
-      <a:effectRef idx="2">
-        <a:scrgbClr r="0" g="0" b="0"/>
-      </a:effectRef>
-      <a:fontRef idx="minor"/>
-    </dgm:style>
-  </dgm:styleLbl>
-  <dgm:styleLbl name="fgAcc2">
-    <dgm:scene3d>
-      <a:camera prst="orthographicFront"/>
-      <a:lightRig rig="flat" dir="t"/>
-    </dgm:scene3d>
-    <dgm:sp3d z="190500" extrusionH="12700" prstMaterial="plastic">
-      <a:bevelT w="50800" h="50800"/>
-    </dgm:sp3d>
-    <dgm:txPr/>
-    <dgm:style>
-      <a:lnRef idx="1">
-        <a:scrgbClr r="0" g="0" b="0"/>
-      </a:lnRef>
-      <a:fillRef idx="1">
-        <a:scrgbClr r="0" g="0" b="0"/>
-      </a:fillRef>
-      <a:effectRef idx="2">
-        <a:scrgbClr r="0" g="0" b="0"/>
-      </a:effectRef>
-      <a:fontRef idx="minor"/>
-    </dgm:style>
-  </dgm:styleLbl>
-  <dgm:styleLbl name="fgAcc3">
-    <dgm:scene3d>
-      <a:camera prst="orthographicFront"/>
-      <a:lightRig rig="flat" dir="t"/>
-    </dgm:scene3d>
-    <dgm:sp3d z="190500" extrusionH="12700" prstMaterial="plastic">
-      <a:bevelT w="50800" h="50800"/>
-    </dgm:sp3d>
-    <dgm:txPr/>
-    <dgm:style>
-      <a:lnRef idx="1">
-        <a:scrgbClr r="0" g="0" b="0"/>
-      </a:lnRef>
-      <a:fillRef idx="1">
-        <a:scrgbClr r="0" g="0" b="0"/>
-      </a:fillRef>
-      <a:effectRef idx="2">
-        <a:scrgbClr r="0" g="0" b="0"/>
-      </a:effectRef>
-      <a:fontRef idx="minor"/>
-    </dgm:style>
-  </dgm:styleLbl>
-  <dgm:styleLbl name="fgAcc4">
-    <dgm:scene3d>
-      <a:camera prst="orthographicFront"/>
-      <a:lightRig rig="flat" dir="t"/>
-    </dgm:scene3d>
-    <dgm:sp3d z="190500" extrusionH="12700" prstMaterial="plastic">
-      <a:bevelT w="50800" h="50800"/>
-    </dgm:sp3d>
-    <dgm:txPr/>
-    <dgm:style>
-      <a:lnRef idx="1">
-        <a:scrgbClr r="0" g="0" b="0"/>
-      </a:lnRef>
-      <a:fillRef idx="1">
-        <a:scrgbClr r="0" g="0" b="0"/>
-      </a:fillRef>
-      <a:effectRef idx="2">
-        <a:scrgbClr r="0" g="0" b="0"/>
-      </a:effectRef>
-      <a:fontRef idx="minor"/>
-    </dgm:style>
-  </dgm:styleLbl>
-  <dgm:styleLbl name="bgShp">
-    <dgm:scene3d>
-      <a:camera prst="orthographicFront"/>
-      <a:lightRig rig="flat" dir="t"/>
-    </dgm:scene3d>
-    <dgm:sp3d z="-190500" extrusionH="12700" prstMaterial="plastic">
-      <a:bevelT w="50800" h="50800"/>
-    </dgm:sp3d>
-    <dgm:txPr/>
-    <dgm:style>
-      <a:lnRef idx="0">
-        <a:scrgbClr r="0" g="0" b="0"/>
-      </a:lnRef>
-      <a:fillRef idx="3">
-        <a:scrgbClr r="0" g="0" b="0"/>
-      </a:fillRef>
-      <a:effectRef idx="0">
-        <a:scrgbClr r="0" g="0" b="0"/>
-      </a:effectRef>
-      <a:fontRef idx="minor"/>
-    </dgm:style>
-  </dgm:styleLbl>
-  <dgm:styleLbl name="dkBgShp">
-    <dgm:scene3d>
-      <a:camera prst="orthographicFront"/>
-      <a:lightRig rig="flat" dir="t"/>
-    </dgm:scene3d>
-    <dgm:sp3d z="-190500" extrusionH="12700" prstMaterial="plastic">
-      <a:bevelT w="50800" h="50800"/>
-    </dgm:sp3d>
-    <dgm:txPr/>
-    <dgm:style>
-      <a:lnRef idx="0">
-        <a:scrgbClr r="0" g="0" b="0"/>
-      </a:lnRef>
-      <a:fillRef idx="2">
-        <a:scrgbClr r="0" g="0" b="0"/>
-      </a:fillRef>
-      <a:effectRef idx="0">
-        <a:scrgbClr r="0" g="0" b="0"/>
-      </a:effectRef>
-      <a:fontRef idx="minor"/>
-    </dgm:style>
-  </dgm:styleLbl>
-  <dgm:styleLbl name="trBgShp">
-    <dgm:scene3d>
-      <a:camera prst="orthographicFront"/>
-      <a:lightRig rig="flat" dir="t"/>
-    </dgm:scene3d>
-    <dgm:sp3d z="-190500" extrusionH="12700" prstMaterial="matte"/>
-    <dgm:txPr/>
-    <dgm:style>
-      <a:lnRef idx="0">
-        <a:scrgbClr r="0" g="0" b="0"/>
-      </a:lnRef>
-      <a:fillRef idx="1">
-        <a:scrgbClr r="0" g="0" b="0"/>
-      </a:fillRef>
-      <a:effectRef idx="0">
-        <a:scrgbClr r="0" g="0" b="0"/>
-      </a:effectRef>
-      <a:fontRef idx="minor"/>
-    </dgm:style>
-  </dgm:styleLbl>
-  <dgm:styleLbl name="fgShp">
-    <dgm:scene3d>
-      <a:camera prst="orthographicFront"/>
-      <a:lightRig rig="flat" dir="t"/>
-    </dgm:scene3d>
-    <dgm:sp3d z="190500" prstMaterial="plastic">
-      <a:bevelT w="120900" h="88900"/>
-      <a:bevelB w="88900" h="31750" prst="angle"/>
-    </dgm:sp3d>
-    <dgm:txPr/>
-    <dgm:style>
-      <a:lnRef idx="0">
-        <a:scrgbClr r="0" g="0" b="0"/>
-      </a:lnRef>
-      <a:fillRef idx="1">
-        <a:scrgbClr r="0" g="0" b="0"/>
-      </a:fillRef>
-      <a:effectRef idx="3">
-        <a:scrgbClr r="0" g="0" b="0"/>
-      </a:effectRef>
-      <a:fontRef idx="minor">
-        <a:schemeClr val="lt1"/>
-      </a:fontRef>
-    </dgm:style>
-  </dgm:styleLbl>
-  <dgm:styleLbl name="revTx">
-    <dgm:scene3d>
-      <a:camera prst="orthographicFront"/>
-      <a:lightRig rig="threePt" dir="t"/>
-    </dgm:scene3d>
-    <dgm:sp3d/>
-    <dgm:txPr/>
-    <dgm:style>
-      <a:lnRef idx="0">
-        <a:scrgbClr r="0" g="0" b="0"/>
-      </a:lnRef>
-      <a:fillRef idx="0">
-        <a:scrgbClr r="0" g="0" b="0"/>
-      </a:fillRef>
-      <a:effectRef idx="0">
-        <a:scrgbClr r="0" g="0" b="0"/>
-      </a:effectRef>
-      <a:fontRef idx="minor"/>
-    </dgm:style>
-  </dgm:styleLbl>
-</dgm:styleDef>
-</file>
-
-<file path=ppt/diagrams/quickStyle3.xml><?xml version="1.0" encoding="utf-8"?>
 <dgm:styleDef xmlns:dgm="http://schemas.openxmlformats.org/drawingml/2006/diagram" xmlns:a="http://schemas.openxmlformats.org/drawingml/2006/main" uniqueId="urn:microsoft.com/office/officeart/2005/8/quickstyle/simple1">
   <dgm:title val=""/>
   <dgm:desc val=""/>
@@ -14231,7 +10255,7 @@
           <a:p>
             <a:fld id="{FE83B3B8-4113-4867-9A19-4A4B1D244722}" type="datetimeFigureOut">
               <a:rPr lang="en-US" smtClean="0"/>
-              <a:t>7/23/2020</a:t>
+              <a:t>7/24/2020</a:t>
             </a:fld>
             <a:endParaRPr lang="en-US"/>
           </a:p>
@@ -14544,7 +10568,7 @@
           <a:lstStyle/>
           <a:p>
             <a:r>
-              <a:rPr lang="en-US" sz="1200" kern="1200" dirty="0" smtClean="0">
+              <a:rPr lang="vi-VN" sz="1200" b="0" i="0" kern="1200" dirty="0" smtClean="0">
                 <a:solidFill>
                   <a:schemeClr val="tx1"/>
                 </a:solidFill>
@@ -14553,12 +10577,10 @@
                 <a:ea typeface="+mn-ea"/>
                 <a:cs typeface="+mn-cs"/>
               </a:rPr>
-              <a:t>1. Một nhân viên có thể vô tình chọn nhầm người nhận khi gửi email chứa dữ liệu bí mật.</a:t>
-            </a:r>
-          </a:p>
-          <a:p>
-            <a:r>
-              <a:rPr lang="en-US" sz="1200" kern="1200" dirty="0" smtClean="0">
+              <a:t>Để được càng chính xác càng tốt, thời gian dịch vụ Cập Nhật phải luôn chạy trong nền, thường xuyên gửi yêu cầu đến máy chủ của thời gian chính xác, có nghĩa là, tạo ra khá nhiều lưu lượng truy cập</a:t>
+            </a:r>
+            <a:r>
+              <a:rPr lang="en-US" sz="1200" b="0" i="0" kern="1200" dirty="0" smtClean="0">
                 <a:solidFill>
                   <a:schemeClr val="tx1"/>
                 </a:solidFill>
@@ -14567,12 +10589,12 @@
                 <a:ea typeface="+mn-ea"/>
                 <a:cs typeface="+mn-cs"/>
               </a:rPr>
-              <a:t>2. Tuy nhiên, phần lớn mất dữ liệu không xảy ra trên một phương tiện điện tử; nó xảy ra thông qua máy in, máy ảnh, máy photocopy, ổ USB di động và thậm chí cả máy lặn để tìm tài liệu bị loại bỏ.</a:t>
-            </a:r>
-          </a:p>
-          <a:p>
-            <a:r>
-              <a:rPr lang="en-US" sz="1200" kern="1200" dirty="0" smtClean="0">
+              <a:t>.</a:t>
+            </a:r>
+          </a:p>
+          <a:p>
+            <a:r>
+              <a:rPr lang="en-US" sz="1200" b="0" i="0" kern="1200" dirty="0" smtClean="0">
                 <a:solidFill>
                   <a:schemeClr val="tx1"/>
                 </a:solidFill>
@@ -14581,8 +10603,10 @@
                 <a:ea typeface="+mn-ea"/>
                 <a:cs typeface="+mn-cs"/>
               </a:rPr>
-              <a:t>3. Một tội phạm mạng có thể dễ dàng giả mạo một tài khoản email doanh nghiệp hợp pháp và yêu cầu thông tin nhạy cảm được gửi đến họ. </a:t>
-            </a:r>
+              <a:t>IDS từ lâu đã bỏ qua giao thông NTP.</a:t>
+            </a:r>
+          </a:p>
+          <a:p>
             <a:endParaRPr lang="en-US" dirty="0"/>
           </a:p>
         </p:txBody>
@@ -14604,7 +10628,7 @@
           <a:p>
             <a:fld id="{98F6404F-8860-4E8E-8C68-E516B4EA8F20}" type="slidenum">
               <a:rPr lang="en-US" smtClean="0"/>
-              <a:t>6</a:t>
+              <a:t>2</a:t>
             </a:fld>
             <a:endParaRPr lang="en-US"/>
           </a:p>
@@ -14613,7 +10637,7 @@
     </p:spTree>
     <p:extLst>
       <p:ext uri="{BB962C8B-B14F-4D97-AF65-F5344CB8AC3E}">
-        <p14:creationId xmlns:p14="http://schemas.microsoft.com/office/powerpoint/2010/main" val="2561091422"/>
+        <p14:creationId xmlns:p14="http://schemas.microsoft.com/office/powerpoint/2010/main" val="2921906899"/>
       </p:ext>
     </p:extLst>
   </p:cSld>
@@ -14668,15 +10692,7 @@
           <a:lstStyle/>
           <a:p>
             <a:r>
-              <a:rPr lang="en-US" dirty="0" smtClean="0"/>
-              <a:t>Các</a:t>
-            </a:r>
-            <a:r>
-              <a:rPr lang="en-US" baseline="0" dirty="0" smtClean="0"/>
-              <a:t> phần mềm đồng bộ trên các hệ điều hành: </a:t>
-            </a:r>
-            <a:r>
-              <a:rPr lang="en-US" sz="1200" b="0" i="0" kern="1200" dirty="0" smtClean="0">
+              <a:rPr lang="en-US" sz="1200" kern="1200" dirty="0" smtClean="0">
                 <a:solidFill>
                   <a:schemeClr val="tx1"/>
                 </a:solidFill>
@@ -14685,7 +10701,35 @@
                 <a:ea typeface="+mn-ea"/>
                 <a:cs typeface="+mn-cs"/>
               </a:rPr>
-              <a:t>W32Time chịu trách nhiệm đồng bộ hóa trên Windows và daemon ntpd hoặc chronyd</a:t>
+              <a:t>1. Một nhân viên có thể vô tình chọn nhầm người nhận khi gửi email chứa dữ liệu bí mật.</a:t>
+            </a:r>
+          </a:p>
+          <a:p>
+            <a:r>
+              <a:rPr lang="en-US" sz="1200" kern="1200" dirty="0" smtClean="0">
+                <a:solidFill>
+                  <a:schemeClr val="tx1"/>
+                </a:solidFill>
+                <a:effectLst/>
+                <a:latin typeface="+mn-lt"/>
+                <a:ea typeface="+mn-ea"/>
+                <a:cs typeface="+mn-cs"/>
+              </a:rPr>
+              <a:t>2. Tuy nhiên, phần lớn mất dữ liệu không xảy ra trên một phương tiện điện tử; nó xảy ra thông qua máy in, máy ảnh, máy photocopy, ổ USB di động và thậm chí cả máy lặn để tìm tài liệu bị loại bỏ.</a:t>
+            </a:r>
+          </a:p>
+          <a:p>
+            <a:r>
+              <a:rPr lang="en-US" sz="1200" kern="1200" dirty="0" smtClean="0">
+                <a:solidFill>
+                  <a:schemeClr val="tx1"/>
+                </a:solidFill>
+                <a:effectLst/>
+                <a:latin typeface="+mn-lt"/>
+                <a:ea typeface="+mn-ea"/>
+                <a:cs typeface="+mn-cs"/>
+              </a:rPr>
+              <a:t>3. Một tội phạm mạng có thể dễ dàng giả mạo một tài khoản email doanh nghiệp hợp pháp và yêu cầu thông tin nhạy cảm được gửi đến họ. </a:t>
             </a:r>
             <a:endParaRPr lang="en-US" dirty="0"/>
           </a:p>
@@ -14708,7 +10752,7 @@
           <a:p>
             <a:fld id="{98F6404F-8860-4E8E-8C68-E516B4EA8F20}" type="slidenum">
               <a:rPr lang="en-US" smtClean="0"/>
-              <a:t>8</a:t>
+              <a:t>6</a:t>
             </a:fld>
             <a:endParaRPr lang="en-US"/>
           </a:p>
@@ -14717,7 +10761,7 @@
     </p:spTree>
     <p:extLst>
       <p:ext uri="{BB962C8B-B14F-4D97-AF65-F5344CB8AC3E}">
-        <p14:creationId xmlns:p14="http://schemas.microsoft.com/office/powerpoint/2010/main" val="2195863514"/>
+        <p14:creationId xmlns:p14="http://schemas.microsoft.com/office/powerpoint/2010/main" val="2561091422"/>
       </p:ext>
     </p:extLst>
   </p:cSld>
@@ -14771,6 +10815,110 @@
           <a:bodyPr/>
           <a:lstStyle/>
           <a:p>
+            <a:r>
+              <a:rPr lang="en-US" dirty="0" smtClean="0"/>
+              <a:t>Các</a:t>
+            </a:r>
+            <a:r>
+              <a:rPr lang="en-US" baseline="0" dirty="0" smtClean="0"/>
+              <a:t> phần mềm đồng bộ trên các hệ điều hành: </a:t>
+            </a:r>
+            <a:r>
+              <a:rPr lang="en-US" sz="1200" b="0" i="0" kern="1200" dirty="0" smtClean="0">
+                <a:solidFill>
+                  <a:schemeClr val="tx1"/>
+                </a:solidFill>
+                <a:effectLst/>
+                <a:latin typeface="+mn-lt"/>
+                <a:ea typeface="+mn-ea"/>
+                <a:cs typeface="+mn-cs"/>
+              </a:rPr>
+              <a:t>W32Time chịu trách nhiệm đồng bộ hóa trên Windows và daemon ntpd hoặc chronyd</a:t>
+            </a:r>
+            <a:endParaRPr lang="en-US" dirty="0"/>
+          </a:p>
+        </p:txBody>
+      </p:sp>
+      <p:sp>
+        <p:nvSpPr>
+          <p:cNvPr id="4" name="Slide Number Placeholder 3"/>
+          <p:cNvSpPr>
+            <a:spLocks noGrp="1"/>
+          </p:cNvSpPr>
+          <p:nvPr>
+            <p:ph type="sldNum" sz="quarter" idx="10"/>
+          </p:nvPr>
+        </p:nvSpPr>
+        <p:spPr/>
+        <p:txBody>
+          <a:bodyPr/>
+          <a:lstStyle/>
+          <a:p>
+            <a:fld id="{98F6404F-8860-4E8E-8C68-E516B4EA8F20}" type="slidenum">
+              <a:rPr lang="en-US" smtClean="0"/>
+              <a:t>8</a:t>
+            </a:fld>
+            <a:endParaRPr lang="en-US"/>
+          </a:p>
+        </p:txBody>
+      </p:sp>
+    </p:spTree>
+    <p:extLst>
+      <p:ext uri="{BB962C8B-B14F-4D97-AF65-F5344CB8AC3E}">
+        <p14:creationId xmlns:p14="http://schemas.microsoft.com/office/powerpoint/2010/main" val="2195863514"/>
+      </p:ext>
+    </p:extLst>
+  </p:cSld>
+  <p:clrMapOvr>
+    <a:masterClrMapping/>
+  </p:clrMapOvr>
+</p:notes>
+</file>
+
+<file path=ppt/notesSlides/notesSlide4.xml><?xml version="1.0" encoding="utf-8"?>
+<p:notes xmlns:a="http://schemas.openxmlformats.org/drawingml/2006/main" xmlns:r="http://schemas.openxmlformats.org/officeDocument/2006/relationships" xmlns:p="http://schemas.openxmlformats.org/presentationml/2006/main">
+  <p:cSld>
+    <p:spTree>
+      <p:nvGrpSpPr>
+        <p:cNvPr id="1" name=""/>
+        <p:cNvGrpSpPr/>
+        <p:nvPr/>
+      </p:nvGrpSpPr>
+      <p:grpSpPr>
+        <a:xfrm>
+          <a:off x="0" y="0"/>
+          <a:ext cx="0" cy="0"/>
+          <a:chOff x="0" y="0"/>
+          <a:chExt cx="0" cy="0"/>
+        </a:xfrm>
+      </p:grpSpPr>
+      <p:sp>
+        <p:nvSpPr>
+          <p:cNvPr id="2" name="Slide Image Placeholder 1"/>
+          <p:cNvSpPr>
+            <a:spLocks noGrp="1" noRot="1" noChangeAspect="1"/>
+          </p:cNvSpPr>
+          <p:nvPr>
+            <p:ph type="sldImg"/>
+          </p:nvPr>
+        </p:nvSpPr>
+        <p:spPr/>
+      </p:sp>
+      <p:sp>
+        <p:nvSpPr>
+          <p:cNvPr id="3" name="Notes Placeholder 2"/>
+          <p:cNvSpPr>
+            <a:spLocks noGrp="1"/>
+          </p:cNvSpPr>
+          <p:nvPr>
+            <p:ph type="body" idx="1"/>
+          </p:nvPr>
+        </p:nvSpPr>
+        <p:spPr/>
+        <p:txBody>
+          <a:bodyPr/>
+          <a:lstStyle/>
+          <a:p>
             <a:pPr marL="0" marR="0" lvl="0" indent="0" algn="l" defTabSz="914400" rtl="0" eaLnBrk="1" fontAlgn="auto" latinLnBrk="0" hangingPunct="1">
               <a:lnSpc>
                 <a:spcPct val="100000"/>
@@ -14985,7 +11133,7 @@
 </p:notes>
 </file>
 
-<file path=ppt/notesSlides/notesSlide4.xml><?xml version="1.0" encoding="utf-8"?>
+<file path=ppt/notesSlides/notesSlide5.xml><?xml version="1.0" encoding="utf-8"?>
 <p:notes xmlns:a="http://schemas.openxmlformats.org/drawingml/2006/main" xmlns:r="http://schemas.openxmlformats.org/officeDocument/2006/relationships" xmlns:p="http://schemas.openxmlformats.org/presentationml/2006/main">
   <p:cSld>
     <p:spTree>
@@ -15438,7 +11586,7 @@
           <a:p>
             <a:fld id="{1BF6494D-876B-433C-A71D-E674F2C4844D}" type="datetimeFigureOut">
               <a:rPr lang="en-US" smtClean="0"/>
-              <a:t>7/23/2020</a:t>
+              <a:t>7/24/2020</a:t>
             </a:fld>
             <a:endParaRPr lang="en-US" dirty="0"/>
           </a:p>
@@ -15659,7 +11807,7 @@
           <a:p>
             <a:fld id="{1BF6494D-876B-433C-A71D-E674F2C4844D}" type="datetimeFigureOut">
               <a:rPr lang="en-US" smtClean="0"/>
-              <a:t>7/23/2020</a:t>
+              <a:t>7/24/2020</a:t>
             </a:fld>
             <a:endParaRPr lang="en-US" dirty="0"/>
           </a:p>
@@ -15839,7 +11987,7 @@
           <a:p>
             <a:fld id="{1BF6494D-876B-433C-A71D-E674F2C4844D}" type="datetimeFigureOut">
               <a:rPr lang="en-US" smtClean="0"/>
-              <a:t>7/23/2020</a:t>
+              <a:t>7/24/2020</a:t>
             </a:fld>
             <a:endParaRPr lang="en-US" dirty="0"/>
           </a:p>
@@ -16016,7 +12164,7 @@
           <a:p>
             <a:fld id="{1BF6494D-876B-433C-A71D-E674F2C4844D}" type="datetimeFigureOut">
               <a:rPr lang="en-US" smtClean="0"/>
-              <a:t>7/23/2020</a:t>
+              <a:t>7/24/2020</a:t>
             </a:fld>
             <a:endParaRPr lang="en-US" dirty="0"/>
           </a:p>
@@ -16267,7 +12415,7 @@
           <a:p>
             <a:fld id="{1BF6494D-876B-433C-A71D-E674F2C4844D}" type="datetimeFigureOut">
               <a:rPr lang="en-US" smtClean="0"/>
-              <a:t>7/23/2020</a:t>
+              <a:t>7/24/2020</a:t>
             </a:fld>
             <a:endParaRPr lang="en-US" dirty="0"/>
           </a:p>
@@ -16590,7 +12738,7 @@
           <a:p>
             <a:fld id="{1BF6494D-876B-433C-A71D-E674F2C4844D}" type="datetimeFigureOut">
               <a:rPr lang="en-US" smtClean="0"/>
-              <a:t>7/23/2020</a:t>
+              <a:t>7/24/2020</a:t>
             </a:fld>
             <a:endParaRPr lang="en-US" dirty="0"/>
           </a:p>
@@ -17014,7 +13162,7 @@
           <a:p>
             <a:fld id="{1BF6494D-876B-433C-A71D-E674F2C4844D}" type="datetimeFigureOut">
               <a:rPr lang="en-US" smtClean="0"/>
-              <a:t>7/23/2020</a:t>
+              <a:t>7/24/2020</a:t>
             </a:fld>
             <a:endParaRPr lang="en-US" dirty="0"/>
           </a:p>
@@ -17132,7 +13280,7 @@
           <a:p>
             <a:fld id="{1BF6494D-876B-433C-A71D-E674F2C4844D}" type="datetimeFigureOut">
               <a:rPr lang="en-US" smtClean="0"/>
-              <a:t>7/23/2020</a:t>
+              <a:t>7/24/2020</a:t>
             </a:fld>
             <a:endParaRPr lang="en-US" dirty="0"/>
           </a:p>
@@ -17227,7 +13375,7 @@
           <a:p>
             <a:fld id="{1BF6494D-876B-433C-A71D-E674F2C4844D}" type="datetimeFigureOut">
               <a:rPr lang="en-US" smtClean="0"/>
-              <a:t>7/23/2020</a:t>
+              <a:t>7/24/2020</a:t>
             </a:fld>
             <a:endParaRPr lang="en-US" dirty="0"/>
           </a:p>
@@ -17517,7 +13665,7 @@
           <a:p>
             <a:fld id="{1BF6494D-876B-433C-A71D-E674F2C4844D}" type="datetimeFigureOut">
               <a:rPr lang="en-US" smtClean="0"/>
-              <a:t>7/23/2020</a:t>
+              <a:t>7/24/2020</a:t>
             </a:fld>
             <a:endParaRPr lang="en-US" dirty="0"/>
           </a:p>
@@ -17789,7 +13937,7 @@
           <a:p>
             <a:fld id="{1BF6494D-876B-433C-A71D-E674F2C4844D}" type="datetimeFigureOut">
               <a:rPr lang="en-US" smtClean="0"/>
-              <a:t>7/23/2020</a:t>
+              <a:t>7/24/2020</a:t>
             </a:fld>
             <a:endParaRPr lang="en-US" dirty="0"/>
           </a:p>
@@ -18040,7 +14188,7 @@
           <a:p>
             <a:fld id="{1BF6494D-876B-433C-A71D-E674F2C4844D}" type="datetimeFigureOut">
               <a:rPr lang="en-US" smtClean="0"/>
-              <a:t>7/23/2020</a:t>
+              <a:t>7/24/2020</a:t>
             </a:fld>
             <a:endParaRPr lang="en-US" dirty="0"/>
           </a:p>
@@ -21511,7 +17659,7 @@
     <p:bg>
       <p:bgPr>
         <a:blipFill dpi="0" rotWithShape="1">
-          <a:blip r:embed="rId2">
+          <a:blip r:embed="rId3">
             <a:lum/>
           </a:blip>
           <a:srcRect/>
@@ -21536,28 +17684,6 @@
           <a:chExt cx="0" cy="0"/>
         </a:xfrm>
       </p:grpSpPr>
-      <p:graphicFrame>
-        <p:nvGraphicFramePr>
-          <p:cNvPr id="5" name="Diagram 4"/>
-          <p:cNvGraphicFramePr/>
-          <p:nvPr>
-            <p:extLst>
-              <p:ext uri="{D42A27DB-BD31-4B8C-83A1-F6EECF244321}">
-                <p14:modId xmlns:p14="http://schemas.microsoft.com/office/powerpoint/2010/main" val="711572913"/>
-              </p:ext>
-            </p:extLst>
-          </p:nvPr>
-        </p:nvGraphicFramePr>
-        <p:xfrm>
-          <a:off x="338667" y="1117600"/>
-          <a:ext cx="8297952" cy="5450469"/>
-        </p:xfrm>
-        <a:graphic>
-          <a:graphicData uri="http://schemas.openxmlformats.org/drawingml/2006/diagram">
-            <dgm:relIds xmlns:dgm="http://schemas.openxmlformats.org/drawingml/2006/diagram" xmlns:r="http://schemas.openxmlformats.org/officeDocument/2006/relationships" r:dm="rId3" r:lo="rId4" r:qs="rId5" r:cs="rId6"/>
-          </a:graphicData>
-        </a:graphic>
-      </p:graphicFrame>
       <p:sp>
         <p:nvSpPr>
           <p:cNvPr id="6" name="Rectangle 5"/>
@@ -21664,6 +17790,177 @@
           <a:p>
             <a:pPr algn="ctr"/>
             <a:endParaRPr lang="en-US"/>
+          </a:p>
+        </p:txBody>
+      </p:sp>
+      <p:sp>
+        <p:nvSpPr>
+          <p:cNvPr id="3" name="Rectangle 2"/>
+          <p:cNvSpPr/>
+          <p:nvPr/>
+        </p:nvSpPr>
+        <p:spPr>
+          <a:xfrm>
+            <a:off x="956734" y="1759003"/>
+            <a:ext cx="6663266" cy="369332"/>
+          </a:xfrm>
+          <a:prstGeom prst="rect">
+            <a:avLst/>
+          </a:prstGeom>
+        </p:spPr>
+        <p:txBody>
+          <a:bodyPr wrap="square">
+            <a:spAutoFit/>
+          </a:bodyPr>
+          <a:lstStyle/>
+          <a:p>
+            <a:pPr marL="285750" lvl="0" indent="-285750">
+              <a:buFont typeface="Arial" panose="020B0604020202020204" pitchFamily="34" charset="0"/>
+              <a:buChar char="•"/>
+            </a:pPr>
+            <a:r>
+              <a:rPr lang="en-US" dirty="0">
+                <a:latin typeface="Calibri" panose="020F0502020204030204" pitchFamily="34" charset="0"/>
+                <a:cs typeface="Calibri" panose="020F0502020204030204" pitchFamily="34" charset="0"/>
+              </a:rPr>
+              <a:t>Dữ liệu là thành phần quan trọng trong thời đại công nghệ 4.0</a:t>
+            </a:r>
+            <a:endParaRPr lang="en-US" dirty="0">
+              <a:latin typeface="Calibri" panose="020F0502020204030204" pitchFamily="34" charset="0"/>
+              <a:cs typeface="Calibri" panose="020F0502020204030204" pitchFamily="34" charset="0"/>
+            </a:endParaRPr>
+          </a:p>
+        </p:txBody>
+      </p:sp>
+      <p:sp>
+        <p:nvSpPr>
+          <p:cNvPr id="4" name="Rectangle 3"/>
+          <p:cNvSpPr/>
+          <p:nvPr/>
+        </p:nvSpPr>
+        <p:spPr>
+          <a:xfrm>
+            <a:off x="1320800" y="2194804"/>
+            <a:ext cx="7340600" cy="1477328"/>
+          </a:xfrm>
+          <a:prstGeom prst="rect">
+            <a:avLst/>
+          </a:prstGeom>
+        </p:spPr>
+        <p:txBody>
+          <a:bodyPr wrap="square">
+            <a:spAutoFit/>
+          </a:bodyPr>
+          <a:lstStyle/>
+          <a:p>
+            <a:pPr lvl="0"/>
+            <a:r>
+              <a:rPr lang="en-US" dirty="0">
+                <a:latin typeface="Calibri" panose="020F0502020204030204" pitchFamily="34" charset="0"/>
+                <a:cs typeface="Calibri" panose="020F0502020204030204" pitchFamily="34" charset="0"/>
+              </a:rPr>
+              <a:t>- Các ứng dụng FB, Google, tiktok,... Vẫn đang thu thập dữ liệu của người dùng hàng ngày.</a:t>
+            </a:r>
+          </a:p>
+          <a:p>
+            <a:pPr lvl="0"/>
+            <a:r>
+              <a:rPr lang="en-US" dirty="0">
+                <a:latin typeface="Calibri" panose="020F0502020204030204" pitchFamily="34" charset="0"/>
+                <a:cs typeface="Calibri" panose="020F0502020204030204" pitchFamily="34" charset="0"/>
+              </a:rPr>
+              <a:t>- Mỹ cảnh báo đồng minh về vấn đề bảo mật của Huawei.</a:t>
+            </a:r>
+          </a:p>
+          <a:p>
+            <a:pPr lvl="0"/>
+            <a:r>
+              <a:rPr lang="en-US" dirty="0" smtClean="0">
+                <a:latin typeface="Calibri" panose="020F0502020204030204" pitchFamily="34" charset="0"/>
+                <a:cs typeface="Calibri" panose="020F0502020204030204" pitchFamily="34" charset="0"/>
+              </a:rPr>
+              <a:t>- Các </a:t>
+            </a:r>
+            <a:r>
+              <a:rPr lang="en-US" dirty="0">
+                <a:latin typeface="Calibri" panose="020F0502020204030204" pitchFamily="34" charset="0"/>
+                <a:cs typeface="Calibri" panose="020F0502020204030204" pitchFamily="34" charset="0"/>
+              </a:rPr>
+              <a:t>gián điệp trong các công ty, trường học</a:t>
+            </a:r>
+            <a:r>
+              <a:rPr lang="en-US" dirty="0" smtClean="0">
+                <a:latin typeface="Calibri" panose="020F0502020204030204" pitchFamily="34" charset="0"/>
+                <a:cs typeface="Calibri" panose="020F0502020204030204" pitchFamily="34" charset="0"/>
+              </a:rPr>
+              <a:t>.</a:t>
+            </a:r>
+          </a:p>
+          <a:p>
+            <a:pPr lvl="0"/>
+            <a:r>
+              <a:rPr lang="en-US" dirty="0" smtClean="0">
+                <a:latin typeface="Calibri" panose="020F0502020204030204" pitchFamily="34" charset="0"/>
+                <a:cs typeface="Calibri" panose="020F0502020204030204" pitchFamily="34" charset="0"/>
+              </a:rPr>
+              <a:t>- Các cuộc tấn công apt, tấng công mạng để thu thập thông tin quan trọng.</a:t>
+            </a:r>
+            <a:endParaRPr lang="en-US" dirty="0">
+              <a:latin typeface="Calibri" panose="020F0502020204030204" pitchFamily="34" charset="0"/>
+              <a:cs typeface="Calibri" panose="020F0502020204030204" pitchFamily="34" charset="0"/>
+            </a:endParaRPr>
+          </a:p>
+        </p:txBody>
+      </p:sp>
+      <p:sp>
+        <p:nvSpPr>
+          <p:cNvPr id="7" name="Rectangle 6"/>
+          <p:cNvSpPr/>
+          <p:nvPr/>
+        </p:nvSpPr>
+        <p:spPr>
+          <a:xfrm>
+            <a:off x="956734" y="4056102"/>
+            <a:ext cx="6663266" cy="1477328"/>
+          </a:xfrm>
+          <a:prstGeom prst="rect">
+            <a:avLst/>
+          </a:prstGeom>
+        </p:spPr>
+        <p:txBody>
+          <a:bodyPr wrap="square">
+            <a:spAutoFit/>
+          </a:bodyPr>
+          <a:lstStyle/>
+          <a:p>
+            <a:pPr marL="285750" lvl="0" indent="-285750">
+              <a:buFont typeface="Arial" panose="020B0604020202020204" pitchFamily="34" charset="0"/>
+              <a:buChar char="•"/>
+            </a:pPr>
+            <a:r>
+              <a:rPr lang="en-US" dirty="0" smtClean="0">
+                <a:latin typeface="Calibri" panose="020F0502020204030204" pitchFamily="34" charset="0"/>
+                <a:cs typeface="Calibri" panose="020F0502020204030204" pitchFamily="34" charset="0"/>
+              </a:rPr>
+              <a:t>Khi kẻ tấn công có khả năng truy cập vào hệ thống, kẻ tấn công sẽ cố gắng mở 1 backdoor, hoặc tìm mọi cách để truyền dữ liệu ra ngoài.</a:t>
+            </a:r>
+            <a:endParaRPr lang="en-US" dirty="0">
+              <a:latin typeface="Calibri" panose="020F0502020204030204" pitchFamily="34" charset="0"/>
+              <a:cs typeface="Calibri" panose="020F0502020204030204" pitchFamily="34" charset="0"/>
+            </a:endParaRPr>
+          </a:p>
+          <a:p>
+            <a:pPr marL="285750" lvl="0" indent="-285750">
+              <a:buFont typeface="Arial" panose="020B0604020202020204" pitchFamily="34" charset="0"/>
+              <a:buChar char="•"/>
+            </a:pPr>
+            <a:r>
+              <a:rPr lang="en-US" dirty="0" smtClean="0">
+                <a:latin typeface="Calibri" panose="020F0502020204030204" pitchFamily="34" charset="0"/>
+                <a:cs typeface="Calibri" panose="020F0502020204030204" pitchFamily="34" charset="0"/>
+              </a:rPr>
+              <a:t>NTP là giao thức có nguy cơ sẽ được sử kẻ tấn công sử dụng để tạo một đường hầm dữ liệu ra ngoài vì sự dễ dãi của hệ thống.</a:t>
+            </a:r>
           </a:p>
         </p:txBody>
       </p:sp>

--- a/Kỹ-thuật-khai-thác-giao-thức-Network-Time.pptx
+++ b/Kỹ-thuật-khai-thác-giao-thức-Network-Time.pptx
@@ -15380,36 +15380,6 @@
           </a:p>
         </p:txBody>
       </p:sp>
-      <p:pic>
-        <p:nvPicPr>
-          <p:cNvPr id="4" name="Picture 3"/>
-          <p:cNvPicPr>
-            <a:picLocks noChangeAspect="1"/>
-          </p:cNvPicPr>
-          <p:nvPr/>
-        </p:nvPicPr>
-        <p:blipFill>
-          <a:blip r:embed="rId3">
-            <a:extLst>
-              <a:ext uri="{28A0092B-C50C-407E-A947-70E740481C1C}">
-                <a14:useLocalDpi xmlns:a14="http://schemas.microsoft.com/office/drawing/2010/main" val="0"/>
-              </a:ext>
-            </a:extLst>
-          </a:blip>
-          <a:stretch>
-            <a:fillRect/>
-          </a:stretch>
-        </p:blipFill>
-        <p:spPr>
-          <a:xfrm>
-            <a:off x="627781" y="1631930"/>
-            <a:ext cx="7846103" cy="2596137"/>
-          </a:xfrm>
-          <a:prstGeom prst="rect">
-            <a:avLst/>
-          </a:prstGeom>
-        </p:spPr>
-      </p:pic>
       <p:sp>
         <p:nvSpPr>
           <p:cNvPr id="6" name="Rectangle 5"/>
@@ -15455,6 +15425,30 @@
           </a:p>
         </p:txBody>
       </p:sp>
+      <p:pic>
+        <p:nvPicPr>
+          <p:cNvPr id="3" name="Picture 2"/>
+          <p:cNvPicPr>
+            <a:picLocks noChangeAspect="1"/>
+          </p:cNvPicPr>
+          <p:nvPr/>
+        </p:nvPicPr>
+        <p:blipFill>
+          <a:blip r:embed="rId3"/>
+          <a:stretch>
+            <a:fillRect/>
+          </a:stretch>
+        </p:blipFill>
+        <p:spPr>
+          <a:xfrm>
+            <a:off x="519757" y="1789610"/>
+            <a:ext cx="8062151" cy="2301378"/>
+          </a:xfrm>
+          <a:prstGeom prst="rect">
+            <a:avLst/>
+          </a:prstGeom>
+        </p:spPr>
+      </p:pic>
     </p:spTree>
     <p:extLst>
       <p:ext uri="{BB962C8B-B14F-4D97-AF65-F5344CB8AC3E}">
@@ -17825,10 +17819,6 @@
               </a:rPr>
               <a:t>Dữ liệu là thành phần quan trọng trong thời đại công nghệ 4.0</a:t>
             </a:r>
-            <a:endParaRPr lang="en-US" dirty="0">
-              <a:latin typeface="Calibri" panose="020F0502020204030204" pitchFamily="34" charset="0"/>
-              <a:cs typeface="Calibri" panose="020F0502020204030204" pitchFamily="34" charset="0"/>
-            </a:endParaRPr>
           </a:p>
         </p:txBody>
       </p:sp>

--- a/Kỹ-thuật-khai-thác-giao-thức-Network-Time.pptx
+++ b/Kỹ-thuật-khai-thác-giao-thức-Network-Time.pptx
@@ -9,9 +9,9 @@
   </p:notesMasterIdLst>
   <p:sldIdLst>
     <p:sldId id="256" r:id="rId2"/>
-    <p:sldId id="276" r:id="rId3"/>
-    <p:sldId id="280" r:id="rId4"/>
-    <p:sldId id="257" r:id="rId5"/>
+    <p:sldId id="257" r:id="rId3"/>
+    <p:sldId id="287" r:id="rId4"/>
+    <p:sldId id="280" r:id="rId5"/>
     <p:sldId id="278" r:id="rId6"/>
     <p:sldId id="281" r:id="rId7"/>
     <p:sldId id="282" r:id="rId8"/>
@@ -1681,7 +1681,7 @@
       <dgm:prSet phldrT="[Text]"/>
       <dgm:spPr>
         <a:solidFill>
-          <a:srgbClr val="61E1FF"/>
+          <a:srgbClr val="81D3FD"/>
         </a:solidFill>
       </dgm:spPr>
       <dgm:t>
@@ -1689,14 +1689,14 @@
         <a:lstStyle/>
         <a:p>
           <a:r>
-            <a:rPr lang="en-AU" dirty="0" smtClean="0">
+            <a:rPr lang="en-US" dirty="0" smtClean="0">
               <a:solidFill>
                 <a:schemeClr val="tx1"/>
               </a:solidFill>
               <a:latin typeface="Calibri" panose="020F0502020204030204" pitchFamily="34" charset="0"/>
               <a:cs typeface="Calibri" panose="020F0502020204030204" pitchFamily="34" charset="0"/>
             </a:rPr>
-            <a:t>Tổng quan vể rò rỉ dữ liệu</a:t>
+            <a:t>Đặt vấn đề</a:t>
           </a:r>
           <a:endParaRPr lang="en-US" dirty="0">
             <a:solidFill>
@@ -1743,7 +1743,7 @@
       <dgm:prSet phldrT="[Text]"/>
       <dgm:spPr>
         <a:solidFill>
-          <a:srgbClr val="61E1FF"/>
+          <a:srgbClr val="82D5FE"/>
         </a:solidFill>
       </dgm:spPr>
       <dgm:t>
@@ -1792,64 +1792,11 @@
         </a:p>
       </dgm:t>
     </dgm:pt>
-    <dgm:pt modelId="{5DD74C91-5B51-45D8-B21B-A05CD4C4FDAF}">
-      <dgm:prSet phldrT="[Text]"/>
+    <dgm:pt modelId="{00EA4EC3-DD9B-41FC-AA68-24A4AA418402}">
+      <dgm:prSet/>
       <dgm:spPr>
         <a:solidFill>
-          <a:srgbClr val="61E1FF"/>
-        </a:solidFill>
-      </dgm:spPr>
-      <dgm:t>
-        <a:bodyPr/>
-        <a:lstStyle/>
-        <a:p>
-          <a:r>
-            <a:rPr lang="en-US" dirty="0" smtClean="0">
-              <a:solidFill>
-                <a:schemeClr val="tx1"/>
-              </a:solidFill>
-              <a:latin typeface="Calibri" panose="020F0502020204030204" pitchFamily="34" charset="0"/>
-              <a:cs typeface="Calibri" panose="020F0502020204030204" pitchFamily="34" charset="0"/>
-            </a:rPr>
-            <a:t>Kết quả thử nghiệm</a:t>
-          </a:r>
-          <a:endParaRPr lang="en-US" dirty="0">
-            <a:solidFill>
-              <a:schemeClr val="tx1"/>
-            </a:solidFill>
-            <a:latin typeface="Calibri" panose="020F0502020204030204" pitchFamily="34" charset="0"/>
-            <a:cs typeface="Calibri" panose="020F0502020204030204" pitchFamily="34" charset="0"/>
-          </a:endParaRPr>
-        </a:p>
-      </dgm:t>
-    </dgm:pt>
-    <dgm:pt modelId="{BB644F5A-73D9-4AB5-98D7-049B2B7E2E29}" type="parTrans" cxnId="{27DA6949-64A9-405F-9E8B-FEB0B458E437}">
-      <dgm:prSet/>
-      <dgm:spPr/>
-      <dgm:t>
-        <a:bodyPr/>
-        <a:lstStyle/>
-        <a:p>
-          <a:endParaRPr lang="en-US"/>
-        </a:p>
-      </dgm:t>
-    </dgm:pt>
-    <dgm:pt modelId="{EF9353F1-B3A6-42A7-A641-31906923BF8D}" type="sibTrans" cxnId="{27DA6949-64A9-405F-9E8B-FEB0B458E437}">
-      <dgm:prSet/>
-      <dgm:spPr/>
-      <dgm:t>
-        <a:bodyPr/>
-        <a:lstStyle/>
-        <a:p>
-          <a:endParaRPr lang="en-US"/>
-        </a:p>
-      </dgm:t>
-    </dgm:pt>
-    <dgm:pt modelId="{A102D7EE-27E8-44C9-9E8E-14FF440726B3}">
-      <dgm:prSet phldrT="[Text]"/>
-      <dgm:spPr>
-        <a:solidFill>
-          <a:srgbClr val="61E1FF"/>
+          <a:srgbClr val="81D3FD"/>
         </a:solidFill>
       </dgm:spPr>
       <dgm:t>
@@ -1876,7 +1823,7 @@
         </a:p>
       </dgm:t>
     </dgm:pt>
-    <dgm:pt modelId="{0FB6E6B4-4EA1-445B-A76C-EE8CA4D4E83E}" type="parTrans" cxnId="{17419340-9739-44AE-B4C8-204D91C8A82F}">
+    <dgm:pt modelId="{87A1030D-4741-484E-9434-4CE738088AF1}" type="parTrans" cxnId="{A7348084-C017-43E6-96C1-2C944E512921}">
       <dgm:prSet/>
       <dgm:spPr/>
       <dgm:t>
@@ -1887,7 +1834,113 @@
         </a:p>
       </dgm:t>
     </dgm:pt>
-    <dgm:pt modelId="{A24D4CC0-0CB6-49B5-9ED6-B676CE2BA90A}" type="sibTrans" cxnId="{17419340-9739-44AE-B4C8-204D91C8A82F}">
+    <dgm:pt modelId="{26B86F62-95A3-4D89-B998-42F4FB35DDDA}" type="sibTrans" cxnId="{A7348084-C017-43E6-96C1-2C944E512921}">
+      <dgm:prSet/>
+      <dgm:spPr/>
+      <dgm:t>
+        <a:bodyPr/>
+        <a:lstStyle/>
+        <a:p>
+          <a:endParaRPr lang="en-US"/>
+        </a:p>
+      </dgm:t>
+    </dgm:pt>
+    <dgm:pt modelId="{094ED01C-76B0-44D7-8F92-7CC591B8DEF8}">
+      <dgm:prSet/>
+      <dgm:spPr>
+        <a:solidFill>
+          <a:srgbClr val="81D3FD"/>
+        </a:solidFill>
+      </dgm:spPr>
+      <dgm:t>
+        <a:bodyPr/>
+        <a:lstStyle/>
+        <a:p>
+          <a:r>
+            <a:rPr lang="en-US" smtClean="0">
+              <a:solidFill>
+                <a:schemeClr val="tx1"/>
+              </a:solidFill>
+              <a:latin typeface="Calibri" panose="020F0502020204030204" pitchFamily="34" charset="0"/>
+              <a:cs typeface="Calibri" panose="020F0502020204030204" pitchFamily="34" charset="0"/>
+            </a:rPr>
+            <a:t>Kết quả thửa nghiệm</a:t>
+          </a:r>
+          <a:endParaRPr lang="en-US" dirty="0">
+            <a:solidFill>
+              <a:schemeClr val="tx1"/>
+            </a:solidFill>
+            <a:latin typeface="Calibri" panose="020F0502020204030204" pitchFamily="34" charset="0"/>
+            <a:cs typeface="Calibri" panose="020F0502020204030204" pitchFamily="34" charset="0"/>
+          </a:endParaRPr>
+        </a:p>
+      </dgm:t>
+    </dgm:pt>
+    <dgm:pt modelId="{5495FF4C-A197-4F4D-989F-0A5A2632C1D0}" type="parTrans" cxnId="{C97AF887-ED4B-4046-A906-6A94DC1B3B6A}">
+      <dgm:prSet/>
+      <dgm:spPr/>
+      <dgm:t>
+        <a:bodyPr/>
+        <a:lstStyle/>
+        <a:p>
+          <a:endParaRPr lang="en-US"/>
+        </a:p>
+      </dgm:t>
+    </dgm:pt>
+    <dgm:pt modelId="{143D8766-7586-4395-B3C0-1B403B1199B3}" type="sibTrans" cxnId="{C97AF887-ED4B-4046-A906-6A94DC1B3B6A}">
+      <dgm:prSet/>
+      <dgm:spPr/>
+      <dgm:t>
+        <a:bodyPr/>
+        <a:lstStyle/>
+        <a:p>
+          <a:endParaRPr lang="en-US"/>
+        </a:p>
+      </dgm:t>
+    </dgm:pt>
+    <dgm:pt modelId="{753C8089-65A7-4F49-B94B-40AAAF32CDDC}">
+      <dgm:prSet/>
+      <dgm:spPr>
+        <a:solidFill>
+          <a:srgbClr val="81D3FD"/>
+        </a:solidFill>
+      </dgm:spPr>
+      <dgm:t>
+        <a:bodyPr/>
+        <a:lstStyle/>
+        <a:p>
+          <a:r>
+            <a:rPr lang="en-AU" b="0" dirty="0" smtClean="0">
+              <a:solidFill>
+                <a:schemeClr val="tx1"/>
+              </a:solidFill>
+              <a:latin typeface="Calibri" panose="020F0502020204030204" pitchFamily="34" charset="0"/>
+              <a:cs typeface="Calibri" panose="020F0502020204030204" pitchFamily="34" charset="0"/>
+            </a:rPr>
+            <a:t>Tổng quan vể rò rỉ dữ liệu</a:t>
+          </a:r>
+          <a:endParaRPr lang="en-US" b="0" dirty="0">
+            <a:solidFill>
+              <a:schemeClr val="tx1"/>
+            </a:solidFill>
+            <a:latin typeface="Calibri" panose="020F0502020204030204" pitchFamily="34" charset="0"/>
+            <a:cs typeface="Calibri" panose="020F0502020204030204" pitchFamily="34" charset="0"/>
+          </a:endParaRPr>
+        </a:p>
+      </dgm:t>
+    </dgm:pt>
+    <dgm:pt modelId="{C441426E-4DDC-4897-998E-64A6BF5A15D5}" type="parTrans" cxnId="{C77301B1-6579-470E-AF9D-CC3FA890159D}">
+      <dgm:prSet/>
+      <dgm:spPr/>
+      <dgm:t>
+        <a:bodyPr/>
+        <a:lstStyle/>
+        <a:p>
+          <a:endParaRPr lang="en-US"/>
+        </a:p>
+      </dgm:t>
+    </dgm:pt>
+    <dgm:pt modelId="{900A6FCE-AEE0-493E-9F81-DDE31B44E564}" type="sibTrans" cxnId="{C77301B1-6579-470E-AF9D-CC3FA890159D}">
       <dgm:prSet/>
       <dgm:spPr/>
       <dgm:t>
@@ -1938,7 +1991,7 @@
       </dgm:t>
     </dgm:pt>
     <dgm:pt modelId="{D2AB416F-66A9-4C9D-9ED7-7143A1928520}" type="pres">
-      <dgm:prSet presAssocID="{34B15CB4-4242-4FCF-8422-2B92965B551B}" presName="srcNode" presStyleLbl="node1" presStyleIdx="0" presStyleCnt="4"/>
+      <dgm:prSet presAssocID="{34B15CB4-4242-4FCF-8422-2B92965B551B}" presName="srcNode" presStyleLbl="node1" presStyleIdx="0" presStyleCnt="5"/>
       <dgm:spPr/>
       <dgm:t>
         <a:bodyPr/>
@@ -1960,7 +2013,7 @@
       </dgm:t>
     </dgm:pt>
     <dgm:pt modelId="{812CA099-BA61-4A0A-8B7E-9E6126B0E16D}" type="pres">
-      <dgm:prSet presAssocID="{34B15CB4-4242-4FCF-8422-2B92965B551B}" presName="extraNode" presStyleLbl="node1" presStyleIdx="0" presStyleCnt="4"/>
+      <dgm:prSet presAssocID="{34B15CB4-4242-4FCF-8422-2B92965B551B}" presName="extraNode" presStyleLbl="node1" presStyleIdx="0" presStyleCnt="5"/>
       <dgm:spPr/>
       <dgm:t>
         <a:bodyPr/>
@@ -1971,7 +2024,7 @@
       </dgm:t>
     </dgm:pt>
     <dgm:pt modelId="{BA896AD6-77AB-4610-B17D-7E32B7D365DD}" type="pres">
-      <dgm:prSet presAssocID="{34B15CB4-4242-4FCF-8422-2B92965B551B}" presName="dstNode" presStyleLbl="node1" presStyleIdx="0" presStyleCnt="4"/>
+      <dgm:prSet presAssocID="{34B15CB4-4242-4FCF-8422-2B92965B551B}" presName="dstNode" presStyleLbl="node1" presStyleIdx="0" presStyleCnt="5"/>
       <dgm:spPr/>
       <dgm:t>
         <a:bodyPr/>
@@ -1982,7 +2035,7 @@
       </dgm:t>
     </dgm:pt>
     <dgm:pt modelId="{298A9AA2-95D6-4185-BB9F-E10AA45F8F91}" type="pres">
-      <dgm:prSet presAssocID="{DCBC3A18-D40D-4F8F-AF0A-FD7859D732C4}" presName="text_1" presStyleLbl="node1" presStyleIdx="0" presStyleCnt="4">
+      <dgm:prSet presAssocID="{DCBC3A18-D40D-4F8F-AF0A-FD7859D732C4}" presName="text_1" presStyleLbl="node1" presStyleIdx="0" presStyleCnt="5">
         <dgm:presLayoutVars>
           <dgm:bulletEnabled val="1"/>
         </dgm:presLayoutVars>
@@ -2008,7 +2061,7 @@
       </dgm:t>
     </dgm:pt>
     <dgm:pt modelId="{F7D3E318-9136-4AF3-9694-2EEE2BD3C8D9}" type="pres">
-      <dgm:prSet presAssocID="{DCBC3A18-D40D-4F8F-AF0A-FD7859D732C4}" presName="accentRepeatNode" presStyleLbl="solidFgAcc1" presStyleIdx="0" presStyleCnt="4"/>
+      <dgm:prSet presAssocID="{DCBC3A18-D40D-4F8F-AF0A-FD7859D732C4}" presName="accentRepeatNode" presStyleLbl="solidFgAcc1" presStyleIdx="0" presStyleCnt="5" custLinFactNeighborX="-726" custLinFactNeighborY="2151"/>
       <dgm:spPr/>
       <dgm:t>
         <a:bodyPr/>
@@ -2018,8 +2071,8 @@
         </a:p>
       </dgm:t>
     </dgm:pt>
-    <dgm:pt modelId="{82A72BA6-BF30-457E-B5FF-9A09775FC15F}" type="pres">
-      <dgm:prSet presAssocID="{CF4367A6-8178-465F-BFBE-BEA7AFC2D4C5}" presName="text_2" presStyleLbl="node1" presStyleIdx="1" presStyleCnt="4">
+    <dgm:pt modelId="{6A85B336-5C06-4C22-A48F-F0070E3739FF}" type="pres">
+      <dgm:prSet presAssocID="{753C8089-65A7-4F49-B94B-40AAAF32CDDC}" presName="text_2" presStyleLbl="node1" presStyleIdx="1" presStyleCnt="5">
         <dgm:presLayoutVars>
           <dgm:bulletEnabled val="1"/>
         </dgm:presLayoutVars>
@@ -2033,30 +2086,16 @@
         </a:p>
       </dgm:t>
     </dgm:pt>
-    <dgm:pt modelId="{ECBA12B2-E3A9-4F67-976D-3AE9E7837B47}" type="pres">
-      <dgm:prSet presAssocID="{CF4367A6-8178-465F-BFBE-BEA7AFC2D4C5}" presName="accent_2" presStyleCnt="0"/>
+    <dgm:pt modelId="{FACA09C9-3133-4B76-8034-2A3DE1B6F756}" type="pres">
+      <dgm:prSet presAssocID="{753C8089-65A7-4F49-B94B-40AAAF32CDDC}" presName="accent_2" presStyleCnt="0"/>
       <dgm:spPr/>
-      <dgm:t>
-        <a:bodyPr/>
-        <a:lstStyle/>
-        <a:p>
-          <a:endParaRPr lang="en-US"/>
-        </a:p>
-      </dgm:t>
     </dgm:pt>
-    <dgm:pt modelId="{1AB0598C-0F34-476E-87B5-1016353FB8A9}" type="pres">
-      <dgm:prSet presAssocID="{CF4367A6-8178-465F-BFBE-BEA7AFC2D4C5}" presName="accentRepeatNode" presStyleLbl="solidFgAcc1" presStyleIdx="1" presStyleCnt="4"/>
+    <dgm:pt modelId="{8E429091-23CB-4180-86C3-7929480F7A2C}" type="pres">
+      <dgm:prSet presAssocID="{753C8089-65A7-4F49-B94B-40AAAF32CDDC}" presName="accentRepeatNode" presStyleLbl="solidFgAcc1" presStyleIdx="1" presStyleCnt="5"/>
       <dgm:spPr/>
-      <dgm:t>
-        <a:bodyPr/>
-        <a:lstStyle/>
-        <a:p>
-          <a:endParaRPr lang="en-US"/>
-        </a:p>
-      </dgm:t>
     </dgm:pt>
-    <dgm:pt modelId="{3597B01B-608D-42B3-82A3-8A87BDE8DE4C}" type="pres">
-      <dgm:prSet presAssocID="{5DD74C91-5B51-45D8-B21B-A05CD4C4FDAF}" presName="text_3" presStyleLbl="node1" presStyleIdx="2" presStyleCnt="4">
+    <dgm:pt modelId="{1F2337E3-3BA3-4A90-AF48-0308720F36E6}" type="pres">
+      <dgm:prSet presAssocID="{CF4367A6-8178-465F-BFBE-BEA7AFC2D4C5}" presName="text_3" presStyleLbl="node1" presStyleIdx="2" presStyleCnt="5">
         <dgm:presLayoutVars>
           <dgm:bulletEnabled val="1"/>
         </dgm:presLayoutVars>
@@ -2070,12 +2109,12 @@
         </a:p>
       </dgm:t>
     </dgm:pt>
-    <dgm:pt modelId="{F5B4F970-7393-4767-A181-993F5FF81FFE}" type="pres">
-      <dgm:prSet presAssocID="{5DD74C91-5B51-45D8-B21B-A05CD4C4FDAF}" presName="accent_3" presStyleCnt="0"/>
+    <dgm:pt modelId="{C5A5B0E2-5B32-4EED-9C59-0246B4F7A2C6}" type="pres">
+      <dgm:prSet presAssocID="{CF4367A6-8178-465F-BFBE-BEA7AFC2D4C5}" presName="accent_3" presStyleCnt="0"/>
       <dgm:spPr/>
     </dgm:pt>
-    <dgm:pt modelId="{BDB4DB30-DA06-4D43-9CF0-200146563302}" type="pres">
-      <dgm:prSet presAssocID="{5DD74C91-5B51-45D8-B21B-A05CD4C4FDAF}" presName="accentRepeatNode" presStyleLbl="solidFgAcc1" presStyleIdx="2" presStyleCnt="4" custLinFactNeighborX="-1645" custLinFactNeighborY="6150"/>
+    <dgm:pt modelId="{1AB0598C-0F34-476E-87B5-1016353FB8A9}" type="pres">
+      <dgm:prSet presAssocID="{CF4367A6-8178-465F-BFBE-BEA7AFC2D4C5}" presName="accentRepeatNode" presStyleLbl="solidFgAcc1" presStyleIdx="2" presStyleCnt="5"/>
       <dgm:spPr/>
       <dgm:t>
         <a:bodyPr/>
@@ -2085,8 +2124,8 @@
         </a:p>
       </dgm:t>
     </dgm:pt>
-    <dgm:pt modelId="{60684A6C-5862-47BF-8DC3-60953AA06D83}" type="pres">
-      <dgm:prSet presAssocID="{A102D7EE-27E8-44C9-9E8E-14FF440726B3}" presName="text_4" presStyleLbl="node1" presStyleIdx="3" presStyleCnt="4">
+    <dgm:pt modelId="{6C4A0D75-A4EB-40B0-9265-7E4B25785E06}" type="pres">
+      <dgm:prSet presAssocID="{094ED01C-76B0-44D7-8F92-7CC591B8DEF8}" presName="text_4" presStyleLbl="node1" presStyleIdx="3" presStyleCnt="5">
         <dgm:presLayoutVars>
           <dgm:bulletEnabled val="1"/>
         </dgm:presLayoutVars>
@@ -2100,26 +2139,51 @@
         </a:p>
       </dgm:t>
     </dgm:pt>
-    <dgm:pt modelId="{124F3E6A-8A09-44F7-80AC-BF2523B1B906}" type="pres">
-      <dgm:prSet presAssocID="{A102D7EE-27E8-44C9-9E8E-14FF440726B3}" presName="accent_4" presStyleCnt="0"/>
+    <dgm:pt modelId="{2556BD27-E7CA-4534-98A2-84B6F55F05E4}" type="pres">
+      <dgm:prSet presAssocID="{094ED01C-76B0-44D7-8F92-7CC591B8DEF8}" presName="accent_4" presStyleCnt="0"/>
       <dgm:spPr/>
     </dgm:pt>
-    <dgm:pt modelId="{2BC02DA8-C9F1-48F3-A327-F3807EC1D983}" type="pres">
-      <dgm:prSet presAssocID="{A102D7EE-27E8-44C9-9E8E-14FF440726B3}" presName="accentRepeatNode" presStyleLbl="solidFgAcc1" presStyleIdx="3" presStyleCnt="4"/>
+    <dgm:pt modelId="{5E81DC51-ED3E-4137-AF84-A8EFB7654709}" type="pres">
+      <dgm:prSet presAssocID="{094ED01C-76B0-44D7-8F92-7CC591B8DEF8}" presName="accentRepeatNode" presStyleLbl="solidFgAcc1" presStyleIdx="3" presStyleCnt="5"/>
+      <dgm:spPr/>
+    </dgm:pt>
+    <dgm:pt modelId="{0892F5C8-93DF-445B-A963-41DBFFB379D5}" type="pres">
+      <dgm:prSet presAssocID="{00EA4EC3-DD9B-41FC-AA68-24A4AA418402}" presName="text_5" presStyleLbl="node1" presStyleIdx="4" presStyleCnt="5">
+        <dgm:presLayoutVars>
+          <dgm:bulletEnabled val="1"/>
+        </dgm:presLayoutVars>
+      </dgm:prSet>
+      <dgm:spPr/>
+      <dgm:t>
+        <a:bodyPr/>
+        <a:lstStyle/>
+        <a:p>
+          <a:endParaRPr lang="en-US"/>
+        </a:p>
+      </dgm:t>
+    </dgm:pt>
+    <dgm:pt modelId="{3505E908-402C-4CBF-81FB-E45CB6D875CA}" type="pres">
+      <dgm:prSet presAssocID="{00EA4EC3-DD9B-41FC-AA68-24A4AA418402}" presName="accent_5" presStyleCnt="0"/>
+      <dgm:spPr/>
+    </dgm:pt>
+    <dgm:pt modelId="{F5225255-4C8D-4B80-B12B-512F3E8A3EE4}" type="pres">
+      <dgm:prSet presAssocID="{00EA4EC3-DD9B-41FC-AA68-24A4AA418402}" presName="accentRepeatNode" presStyleLbl="solidFgAcc1" presStyleIdx="4" presStyleCnt="5"/>
       <dgm:spPr/>
     </dgm:pt>
   </dgm:ptLst>
   <dgm:cxnLst>
-    <dgm:cxn modelId="{17419340-9739-44AE-B4C8-204D91C8A82F}" srcId="{34B15CB4-4242-4FCF-8422-2B92965B551B}" destId="{A102D7EE-27E8-44C9-9E8E-14FF440726B3}" srcOrd="3" destOrd="0" parTransId="{0FB6E6B4-4EA1-445B-A76C-EE8CA4D4E83E}" sibTransId="{A24D4CC0-0CB6-49B5-9ED6-B676CE2BA90A}"/>
+    <dgm:cxn modelId="{A7348084-C017-43E6-96C1-2C944E512921}" srcId="{34B15CB4-4242-4FCF-8422-2B92965B551B}" destId="{00EA4EC3-DD9B-41FC-AA68-24A4AA418402}" srcOrd="4" destOrd="0" parTransId="{87A1030D-4741-484E-9434-4CE738088AF1}" sibTransId="{26B86F62-95A3-4D89-B998-42F4FB35DDDA}"/>
+    <dgm:cxn modelId="{C97AF887-ED4B-4046-A906-6A94DC1B3B6A}" srcId="{34B15CB4-4242-4FCF-8422-2B92965B551B}" destId="{094ED01C-76B0-44D7-8F92-7CC591B8DEF8}" srcOrd="3" destOrd="0" parTransId="{5495FF4C-A197-4F4D-989F-0A5A2632C1D0}" sibTransId="{143D8766-7586-4395-B3C0-1B403B1199B3}"/>
     <dgm:cxn modelId="{4BF43F57-3D63-44A3-9209-54E3AD376E9D}" srcId="{34B15CB4-4242-4FCF-8422-2B92965B551B}" destId="{DCBC3A18-D40D-4F8F-AF0A-FD7859D732C4}" srcOrd="0" destOrd="0" parTransId="{A6A1FC3F-5614-458F-98E1-8DC031E9BBCE}" sibTransId="{55C055AB-5F85-4F29-8103-8EE14A0EE86C}"/>
-    <dgm:cxn modelId="{27DA6949-64A9-405F-9E8B-FEB0B458E437}" srcId="{34B15CB4-4242-4FCF-8422-2B92965B551B}" destId="{5DD74C91-5B51-45D8-B21B-A05CD4C4FDAF}" srcOrd="2" destOrd="0" parTransId="{BB644F5A-73D9-4AB5-98D7-049B2B7E2E29}" sibTransId="{EF9353F1-B3A6-42A7-A641-31906923BF8D}"/>
-    <dgm:cxn modelId="{FE63A02D-4A20-421B-89FE-5ABF853CA371}" type="presOf" srcId="{CF4367A6-8178-465F-BFBE-BEA7AFC2D4C5}" destId="{82A72BA6-BF30-457E-B5FF-9A09775FC15F}" srcOrd="0" destOrd="0" presId="urn:microsoft.com/office/officeart/2008/layout/VerticalCurvedList"/>
-    <dgm:cxn modelId="{5D51E23F-C3A0-4D8B-9DDB-9B5C369149AE}" type="presOf" srcId="{A102D7EE-27E8-44C9-9E8E-14FF440726B3}" destId="{60684A6C-5862-47BF-8DC3-60953AA06D83}" srcOrd="0" destOrd="0" presId="urn:microsoft.com/office/officeart/2008/layout/VerticalCurvedList"/>
+    <dgm:cxn modelId="{A6B56CB3-9236-464E-AA1C-C7A47C8CAA8E}" type="presOf" srcId="{094ED01C-76B0-44D7-8F92-7CC591B8DEF8}" destId="{6C4A0D75-A4EB-40B0-9265-7E4B25785E06}" srcOrd="0" destOrd="0" presId="urn:microsoft.com/office/officeart/2008/layout/VerticalCurvedList"/>
+    <dgm:cxn modelId="{464CBE14-F46D-4CB3-865A-33066A592FDC}" type="presOf" srcId="{CF4367A6-8178-465F-BFBE-BEA7AFC2D4C5}" destId="{1F2337E3-3BA3-4A90-AF48-0308720F36E6}" srcOrd="0" destOrd="0" presId="urn:microsoft.com/office/officeart/2008/layout/VerticalCurvedList"/>
     <dgm:cxn modelId="{9D3052EF-71CF-412E-BBF7-AEFA54F9AEAC}" type="presOf" srcId="{55C055AB-5F85-4F29-8103-8EE14A0EE86C}" destId="{C2803320-21D4-4BF1-85DE-677D71A2B13E}" srcOrd="0" destOrd="0" presId="urn:microsoft.com/office/officeart/2008/layout/VerticalCurvedList"/>
-    <dgm:cxn modelId="{8F3997D4-53E6-4ACF-B30C-CAA4F74E7D37}" srcId="{34B15CB4-4242-4FCF-8422-2B92965B551B}" destId="{CF4367A6-8178-465F-BFBE-BEA7AFC2D4C5}" srcOrd="1" destOrd="0" parTransId="{33D7CE88-8B7D-4F86-AC5A-7CEA0231BADA}" sibTransId="{FC2EB458-743A-4C1B-97E5-27F2003E2A1D}"/>
-    <dgm:cxn modelId="{9DECAE68-AEC7-4BCB-B6EE-87B91B83532B}" type="presOf" srcId="{5DD74C91-5B51-45D8-B21B-A05CD4C4FDAF}" destId="{3597B01B-608D-42B3-82A3-8A87BDE8DE4C}" srcOrd="0" destOrd="0" presId="urn:microsoft.com/office/officeart/2008/layout/VerticalCurvedList"/>
+    <dgm:cxn modelId="{8AD6BFD4-60C9-4C3B-99FE-82BA25F6AA8A}" type="presOf" srcId="{753C8089-65A7-4F49-B94B-40AAAF32CDDC}" destId="{6A85B336-5C06-4C22-A48F-F0070E3739FF}" srcOrd="0" destOrd="0" presId="urn:microsoft.com/office/officeart/2008/layout/VerticalCurvedList"/>
+    <dgm:cxn modelId="{8F3997D4-53E6-4ACF-B30C-CAA4F74E7D37}" srcId="{34B15CB4-4242-4FCF-8422-2B92965B551B}" destId="{CF4367A6-8178-465F-BFBE-BEA7AFC2D4C5}" srcOrd="2" destOrd="0" parTransId="{33D7CE88-8B7D-4F86-AC5A-7CEA0231BADA}" sibTransId="{FC2EB458-743A-4C1B-97E5-27F2003E2A1D}"/>
     <dgm:cxn modelId="{861368B8-598B-4017-A4E5-27D36CDA02AF}" type="presOf" srcId="{DCBC3A18-D40D-4F8F-AF0A-FD7859D732C4}" destId="{298A9AA2-95D6-4185-BB9F-E10AA45F8F91}" srcOrd="0" destOrd="0" presId="urn:microsoft.com/office/officeart/2008/layout/VerticalCurvedList"/>
     <dgm:cxn modelId="{A8328874-EF0E-4D96-9316-B0D088BBE11F}" type="presOf" srcId="{34B15CB4-4242-4FCF-8422-2B92965B551B}" destId="{35B91BA8-33BA-4490-AD90-70B61763257A}" srcOrd="0" destOrd="0" presId="urn:microsoft.com/office/officeart/2008/layout/VerticalCurvedList"/>
+    <dgm:cxn modelId="{C77301B1-6579-470E-AF9D-CC3FA890159D}" srcId="{34B15CB4-4242-4FCF-8422-2B92965B551B}" destId="{753C8089-65A7-4F49-B94B-40AAAF32CDDC}" srcOrd="1" destOrd="0" parTransId="{C441426E-4DDC-4897-998E-64A6BF5A15D5}" sibTransId="{900A6FCE-AEE0-493E-9F81-DDE31B44E564}"/>
+    <dgm:cxn modelId="{16D7D566-FA15-4B8D-9E8E-BEFC99B0276B}" type="presOf" srcId="{00EA4EC3-DD9B-41FC-AA68-24A4AA418402}" destId="{0892F5C8-93DF-445B-A963-41DBFFB379D5}" srcOrd="0" destOrd="0" presId="urn:microsoft.com/office/officeart/2008/layout/VerticalCurvedList"/>
     <dgm:cxn modelId="{0A4FCD7F-13A4-402C-950D-885AF6F33F4E}" type="presParOf" srcId="{35B91BA8-33BA-4490-AD90-70B61763257A}" destId="{63BDD99E-7ABB-4FA8-BE3D-BB1E725477B7}" srcOrd="0" destOrd="0" presId="urn:microsoft.com/office/officeart/2008/layout/VerticalCurvedList"/>
     <dgm:cxn modelId="{E0C70775-D92C-41DA-B6BA-6924A14DFB5D}" type="presParOf" srcId="{63BDD99E-7ABB-4FA8-BE3D-BB1E725477B7}" destId="{D38A43EA-4C06-4033-AE8F-238A40E99B66}" srcOrd="0" destOrd="0" presId="urn:microsoft.com/office/officeart/2008/layout/VerticalCurvedList"/>
     <dgm:cxn modelId="{67E3DBF2-29DD-413C-B2EC-80FA5B871E4B}" type="presParOf" srcId="{D38A43EA-4C06-4033-AE8F-238A40E99B66}" destId="{D2AB416F-66A9-4C9D-9ED7-7143A1928520}" srcOrd="0" destOrd="0" presId="urn:microsoft.com/office/officeart/2008/layout/VerticalCurvedList"/>
@@ -2129,21 +2193,24 @@
     <dgm:cxn modelId="{2AC9D65B-6787-4186-9E66-3B3FED1A6CDE}" type="presParOf" srcId="{63BDD99E-7ABB-4FA8-BE3D-BB1E725477B7}" destId="{298A9AA2-95D6-4185-BB9F-E10AA45F8F91}" srcOrd="1" destOrd="0" presId="urn:microsoft.com/office/officeart/2008/layout/VerticalCurvedList"/>
     <dgm:cxn modelId="{D340E7A5-BC65-4D89-ACF3-34B5173DAB79}" type="presParOf" srcId="{63BDD99E-7ABB-4FA8-BE3D-BB1E725477B7}" destId="{A4EE0BBD-BAB5-4423-ADB4-277EC2F51315}" srcOrd="2" destOrd="0" presId="urn:microsoft.com/office/officeart/2008/layout/VerticalCurvedList"/>
     <dgm:cxn modelId="{17EBB18C-261F-4208-BA4E-01D74046041C}" type="presParOf" srcId="{A4EE0BBD-BAB5-4423-ADB4-277EC2F51315}" destId="{F7D3E318-9136-4AF3-9694-2EEE2BD3C8D9}" srcOrd="0" destOrd="0" presId="urn:microsoft.com/office/officeart/2008/layout/VerticalCurvedList"/>
-    <dgm:cxn modelId="{03BB7AEF-0B15-4585-AD38-93E52FE663F4}" type="presParOf" srcId="{63BDD99E-7ABB-4FA8-BE3D-BB1E725477B7}" destId="{82A72BA6-BF30-457E-B5FF-9A09775FC15F}" srcOrd="3" destOrd="0" presId="urn:microsoft.com/office/officeart/2008/layout/VerticalCurvedList"/>
-    <dgm:cxn modelId="{B68F3C35-068B-4C35-98F6-52837AB5C7F4}" type="presParOf" srcId="{63BDD99E-7ABB-4FA8-BE3D-BB1E725477B7}" destId="{ECBA12B2-E3A9-4F67-976D-3AE9E7837B47}" srcOrd="4" destOrd="0" presId="urn:microsoft.com/office/officeart/2008/layout/VerticalCurvedList"/>
-    <dgm:cxn modelId="{4BC9850B-8E78-473E-B0A4-508FB5FF8B95}" type="presParOf" srcId="{ECBA12B2-E3A9-4F67-976D-3AE9E7837B47}" destId="{1AB0598C-0F34-476E-87B5-1016353FB8A9}" srcOrd="0" destOrd="0" presId="urn:microsoft.com/office/officeart/2008/layout/VerticalCurvedList"/>
-    <dgm:cxn modelId="{9C6D504E-6437-483D-8F33-A5E3CAC0CCC6}" type="presParOf" srcId="{63BDD99E-7ABB-4FA8-BE3D-BB1E725477B7}" destId="{3597B01B-608D-42B3-82A3-8A87BDE8DE4C}" srcOrd="5" destOrd="0" presId="urn:microsoft.com/office/officeart/2008/layout/VerticalCurvedList"/>
-    <dgm:cxn modelId="{CA7E4F04-F818-4A5B-AFED-68206B992125}" type="presParOf" srcId="{63BDD99E-7ABB-4FA8-BE3D-BB1E725477B7}" destId="{F5B4F970-7393-4767-A181-993F5FF81FFE}" srcOrd="6" destOrd="0" presId="urn:microsoft.com/office/officeart/2008/layout/VerticalCurvedList"/>
-    <dgm:cxn modelId="{98E23AF3-6DEB-4401-BC20-B0D2839F1BC8}" type="presParOf" srcId="{F5B4F970-7393-4767-A181-993F5FF81FFE}" destId="{BDB4DB30-DA06-4D43-9CF0-200146563302}" srcOrd="0" destOrd="0" presId="urn:microsoft.com/office/officeart/2008/layout/VerticalCurvedList"/>
-    <dgm:cxn modelId="{2F8C8106-42C0-4F09-8EB0-53479CFF0784}" type="presParOf" srcId="{63BDD99E-7ABB-4FA8-BE3D-BB1E725477B7}" destId="{60684A6C-5862-47BF-8DC3-60953AA06D83}" srcOrd="7" destOrd="0" presId="urn:microsoft.com/office/officeart/2008/layout/VerticalCurvedList"/>
-    <dgm:cxn modelId="{D8DB251D-AFDE-429C-AB4E-DCF40E9A58C2}" type="presParOf" srcId="{63BDD99E-7ABB-4FA8-BE3D-BB1E725477B7}" destId="{124F3E6A-8A09-44F7-80AC-BF2523B1B906}" srcOrd="8" destOrd="0" presId="urn:microsoft.com/office/officeart/2008/layout/VerticalCurvedList"/>
-    <dgm:cxn modelId="{50121A32-02B3-4B83-8F5A-F264706E7829}" type="presParOf" srcId="{124F3E6A-8A09-44F7-80AC-BF2523B1B906}" destId="{2BC02DA8-C9F1-48F3-A327-F3807EC1D983}" srcOrd="0" destOrd="0" presId="urn:microsoft.com/office/officeart/2008/layout/VerticalCurvedList"/>
+    <dgm:cxn modelId="{700B2FB2-BDDF-486C-8197-1C2E9D404D7C}" type="presParOf" srcId="{63BDD99E-7ABB-4FA8-BE3D-BB1E725477B7}" destId="{6A85B336-5C06-4C22-A48F-F0070E3739FF}" srcOrd="3" destOrd="0" presId="urn:microsoft.com/office/officeart/2008/layout/VerticalCurvedList"/>
+    <dgm:cxn modelId="{3D8C03AB-092B-4B2B-AAF6-10D87036F64F}" type="presParOf" srcId="{63BDD99E-7ABB-4FA8-BE3D-BB1E725477B7}" destId="{FACA09C9-3133-4B76-8034-2A3DE1B6F756}" srcOrd="4" destOrd="0" presId="urn:microsoft.com/office/officeart/2008/layout/VerticalCurvedList"/>
+    <dgm:cxn modelId="{E39805FC-8A1C-4566-AA50-E4BB3BC9B394}" type="presParOf" srcId="{FACA09C9-3133-4B76-8034-2A3DE1B6F756}" destId="{8E429091-23CB-4180-86C3-7929480F7A2C}" srcOrd="0" destOrd="0" presId="urn:microsoft.com/office/officeart/2008/layout/VerticalCurvedList"/>
+    <dgm:cxn modelId="{5D03774F-1DE3-4B5A-AF6C-F0F3DC846D83}" type="presParOf" srcId="{63BDD99E-7ABB-4FA8-BE3D-BB1E725477B7}" destId="{1F2337E3-3BA3-4A90-AF48-0308720F36E6}" srcOrd="5" destOrd="0" presId="urn:microsoft.com/office/officeart/2008/layout/VerticalCurvedList"/>
+    <dgm:cxn modelId="{7B4DFAA6-975D-4D44-9DB0-6D97F16F8720}" type="presParOf" srcId="{63BDD99E-7ABB-4FA8-BE3D-BB1E725477B7}" destId="{C5A5B0E2-5B32-4EED-9C59-0246B4F7A2C6}" srcOrd="6" destOrd="0" presId="urn:microsoft.com/office/officeart/2008/layout/VerticalCurvedList"/>
+    <dgm:cxn modelId="{F06A01F3-42EB-41E2-84F6-9B82E31DEC57}" type="presParOf" srcId="{C5A5B0E2-5B32-4EED-9C59-0246B4F7A2C6}" destId="{1AB0598C-0F34-476E-87B5-1016353FB8A9}" srcOrd="0" destOrd="0" presId="urn:microsoft.com/office/officeart/2008/layout/VerticalCurvedList"/>
+    <dgm:cxn modelId="{2A6EA82B-1C5C-4C40-A7EA-84C2F2C0C829}" type="presParOf" srcId="{63BDD99E-7ABB-4FA8-BE3D-BB1E725477B7}" destId="{6C4A0D75-A4EB-40B0-9265-7E4B25785E06}" srcOrd="7" destOrd="0" presId="urn:microsoft.com/office/officeart/2008/layout/VerticalCurvedList"/>
+    <dgm:cxn modelId="{ADE21F1B-F756-4627-B83E-8E8AAEDE4F59}" type="presParOf" srcId="{63BDD99E-7ABB-4FA8-BE3D-BB1E725477B7}" destId="{2556BD27-E7CA-4534-98A2-84B6F55F05E4}" srcOrd="8" destOrd="0" presId="urn:microsoft.com/office/officeart/2008/layout/VerticalCurvedList"/>
+    <dgm:cxn modelId="{C1980CCC-687F-4738-A064-30B5DB08CDCE}" type="presParOf" srcId="{2556BD27-E7CA-4534-98A2-84B6F55F05E4}" destId="{5E81DC51-ED3E-4137-AF84-A8EFB7654709}" srcOrd="0" destOrd="0" presId="urn:microsoft.com/office/officeart/2008/layout/VerticalCurvedList"/>
+    <dgm:cxn modelId="{988EEB3B-5A3B-432C-A700-DE14A72210CC}" type="presParOf" srcId="{63BDD99E-7ABB-4FA8-BE3D-BB1E725477B7}" destId="{0892F5C8-93DF-445B-A963-41DBFFB379D5}" srcOrd="9" destOrd="0" presId="urn:microsoft.com/office/officeart/2008/layout/VerticalCurvedList"/>
+    <dgm:cxn modelId="{E7685B1A-7D5E-44DE-BB78-A9CD420ACA95}" type="presParOf" srcId="{63BDD99E-7ABB-4FA8-BE3D-BB1E725477B7}" destId="{3505E908-402C-4CBF-81FB-E45CB6D875CA}" srcOrd="10" destOrd="0" presId="urn:microsoft.com/office/officeart/2008/layout/VerticalCurvedList"/>
+    <dgm:cxn modelId="{12162BD0-B1A4-4DFC-ADFF-60369F80852B}" type="presParOf" srcId="{3505E908-402C-4CBF-81FB-E45CB6D875CA}" destId="{F5225255-4C8D-4B80-B12B-512F3E8A3EE4}" srcOrd="0" destOrd="0" presId="urn:microsoft.com/office/officeart/2008/layout/VerticalCurvedList"/>
   </dgm:cxnLst>
   <dgm:bg/>
   <dgm:whole/>
   <dgm:extLst>
     <a:ext uri="http://schemas.microsoft.com/office/drawing/2008/diagram">
-      <dsp:dataModelExt xmlns:dsp="http://schemas.microsoft.com/office/drawing/2008/diagram" relId="rId7" minVer="http://schemas.openxmlformats.org/drawingml/2006/diagram"/>
+      <dsp:dataModelExt xmlns:dsp="http://schemas.microsoft.com/office/drawing/2008/diagram" relId="rId8" minVer="http://schemas.openxmlformats.org/drawingml/2006/diagram"/>
     </a:ext>
   </dgm:extLst>
 </dgm:dataModel>
@@ -2570,14 +2637,14 @@
       </dsp:nvSpPr>
       <dsp:spPr>
         <a:xfrm>
-          <a:off x="631240" y="430947"/>
-          <a:ext cx="7681810" cy="862344"/>
+          <a:off x="526978" y="350229"/>
+          <a:ext cx="7786071" cy="700907"/>
         </a:xfrm>
         <a:prstGeom prst="rect">
           <a:avLst/>
         </a:prstGeom>
         <a:solidFill>
-          <a:srgbClr val="61E1FF"/>
+          <a:srgbClr val="81D3FD"/>
         </a:solidFill>
         <a:ln>
           <a:noFill/>
@@ -2613,7 +2680,7 @@
         </a:fontRef>
       </dsp:style>
       <dsp:txBody>
-        <a:bodyPr spcFirstLastPara="0" vert="horz" wrap="square" lIns="684486" tIns="86360" rIns="86360" bIns="86360" numCol="1" spcCol="1270" anchor="ctr" anchorCtr="0">
+        <a:bodyPr spcFirstLastPara="0" vert="horz" wrap="square" lIns="556345" tIns="86360" rIns="86360" bIns="86360" numCol="1" spcCol="1270" anchor="ctr" anchorCtr="0">
           <a:noAutofit/>
         </a:bodyPr>
         <a:lstStyle/>
@@ -2630,14 +2697,14 @@
             </a:spcAft>
           </a:pPr>
           <a:r>
-            <a:rPr lang="en-AU" sz="3400" kern="1200" dirty="0" smtClean="0">
+            <a:rPr lang="en-US" sz="3400" kern="1200" dirty="0" smtClean="0">
               <a:solidFill>
                 <a:schemeClr val="tx1"/>
               </a:solidFill>
               <a:latin typeface="Calibri" panose="020F0502020204030204" pitchFamily="34" charset="0"/>
               <a:cs typeface="Calibri" panose="020F0502020204030204" pitchFamily="34" charset="0"/>
             </a:rPr>
-            <a:t>Tổng quan vể rò rỉ dữ liệu</a:t>
+            <a:t>Đặt vấn đề</a:t>
           </a:r>
           <a:endParaRPr lang="en-US" sz="3400" kern="1200" dirty="0">
             <a:solidFill>
@@ -2649,8 +2716,8 @@
         </a:p>
       </dsp:txBody>
       <dsp:txXfrm>
-        <a:off x="631240" y="430947"/>
-        <a:ext cx="7681810" cy="862344"/>
+        <a:off x="526978" y="350229"/>
+        <a:ext cx="7786071" cy="700907"/>
       </dsp:txXfrm>
     </dsp:sp>
     <dsp:sp modelId="{F7D3E318-9136-4AF3-9694-2EEE2BD3C8D9}">
@@ -2660,8 +2727,8 @@
       </dsp:nvSpPr>
       <dsp:spPr>
         <a:xfrm>
-          <a:off x="92275" y="323154"/>
-          <a:ext cx="1077930" cy="1077930"/>
+          <a:off x="82551" y="281461"/>
+          <a:ext cx="876133" cy="876133"/>
         </a:xfrm>
         <a:prstGeom prst="ellipse">
           <a:avLst/>
@@ -2713,21 +2780,21 @@
         <a:fontRef idx="minor"/>
       </dsp:style>
     </dsp:sp>
-    <dsp:sp modelId="{82A72BA6-BF30-457E-B5FF-9A09775FC15F}">
+    <dsp:sp modelId="{6A85B336-5C06-4C22-A48F-F0070E3739FF}">
       <dsp:nvSpPr>
         <dsp:cNvPr id="0" name=""/>
         <dsp:cNvSpPr/>
       </dsp:nvSpPr>
       <dsp:spPr>
         <a:xfrm>
-          <a:off x="1125642" y="1724688"/>
-          <a:ext cx="7187408" cy="862344"/>
+          <a:off x="1029228" y="1401253"/>
+          <a:ext cx="7283822" cy="700907"/>
         </a:xfrm>
         <a:prstGeom prst="rect">
           <a:avLst/>
         </a:prstGeom>
         <a:solidFill>
-          <a:srgbClr val="61E1FF"/>
+          <a:srgbClr val="81D3FD"/>
         </a:solidFill>
         <a:ln>
           <a:noFill/>
@@ -2763,7 +2830,157 @@
         </a:fontRef>
       </dsp:style>
       <dsp:txBody>
-        <a:bodyPr spcFirstLastPara="0" vert="horz" wrap="square" lIns="684486" tIns="86360" rIns="86360" bIns="86360" numCol="1" spcCol="1270" anchor="ctr" anchorCtr="0">
+        <a:bodyPr spcFirstLastPara="0" vert="horz" wrap="square" lIns="556345" tIns="86360" rIns="86360" bIns="86360" numCol="1" spcCol="1270" anchor="ctr" anchorCtr="0">
+          <a:noAutofit/>
+        </a:bodyPr>
+        <a:lstStyle/>
+        <a:p>
+          <a:pPr lvl="0" algn="l" defTabSz="1511300">
+            <a:lnSpc>
+              <a:spcPct val="90000"/>
+            </a:lnSpc>
+            <a:spcBef>
+              <a:spcPct val="0"/>
+            </a:spcBef>
+            <a:spcAft>
+              <a:spcPct val="35000"/>
+            </a:spcAft>
+          </a:pPr>
+          <a:r>
+            <a:rPr lang="en-AU" sz="3400" b="0" kern="1200" dirty="0" smtClean="0">
+              <a:solidFill>
+                <a:schemeClr val="tx1"/>
+              </a:solidFill>
+              <a:latin typeface="Calibri" panose="020F0502020204030204" pitchFamily="34" charset="0"/>
+              <a:cs typeface="Calibri" panose="020F0502020204030204" pitchFamily="34" charset="0"/>
+            </a:rPr>
+            <a:t>Tổng quan vể rò rỉ dữ liệu</a:t>
+          </a:r>
+          <a:endParaRPr lang="en-US" sz="3400" b="0" kern="1200" dirty="0">
+            <a:solidFill>
+              <a:schemeClr val="tx1"/>
+            </a:solidFill>
+            <a:latin typeface="Calibri" panose="020F0502020204030204" pitchFamily="34" charset="0"/>
+            <a:cs typeface="Calibri" panose="020F0502020204030204" pitchFamily="34" charset="0"/>
+          </a:endParaRPr>
+        </a:p>
+      </dsp:txBody>
+      <dsp:txXfrm>
+        <a:off x="1029228" y="1401253"/>
+        <a:ext cx="7283822" cy="700907"/>
+      </dsp:txXfrm>
+    </dsp:sp>
+    <dsp:sp modelId="{8E429091-23CB-4180-86C3-7929480F7A2C}">
+      <dsp:nvSpPr>
+        <dsp:cNvPr id="0" name=""/>
+        <dsp:cNvSpPr/>
+      </dsp:nvSpPr>
+      <dsp:spPr>
+        <a:xfrm>
+          <a:off x="591161" y="1313640"/>
+          <a:ext cx="876133" cy="876133"/>
+        </a:xfrm>
+        <a:prstGeom prst="ellipse">
+          <a:avLst/>
+        </a:prstGeom>
+        <a:solidFill>
+          <a:schemeClr val="lt1">
+            <a:hueOff val="0"/>
+            <a:satOff val="0"/>
+            <a:lumOff val="0"/>
+            <a:alphaOff val="0"/>
+          </a:schemeClr>
+        </a:solidFill>
+        <a:ln w="10000" cap="flat" cmpd="sng" algn="ctr">
+          <a:solidFill>
+            <a:schemeClr val="accent3">
+              <a:hueOff val="2463851"/>
+              <a:satOff val="-13319"/>
+              <a:lumOff val="-490"/>
+              <a:alphaOff val="0"/>
+            </a:schemeClr>
+          </a:solidFill>
+          <a:prstDash val="solid"/>
+        </a:ln>
+        <a:effectLst>
+          <a:outerShdw blurRad="38100" dist="25400" dir="5400000" rotWithShape="0">
+            <a:srgbClr val="000000">
+              <a:alpha val="45000"/>
+            </a:srgbClr>
+          </a:outerShdw>
+        </a:effectLst>
+        <a:scene3d>
+          <a:camera prst="orthographicFront"/>
+          <a:lightRig rig="flat" dir="t"/>
+        </a:scene3d>
+        <a:sp3d z="190500" extrusionH="12700" prstMaterial="plastic">
+          <a:bevelT w="50800" h="50800"/>
+        </a:sp3d>
+      </dsp:spPr>
+      <dsp:style>
+        <a:lnRef idx="1">
+          <a:scrgbClr r="0" g="0" b="0"/>
+        </a:lnRef>
+        <a:fillRef idx="1">
+          <a:scrgbClr r="0" g="0" b="0"/>
+        </a:fillRef>
+        <a:effectRef idx="2">
+          <a:scrgbClr r="0" g="0" b="0"/>
+        </a:effectRef>
+        <a:fontRef idx="minor"/>
+      </dsp:style>
+    </dsp:sp>
+    <dsp:sp modelId="{1F2337E3-3BA3-4A90-AF48-0308720F36E6}">
+      <dsp:nvSpPr>
+        <dsp:cNvPr id="0" name=""/>
+        <dsp:cNvSpPr/>
+      </dsp:nvSpPr>
+      <dsp:spPr>
+        <a:xfrm>
+          <a:off x="1183378" y="2452277"/>
+          <a:ext cx="7129672" cy="700907"/>
+        </a:xfrm>
+        <a:prstGeom prst="rect">
+          <a:avLst/>
+        </a:prstGeom>
+        <a:solidFill>
+          <a:srgbClr val="82D5FE"/>
+        </a:solidFill>
+        <a:ln>
+          <a:noFill/>
+        </a:ln>
+        <a:effectLst>
+          <a:outerShdw blurRad="38100" dist="25400" dir="5400000" rotWithShape="0">
+            <a:srgbClr val="000000">
+              <a:alpha val="45000"/>
+            </a:srgbClr>
+          </a:outerShdw>
+        </a:effectLst>
+        <a:scene3d>
+          <a:camera prst="orthographicFront"/>
+          <a:lightRig rig="flat" dir="t"/>
+        </a:scene3d>
+        <a:sp3d prstMaterial="plastic">
+          <a:bevelT w="120900" h="88900"/>
+          <a:bevelB w="88900" h="31750" prst="angle"/>
+        </a:sp3d>
+      </dsp:spPr>
+      <dsp:style>
+        <a:lnRef idx="0">
+          <a:scrgbClr r="0" g="0" b="0"/>
+        </a:lnRef>
+        <a:fillRef idx="3">
+          <a:scrgbClr r="0" g="0" b="0"/>
+        </a:fillRef>
+        <a:effectRef idx="2">
+          <a:scrgbClr r="0" g="0" b="0"/>
+        </a:effectRef>
+        <a:fontRef idx="minor">
+          <a:schemeClr val="lt1"/>
+        </a:fontRef>
+      </dsp:style>
+      <dsp:txBody>
+        <a:bodyPr spcFirstLastPara="0" vert="horz" wrap="square" lIns="556345" tIns="86360" rIns="86360" bIns="86360" numCol="1" spcCol="1270" anchor="ctr" anchorCtr="0">
           <a:noAutofit/>
         </a:bodyPr>
         <a:lstStyle/>
@@ -2799,8 +3016,8 @@
         </a:p>
       </dsp:txBody>
       <dsp:txXfrm>
-        <a:off x="1125642" y="1724688"/>
-        <a:ext cx="7187408" cy="862344"/>
+        <a:off x="1183378" y="2452277"/>
+        <a:ext cx="7129672" cy="700907"/>
       </dsp:txXfrm>
     </dsp:sp>
     <dsp:sp modelId="{1AB0598C-0F34-476E-87B5-1016353FB8A9}">
@@ -2810,8 +3027,8 @@
       </dsp:nvSpPr>
       <dsp:spPr>
         <a:xfrm>
-          <a:off x="586676" y="1616895"/>
-          <a:ext cx="1077930" cy="1077930"/>
+          <a:off x="745311" y="2364664"/>
+          <a:ext cx="876133" cy="876133"/>
         </a:xfrm>
         <a:prstGeom prst="ellipse">
           <a:avLst/>
@@ -2827,9 +3044,9 @@
         <a:ln w="10000" cap="flat" cmpd="sng" algn="ctr">
           <a:solidFill>
             <a:schemeClr val="accent3">
-              <a:hueOff val="3285135"/>
-              <a:satOff val="-17759"/>
-              <a:lumOff val="-654"/>
+              <a:hueOff val="4927703"/>
+              <a:satOff val="-26639"/>
+              <a:lumOff val="-980"/>
               <a:alphaOff val="0"/>
             </a:schemeClr>
           </a:solidFill>
@@ -2863,21 +3080,21 @@
         <a:fontRef idx="minor"/>
       </dsp:style>
     </dsp:sp>
-    <dsp:sp modelId="{3597B01B-608D-42B3-82A3-8A87BDE8DE4C}">
+    <dsp:sp modelId="{6C4A0D75-A4EB-40B0-9265-7E4B25785E06}">
       <dsp:nvSpPr>
         <dsp:cNvPr id="0" name=""/>
         <dsp:cNvSpPr/>
       </dsp:nvSpPr>
       <dsp:spPr>
         <a:xfrm>
-          <a:off x="1125642" y="3018429"/>
-          <a:ext cx="7187408" cy="862344"/>
+          <a:off x="1029228" y="3503302"/>
+          <a:ext cx="7283822" cy="700907"/>
         </a:xfrm>
         <a:prstGeom prst="rect">
           <a:avLst/>
         </a:prstGeom>
         <a:solidFill>
-          <a:srgbClr val="61E1FF"/>
+          <a:srgbClr val="81D3FD"/>
         </a:solidFill>
         <a:ln>
           <a:noFill/>
@@ -2913,7 +3130,7 @@
         </a:fontRef>
       </dsp:style>
       <dsp:txBody>
-        <a:bodyPr spcFirstLastPara="0" vert="horz" wrap="square" lIns="684486" tIns="86360" rIns="86360" bIns="86360" numCol="1" spcCol="1270" anchor="ctr" anchorCtr="0">
+        <a:bodyPr spcFirstLastPara="0" vert="horz" wrap="square" lIns="556345" tIns="86360" rIns="86360" bIns="86360" numCol="1" spcCol="1270" anchor="ctr" anchorCtr="0">
           <a:noAutofit/>
         </a:bodyPr>
         <a:lstStyle/>
@@ -2930,14 +3147,14 @@
             </a:spcAft>
           </a:pPr>
           <a:r>
-            <a:rPr lang="en-US" sz="3400" kern="1200" dirty="0" smtClean="0">
+            <a:rPr lang="en-US" sz="3400" kern="1200" smtClean="0">
               <a:solidFill>
                 <a:schemeClr val="tx1"/>
               </a:solidFill>
               <a:latin typeface="Calibri" panose="020F0502020204030204" pitchFamily="34" charset="0"/>
               <a:cs typeface="Calibri" panose="020F0502020204030204" pitchFamily="34" charset="0"/>
             </a:rPr>
-            <a:t>Kết quả thử nghiệm</a:t>
+            <a:t>Kết quả thửa nghiệm</a:t>
           </a:r>
           <a:endParaRPr lang="en-US" sz="3400" kern="1200" dirty="0">
             <a:solidFill>
@@ -2949,19 +3166,19 @@
         </a:p>
       </dsp:txBody>
       <dsp:txXfrm>
-        <a:off x="1125642" y="3018429"/>
-        <a:ext cx="7187408" cy="862344"/>
+        <a:off x="1029228" y="3503302"/>
+        <a:ext cx="7283822" cy="700907"/>
       </dsp:txXfrm>
     </dsp:sp>
-    <dsp:sp modelId="{BDB4DB30-DA06-4D43-9CF0-200146563302}">
+    <dsp:sp modelId="{5E81DC51-ED3E-4137-AF84-A8EFB7654709}">
       <dsp:nvSpPr>
         <dsp:cNvPr id="0" name=""/>
         <dsp:cNvSpPr/>
       </dsp:nvSpPr>
       <dsp:spPr>
         <a:xfrm>
-          <a:off x="568944" y="2976929"/>
-          <a:ext cx="1077930" cy="1077930"/>
+          <a:off x="591161" y="3415688"/>
+          <a:ext cx="876133" cy="876133"/>
         </a:xfrm>
         <a:prstGeom prst="ellipse">
           <a:avLst/>
@@ -2977,9 +3194,9 @@
         <a:ln w="10000" cap="flat" cmpd="sng" algn="ctr">
           <a:solidFill>
             <a:schemeClr val="accent3">
-              <a:hueOff val="6570271"/>
-              <a:satOff val="-35519"/>
-              <a:lumOff val="-1307"/>
+              <a:hueOff val="7391554"/>
+              <a:satOff val="-39959"/>
+              <a:lumOff val="-1471"/>
               <a:alphaOff val="0"/>
             </a:schemeClr>
           </a:solidFill>
@@ -3013,21 +3230,21 @@
         <a:fontRef idx="minor"/>
       </dsp:style>
     </dsp:sp>
-    <dsp:sp modelId="{60684A6C-5862-47BF-8DC3-60953AA06D83}">
+    <dsp:sp modelId="{0892F5C8-93DF-445B-A963-41DBFFB379D5}">
       <dsp:nvSpPr>
         <dsp:cNvPr id="0" name=""/>
         <dsp:cNvSpPr/>
       </dsp:nvSpPr>
       <dsp:spPr>
         <a:xfrm>
-          <a:off x="631240" y="4312170"/>
-          <a:ext cx="7681810" cy="862344"/>
+          <a:off x="526978" y="4554326"/>
+          <a:ext cx="7786071" cy="700907"/>
         </a:xfrm>
         <a:prstGeom prst="rect">
           <a:avLst/>
         </a:prstGeom>
         <a:solidFill>
-          <a:srgbClr val="61E1FF"/>
+          <a:srgbClr val="81D3FD"/>
         </a:solidFill>
         <a:ln>
           <a:noFill/>
@@ -3063,7 +3280,7 @@
         </a:fontRef>
       </dsp:style>
       <dsp:txBody>
-        <a:bodyPr spcFirstLastPara="0" vert="horz" wrap="square" lIns="684486" tIns="86360" rIns="86360" bIns="86360" numCol="1" spcCol="1270" anchor="ctr" anchorCtr="0">
+        <a:bodyPr spcFirstLastPara="0" vert="horz" wrap="square" lIns="556345" tIns="86360" rIns="86360" bIns="86360" numCol="1" spcCol="1270" anchor="ctr" anchorCtr="0">
           <a:noAutofit/>
         </a:bodyPr>
         <a:lstStyle/>
@@ -3099,19 +3316,19 @@
         </a:p>
       </dsp:txBody>
       <dsp:txXfrm>
-        <a:off x="631240" y="4312170"/>
-        <a:ext cx="7681810" cy="862344"/>
+        <a:off x="526978" y="4554326"/>
+        <a:ext cx="7786071" cy="700907"/>
       </dsp:txXfrm>
     </dsp:sp>
-    <dsp:sp modelId="{2BC02DA8-C9F1-48F3-A327-F3807EC1D983}">
+    <dsp:sp modelId="{F5225255-4C8D-4B80-B12B-512F3E8A3EE4}">
       <dsp:nvSpPr>
         <dsp:cNvPr id="0" name=""/>
         <dsp:cNvSpPr/>
       </dsp:nvSpPr>
       <dsp:spPr>
         <a:xfrm>
-          <a:off x="92275" y="4204377"/>
-          <a:ext cx="1077930" cy="1077930"/>
+          <a:off x="88911" y="4466713"/>
+          <a:ext cx="876133" cy="876133"/>
         </a:xfrm>
         <a:prstGeom prst="ellipse">
           <a:avLst/>
@@ -10255,7 +10472,7 @@
           <a:p>
             <a:fld id="{FE83B3B8-4113-4867-9A19-4A4B1D244722}" type="datetimeFigureOut">
               <a:rPr lang="en-US" smtClean="0"/>
-              <a:t>7/24/2020</a:t>
+              <a:t>7/25/2020</a:t>
             </a:fld>
             <a:endParaRPr lang="en-US"/>
           </a:p>
@@ -10568,45 +10785,13 @@
           <a:lstStyle/>
           <a:p>
             <a:r>
-              <a:rPr lang="vi-VN" sz="1200" b="0" i="0" kern="1200" dirty="0" smtClean="0">
-                <a:solidFill>
-                  <a:schemeClr val="tx1"/>
-                </a:solidFill>
-                <a:effectLst/>
-                <a:latin typeface="+mn-lt"/>
-                <a:ea typeface="+mn-ea"/>
-                <a:cs typeface="+mn-cs"/>
-              </a:rPr>
-              <a:t>Để được càng chính xác càng tốt, thời gian dịch vụ Cập Nhật phải luôn chạy trong nền, thường xuyên gửi yêu cầu đến máy chủ của thời gian chính xác, có nghĩa là, tạo ra khá nhiều lưu lượng truy cập</a:t>
-            </a:r>
-            <a:r>
-              <a:rPr lang="en-US" sz="1200" b="0" i="0" kern="1200" dirty="0" smtClean="0">
-                <a:solidFill>
-                  <a:schemeClr val="tx1"/>
-                </a:solidFill>
-                <a:effectLst/>
-                <a:latin typeface="+mn-lt"/>
-                <a:ea typeface="+mn-ea"/>
-                <a:cs typeface="+mn-cs"/>
-              </a:rPr>
-              <a:t>.</a:t>
-            </a:r>
-          </a:p>
-          <a:p>
-            <a:r>
-              <a:rPr lang="en-US" sz="1200" b="0" i="0" kern="1200" dirty="0" smtClean="0">
-                <a:solidFill>
-                  <a:schemeClr val="tx1"/>
-                </a:solidFill>
-                <a:effectLst/>
-                <a:latin typeface="+mn-lt"/>
-                <a:ea typeface="+mn-ea"/>
-                <a:cs typeface="+mn-cs"/>
-              </a:rPr>
-              <a:t>IDS từ lâu đã bỏ qua giao thông NTP.</a:t>
-            </a:r>
-          </a:p>
-          <a:p>
+              <a:rPr lang="en-US" dirty="0" smtClean="0"/>
+              <a:t>Kính</a:t>
+            </a:r>
+            <a:r>
+              <a:rPr lang="en-US" baseline="0" dirty="0" smtClean="0"/>
+              <a:t> thưa chủ tịch hội đồng, các thầy cô và các bạn. Hôm nay em xin thuyết trình đề tài Kỹ thuật khai thác giao thức NTP để truyền dữ liệu ra mạng ngoài</a:t>
+            </a:r>
             <a:endParaRPr lang="en-US" dirty="0"/>
           </a:p>
         </p:txBody>
@@ -10628,7 +10813,7 @@
           <a:p>
             <a:fld id="{98F6404F-8860-4E8E-8C68-E516B4EA8F20}" type="slidenum">
               <a:rPr lang="en-US" smtClean="0"/>
-              <a:t>2</a:t>
+              <a:t>1</a:t>
             </a:fld>
             <a:endParaRPr lang="en-US"/>
           </a:p>
@@ -10637,7 +10822,265 @@
     </p:spTree>
     <p:extLst>
       <p:ext uri="{BB962C8B-B14F-4D97-AF65-F5344CB8AC3E}">
-        <p14:creationId xmlns:p14="http://schemas.microsoft.com/office/powerpoint/2010/main" val="2921906899"/>
+        <p14:creationId xmlns:p14="http://schemas.microsoft.com/office/powerpoint/2010/main" val="397066445"/>
+      </p:ext>
+    </p:extLst>
+  </p:cSld>
+  <p:clrMapOvr>
+    <a:masterClrMapping/>
+  </p:clrMapOvr>
+</p:notes>
+</file>
+
+<file path=ppt/notesSlides/notesSlide10.xml><?xml version="1.0" encoding="utf-8"?>
+<p:notes xmlns:a="http://schemas.openxmlformats.org/drawingml/2006/main" xmlns:r="http://schemas.openxmlformats.org/officeDocument/2006/relationships" xmlns:p="http://schemas.openxmlformats.org/presentationml/2006/main">
+  <p:cSld>
+    <p:spTree>
+      <p:nvGrpSpPr>
+        <p:cNvPr id="1" name=""/>
+        <p:cNvGrpSpPr/>
+        <p:nvPr/>
+      </p:nvGrpSpPr>
+      <p:grpSpPr>
+        <a:xfrm>
+          <a:off x="0" y="0"/>
+          <a:ext cx="0" cy="0"/>
+          <a:chOff x="0" y="0"/>
+          <a:chExt cx="0" cy="0"/>
+        </a:xfrm>
+      </p:grpSpPr>
+      <p:sp>
+        <p:nvSpPr>
+          <p:cNvPr id="2" name="Slide Image Placeholder 1"/>
+          <p:cNvSpPr>
+            <a:spLocks noGrp="1" noRot="1" noChangeAspect="1"/>
+          </p:cNvSpPr>
+          <p:nvPr>
+            <p:ph type="sldImg"/>
+          </p:nvPr>
+        </p:nvSpPr>
+        <p:spPr/>
+      </p:sp>
+      <p:sp>
+        <p:nvSpPr>
+          <p:cNvPr id="3" name="Notes Placeholder 2"/>
+          <p:cNvSpPr>
+            <a:spLocks noGrp="1"/>
+          </p:cNvSpPr>
+          <p:nvPr>
+            <p:ph type="body" idx="1"/>
+          </p:nvPr>
+        </p:nvSpPr>
+        <p:spPr/>
+        <p:txBody>
+          <a:bodyPr/>
+          <a:lstStyle/>
+          <a:p>
+            <a:pPr marL="0" marR="0" lvl="0" indent="0" algn="l" defTabSz="914400" rtl="0" eaLnBrk="1" fontAlgn="auto" latinLnBrk="0" hangingPunct="1">
+              <a:lnSpc>
+                <a:spcPct val="100000"/>
+              </a:lnSpc>
+              <a:spcBef>
+                <a:spcPts val="0"/>
+              </a:spcBef>
+              <a:spcAft>
+                <a:spcPts val="0"/>
+              </a:spcAft>
+              <a:buClrTx/>
+              <a:buSzTx/>
+              <a:buFontTx/>
+              <a:buNone/>
+              <a:tabLst/>
+              <a:defRPr/>
+            </a:pPr>
+            <a:r>
+              <a:rPr lang="en-US" sz="1200" kern="1200" dirty="0" smtClean="0">
+                <a:solidFill>
+                  <a:schemeClr val="tx1"/>
+                </a:solidFill>
+                <a:effectLst/>
+                <a:latin typeface="+mn-lt"/>
+                <a:ea typeface="+mn-ea"/>
+                <a:cs typeface="+mn-cs"/>
+              </a:rPr>
+              <a:t>LI (Leap indicator) 2: Mã cảnh báo về bước nhảy vọt thứ hai sắp được chèn vào cuối ngày cuối cùng của tháng hiện tại </a:t>
+            </a:r>
+          </a:p>
+          <a:p>
+            <a:pPr marL="0" marR="0" lvl="0" indent="0" algn="l" defTabSz="914400" rtl="0" eaLnBrk="1" fontAlgn="auto" latinLnBrk="0" hangingPunct="1">
+              <a:lnSpc>
+                <a:spcPct val="100000"/>
+              </a:lnSpc>
+              <a:spcBef>
+                <a:spcPts val="0"/>
+              </a:spcBef>
+              <a:spcAft>
+                <a:spcPts val="0"/>
+              </a:spcAft>
+              <a:buClrTx/>
+              <a:buSzTx/>
+              <a:buFontTx/>
+              <a:buNone/>
+              <a:tabLst/>
+              <a:defRPr/>
+            </a:pPr>
+            <a:r>
+              <a:rPr lang="en-US" sz="1200" kern="1200" dirty="0" smtClean="0">
+                <a:solidFill>
+                  <a:schemeClr val="tx1"/>
+                </a:solidFill>
+                <a:effectLst/>
+                <a:latin typeface="+mn-lt"/>
+                <a:ea typeface="+mn-ea"/>
+                <a:cs typeface="+mn-cs"/>
+              </a:rPr>
+              <a:t>Version number(VN) 3-bit:</a:t>
+            </a:r>
+          </a:p>
+          <a:p>
+            <a:r>
+              <a:rPr lang="en-US" sz="1200" kern="1200" dirty="0" smtClean="0">
+                <a:solidFill>
+                  <a:schemeClr val="tx1"/>
+                </a:solidFill>
+                <a:effectLst/>
+                <a:latin typeface="+mn-lt"/>
+                <a:ea typeface="+mn-ea"/>
+                <a:cs typeface="+mn-cs"/>
+              </a:rPr>
+              <a:t>Mode 3-bit: Chế độ hoạt động của người gửi gói. Giá trị là từ 0 đến 7, trong đó 3 là máy khách và 4 là máy chủ.</a:t>
+            </a:r>
+          </a:p>
+          <a:p>
+            <a:r>
+              <a:rPr lang="en-US" sz="1200" kern="1200" dirty="0" smtClean="0">
+                <a:solidFill>
+                  <a:schemeClr val="tx1"/>
+                </a:solidFill>
+                <a:effectLst/>
+                <a:latin typeface="+mn-lt"/>
+                <a:ea typeface="+mn-ea"/>
+                <a:cs typeface="+mn-cs"/>
+              </a:rPr>
+              <a:t>Stratum 8-bit: Cho biết có bao nhiêu trung gian giữa máy khách và đồng hồ tham chiếu.</a:t>
+            </a:r>
+          </a:p>
+          <a:p>
+            <a:endParaRPr lang="en-US" sz="1200" kern="1200" dirty="0" smtClean="0">
+              <a:solidFill>
+                <a:schemeClr val="tx1"/>
+              </a:solidFill>
+              <a:effectLst/>
+              <a:latin typeface="+mn-lt"/>
+              <a:ea typeface="+mn-ea"/>
+              <a:cs typeface="+mn-cs"/>
+            </a:endParaRPr>
+          </a:p>
+          <a:p>
+            <a:r>
+              <a:rPr lang="en-US" sz="1200" kern="1200" dirty="0" smtClean="0">
+                <a:solidFill>
+                  <a:schemeClr val="tx1"/>
+                </a:solidFill>
+                <a:effectLst/>
+                <a:latin typeface="+mn-lt"/>
+                <a:ea typeface="+mn-ea"/>
+                <a:cs typeface="+mn-cs"/>
+              </a:rPr>
+              <a:t>Trong phần</a:t>
+            </a:r>
+            <a:r>
+              <a:rPr lang="en-US" sz="1200" kern="1200" baseline="0" dirty="0" smtClean="0">
+                <a:solidFill>
+                  <a:schemeClr val="tx1"/>
+                </a:solidFill>
+                <a:effectLst/>
+                <a:latin typeface="+mn-lt"/>
+                <a:ea typeface="+mn-ea"/>
+                <a:cs typeface="+mn-cs"/>
+              </a:rPr>
+              <a:t> 2 này em sẽ không đi vào chi tiết giao thức NTP, e sẽ tập chung vào các trường cần quan tâm để sử dụng trong việc truyền dữ liệu bằng giao thức ntp.</a:t>
+            </a:r>
+          </a:p>
+          <a:p>
+            <a:r>
+              <a:rPr lang="en-US" sz="1200" kern="1200" dirty="0" smtClean="0">
+                <a:solidFill>
+                  <a:schemeClr val="tx1"/>
+                </a:solidFill>
+                <a:effectLst/>
+                <a:latin typeface="+mn-lt"/>
+                <a:ea typeface="+mn-ea"/>
+                <a:cs typeface="+mn-cs"/>
+              </a:rPr>
+              <a:t>00011011</a:t>
+            </a:r>
+          </a:p>
+          <a:p>
+            <a:endParaRPr lang="en-US" sz="1200" kern="1200" dirty="0" smtClean="0">
+              <a:solidFill>
+                <a:schemeClr val="tx1"/>
+              </a:solidFill>
+              <a:effectLst/>
+              <a:latin typeface="+mn-lt"/>
+              <a:ea typeface="+mn-ea"/>
+              <a:cs typeface="+mn-cs"/>
+            </a:endParaRPr>
+          </a:p>
+          <a:p>
+            <a:endParaRPr lang="en-US" sz="1200" kern="1200" dirty="0" smtClean="0">
+              <a:solidFill>
+                <a:schemeClr val="tx1"/>
+              </a:solidFill>
+              <a:effectLst/>
+              <a:latin typeface="+mn-lt"/>
+              <a:ea typeface="+mn-ea"/>
+              <a:cs typeface="+mn-cs"/>
+            </a:endParaRPr>
+          </a:p>
+          <a:p>
+            <a:endParaRPr lang="en-US" sz="1200" kern="1200" dirty="0" smtClean="0">
+              <a:solidFill>
+                <a:schemeClr val="tx1"/>
+              </a:solidFill>
+              <a:effectLst/>
+              <a:latin typeface="+mn-lt"/>
+              <a:ea typeface="+mn-ea"/>
+              <a:cs typeface="+mn-cs"/>
+            </a:endParaRPr>
+          </a:p>
+          <a:p>
+            <a:endParaRPr lang="en-US" dirty="0"/>
+          </a:p>
+        </p:txBody>
+      </p:sp>
+      <p:sp>
+        <p:nvSpPr>
+          <p:cNvPr id="4" name="Slide Number Placeholder 3"/>
+          <p:cNvSpPr>
+            <a:spLocks noGrp="1"/>
+          </p:cNvSpPr>
+          <p:nvPr>
+            <p:ph type="sldNum" sz="quarter" idx="10"/>
+          </p:nvPr>
+        </p:nvSpPr>
+        <p:spPr/>
+        <p:txBody>
+          <a:bodyPr/>
+          <a:lstStyle/>
+          <a:p>
+            <a:fld id="{98F6404F-8860-4E8E-8C68-E516B4EA8F20}" type="slidenum">
+              <a:rPr lang="en-US" smtClean="0"/>
+              <a:t>10</a:t>
+            </a:fld>
+            <a:endParaRPr lang="en-US"/>
+          </a:p>
+        </p:txBody>
+      </p:sp>
+    </p:spTree>
+    <p:extLst>
+      <p:ext uri="{BB962C8B-B14F-4D97-AF65-F5344CB8AC3E}">
+        <p14:creationId xmlns:p14="http://schemas.microsoft.com/office/powerpoint/2010/main" val="3372766525"/>
       </p:ext>
     </p:extLst>
   </p:cSld>
@@ -10692,46 +11135,13 @@
           <a:lstStyle/>
           <a:p>
             <a:r>
-              <a:rPr lang="en-US" sz="1200" kern="1200" dirty="0" smtClean="0">
-                <a:solidFill>
-                  <a:schemeClr val="tx1"/>
-                </a:solidFill>
-                <a:effectLst/>
-                <a:latin typeface="+mn-lt"/>
-                <a:ea typeface="+mn-ea"/>
-                <a:cs typeface="+mn-cs"/>
-              </a:rPr>
-              <a:t>1. Một nhân viên có thể vô tình chọn nhầm người nhận khi gửi email chứa dữ liệu bí mật.</a:t>
-            </a:r>
-          </a:p>
-          <a:p>
-            <a:r>
-              <a:rPr lang="en-US" sz="1200" kern="1200" dirty="0" smtClean="0">
-                <a:solidFill>
-                  <a:schemeClr val="tx1"/>
-                </a:solidFill>
-                <a:effectLst/>
-                <a:latin typeface="+mn-lt"/>
-                <a:ea typeface="+mn-ea"/>
-                <a:cs typeface="+mn-cs"/>
-              </a:rPr>
-              <a:t>2. Tuy nhiên, phần lớn mất dữ liệu không xảy ra trên một phương tiện điện tử; nó xảy ra thông qua máy in, máy ảnh, máy photocopy, ổ USB di động và thậm chí cả máy lặn để tìm tài liệu bị loại bỏ.</a:t>
-            </a:r>
-          </a:p>
-          <a:p>
-            <a:r>
-              <a:rPr lang="en-US" sz="1200" kern="1200" dirty="0" smtClean="0">
-                <a:solidFill>
-                  <a:schemeClr val="tx1"/>
-                </a:solidFill>
-                <a:effectLst/>
-                <a:latin typeface="+mn-lt"/>
-                <a:ea typeface="+mn-ea"/>
-                <a:cs typeface="+mn-cs"/>
-              </a:rPr>
-              <a:t>3. Một tội phạm mạng có thể dễ dàng giả mạo một tài khoản email doanh nghiệp hợp pháp và yêu cầu thông tin nhạy cảm được gửi đến họ. </a:t>
-            </a:r>
-            <a:endParaRPr lang="en-US" dirty="0"/>
+              <a:rPr lang="en-US" dirty="0" smtClean="0"/>
+              <a:t>Bài</a:t>
+            </a:r>
+            <a:r>
+              <a:rPr lang="en-US" baseline="0" dirty="0" smtClean="0"/>
+              <a:t> thuyết trình của em gòm có 5 phần.. Phần 1 là đặt vấn đề. Phần 2 là tổng quan về rò rỉ dữ lieuj. Phần 3 truyền dữ liệu ra ngoài sử dụng NTP. Phần 4 là kết quả thử nghiệm. Phần 5 là đề xuất giải pháp</a:t>
+            </a:r>
           </a:p>
         </p:txBody>
       </p:sp>
@@ -10752,7 +11162,7 @@
           <a:p>
             <a:fld id="{98F6404F-8860-4E8E-8C68-E516B4EA8F20}" type="slidenum">
               <a:rPr lang="en-US" smtClean="0"/>
-              <a:t>6</a:t>
+              <a:t>2</a:t>
             </a:fld>
             <a:endParaRPr lang="en-US"/>
           </a:p>
@@ -10761,7 +11171,7 @@
     </p:spTree>
     <p:extLst>
       <p:ext uri="{BB962C8B-B14F-4D97-AF65-F5344CB8AC3E}">
-        <p14:creationId xmlns:p14="http://schemas.microsoft.com/office/powerpoint/2010/main" val="2561091422"/>
+        <p14:creationId xmlns:p14="http://schemas.microsoft.com/office/powerpoint/2010/main" val="2599635586"/>
       </p:ext>
     </p:extLst>
   </p:cSld>
@@ -10815,13 +11225,39 @@
           <a:bodyPr/>
           <a:lstStyle/>
           <a:p>
-            <a:r>
-              <a:rPr lang="en-US" dirty="0" smtClean="0"/>
-              <a:t>Các</a:t>
-            </a:r>
-            <a:r>
-              <a:rPr lang="en-US" baseline="0" dirty="0" smtClean="0"/>
-              <a:t> phần mềm đồng bộ trên các hệ điều hành: </a:t>
+            <a:endParaRPr lang="en-US" sz="1200" b="0" i="0" kern="1200" dirty="0" smtClean="0">
+              <a:solidFill>
+                <a:schemeClr val="tx1"/>
+              </a:solidFill>
+              <a:effectLst/>
+              <a:latin typeface="+mn-lt"/>
+              <a:ea typeface="+mn-ea"/>
+              <a:cs typeface="+mn-cs"/>
+            </a:endParaRPr>
+          </a:p>
+          <a:p>
+            <a:endParaRPr lang="en-US" sz="1200" b="0" i="0" kern="1200" dirty="0" smtClean="0">
+              <a:solidFill>
+                <a:schemeClr val="tx1"/>
+              </a:solidFill>
+              <a:effectLst/>
+              <a:latin typeface="+mn-lt"/>
+              <a:ea typeface="+mn-ea"/>
+              <a:cs typeface="+mn-cs"/>
+            </a:endParaRPr>
+          </a:p>
+          <a:p>
+            <a:r>
+              <a:rPr lang="vi-VN" sz="1200" b="0" i="0" kern="1200" dirty="0" smtClean="0">
+                <a:solidFill>
+                  <a:schemeClr val="tx1"/>
+                </a:solidFill>
+                <a:effectLst/>
+                <a:latin typeface="+mn-lt"/>
+                <a:ea typeface="+mn-ea"/>
+                <a:cs typeface="+mn-cs"/>
+              </a:rPr>
+              <a:t>Để được càng chính xác càng tốt, thời gian dịch vụ Cập Nhật phải luôn chạy trong nền, thường xuyên gửi yêu cầu đến máy chủ của thời gian chính xác, có nghĩa là, tạo ra khá nhiều lưu lượng truy cập</a:t>
             </a:r>
             <a:r>
               <a:rPr lang="en-US" sz="1200" b="0" i="0" kern="1200" dirty="0" smtClean="0">
@@ -10833,7 +11269,35 @@
                 <a:ea typeface="+mn-ea"/>
                 <a:cs typeface="+mn-cs"/>
               </a:rPr>
-              <a:t>W32Time chịu trách nhiệm đồng bộ hóa trên Windows và daemon ntpd hoặc chronyd</a:t>
+              <a:t>.</a:t>
+            </a:r>
+          </a:p>
+          <a:p>
+            <a:r>
+              <a:rPr lang="en-US" sz="1200" b="0" i="0" kern="1200" dirty="0" smtClean="0">
+                <a:solidFill>
+                  <a:schemeClr val="tx1"/>
+                </a:solidFill>
+                <a:effectLst/>
+                <a:latin typeface="+mn-lt"/>
+                <a:ea typeface="+mn-ea"/>
+                <a:cs typeface="+mn-cs"/>
+              </a:rPr>
+              <a:t>IDS từ lâu đã bỏ qua giao thông NTP.</a:t>
+            </a:r>
+          </a:p>
+          <a:p>
+            <a:r>
+              <a:rPr lang="en-US" sz="1200" b="0" i="0" kern="1200" dirty="0" smtClean="0">
+                <a:solidFill>
+                  <a:schemeClr val="tx1"/>
+                </a:solidFill>
+                <a:effectLst/>
+                <a:latin typeface="+mn-lt"/>
+                <a:ea typeface="+mn-ea"/>
+                <a:cs typeface="+mn-cs"/>
+              </a:rPr>
+              <a:t>một số giao thức mật mã có sử dụng nhãn thời gian, vậy cũng cần đồng bộ thời gian</a:t>
             </a:r>
             <a:endParaRPr lang="en-US" dirty="0"/>
           </a:p>
@@ -10856,7 +11320,7 @@
           <a:p>
             <a:fld id="{98F6404F-8860-4E8E-8C68-E516B4EA8F20}" type="slidenum">
               <a:rPr lang="en-US" smtClean="0"/>
-              <a:t>8</a:t>
+              <a:t>3</a:t>
             </a:fld>
             <a:endParaRPr lang="en-US"/>
           </a:p>
@@ -10865,7 +11329,7 @@
     </p:spTree>
     <p:extLst>
       <p:ext uri="{BB962C8B-B14F-4D97-AF65-F5344CB8AC3E}">
-        <p14:creationId xmlns:p14="http://schemas.microsoft.com/office/powerpoint/2010/main" val="2195863514"/>
+        <p14:creationId xmlns:p14="http://schemas.microsoft.com/office/powerpoint/2010/main" val="569162947"/>
       </p:ext>
     </p:extLst>
   </p:cSld>
@@ -10937,160 +11401,14 @@
               <a:defRPr/>
             </a:pPr>
             <a:r>
-              <a:rPr lang="en-US" sz="1200" kern="1200" dirty="0" smtClean="0">
-                <a:solidFill>
-                  <a:schemeClr val="tx1"/>
-                </a:solidFill>
-                <a:effectLst/>
-                <a:latin typeface="+mn-lt"/>
-                <a:ea typeface="+mn-ea"/>
-                <a:cs typeface="+mn-cs"/>
-              </a:rPr>
-              <a:t>LI (Leap indicator) 2: Mã cảnh báo về bước nhảy vọt thứ hai sắp được chèn vào cuối ngày cuối cùng của tháng hiện tại </a:t>
-            </a:r>
-          </a:p>
-          <a:p>
-            <a:pPr marL="0" marR="0" lvl="0" indent="0" algn="l" defTabSz="914400" rtl="0" eaLnBrk="1" fontAlgn="auto" latinLnBrk="0" hangingPunct="1">
-              <a:lnSpc>
-                <a:spcPct val="100000"/>
-              </a:lnSpc>
-              <a:spcBef>
-                <a:spcPts val="0"/>
-              </a:spcBef>
-              <a:spcAft>
-                <a:spcPts val="0"/>
-              </a:spcAft>
-              <a:buClrTx/>
-              <a:buSzTx/>
-              <a:buFontTx/>
-              <a:buNone/>
-              <a:tabLst/>
-              <a:defRPr/>
-            </a:pPr>
-            <a:r>
-              <a:rPr lang="en-US" sz="1200" kern="1200" dirty="0" smtClean="0">
-                <a:solidFill>
-                  <a:schemeClr val="tx1"/>
-                </a:solidFill>
-                <a:effectLst/>
-                <a:latin typeface="+mn-lt"/>
-                <a:ea typeface="+mn-ea"/>
-                <a:cs typeface="+mn-cs"/>
-              </a:rPr>
-              <a:t>Version number(VN) 3-bit:</a:t>
-            </a:r>
-          </a:p>
-          <a:p>
-            <a:r>
-              <a:rPr lang="en-US" sz="1200" kern="1200" dirty="0" smtClean="0">
-                <a:solidFill>
-                  <a:schemeClr val="tx1"/>
-                </a:solidFill>
-                <a:effectLst/>
-                <a:latin typeface="+mn-lt"/>
-                <a:ea typeface="+mn-ea"/>
-                <a:cs typeface="+mn-cs"/>
-              </a:rPr>
-              <a:t>Mode 3-bit: Chế độ hoạt động của người gửi gói. Giá trị là từ 0 đến 7, trong đó 3 là máy khách và 4 là máy chủ.</a:t>
-            </a:r>
-          </a:p>
-          <a:p>
-            <a:r>
-              <a:rPr lang="en-US" sz="1200" kern="1200" dirty="0" smtClean="0">
-                <a:solidFill>
-                  <a:schemeClr val="tx1"/>
-                </a:solidFill>
-                <a:effectLst/>
-                <a:latin typeface="+mn-lt"/>
-                <a:ea typeface="+mn-ea"/>
-                <a:cs typeface="+mn-cs"/>
-              </a:rPr>
-              <a:t>Stratum 8-bit: Cho biết có bao nhiêu trung gian giữa máy khách và đồng hồ tham chiếu.</a:t>
-            </a:r>
-          </a:p>
-          <a:p>
-            <a:endParaRPr lang="en-US" sz="1200" kern="1200" dirty="0" smtClean="0">
-              <a:solidFill>
-                <a:schemeClr val="tx1"/>
-              </a:solidFill>
-              <a:effectLst/>
-              <a:latin typeface="+mn-lt"/>
-              <a:ea typeface="+mn-ea"/>
-              <a:cs typeface="+mn-cs"/>
-            </a:endParaRPr>
-          </a:p>
-          <a:p>
-            <a:r>
-              <a:rPr lang="en-US" sz="1200" kern="1200" dirty="0" smtClean="0">
-                <a:solidFill>
-                  <a:schemeClr val="tx1"/>
-                </a:solidFill>
-                <a:effectLst/>
-                <a:latin typeface="+mn-lt"/>
-                <a:ea typeface="+mn-ea"/>
-                <a:cs typeface="+mn-cs"/>
-              </a:rPr>
-              <a:t>Trong phần</a:t>
-            </a:r>
-            <a:r>
-              <a:rPr lang="en-US" sz="1200" kern="1200" baseline="0" dirty="0" smtClean="0">
-                <a:solidFill>
-                  <a:schemeClr val="tx1"/>
-                </a:solidFill>
-                <a:effectLst/>
-                <a:latin typeface="+mn-lt"/>
-                <a:ea typeface="+mn-ea"/>
-                <a:cs typeface="+mn-cs"/>
-              </a:rPr>
-              <a:t> 2 này em sẽ không đi vào chi tiết giao thức NTP, e sẽ tập chung vào các trường cần quan tâm để sử dụng trong việc truyền dữ liệu bằng giao thức ntp.</a:t>
-            </a:r>
-          </a:p>
-          <a:p>
-            <a:r>
-              <a:rPr lang="en-US" sz="1200" kern="1200" dirty="0" smtClean="0">
-                <a:solidFill>
-                  <a:schemeClr val="tx1"/>
-                </a:solidFill>
-                <a:effectLst/>
-                <a:latin typeface="+mn-lt"/>
-                <a:ea typeface="+mn-ea"/>
-                <a:cs typeface="+mn-cs"/>
-              </a:rPr>
-              <a:t>00011011</a:t>
-            </a:r>
-          </a:p>
-          <a:p>
-            <a:endParaRPr lang="en-US" sz="1200" kern="1200" dirty="0" smtClean="0">
-              <a:solidFill>
-                <a:schemeClr val="tx1"/>
-              </a:solidFill>
-              <a:effectLst/>
-              <a:latin typeface="+mn-lt"/>
-              <a:ea typeface="+mn-ea"/>
-              <a:cs typeface="+mn-cs"/>
-            </a:endParaRPr>
-          </a:p>
-          <a:p>
-            <a:endParaRPr lang="en-US" sz="1200" kern="1200" dirty="0" smtClean="0">
-              <a:solidFill>
-                <a:schemeClr val="tx1"/>
-              </a:solidFill>
-              <a:effectLst/>
-              <a:latin typeface="+mn-lt"/>
-              <a:ea typeface="+mn-ea"/>
-              <a:cs typeface="+mn-cs"/>
-            </a:endParaRPr>
-          </a:p>
-          <a:p>
-            <a:endParaRPr lang="en-US" sz="1200" kern="1200" dirty="0" smtClean="0">
-              <a:solidFill>
-                <a:schemeClr val="tx1"/>
-              </a:solidFill>
-              <a:effectLst/>
-              <a:latin typeface="+mn-lt"/>
-              <a:ea typeface="+mn-ea"/>
-              <a:cs typeface="+mn-cs"/>
-            </a:endParaRPr>
+              <a:rPr lang="en-US" dirty="0" smtClean="0"/>
+              <a:t>Mục</a:t>
+            </a:r>
+            <a:r>
+              <a:rPr lang="en-US" baseline="0" dirty="0" smtClean="0"/>
+              <a:t> tiêu đồ án này cung cấp một cách thức mới có thể được sử dụng cho kẻ tấn công để truyền các dữ liệu quan trọng ra ngoài.</a:t>
+            </a:r>
+            <a:endParaRPr lang="en-US" dirty="0" smtClean="0"/>
           </a:p>
           <a:p>
             <a:endParaRPr lang="en-US" dirty="0"/>
@@ -11114,7 +11432,7 @@
           <a:p>
             <a:fld id="{98F6404F-8860-4E8E-8C68-E516B4EA8F20}" type="slidenum">
               <a:rPr lang="en-US" smtClean="0"/>
-              <a:t>9</a:t>
+              <a:t>4</a:t>
             </a:fld>
             <a:endParaRPr lang="en-US"/>
           </a:p>
@@ -11123,7 +11441,7 @@
     </p:spTree>
     <p:extLst>
       <p:ext uri="{BB962C8B-B14F-4D97-AF65-F5344CB8AC3E}">
-        <p14:creationId xmlns:p14="http://schemas.microsoft.com/office/powerpoint/2010/main" val="1068550993"/>
+        <p14:creationId xmlns:p14="http://schemas.microsoft.com/office/powerpoint/2010/main" val="2599970106"/>
       </p:ext>
     </p:extLst>
   </p:cSld>
@@ -11177,6 +11495,426 @@
           <a:bodyPr/>
           <a:lstStyle/>
           <a:p>
+            <a:r>
+              <a:rPr lang="en-US" dirty="0" smtClean="0"/>
+              <a:t>Phần</a:t>
+            </a:r>
+            <a:r>
+              <a:rPr lang="en-US" baseline="0" dirty="0" smtClean="0"/>
+              <a:t> 1: tông quan về rò rỉ dữ liệu.</a:t>
+            </a:r>
+          </a:p>
+          <a:p>
+            <a:endParaRPr lang="en-US" dirty="0"/>
+          </a:p>
+        </p:txBody>
+      </p:sp>
+      <p:sp>
+        <p:nvSpPr>
+          <p:cNvPr id="4" name="Slide Number Placeholder 3"/>
+          <p:cNvSpPr>
+            <a:spLocks noGrp="1"/>
+          </p:cNvSpPr>
+          <p:nvPr>
+            <p:ph type="sldNum" sz="quarter" idx="10"/>
+          </p:nvPr>
+        </p:nvSpPr>
+        <p:spPr/>
+        <p:txBody>
+          <a:bodyPr/>
+          <a:lstStyle/>
+          <a:p>
+            <a:fld id="{98F6404F-8860-4E8E-8C68-E516B4EA8F20}" type="slidenum">
+              <a:rPr lang="en-US" smtClean="0"/>
+              <a:t>5</a:t>
+            </a:fld>
+            <a:endParaRPr lang="en-US"/>
+          </a:p>
+        </p:txBody>
+      </p:sp>
+    </p:spTree>
+    <p:extLst>
+      <p:ext uri="{BB962C8B-B14F-4D97-AF65-F5344CB8AC3E}">
+        <p14:creationId xmlns:p14="http://schemas.microsoft.com/office/powerpoint/2010/main" val="2283698694"/>
+      </p:ext>
+    </p:extLst>
+  </p:cSld>
+  <p:clrMapOvr>
+    <a:masterClrMapping/>
+  </p:clrMapOvr>
+</p:notes>
+</file>
+
+<file path=ppt/notesSlides/notesSlide6.xml><?xml version="1.0" encoding="utf-8"?>
+<p:notes xmlns:a="http://schemas.openxmlformats.org/drawingml/2006/main" xmlns:r="http://schemas.openxmlformats.org/officeDocument/2006/relationships" xmlns:p="http://schemas.openxmlformats.org/presentationml/2006/main">
+  <p:cSld>
+    <p:spTree>
+      <p:nvGrpSpPr>
+        <p:cNvPr id="1" name=""/>
+        <p:cNvGrpSpPr/>
+        <p:nvPr/>
+      </p:nvGrpSpPr>
+      <p:grpSpPr>
+        <a:xfrm>
+          <a:off x="0" y="0"/>
+          <a:ext cx="0" cy="0"/>
+          <a:chOff x="0" y="0"/>
+          <a:chExt cx="0" cy="0"/>
+        </a:xfrm>
+      </p:grpSpPr>
+      <p:sp>
+        <p:nvSpPr>
+          <p:cNvPr id="2" name="Slide Image Placeholder 1"/>
+          <p:cNvSpPr>
+            <a:spLocks noGrp="1" noRot="1" noChangeAspect="1"/>
+          </p:cNvSpPr>
+          <p:nvPr>
+            <p:ph type="sldImg"/>
+          </p:nvPr>
+        </p:nvSpPr>
+        <p:spPr/>
+      </p:sp>
+      <p:sp>
+        <p:nvSpPr>
+          <p:cNvPr id="3" name="Notes Placeholder 2"/>
+          <p:cNvSpPr>
+            <a:spLocks noGrp="1"/>
+          </p:cNvSpPr>
+          <p:nvPr>
+            <p:ph type="body" idx="1"/>
+          </p:nvPr>
+        </p:nvSpPr>
+        <p:spPr/>
+        <p:txBody>
+          <a:bodyPr/>
+          <a:lstStyle/>
+          <a:p>
+            <a:r>
+              <a:rPr lang="en-US" sz="1200" kern="1200" dirty="0" smtClean="0">
+                <a:solidFill>
+                  <a:schemeClr val="tx1"/>
+                </a:solidFill>
+                <a:effectLst/>
+                <a:latin typeface="+mn-lt"/>
+                <a:ea typeface="+mn-ea"/>
+                <a:cs typeface="+mn-cs"/>
+              </a:rPr>
+              <a:t>1. Một nhân viên có thể vô tình chọn nhầm người nhận khi gửi email chứa dữ liệu bí mật.</a:t>
+            </a:r>
+          </a:p>
+          <a:p>
+            <a:r>
+              <a:rPr lang="en-US" sz="1200" kern="1200" dirty="0" smtClean="0">
+                <a:solidFill>
+                  <a:schemeClr val="tx1"/>
+                </a:solidFill>
+                <a:effectLst/>
+                <a:latin typeface="+mn-lt"/>
+                <a:ea typeface="+mn-ea"/>
+                <a:cs typeface="+mn-cs"/>
+              </a:rPr>
+              <a:t>2. Tuy nhiên, phần lớn mất dữ liệu không xảy ra trên một phương tiện điện tử; nó xảy ra thông qua máy in, máy ảnh, máy photocopy, ổ USB di động và thậm chí cả máy lặn để tìm tài liệu bị loại bỏ.</a:t>
+            </a:r>
+          </a:p>
+          <a:p>
+            <a:r>
+              <a:rPr lang="en-US" sz="1200" kern="1200" dirty="0" smtClean="0">
+                <a:solidFill>
+                  <a:schemeClr val="tx1"/>
+                </a:solidFill>
+                <a:effectLst/>
+                <a:latin typeface="+mn-lt"/>
+                <a:ea typeface="+mn-ea"/>
+                <a:cs typeface="+mn-cs"/>
+              </a:rPr>
+              <a:t>3. Một tội phạm mạng có thể dễ dàng giả mạo một tài khoản email doanh nghiệp hợp pháp và yêu cầu thông tin nhạy cảm được gửi đến họ. </a:t>
+            </a:r>
+            <a:endParaRPr lang="en-US" dirty="0"/>
+          </a:p>
+        </p:txBody>
+      </p:sp>
+      <p:sp>
+        <p:nvSpPr>
+          <p:cNvPr id="4" name="Slide Number Placeholder 3"/>
+          <p:cNvSpPr>
+            <a:spLocks noGrp="1"/>
+          </p:cNvSpPr>
+          <p:nvPr>
+            <p:ph type="sldNum" sz="quarter" idx="10"/>
+          </p:nvPr>
+        </p:nvSpPr>
+        <p:spPr/>
+        <p:txBody>
+          <a:bodyPr/>
+          <a:lstStyle/>
+          <a:p>
+            <a:fld id="{98F6404F-8860-4E8E-8C68-E516B4EA8F20}" type="slidenum">
+              <a:rPr lang="en-US" smtClean="0"/>
+              <a:t>6</a:t>
+            </a:fld>
+            <a:endParaRPr lang="en-US"/>
+          </a:p>
+        </p:txBody>
+      </p:sp>
+    </p:spTree>
+    <p:extLst>
+      <p:ext uri="{BB962C8B-B14F-4D97-AF65-F5344CB8AC3E}">
+        <p14:creationId xmlns:p14="http://schemas.microsoft.com/office/powerpoint/2010/main" val="2561091422"/>
+      </p:ext>
+    </p:extLst>
+  </p:cSld>
+  <p:clrMapOvr>
+    <a:masterClrMapping/>
+  </p:clrMapOvr>
+</p:notes>
+</file>
+
+<file path=ppt/notesSlides/notesSlide7.xml><?xml version="1.0" encoding="utf-8"?>
+<p:notes xmlns:a="http://schemas.openxmlformats.org/drawingml/2006/main" xmlns:r="http://schemas.openxmlformats.org/officeDocument/2006/relationships" xmlns:p="http://schemas.openxmlformats.org/presentationml/2006/main">
+  <p:cSld>
+    <p:spTree>
+      <p:nvGrpSpPr>
+        <p:cNvPr id="1" name=""/>
+        <p:cNvGrpSpPr/>
+        <p:nvPr/>
+      </p:nvGrpSpPr>
+      <p:grpSpPr>
+        <a:xfrm>
+          <a:off x="0" y="0"/>
+          <a:ext cx="0" cy="0"/>
+          <a:chOff x="0" y="0"/>
+          <a:chExt cx="0" cy="0"/>
+        </a:xfrm>
+      </p:grpSpPr>
+      <p:sp>
+        <p:nvSpPr>
+          <p:cNvPr id="2" name="Slide Image Placeholder 1"/>
+          <p:cNvSpPr>
+            <a:spLocks noGrp="1" noRot="1" noChangeAspect="1"/>
+          </p:cNvSpPr>
+          <p:nvPr>
+            <p:ph type="sldImg"/>
+          </p:nvPr>
+        </p:nvSpPr>
+        <p:spPr/>
+      </p:sp>
+      <p:sp>
+        <p:nvSpPr>
+          <p:cNvPr id="3" name="Notes Placeholder 2"/>
+          <p:cNvSpPr>
+            <a:spLocks noGrp="1"/>
+          </p:cNvSpPr>
+          <p:nvPr>
+            <p:ph type="body" idx="1"/>
+          </p:nvPr>
+        </p:nvSpPr>
+        <p:spPr/>
+        <p:txBody>
+          <a:bodyPr/>
+          <a:lstStyle/>
+          <a:p>
+            <a:r>
+              <a:rPr lang="en-US" dirty="0" smtClean="0"/>
+              <a:t>Hậu quả</a:t>
+            </a:r>
+            <a:r>
+              <a:rPr lang="en-US" baseline="0" dirty="0" smtClean="0"/>
+              <a:t> để lại có thể lớn hay nhỏ tùy vào sự quan trọng của dữ liệu.</a:t>
+            </a:r>
+          </a:p>
+          <a:p>
+            <a:r>
+              <a:rPr lang="en-US" baseline="0" dirty="0" smtClean="0"/>
+              <a:t>Ví dụ như gian lận thẻ tín dụng, bán hàng chợ đen, tống tiền, làm giảm lợi thế cạnh tranh các công ty</a:t>
+            </a:r>
+            <a:endParaRPr lang="en-US" dirty="0"/>
+          </a:p>
+        </p:txBody>
+      </p:sp>
+      <p:sp>
+        <p:nvSpPr>
+          <p:cNvPr id="4" name="Slide Number Placeholder 3"/>
+          <p:cNvSpPr>
+            <a:spLocks noGrp="1"/>
+          </p:cNvSpPr>
+          <p:nvPr>
+            <p:ph type="sldNum" sz="quarter" idx="10"/>
+          </p:nvPr>
+        </p:nvSpPr>
+        <p:spPr/>
+        <p:txBody>
+          <a:bodyPr/>
+          <a:lstStyle/>
+          <a:p>
+            <a:fld id="{98F6404F-8860-4E8E-8C68-E516B4EA8F20}" type="slidenum">
+              <a:rPr lang="en-US" smtClean="0"/>
+              <a:t>7</a:t>
+            </a:fld>
+            <a:endParaRPr lang="en-US"/>
+          </a:p>
+        </p:txBody>
+      </p:sp>
+    </p:spTree>
+    <p:extLst>
+      <p:ext uri="{BB962C8B-B14F-4D97-AF65-F5344CB8AC3E}">
+        <p14:creationId xmlns:p14="http://schemas.microsoft.com/office/powerpoint/2010/main" val="1242018746"/>
+      </p:ext>
+    </p:extLst>
+  </p:cSld>
+  <p:clrMapOvr>
+    <a:masterClrMapping/>
+  </p:clrMapOvr>
+</p:notes>
+</file>
+
+<file path=ppt/notesSlides/notesSlide8.xml><?xml version="1.0" encoding="utf-8"?>
+<p:notes xmlns:a="http://schemas.openxmlformats.org/drawingml/2006/main" xmlns:r="http://schemas.openxmlformats.org/officeDocument/2006/relationships" xmlns:p="http://schemas.openxmlformats.org/presentationml/2006/main">
+  <p:cSld>
+    <p:spTree>
+      <p:nvGrpSpPr>
+        <p:cNvPr id="1" name=""/>
+        <p:cNvGrpSpPr/>
+        <p:nvPr/>
+      </p:nvGrpSpPr>
+      <p:grpSpPr>
+        <a:xfrm>
+          <a:off x="0" y="0"/>
+          <a:ext cx="0" cy="0"/>
+          <a:chOff x="0" y="0"/>
+          <a:chExt cx="0" cy="0"/>
+        </a:xfrm>
+      </p:grpSpPr>
+      <p:sp>
+        <p:nvSpPr>
+          <p:cNvPr id="2" name="Slide Image Placeholder 1"/>
+          <p:cNvSpPr>
+            <a:spLocks noGrp="1" noRot="1" noChangeAspect="1"/>
+          </p:cNvSpPr>
+          <p:nvPr>
+            <p:ph type="sldImg"/>
+          </p:nvPr>
+        </p:nvSpPr>
+        <p:spPr/>
+      </p:sp>
+      <p:sp>
+        <p:nvSpPr>
+          <p:cNvPr id="3" name="Notes Placeholder 2"/>
+          <p:cNvSpPr>
+            <a:spLocks noGrp="1"/>
+          </p:cNvSpPr>
+          <p:nvPr>
+            <p:ph type="body" idx="1"/>
+          </p:nvPr>
+        </p:nvSpPr>
+        <p:spPr/>
+        <p:txBody>
+          <a:bodyPr/>
+          <a:lstStyle/>
+          <a:p>
+            <a:r>
+              <a:rPr lang="en-US" dirty="0" smtClean="0"/>
+              <a:t>Các</a:t>
+            </a:r>
+            <a:r>
+              <a:rPr lang="en-US" baseline="0" dirty="0" smtClean="0"/>
+              <a:t> phần mềm đồng bộ trên các hệ điều hành: </a:t>
+            </a:r>
+            <a:r>
+              <a:rPr lang="en-US" sz="1200" b="0" i="0" kern="1200" dirty="0" smtClean="0">
+                <a:solidFill>
+                  <a:schemeClr val="tx1"/>
+                </a:solidFill>
+                <a:effectLst/>
+                <a:latin typeface="+mn-lt"/>
+                <a:ea typeface="+mn-ea"/>
+                <a:cs typeface="+mn-cs"/>
+              </a:rPr>
+              <a:t>W32Time chịu trách nhiệm đồng bộ hóa trên Windows và daemon ntpd hoặc chronyd</a:t>
+            </a:r>
+            <a:endParaRPr lang="en-US" dirty="0"/>
+          </a:p>
+        </p:txBody>
+      </p:sp>
+      <p:sp>
+        <p:nvSpPr>
+          <p:cNvPr id="4" name="Slide Number Placeholder 3"/>
+          <p:cNvSpPr>
+            <a:spLocks noGrp="1"/>
+          </p:cNvSpPr>
+          <p:nvPr>
+            <p:ph type="sldNum" sz="quarter" idx="10"/>
+          </p:nvPr>
+        </p:nvSpPr>
+        <p:spPr/>
+        <p:txBody>
+          <a:bodyPr/>
+          <a:lstStyle/>
+          <a:p>
+            <a:fld id="{98F6404F-8860-4E8E-8C68-E516B4EA8F20}" type="slidenum">
+              <a:rPr lang="en-US" smtClean="0"/>
+              <a:t>8</a:t>
+            </a:fld>
+            <a:endParaRPr lang="en-US"/>
+          </a:p>
+        </p:txBody>
+      </p:sp>
+    </p:spTree>
+    <p:extLst>
+      <p:ext uri="{BB962C8B-B14F-4D97-AF65-F5344CB8AC3E}">
+        <p14:creationId xmlns:p14="http://schemas.microsoft.com/office/powerpoint/2010/main" val="2195863514"/>
+      </p:ext>
+    </p:extLst>
+  </p:cSld>
+  <p:clrMapOvr>
+    <a:masterClrMapping/>
+  </p:clrMapOvr>
+</p:notes>
+</file>
+
+<file path=ppt/notesSlides/notesSlide9.xml><?xml version="1.0" encoding="utf-8"?>
+<p:notes xmlns:a="http://schemas.openxmlformats.org/drawingml/2006/main" xmlns:r="http://schemas.openxmlformats.org/officeDocument/2006/relationships" xmlns:p="http://schemas.openxmlformats.org/presentationml/2006/main">
+  <p:cSld>
+    <p:spTree>
+      <p:nvGrpSpPr>
+        <p:cNvPr id="1" name=""/>
+        <p:cNvGrpSpPr/>
+        <p:nvPr/>
+      </p:nvGrpSpPr>
+      <p:grpSpPr>
+        <a:xfrm>
+          <a:off x="0" y="0"/>
+          <a:ext cx="0" cy="0"/>
+          <a:chOff x="0" y="0"/>
+          <a:chExt cx="0" cy="0"/>
+        </a:xfrm>
+      </p:grpSpPr>
+      <p:sp>
+        <p:nvSpPr>
+          <p:cNvPr id="2" name="Slide Image Placeholder 1"/>
+          <p:cNvSpPr>
+            <a:spLocks noGrp="1" noRot="1" noChangeAspect="1"/>
+          </p:cNvSpPr>
+          <p:nvPr>
+            <p:ph type="sldImg"/>
+          </p:nvPr>
+        </p:nvSpPr>
+        <p:spPr/>
+      </p:sp>
+      <p:sp>
+        <p:nvSpPr>
+          <p:cNvPr id="3" name="Notes Placeholder 2"/>
+          <p:cNvSpPr>
+            <a:spLocks noGrp="1"/>
+          </p:cNvSpPr>
+          <p:nvPr>
+            <p:ph type="body" idx="1"/>
+          </p:nvPr>
+        </p:nvSpPr>
+        <p:spPr/>
+        <p:txBody>
+          <a:bodyPr/>
+          <a:lstStyle/>
+          <a:p>
             <a:pPr marL="0" marR="0" lvl="0" indent="0" algn="l" defTabSz="914400" rtl="0" eaLnBrk="1" fontAlgn="auto" latinLnBrk="0" hangingPunct="1">
               <a:lnSpc>
                 <a:spcPct val="100000"/>
@@ -11372,7 +12110,7 @@
           <a:p>
             <a:fld id="{98F6404F-8860-4E8E-8C68-E516B4EA8F20}" type="slidenum">
               <a:rPr lang="en-US" smtClean="0"/>
-              <a:t>10</a:t>
+              <a:t>9</a:t>
             </a:fld>
             <a:endParaRPr lang="en-US"/>
           </a:p>
@@ -11381,7 +12119,7 @@
     </p:spTree>
     <p:extLst>
       <p:ext uri="{BB962C8B-B14F-4D97-AF65-F5344CB8AC3E}">
-        <p14:creationId xmlns:p14="http://schemas.microsoft.com/office/powerpoint/2010/main" val="3372766525"/>
+        <p14:creationId xmlns:p14="http://schemas.microsoft.com/office/powerpoint/2010/main" val="1068550993"/>
       </p:ext>
     </p:extLst>
   </p:cSld>
@@ -11586,7 +12324,7 @@
           <a:p>
             <a:fld id="{1BF6494D-876B-433C-A71D-E674F2C4844D}" type="datetimeFigureOut">
               <a:rPr lang="en-US" smtClean="0"/>
-              <a:t>7/24/2020</a:t>
+              <a:t>7/25/2020</a:t>
             </a:fld>
             <a:endParaRPr lang="en-US" dirty="0"/>
           </a:p>
@@ -11807,7 +12545,7 @@
           <a:p>
             <a:fld id="{1BF6494D-876B-433C-A71D-E674F2C4844D}" type="datetimeFigureOut">
               <a:rPr lang="en-US" smtClean="0"/>
-              <a:t>7/24/2020</a:t>
+              <a:t>7/25/2020</a:t>
             </a:fld>
             <a:endParaRPr lang="en-US" dirty="0"/>
           </a:p>
@@ -11987,7 +12725,7 @@
           <a:p>
             <a:fld id="{1BF6494D-876B-433C-A71D-E674F2C4844D}" type="datetimeFigureOut">
               <a:rPr lang="en-US" smtClean="0"/>
-              <a:t>7/24/2020</a:t>
+              <a:t>7/25/2020</a:t>
             </a:fld>
             <a:endParaRPr lang="en-US" dirty="0"/>
           </a:p>
@@ -12164,7 +12902,7 @@
           <a:p>
             <a:fld id="{1BF6494D-876B-433C-A71D-E674F2C4844D}" type="datetimeFigureOut">
               <a:rPr lang="en-US" smtClean="0"/>
-              <a:t>7/24/2020</a:t>
+              <a:t>7/25/2020</a:t>
             </a:fld>
             <a:endParaRPr lang="en-US" dirty="0"/>
           </a:p>
@@ -12415,7 +13153,7 @@
           <a:p>
             <a:fld id="{1BF6494D-876B-433C-A71D-E674F2C4844D}" type="datetimeFigureOut">
               <a:rPr lang="en-US" smtClean="0"/>
-              <a:t>7/24/2020</a:t>
+              <a:t>7/25/2020</a:t>
             </a:fld>
             <a:endParaRPr lang="en-US" dirty="0"/>
           </a:p>
@@ -12738,7 +13476,7 @@
           <a:p>
             <a:fld id="{1BF6494D-876B-433C-A71D-E674F2C4844D}" type="datetimeFigureOut">
               <a:rPr lang="en-US" smtClean="0"/>
-              <a:t>7/24/2020</a:t>
+              <a:t>7/25/2020</a:t>
             </a:fld>
             <a:endParaRPr lang="en-US" dirty="0"/>
           </a:p>
@@ -13162,7 +13900,7 @@
           <a:p>
             <a:fld id="{1BF6494D-876B-433C-A71D-E674F2C4844D}" type="datetimeFigureOut">
               <a:rPr lang="en-US" smtClean="0"/>
-              <a:t>7/24/2020</a:t>
+              <a:t>7/25/2020</a:t>
             </a:fld>
             <a:endParaRPr lang="en-US" dirty="0"/>
           </a:p>
@@ -13280,7 +14018,7 @@
           <a:p>
             <a:fld id="{1BF6494D-876B-433C-A71D-E674F2C4844D}" type="datetimeFigureOut">
               <a:rPr lang="en-US" smtClean="0"/>
-              <a:t>7/24/2020</a:t>
+              <a:t>7/25/2020</a:t>
             </a:fld>
             <a:endParaRPr lang="en-US" dirty="0"/>
           </a:p>
@@ -13375,7 +14113,7 @@
           <a:p>
             <a:fld id="{1BF6494D-876B-433C-A71D-E674F2C4844D}" type="datetimeFigureOut">
               <a:rPr lang="en-US" smtClean="0"/>
-              <a:t>7/24/2020</a:t>
+              <a:t>7/25/2020</a:t>
             </a:fld>
             <a:endParaRPr lang="en-US" dirty="0"/>
           </a:p>
@@ -13665,7 +14403,7 @@
           <a:p>
             <a:fld id="{1BF6494D-876B-433C-A71D-E674F2C4844D}" type="datetimeFigureOut">
               <a:rPr lang="en-US" smtClean="0"/>
-              <a:t>7/24/2020</a:t>
+              <a:t>7/25/2020</a:t>
             </a:fld>
             <a:endParaRPr lang="en-US" dirty="0"/>
           </a:p>
@@ -13937,7 +14675,7 @@
           <a:p>
             <a:fld id="{1BF6494D-876B-433C-A71D-E674F2C4844D}" type="datetimeFigureOut">
               <a:rPr lang="en-US" smtClean="0"/>
-              <a:t>7/24/2020</a:t>
+              <a:t>7/25/2020</a:t>
             </a:fld>
             <a:endParaRPr lang="en-US" dirty="0"/>
           </a:p>
@@ -14188,7 +14926,7 @@
           <a:p>
             <a:fld id="{1BF6494D-876B-433C-A71D-E674F2C4844D}" type="datetimeFigureOut">
               <a:rPr lang="en-US" smtClean="0"/>
-              <a:t>7/24/2020</a:t>
+              <a:t>7/25/2020</a:t>
             </a:fld>
             <a:endParaRPr lang="en-US" dirty="0"/>
           </a:p>
@@ -14643,7 +15381,7 @@
     <p:bg>
       <p:bgPr>
         <a:blipFill dpi="0" rotWithShape="1">
-          <a:blip r:embed="rId2">
+          <a:blip r:embed="rId3">
             <a:lum/>
           </a:blip>
           <a:srcRect/>
@@ -14680,7 +15418,7 @@
         </p:nvSpPr>
         <p:spPr>
           <a:xfrm>
-            <a:off x="728661" y="1595596"/>
+            <a:off x="728661" y="1743514"/>
             <a:ext cx="7686675" cy="1985525"/>
           </a:xfrm>
         </p:spPr>
@@ -14704,6 +15442,7 @@
                       <a:alpha val="40000"/>
                     </a:prstClr>
                   </a:outerShdw>
+                  <a:reflection blurRad="6350" stA="55000" endA="300" endPos="45500" dir="5400000" sy="-100000" algn="bl" rotWithShape="0"/>
                 </a:effectLst>
                 <a:latin typeface="Calibri" panose="020F0502020204030204" pitchFamily="34" charset="0"/>
                 <a:cs typeface="Calibri" panose="020F0502020204030204" pitchFamily="34" charset="0"/>
@@ -14721,6 +15460,7 @@
                       <a:alpha val="40000"/>
                     </a:prstClr>
                   </a:outerShdw>
+                  <a:reflection blurRad="6350" stA="55000" endA="300" endPos="45500" dir="5400000" sy="-100000" algn="bl" rotWithShape="0"/>
                 </a:effectLst>
                 <a:latin typeface="Calibri" panose="020F0502020204030204" pitchFamily="34" charset="0"/>
                 <a:cs typeface="Calibri" panose="020F0502020204030204" pitchFamily="34" charset="0"/>
@@ -14922,7 +15662,7 @@
           <p:nvPr/>
         </p:nvPicPr>
         <p:blipFill>
-          <a:blip r:embed="rId3">
+          <a:blip r:embed="rId4">
             <a:extLst>
               <a:ext uri="{28A0092B-C50C-407E-A947-70E740481C1C}">
                 <a14:useLocalDpi xmlns:a14="http://schemas.microsoft.com/office/drawing/2010/main" val="0"/>
@@ -14935,7 +15675,7 @@
         </p:blipFill>
         <p:spPr>
           <a:xfrm>
-            <a:off x="3956613" y="261968"/>
+            <a:off x="187236" y="194733"/>
             <a:ext cx="1230770" cy="1218584"/>
           </a:xfrm>
           <a:prstGeom prst="rect">
@@ -15254,9 +15994,14 @@
   <p:clrMapOvr>
     <a:masterClrMapping/>
   </p:clrMapOvr>
-  <p:transition spd="slow">
-    <p:push dir="u"/>
-  </p:transition>
+  <mc:AlternateContent xmlns:mc="http://schemas.openxmlformats.org/markup-compatibility/2006" xmlns:p14="http://schemas.microsoft.com/office/powerpoint/2010/main">
+    <mc:Choice Requires="p14">
+      <p:transition spd="slow" p14:dur="2000"/>
+    </mc:Choice>
+    <mc:Fallback xmlns="">
+      <p:transition spd="slow"/>
+    </mc:Fallback>
+  </mc:AlternateContent>
   <p:timing>
     <p:tnLst>
       <p:par>
@@ -15427,7 +16172,7 @@
       </p:sp>
       <p:pic>
         <p:nvPicPr>
-          <p:cNvPr id="3" name="Picture 2"/>
+          <p:cNvPr id="7" name="Picture 6"/>
           <p:cNvPicPr>
             <a:picLocks noChangeAspect="1"/>
           </p:cNvPicPr>
@@ -15441,7 +16186,7 @@
         </p:blipFill>
         <p:spPr>
           <a:xfrm>
-            <a:off x="519757" y="1789610"/>
+            <a:off x="519757" y="1521618"/>
             <a:ext cx="8062151" cy="2301378"/>
           </a:xfrm>
           <a:prstGeom prst="rect">
@@ -15459,9 +16204,14 @@
   <p:clrMapOvr>
     <a:masterClrMapping/>
   </p:clrMapOvr>
-  <p:transition spd="slow">
-    <p:push dir="u"/>
-  </p:transition>
+  <mc:AlternateContent xmlns:mc="http://schemas.openxmlformats.org/markup-compatibility/2006" xmlns:p14="http://schemas.microsoft.com/office/powerpoint/2010/main">
+    <mc:Choice Requires="p14">
+      <p:transition spd="slow" p14:dur="2000"/>
+    </mc:Choice>
+    <mc:Fallback xmlns="">
+      <p:transition spd="slow"/>
+    </mc:Fallback>
+  </mc:AlternateContent>
   <p:timing>
     <p:tnLst>
       <p:par>
@@ -15692,9 +16442,14 @@
   <p:clrMapOvr>
     <a:masterClrMapping/>
   </p:clrMapOvr>
-  <p:transition spd="slow">
-    <p:push dir="u"/>
-  </p:transition>
+  <mc:AlternateContent xmlns:mc="http://schemas.openxmlformats.org/markup-compatibility/2006" xmlns:p14="http://schemas.microsoft.com/office/powerpoint/2010/main">
+    <mc:Choice Requires="p14">
+      <p:transition spd="slow" p14:dur="2000"/>
+    </mc:Choice>
+    <mc:Fallback xmlns="">
+      <p:transition spd="slow"/>
+    </mc:Fallback>
+  </mc:AlternateContent>
   <p:timing>
     <p:tnLst>
       <p:par>
@@ -15966,9 +16721,14 @@
   <p:clrMapOvr>
     <a:masterClrMapping/>
   </p:clrMapOvr>
-  <p:transition spd="slow">
-    <p:push dir="u"/>
-  </p:transition>
+  <mc:AlternateContent xmlns:mc="http://schemas.openxmlformats.org/markup-compatibility/2006" xmlns:p14="http://schemas.microsoft.com/office/powerpoint/2010/main">
+    <mc:Choice Requires="p14">
+      <p:transition spd="slow" p14:dur="2000"/>
+    </mc:Choice>
+    <mc:Fallback xmlns="">
+      <p:transition spd="slow"/>
+    </mc:Fallback>
+  </mc:AlternateContent>
   <p:timing>
     <p:tnLst>
       <p:par>
@@ -16244,9 +17004,14 @@
   <p:clrMapOvr>
     <a:masterClrMapping/>
   </p:clrMapOvr>
-  <p:transition spd="slow">
-    <p:wipe/>
-  </p:transition>
+  <mc:AlternateContent xmlns:mc="http://schemas.openxmlformats.org/markup-compatibility/2006" xmlns:p14="http://schemas.microsoft.com/office/powerpoint/2010/main">
+    <mc:Choice Requires="p14">
+      <p:transition spd="slow" p14:dur="2000"/>
+    </mc:Choice>
+    <mc:Fallback xmlns="">
+      <p:transition spd="slow"/>
+    </mc:Fallback>
+  </mc:AlternateContent>
   <p:timing>
     <p:tnLst>
       <p:par>
@@ -16582,9 +17347,14 @@
   <p:clrMapOvr>
     <a:masterClrMapping/>
   </p:clrMapOvr>
-  <p:transition spd="slow">
-    <p:wipe/>
-  </p:transition>
+  <mc:AlternateContent xmlns:mc="http://schemas.openxmlformats.org/markup-compatibility/2006" xmlns:p14="http://schemas.microsoft.com/office/powerpoint/2010/main">
+    <mc:Choice Requires="p14">
+      <p:transition spd="slow" p14:dur="2000"/>
+    </mc:Choice>
+    <mc:Fallback xmlns="">
+      <p:transition spd="slow"/>
+    </mc:Fallback>
+  </mc:AlternateContent>
   <p:timing>
     <p:tnLst>
       <p:par>
@@ -16847,9 +17617,14 @@
   <p:clrMapOvr>
     <a:masterClrMapping/>
   </p:clrMapOvr>
-  <p:transition spd="slow">
-    <p:wipe/>
-  </p:transition>
+  <mc:AlternateContent xmlns:mc="http://schemas.openxmlformats.org/markup-compatibility/2006" xmlns:p14="http://schemas.microsoft.com/office/powerpoint/2010/main">
+    <mc:Choice Requires="p14">
+      <p:transition spd="slow" p14:dur="2000"/>
+    </mc:Choice>
+    <mc:Fallback xmlns="">
+      <p:transition spd="slow"/>
+    </mc:Fallback>
+  </mc:AlternateContent>
   <p:timing>
     <p:tnLst>
       <p:par>
@@ -17114,9 +17889,6 @@
   <p:clrMapOvr>
     <a:masterClrMapping/>
   </p:clrMapOvr>
-  <p:transition spd="slow">
-    <p:wipe/>
-  </p:transition>
   <p:timing>
     <p:tnLst>
       <p:par>
@@ -17422,9 +18194,14 @@
   <p:clrMapOvr>
     <a:masterClrMapping/>
   </p:clrMapOvr>
-  <p:transition spd="slow">
-    <p:wipe/>
-  </p:transition>
+  <mc:AlternateContent xmlns:mc="http://schemas.openxmlformats.org/markup-compatibility/2006" xmlns:p14="http://schemas.microsoft.com/office/powerpoint/2010/main">
+    <mc:Choice Requires="p14">
+      <p:transition spd="slow" p14:dur="2000"/>
+    </mc:Choice>
+    <mc:Fallback xmlns="">
+      <p:transition spd="slow"/>
+    </mc:Fallback>
+  </mc:AlternateContent>
   <p:timing>
     <p:tnLst>
       <p:par>
@@ -17634,9 +18411,14 @@
   <p:clrMapOvr>
     <a:masterClrMapping/>
   </p:clrMapOvr>
-  <p:transition spd="slow">
-    <p:push dir="u"/>
-  </p:transition>
+  <mc:AlternateContent xmlns:mc="http://schemas.openxmlformats.org/markup-compatibility/2006" xmlns:p14="http://schemas.microsoft.com/office/powerpoint/2010/main">
+    <mc:Choice Requires="p14">
+      <p:transition spd="slow" p14:dur="2000"/>
+    </mc:Choice>
+    <mc:Fallback xmlns="">
+      <p:transition spd="slow"/>
+    </mc:Fallback>
+  </mc:AlternateContent>
   <p:timing>
     <p:tnLst>
       <p:par>
@@ -17678,79 +18460,148 @@
           <a:chExt cx="0" cy="0"/>
         </a:xfrm>
       </p:grpSpPr>
+      <p:graphicFrame>
+        <p:nvGraphicFramePr>
+          <p:cNvPr id="4" name="Content Placeholder 3"/>
+          <p:cNvGraphicFramePr>
+            <a:graphicFrameLocks noGrp="1"/>
+          </p:cNvGraphicFramePr>
+          <p:nvPr>
+            <p:ph idx="1"/>
+            <p:extLst>
+              <p:ext uri="{D42A27DB-BD31-4B8C-83A1-F6EECF244321}">
+                <p14:modId xmlns:p14="http://schemas.microsoft.com/office/powerpoint/2010/main" val="4051040953"/>
+              </p:ext>
+            </p:extLst>
+          </p:nvPr>
+        </p:nvGraphicFramePr>
+        <p:xfrm>
+          <a:off x="27516" y="613567"/>
+          <a:ext cx="8392583" cy="5605463"/>
+        </p:xfrm>
+        <a:graphic>
+          <a:graphicData uri="http://schemas.openxmlformats.org/drawingml/2006/diagram">
+            <dgm:relIds xmlns:dgm="http://schemas.openxmlformats.org/drawingml/2006/diagram" xmlns:r="http://schemas.openxmlformats.org/officeDocument/2006/relationships" r:dm="rId4" r:lo="rId5" r:qs="rId6" r:cs="rId7"/>
+          </a:graphicData>
+        </a:graphic>
+      </p:graphicFrame>
       <p:sp>
         <p:nvSpPr>
-          <p:cNvPr id="6" name="Rectangle 5"/>
+          <p:cNvPr id="5" name="Flowchart: Connector 4"/>
           <p:cNvSpPr/>
           <p:nvPr/>
         </p:nvSpPr>
         <p:spPr>
           <a:xfrm>
-            <a:off x="245945" y="207946"/>
-            <a:ext cx="4538548" cy="769441"/>
+            <a:off x="110067" y="889001"/>
+            <a:ext cx="866775" cy="875182"/>
           </a:xfrm>
-          <a:prstGeom prst="rect">
+          <a:prstGeom prst="flowChartConnector">
             <a:avLst/>
           </a:prstGeom>
+          <a:noFill/>
         </p:spPr>
+        <p:style>
+          <a:lnRef idx="2">
+            <a:schemeClr val="accent1">
+              <a:shade val="50000"/>
+            </a:schemeClr>
+          </a:lnRef>
+          <a:fillRef idx="1">
+            <a:schemeClr val="accent1"/>
+          </a:fillRef>
+          <a:effectRef idx="0">
+            <a:schemeClr val="accent1"/>
+          </a:effectRef>
+          <a:fontRef idx="minor">
+            <a:schemeClr val="lt1"/>
+          </a:fontRef>
+        </p:style>
         <p:txBody>
-          <a:bodyPr wrap="square">
-            <a:spAutoFit/>
-          </a:bodyPr>
+          <a:bodyPr rtlCol="0" anchor="ctr"/>
           <a:lstStyle/>
           <a:p>
-            <a:r>
-              <a:rPr lang="en-US" sz="4400" dirty="0" err="1">
+            <a:pPr algn="ctr"/>
+            <a:r>
+              <a:rPr lang="en-US" sz="3000" b="1" dirty="0">
+                <a:solidFill>
+                  <a:schemeClr val="tx1"/>
+                </a:solidFill>
                 <a:latin typeface="Calibri" panose="020F0502020204030204" pitchFamily="34" charset="0"/>
                 <a:cs typeface="Calibri" panose="020F0502020204030204" pitchFamily="34" charset="0"/>
               </a:rPr>
-              <a:t>Đặt</a:t>
-            </a:r>
-            <a:r>
-              <a:rPr lang="en-US" sz="4400" dirty="0">
-                <a:latin typeface="Calibri" panose="020F0502020204030204" pitchFamily="34" charset="0"/>
-                <a:cs typeface="Calibri" panose="020F0502020204030204" pitchFamily="34" charset="0"/>
-              </a:rPr>
-              <a:t> </a:t>
-            </a:r>
-            <a:r>
-              <a:rPr lang="en-US" sz="4400" dirty="0" err="1">
-                <a:latin typeface="Calibri" panose="020F0502020204030204" pitchFamily="34" charset="0"/>
-                <a:cs typeface="Calibri" panose="020F0502020204030204" pitchFamily="34" charset="0"/>
-              </a:rPr>
-              <a:t>vấn</a:t>
-            </a:r>
-            <a:r>
-              <a:rPr lang="en-US" sz="4400" dirty="0">
-                <a:latin typeface="Calibri" panose="020F0502020204030204" pitchFamily="34" charset="0"/>
-                <a:cs typeface="Calibri" panose="020F0502020204030204" pitchFamily="34" charset="0"/>
-              </a:rPr>
-              <a:t> </a:t>
-            </a:r>
-            <a:r>
-              <a:rPr lang="en-US" sz="4400" dirty="0" err="1">
-                <a:latin typeface="Calibri" panose="020F0502020204030204" pitchFamily="34" charset="0"/>
-                <a:cs typeface="Calibri" panose="020F0502020204030204" pitchFamily="34" charset="0"/>
-              </a:rPr>
-              <a:t>đề</a:t>
-            </a:r>
-            <a:endParaRPr lang="en-US" sz="4400" dirty="0">
-              <a:latin typeface="Calibri" panose="020F0502020204030204" pitchFamily="34" charset="0"/>
-              <a:cs typeface="Calibri" panose="020F0502020204030204" pitchFamily="34" charset="0"/>
-            </a:endParaRPr>
+              <a:t>I</a:t>
+            </a:r>
           </a:p>
         </p:txBody>
       </p:sp>
       <p:sp>
         <p:nvSpPr>
-          <p:cNvPr id="2" name="Rectangle 1"/>
+          <p:cNvPr id="6" name="Flowchart: Connector 5"/>
           <p:cNvSpPr/>
           <p:nvPr/>
         </p:nvSpPr>
         <p:spPr>
           <a:xfrm>
-            <a:off x="110067" y="67733"/>
-            <a:ext cx="8805333" cy="6654800"/>
+            <a:off x="599279" y="1957800"/>
+            <a:ext cx="899321" cy="848900"/>
+          </a:xfrm>
+          <a:prstGeom prst="flowChartConnector">
+            <a:avLst/>
+          </a:prstGeom>
+          <a:noFill/>
+        </p:spPr>
+        <p:style>
+          <a:lnRef idx="2">
+            <a:schemeClr val="accent1">
+              <a:shade val="50000"/>
+            </a:schemeClr>
+          </a:lnRef>
+          <a:fillRef idx="1">
+            <a:schemeClr val="accent1"/>
+          </a:fillRef>
+          <a:effectRef idx="0">
+            <a:schemeClr val="accent1"/>
+          </a:effectRef>
+          <a:fontRef idx="minor">
+            <a:schemeClr val="lt1"/>
+          </a:fontRef>
+        </p:style>
+        <p:txBody>
+          <a:bodyPr rtlCol="0" anchor="ctr"/>
+          <a:lstStyle/>
+          <a:p>
+            <a:pPr algn="ctr"/>
+            <a:r>
+              <a:rPr lang="en-US" sz="3000" b="1" dirty="0" smtClean="0">
+                <a:solidFill>
+                  <a:schemeClr val="tx1"/>
+                </a:solidFill>
+                <a:latin typeface="Calibri" panose="020F0502020204030204" pitchFamily="34" charset="0"/>
+                <a:cs typeface="Calibri" panose="020F0502020204030204" pitchFamily="34" charset="0"/>
+              </a:rPr>
+              <a:t>II</a:t>
+            </a:r>
+            <a:endParaRPr lang="en-US" sz="3000" b="1" dirty="0">
+              <a:solidFill>
+                <a:schemeClr val="tx1"/>
+              </a:solidFill>
+              <a:latin typeface="Calibri" panose="020F0502020204030204" pitchFamily="34" charset="0"/>
+              <a:cs typeface="Calibri" panose="020F0502020204030204" pitchFamily="34" charset="0"/>
+            </a:endParaRPr>
+          </a:p>
+        </p:txBody>
+      </p:sp>
+      <p:sp>
+        <p:nvSpPr>
+          <p:cNvPr id="8" name="Rectangle 7"/>
+          <p:cNvSpPr/>
+          <p:nvPr/>
+        </p:nvSpPr>
+        <p:spPr>
+          <a:xfrm>
+            <a:off x="110067" y="110067"/>
+            <a:ext cx="8873066" cy="6612466"/>
           </a:xfrm>
           <a:prstGeom prst="rect">
             <a:avLst/>
@@ -17789,113 +18640,112 @@
       </p:sp>
       <p:sp>
         <p:nvSpPr>
-          <p:cNvPr id="3" name="Rectangle 2"/>
+          <p:cNvPr id="9" name="Flowchart: Connector 8"/>
           <p:cNvSpPr/>
           <p:nvPr/>
         </p:nvSpPr>
         <p:spPr>
           <a:xfrm>
-            <a:off x="956734" y="1759003"/>
-            <a:ext cx="6663266" cy="369332"/>
+            <a:off x="774700" y="3000317"/>
+            <a:ext cx="880933" cy="873693"/>
           </a:xfrm>
-          <a:prstGeom prst="rect">
+          <a:prstGeom prst="flowChartConnector">
             <a:avLst/>
           </a:prstGeom>
+          <a:noFill/>
         </p:spPr>
+        <p:style>
+          <a:lnRef idx="2">
+            <a:schemeClr val="accent1">
+              <a:shade val="50000"/>
+            </a:schemeClr>
+          </a:lnRef>
+          <a:fillRef idx="1">
+            <a:schemeClr val="accent1"/>
+          </a:fillRef>
+          <a:effectRef idx="0">
+            <a:schemeClr val="accent1"/>
+          </a:effectRef>
+          <a:fontRef idx="minor">
+            <a:schemeClr val="lt1"/>
+          </a:fontRef>
+        </p:style>
         <p:txBody>
-          <a:bodyPr wrap="square">
-            <a:spAutoFit/>
-          </a:bodyPr>
+          <a:bodyPr rtlCol="0" anchor="ctr"/>
           <a:lstStyle/>
           <a:p>
-            <a:pPr marL="285750" lvl="0" indent="-285750">
-              <a:buFont typeface="Arial" panose="020B0604020202020204" pitchFamily="34" charset="0"/>
-              <a:buChar char="•"/>
-            </a:pPr>
-            <a:r>
-              <a:rPr lang="en-US" dirty="0">
+            <a:pPr algn="ctr"/>
+            <a:r>
+              <a:rPr lang="en-US" sz="3000" b="1" dirty="0" smtClean="0">
+                <a:solidFill>
+                  <a:schemeClr val="tx1"/>
+                </a:solidFill>
                 <a:latin typeface="Calibri" panose="020F0502020204030204" pitchFamily="34" charset="0"/>
                 <a:cs typeface="Calibri" panose="020F0502020204030204" pitchFamily="34" charset="0"/>
               </a:rPr>
-              <a:t>Dữ liệu là thành phần quan trọng trong thời đại công nghệ 4.0</a:t>
-            </a:r>
+              <a:t>III</a:t>
+            </a:r>
+            <a:endParaRPr lang="en-US" sz="3000" b="1" dirty="0">
+              <a:solidFill>
+                <a:schemeClr val="tx1"/>
+              </a:solidFill>
+              <a:latin typeface="Calibri" panose="020F0502020204030204" pitchFamily="34" charset="0"/>
+              <a:cs typeface="Calibri" panose="020F0502020204030204" pitchFamily="34" charset="0"/>
+            </a:endParaRPr>
           </a:p>
         </p:txBody>
       </p:sp>
       <p:sp>
         <p:nvSpPr>
-          <p:cNvPr id="4" name="Rectangle 3"/>
+          <p:cNvPr id="10" name="Flowchart: Connector 9"/>
           <p:cNvSpPr/>
           <p:nvPr/>
         </p:nvSpPr>
         <p:spPr>
           <a:xfrm>
-            <a:off x="1320800" y="2194804"/>
-            <a:ext cx="7340600" cy="1477328"/>
+            <a:off x="599279" y="4067627"/>
+            <a:ext cx="919955" cy="838201"/>
           </a:xfrm>
-          <a:prstGeom prst="rect">
+          <a:prstGeom prst="flowChartConnector">
             <a:avLst/>
           </a:prstGeom>
+          <a:noFill/>
         </p:spPr>
+        <p:style>
+          <a:lnRef idx="2">
+            <a:schemeClr val="accent1">
+              <a:shade val="50000"/>
+            </a:schemeClr>
+          </a:lnRef>
+          <a:fillRef idx="1">
+            <a:schemeClr val="accent1"/>
+          </a:fillRef>
+          <a:effectRef idx="0">
+            <a:schemeClr val="accent1"/>
+          </a:effectRef>
+          <a:fontRef idx="minor">
+            <a:schemeClr val="lt1"/>
+          </a:fontRef>
+        </p:style>
         <p:txBody>
-          <a:bodyPr wrap="square">
-            <a:spAutoFit/>
-          </a:bodyPr>
+          <a:bodyPr rtlCol="0" anchor="ctr"/>
           <a:lstStyle/>
           <a:p>
-            <a:pPr lvl="0"/>
-            <a:r>
-              <a:rPr lang="en-US" dirty="0">
+            <a:pPr algn="ctr"/>
+            <a:r>
+              <a:rPr lang="en-US" sz="3000" b="1" dirty="0" smtClean="0">
+                <a:solidFill>
+                  <a:schemeClr val="tx1"/>
+                </a:solidFill>
                 <a:latin typeface="Calibri" panose="020F0502020204030204" pitchFamily="34" charset="0"/>
                 <a:cs typeface="Calibri" panose="020F0502020204030204" pitchFamily="34" charset="0"/>
               </a:rPr>
-              <a:t>- Các ứng dụng FB, Google, tiktok,... Vẫn đang thu thập dữ liệu của người dùng hàng ngày.</a:t>
-            </a:r>
-          </a:p>
-          <a:p>
-            <a:pPr lvl="0"/>
-            <a:r>
-              <a:rPr lang="en-US" dirty="0">
-                <a:latin typeface="Calibri" panose="020F0502020204030204" pitchFamily="34" charset="0"/>
-                <a:cs typeface="Calibri" panose="020F0502020204030204" pitchFamily="34" charset="0"/>
-              </a:rPr>
-              <a:t>- Mỹ cảnh báo đồng minh về vấn đề bảo mật của Huawei.</a:t>
-            </a:r>
-          </a:p>
-          <a:p>
-            <a:pPr lvl="0"/>
-            <a:r>
-              <a:rPr lang="en-US" dirty="0" smtClean="0">
-                <a:latin typeface="Calibri" panose="020F0502020204030204" pitchFamily="34" charset="0"/>
-                <a:cs typeface="Calibri" panose="020F0502020204030204" pitchFamily="34" charset="0"/>
-              </a:rPr>
-              <a:t>- Các </a:t>
-            </a:r>
-            <a:r>
-              <a:rPr lang="en-US" dirty="0">
-                <a:latin typeface="Calibri" panose="020F0502020204030204" pitchFamily="34" charset="0"/>
-                <a:cs typeface="Calibri" panose="020F0502020204030204" pitchFamily="34" charset="0"/>
-              </a:rPr>
-              <a:t>gián điệp trong các công ty, trường học</a:t>
-            </a:r>
-            <a:r>
-              <a:rPr lang="en-US" dirty="0" smtClean="0">
-                <a:latin typeface="Calibri" panose="020F0502020204030204" pitchFamily="34" charset="0"/>
-                <a:cs typeface="Calibri" panose="020F0502020204030204" pitchFamily="34" charset="0"/>
-              </a:rPr>
-              <a:t>.</a:t>
-            </a:r>
-          </a:p>
-          <a:p>
-            <a:pPr lvl="0"/>
-            <a:r>
-              <a:rPr lang="en-US" dirty="0" smtClean="0">
-                <a:latin typeface="Calibri" panose="020F0502020204030204" pitchFamily="34" charset="0"/>
-                <a:cs typeface="Calibri" panose="020F0502020204030204" pitchFamily="34" charset="0"/>
-              </a:rPr>
-              <a:t>- Các cuộc tấn công apt, tấng công mạng để thu thập thông tin quan trọng.</a:t>
-            </a:r>
-            <a:endParaRPr lang="en-US" dirty="0">
+              <a:t>IV</a:t>
+            </a:r>
+            <a:endParaRPr lang="en-US" sz="3000" b="1" dirty="0">
+              <a:solidFill>
+                <a:schemeClr val="tx1"/>
+              </a:solidFill>
               <a:latin typeface="Calibri" panose="020F0502020204030204" pitchFamily="34" charset="0"/>
               <a:cs typeface="Calibri" panose="020F0502020204030204" pitchFamily="34" charset="0"/>
             </a:endParaRPr>
@@ -17904,69 +18754,79 @@
       </p:sp>
       <p:sp>
         <p:nvSpPr>
-          <p:cNvPr id="7" name="Rectangle 6"/>
+          <p:cNvPr id="11" name="Flowchart: Connector 10"/>
           <p:cNvSpPr/>
           <p:nvPr/>
         </p:nvSpPr>
         <p:spPr>
           <a:xfrm>
-            <a:off x="956734" y="4056102"/>
-            <a:ext cx="6663266" cy="1477328"/>
+            <a:off x="110067" y="5099445"/>
+            <a:ext cx="919955" cy="873693"/>
           </a:xfrm>
-          <a:prstGeom prst="rect">
+          <a:prstGeom prst="flowChartConnector">
             <a:avLst/>
           </a:prstGeom>
+          <a:noFill/>
         </p:spPr>
+        <p:style>
+          <a:lnRef idx="2">
+            <a:schemeClr val="accent1">
+              <a:shade val="50000"/>
+            </a:schemeClr>
+          </a:lnRef>
+          <a:fillRef idx="1">
+            <a:schemeClr val="accent1"/>
+          </a:fillRef>
+          <a:effectRef idx="0">
+            <a:schemeClr val="accent1"/>
+          </a:effectRef>
+          <a:fontRef idx="minor">
+            <a:schemeClr val="lt1"/>
+          </a:fontRef>
+        </p:style>
         <p:txBody>
-          <a:bodyPr wrap="square">
-            <a:spAutoFit/>
-          </a:bodyPr>
+          <a:bodyPr rtlCol="0" anchor="ctr"/>
           <a:lstStyle/>
           <a:p>
-            <a:pPr marL="285750" lvl="0" indent="-285750">
-              <a:buFont typeface="Arial" panose="020B0604020202020204" pitchFamily="34" charset="0"/>
-              <a:buChar char="•"/>
-            </a:pPr>
-            <a:r>
-              <a:rPr lang="en-US" dirty="0" smtClean="0">
+            <a:pPr algn="ctr"/>
+            <a:r>
+              <a:rPr lang="en-US" sz="3000" b="1" dirty="0" smtClean="0">
+                <a:solidFill>
+                  <a:schemeClr val="tx1"/>
+                </a:solidFill>
                 <a:latin typeface="Calibri" panose="020F0502020204030204" pitchFamily="34" charset="0"/>
                 <a:cs typeface="Calibri" panose="020F0502020204030204" pitchFamily="34" charset="0"/>
               </a:rPr>
-              <a:t>Khi kẻ tấn công có khả năng truy cập vào hệ thống, kẻ tấn công sẽ cố gắng mở 1 backdoor, hoặc tìm mọi cách để truyền dữ liệu ra ngoài.</a:t>
-            </a:r>
-            <a:endParaRPr lang="en-US" dirty="0">
+              <a:t>V</a:t>
+            </a:r>
+            <a:endParaRPr lang="en-US" sz="3000" b="1" dirty="0">
+              <a:solidFill>
+                <a:schemeClr val="tx1"/>
+              </a:solidFill>
               <a:latin typeface="Calibri" panose="020F0502020204030204" pitchFamily="34" charset="0"/>
               <a:cs typeface="Calibri" panose="020F0502020204030204" pitchFamily="34" charset="0"/>
             </a:endParaRPr>
-          </a:p>
-          <a:p>
-            <a:pPr marL="285750" lvl="0" indent="-285750">
-              <a:buFont typeface="Arial" panose="020B0604020202020204" pitchFamily="34" charset="0"/>
-              <a:buChar char="•"/>
-            </a:pPr>
-            <a:r>
-              <a:rPr lang="en-US" dirty="0" smtClean="0">
-                <a:latin typeface="Calibri" panose="020F0502020204030204" pitchFamily="34" charset="0"/>
-                <a:cs typeface="Calibri" panose="020F0502020204030204" pitchFamily="34" charset="0"/>
-              </a:rPr>
-              <a:t>NTP là giao thức có nguy cơ sẽ được sử kẻ tấn công sử dụng để tạo một đường hầm dữ liệu ra ngoài vì sự dễ dãi của hệ thống.</a:t>
-            </a:r>
           </a:p>
         </p:txBody>
       </p:sp>
     </p:spTree>
     <p:extLst>
       <p:ext uri="{BB962C8B-B14F-4D97-AF65-F5344CB8AC3E}">
-        <p14:creationId xmlns:p14="http://schemas.microsoft.com/office/powerpoint/2010/main" val="132702254"/>
+        <p14:creationId xmlns:p14="http://schemas.microsoft.com/office/powerpoint/2010/main" val="1028870597"/>
       </p:ext>
     </p:extLst>
   </p:cSld>
   <p:clrMapOvr>
     <a:masterClrMapping/>
   </p:clrMapOvr>
-  <p:transition>
-    <p:push dir="u"/>
-  </p:transition>
+  <mc:AlternateContent xmlns:mc="http://schemas.openxmlformats.org/markup-compatibility/2006" xmlns:p14="http://schemas.microsoft.com/office/powerpoint/2010/main">
+    <mc:Choice Requires="p14">
+      <p:transition spd="slow" p14:dur="2000"/>
+    </mc:Choice>
+    <mc:Fallback xmlns="">
+      <p:transition spd="slow"/>
+    </mc:Fallback>
+  </mc:AlternateContent>
   <p:timing>
     <p:tnLst>
       <p:par>
@@ -18059,9 +18919,14 @@
   <p:clrMapOvr>
     <a:masterClrMapping/>
   </p:clrMapOvr>
-  <p:transition spd="slow">
-    <p:push dir="u"/>
-  </p:transition>
+  <mc:AlternateContent xmlns:mc="http://schemas.openxmlformats.org/markup-compatibility/2006" xmlns:p14="http://schemas.microsoft.com/office/powerpoint/2010/main">
+    <mc:Choice Requires="p14">
+      <p:transition spd="slow" p14:dur="2000"/>
+    </mc:Choice>
+    <mc:Fallback xmlns="">
+      <p:transition spd="slow"/>
+    </mc:Fallback>
+  </mc:AlternateContent>
   <p:timing>
     <p:tnLst>
       <p:par>
@@ -18078,7 +18943,7 @@
     <p:bg>
       <p:bgPr>
         <a:blipFill dpi="0" rotWithShape="1">
-          <a:blip r:embed="rId2">
+          <a:blip r:embed="rId3">
             <a:lum/>
           </a:blip>
           <a:srcRect/>
@@ -18103,36 +18968,372 @@
           <a:chExt cx="0" cy="0"/>
         </a:xfrm>
       </p:grpSpPr>
-      <p:pic>
-        <p:nvPicPr>
-          <p:cNvPr id="3" name="Picture 2"/>
-          <p:cNvPicPr>
-            <a:picLocks noChangeAspect="1"/>
-          </p:cNvPicPr>
+      <p:sp>
+        <p:nvSpPr>
+          <p:cNvPr id="6" name="Rectangle 5"/>
+          <p:cNvSpPr/>
           <p:nvPr/>
-        </p:nvPicPr>
-        <p:blipFill>
-          <a:blip r:embed="rId3">
-            <a:extLst>
-              <a:ext uri="{28A0092B-C50C-407E-A947-70E740481C1C}">
-                <a14:useLocalDpi xmlns:a14="http://schemas.microsoft.com/office/drawing/2010/main" val="0"/>
-              </a:ext>
-            </a:extLst>
-          </a:blip>
-          <a:stretch>
-            <a:fillRect/>
-          </a:stretch>
-        </p:blipFill>
+        </p:nvSpPr>
         <p:spPr>
           <a:xfrm>
-            <a:off x="898254" y="1231434"/>
-            <a:ext cx="7347491" cy="4403598"/>
+            <a:off x="245945" y="207946"/>
+            <a:ext cx="4538548" cy="769441"/>
           </a:xfrm>
           <a:prstGeom prst="rect">
             <a:avLst/>
           </a:prstGeom>
         </p:spPr>
-      </p:pic>
+        <p:txBody>
+          <a:bodyPr wrap="square">
+            <a:spAutoFit/>
+          </a:bodyPr>
+          <a:lstStyle/>
+          <a:p>
+            <a:r>
+              <a:rPr lang="en-US" sz="4400" dirty="0" err="1">
+                <a:latin typeface="Calibri" panose="020F0502020204030204" pitchFamily="34" charset="0"/>
+                <a:cs typeface="Calibri" panose="020F0502020204030204" pitchFamily="34" charset="0"/>
+              </a:rPr>
+              <a:t>Đặt</a:t>
+            </a:r>
+            <a:r>
+              <a:rPr lang="en-US" sz="4400" dirty="0">
+                <a:latin typeface="Calibri" panose="020F0502020204030204" pitchFamily="34" charset="0"/>
+                <a:cs typeface="Calibri" panose="020F0502020204030204" pitchFamily="34" charset="0"/>
+              </a:rPr>
+              <a:t> </a:t>
+            </a:r>
+            <a:r>
+              <a:rPr lang="en-US" sz="4400" dirty="0" err="1">
+                <a:latin typeface="Calibri" panose="020F0502020204030204" pitchFamily="34" charset="0"/>
+                <a:cs typeface="Calibri" panose="020F0502020204030204" pitchFamily="34" charset="0"/>
+              </a:rPr>
+              <a:t>vấn</a:t>
+            </a:r>
+            <a:r>
+              <a:rPr lang="en-US" sz="4400" dirty="0">
+                <a:latin typeface="Calibri" panose="020F0502020204030204" pitchFamily="34" charset="0"/>
+                <a:cs typeface="Calibri" panose="020F0502020204030204" pitchFamily="34" charset="0"/>
+              </a:rPr>
+              <a:t> </a:t>
+            </a:r>
+            <a:r>
+              <a:rPr lang="en-US" sz="4400" dirty="0" err="1">
+                <a:latin typeface="Calibri" panose="020F0502020204030204" pitchFamily="34" charset="0"/>
+                <a:cs typeface="Calibri" panose="020F0502020204030204" pitchFamily="34" charset="0"/>
+              </a:rPr>
+              <a:t>đề</a:t>
+            </a:r>
+            <a:endParaRPr lang="en-US" sz="4400" dirty="0">
+              <a:latin typeface="Calibri" panose="020F0502020204030204" pitchFamily="34" charset="0"/>
+              <a:cs typeface="Calibri" panose="020F0502020204030204" pitchFamily="34" charset="0"/>
+            </a:endParaRPr>
+          </a:p>
+        </p:txBody>
+      </p:sp>
+      <p:sp>
+        <p:nvSpPr>
+          <p:cNvPr id="2" name="Rectangle 1"/>
+          <p:cNvSpPr/>
+          <p:nvPr/>
+        </p:nvSpPr>
+        <p:spPr>
+          <a:xfrm>
+            <a:off x="110067" y="67733"/>
+            <a:ext cx="8805333" cy="6654800"/>
+          </a:xfrm>
+          <a:prstGeom prst="rect">
+            <a:avLst/>
+          </a:prstGeom>
+          <a:noFill/>
+          <a:ln>
+            <a:solidFill>
+              <a:schemeClr val="tx1"/>
+            </a:solidFill>
+          </a:ln>
+        </p:spPr>
+        <p:style>
+          <a:lnRef idx="2">
+            <a:schemeClr val="accent1">
+              <a:shade val="50000"/>
+            </a:schemeClr>
+          </a:lnRef>
+          <a:fillRef idx="1">
+            <a:schemeClr val="accent1"/>
+          </a:fillRef>
+          <a:effectRef idx="0">
+            <a:schemeClr val="accent1"/>
+          </a:effectRef>
+          <a:fontRef idx="minor">
+            <a:schemeClr val="lt1"/>
+          </a:fontRef>
+        </p:style>
+        <p:txBody>
+          <a:bodyPr rtlCol="0" anchor="ctr"/>
+          <a:lstStyle/>
+          <a:p>
+            <a:pPr algn="ctr"/>
+            <a:endParaRPr lang="en-US"/>
+          </a:p>
+        </p:txBody>
+      </p:sp>
+      <p:sp>
+        <p:nvSpPr>
+          <p:cNvPr id="3" name="Rectangle 2"/>
+          <p:cNvSpPr/>
+          <p:nvPr/>
+        </p:nvSpPr>
+        <p:spPr>
+          <a:xfrm>
+            <a:off x="956734" y="1077421"/>
+            <a:ext cx="6663266" cy="830997"/>
+          </a:xfrm>
+          <a:prstGeom prst="rect">
+            <a:avLst/>
+          </a:prstGeom>
+        </p:spPr>
+        <p:txBody>
+          <a:bodyPr wrap="square">
+            <a:spAutoFit/>
+          </a:bodyPr>
+          <a:lstStyle/>
+          <a:p>
+            <a:pPr marL="285750" lvl="0" indent="-285750">
+              <a:buFont typeface="Arial" panose="020B0604020202020204" pitchFamily="34" charset="0"/>
+              <a:buChar char="•"/>
+            </a:pPr>
+            <a:r>
+              <a:rPr lang="en-US" sz="2400" dirty="0"/>
+              <a:t>Dữ liệu là thành phần quan trọng trong thời đại công nghệ 4.0</a:t>
+            </a:r>
+          </a:p>
+        </p:txBody>
+      </p:sp>
+      <p:sp>
+        <p:nvSpPr>
+          <p:cNvPr id="4" name="Rectangle 3"/>
+          <p:cNvSpPr/>
+          <p:nvPr/>
+        </p:nvSpPr>
+        <p:spPr>
+          <a:xfrm>
+            <a:off x="1114193" y="1987075"/>
+            <a:ext cx="7340600" cy="1569660"/>
+          </a:xfrm>
+          <a:prstGeom prst="rect">
+            <a:avLst/>
+          </a:prstGeom>
+        </p:spPr>
+        <p:txBody>
+          <a:bodyPr wrap="square">
+            <a:spAutoFit/>
+          </a:bodyPr>
+          <a:lstStyle/>
+          <a:p>
+            <a:pPr marL="285750" lvl="0" indent="-285750">
+              <a:buFontTx/>
+              <a:buChar char="-"/>
+            </a:pPr>
+            <a:r>
+              <a:rPr lang="en-US" sz="2400" dirty="0" smtClean="0">
+                <a:latin typeface="Calibri" panose="020F0502020204030204" pitchFamily="34" charset="0"/>
+                <a:cs typeface="Calibri" panose="020F0502020204030204" pitchFamily="34" charset="0"/>
+              </a:rPr>
+              <a:t>Các </a:t>
+            </a:r>
+            <a:r>
+              <a:rPr lang="en-US" sz="2400" dirty="0">
+                <a:latin typeface="Calibri" panose="020F0502020204030204" pitchFamily="34" charset="0"/>
+                <a:cs typeface="Calibri" panose="020F0502020204030204" pitchFamily="34" charset="0"/>
+              </a:rPr>
+              <a:t>ứng dụng FB, Google, tiktok,... Vẫn đang thu thập dữ liệu của người dùng hàng ngày</a:t>
+            </a:r>
+            <a:r>
+              <a:rPr lang="en-US" sz="2400" dirty="0" smtClean="0">
+                <a:latin typeface="Calibri" panose="020F0502020204030204" pitchFamily="34" charset="0"/>
+                <a:cs typeface="Calibri" panose="020F0502020204030204" pitchFamily="34" charset="0"/>
+              </a:rPr>
+              <a:t>.</a:t>
+            </a:r>
+          </a:p>
+          <a:p>
+            <a:pPr marL="285750" lvl="0" indent="-285750">
+              <a:buFontTx/>
+              <a:buChar char="-"/>
+            </a:pPr>
+            <a:r>
+              <a:rPr lang="en-US" sz="2400" dirty="0" smtClean="0">
+                <a:latin typeface="Calibri" panose="020F0502020204030204" pitchFamily="34" charset="0"/>
+                <a:cs typeface="Calibri" panose="020F0502020204030204" pitchFamily="34" charset="0"/>
+              </a:rPr>
+              <a:t>Các </a:t>
+            </a:r>
+            <a:r>
+              <a:rPr lang="en-US" sz="2400" dirty="0" smtClean="0">
+                <a:latin typeface="Calibri" panose="020F0502020204030204" pitchFamily="34" charset="0"/>
+                <a:cs typeface="Calibri" panose="020F0502020204030204" pitchFamily="34" charset="0"/>
+              </a:rPr>
+              <a:t>cuộc tấn công </a:t>
+            </a:r>
+            <a:r>
+              <a:rPr lang="en-US" sz="2400" dirty="0" smtClean="0">
+                <a:latin typeface="Calibri" panose="020F0502020204030204" pitchFamily="34" charset="0"/>
+                <a:cs typeface="Calibri" panose="020F0502020204030204" pitchFamily="34" charset="0"/>
+              </a:rPr>
+              <a:t>apt để </a:t>
+            </a:r>
+            <a:r>
+              <a:rPr lang="en-US" sz="2400" dirty="0" smtClean="0">
+                <a:latin typeface="Calibri" panose="020F0502020204030204" pitchFamily="34" charset="0"/>
+                <a:cs typeface="Calibri" panose="020F0502020204030204" pitchFamily="34" charset="0"/>
+              </a:rPr>
+              <a:t>thu thập thông tin quan trọng</a:t>
+            </a:r>
+            <a:r>
+              <a:rPr lang="en-US" sz="2400" dirty="0" smtClean="0">
+                <a:latin typeface="Calibri" panose="020F0502020204030204" pitchFamily="34" charset="0"/>
+                <a:cs typeface="Calibri" panose="020F0502020204030204" pitchFamily="34" charset="0"/>
+              </a:rPr>
+              <a:t>.</a:t>
+            </a:r>
+            <a:endParaRPr lang="en-US" sz="2400" dirty="0">
+              <a:latin typeface="Calibri" panose="020F0502020204030204" pitchFamily="34" charset="0"/>
+              <a:cs typeface="Calibri" panose="020F0502020204030204" pitchFamily="34" charset="0"/>
+            </a:endParaRPr>
+          </a:p>
+        </p:txBody>
+      </p:sp>
+      <p:sp>
+        <p:nvSpPr>
+          <p:cNvPr id="7" name="Rectangle 6"/>
+          <p:cNvSpPr/>
+          <p:nvPr/>
+        </p:nvSpPr>
+        <p:spPr>
+          <a:xfrm>
+            <a:off x="956734" y="4056102"/>
+            <a:ext cx="6663266" cy="2308324"/>
+          </a:xfrm>
+          <a:prstGeom prst="rect">
+            <a:avLst/>
+          </a:prstGeom>
+        </p:spPr>
+        <p:txBody>
+          <a:bodyPr wrap="square">
+            <a:spAutoFit/>
+          </a:bodyPr>
+          <a:lstStyle/>
+          <a:p>
+            <a:pPr marL="285750" lvl="0" indent="-285750">
+              <a:buFont typeface="Arial" panose="020B0604020202020204" pitchFamily="34" charset="0"/>
+              <a:buChar char="•"/>
+            </a:pPr>
+            <a:r>
+              <a:rPr lang="en-US" sz="2400" dirty="0" smtClean="0">
+                <a:latin typeface="Calibri" panose="020F0502020204030204" pitchFamily="34" charset="0"/>
+                <a:cs typeface="Calibri" panose="020F0502020204030204" pitchFamily="34" charset="0"/>
+              </a:rPr>
+              <a:t>Khi kẻ tấn công có khả năng truy cập vào hệ thống, kẻ tấn công sẽ </a:t>
+            </a:r>
+            <a:r>
+              <a:rPr lang="en-US" sz="2400" dirty="0" smtClean="0">
+                <a:latin typeface="Calibri" panose="020F0502020204030204" pitchFamily="34" charset="0"/>
+                <a:cs typeface="Calibri" panose="020F0502020204030204" pitchFamily="34" charset="0"/>
+              </a:rPr>
+              <a:t>tìm </a:t>
+            </a:r>
+            <a:r>
+              <a:rPr lang="en-US" sz="2400" dirty="0" smtClean="0">
+                <a:latin typeface="Calibri" panose="020F0502020204030204" pitchFamily="34" charset="0"/>
+                <a:cs typeface="Calibri" panose="020F0502020204030204" pitchFamily="34" charset="0"/>
+              </a:rPr>
+              <a:t>mọi cách để truyền dữ liệu ra ngoài.</a:t>
+            </a:r>
+            <a:endParaRPr lang="en-US" sz="2400" dirty="0">
+              <a:latin typeface="Calibri" panose="020F0502020204030204" pitchFamily="34" charset="0"/>
+              <a:cs typeface="Calibri" panose="020F0502020204030204" pitchFamily="34" charset="0"/>
+            </a:endParaRPr>
+          </a:p>
+          <a:p>
+            <a:pPr marL="285750" lvl="0" indent="-285750">
+              <a:buFont typeface="Arial" panose="020B0604020202020204" pitchFamily="34" charset="0"/>
+              <a:buChar char="•"/>
+            </a:pPr>
+            <a:r>
+              <a:rPr lang="en-US" sz="2400" dirty="0" smtClean="0">
+                <a:latin typeface="Calibri" panose="020F0502020204030204" pitchFamily="34" charset="0"/>
+                <a:cs typeface="Calibri" panose="020F0502020204030204" pitchFamily="34" charset="0"/>
+              </a:rPr>
+              <a:t>NTP là giao thức có nguy cơ sẽ được sử kẻ tấn công sử dụng để tạo một đường hầm dữ liệu ra </a:t>
+            </a:r>
+            <a:r>
+              <a:rPr lang="en-US" sz="2400" dirty="0" smtClean="0">
+                <a:latin typeface="Calibri" panose="020F0502020204030204" pitchFamily="34" charset="0"/>
+                <a:cs typeface="Calibri" panose="020F0502020204030204" pitchFamily="34" charset="0"/>
+              </a:rPr>
+              <a:t>ngoài.</a:t>
+            </a:r>
+            <a:endParaRPr lang="en-US" sz="2400" dirty="0" smtClean="0">
+              <a:latin typeface="Calibri" panose="020F0502020204030204" pitchFamily="34" charset="0"/>
+              <a:cs typeface="Calibri" panose="020F0502020204030204" pitchFamily="34" charset="0"/>
+            </a:endParaRPr>
+          </a:p>
+        </p:txBody>
+      </p:sp>
+    </p:spTree>
+    <p:extLst>
+      <p:ext uri="{BB962C8B-B14F-4D97-AF65-F5344CB8AC3E}">
+        <p14:creationId xmlns:p14="http://schemas.microsoft.com/office/powerpoint/2010/main" val="1115195011"/>
+      </p:ext>
+    </p:extLst>
+  </p:cSld>
+  <p:clrMapOvr>
+    <a:masterClrMapping/>
+  </p:clrMapOvr>
+  <p:transition>
+    <p:push dir="u"/>
+  </p:transition>
+  <p:timing>
+    <p:tnLst>
+      <p:par>
+        <p:cTn id="1" dur="indefinite" restart="never" nodeType="tmRoot"/>
+      </p:par>
+    </p:tnLst>
+  </p:timing>
+</p:sld>
+</file>
+
+<file path=ppt/slides/slide4.xml><?xml version="1.0" encoding="utf-8"?>
+<p:sld xmlns:a="http://schemas.openxmlformats.org/drawingml/2006/main" xmlns:r="http://schemas.openxmlformats.org/officeDocument/2006/relationships" xmlns:p="http://schemas.openxmlformats.org/presentationml/2006/main" showMasterSp="0">
+  <p:cSld>
+    <p:bg>
+      <p:bgPr>
+        <a:blipFill dpi="0" rotWithShape="1">
+          <a:blip r:embed="rId3">
+            <a:lum/>
+          </a:blip>
+          <a:srcRect/>
+          <a:stretch>
+            <a:fillRect/>
+          </a:stretch>
+        </a:blipFill>
+        <a:effectLst/>
+      </p:bgPr>
+    </p:bg>
+    <p:spTree>
+      <p:nvGrpSpPr>
+        <p:cNvPr id="1" name=""/>
+        <p:cNvGrpSpPr/>
+        <p:nvPr/>
+      </p:nvGrpSpPr>
+      <p:grpSpPr>
+        <a:xfrm>
+          <a:off x="0" y="0"/>
+          <a:ext cx="0" cy="0"/>
+          <a:chOff x="0" y="0"/>
+          <a:chExt cx="0" cy="0"/>
+        </a:xfrm>
+      </p:grpSpPr>
       <p:sp>
         <p:nvSpPr>
           <p:cNvPr id="2" name="Rectangle 1"/>
@@ -18298,6 +19499,36 @@
           </a:p>
         </p:txBody>
       </p:sp>
+      <p:pic>
+        <p:nvPicPr>
+          <p:cNvPr id="3" name="Picture 2"/>
+          <p:cNvPicPr>
+            <a:picLocks noChangeAspect="1"/>
+          </p:cNvPicPr>
+          <p:nvPr/>
+        </p:nvPicPr>
+        <p:blipFill>
+          <a:blip r:embed="rId4">
+            <a:extLst>
+              <a:ext uri="{28A0092B-C50C-407E-A947-70E740481C1C}">
+                <a14:useLocalDpi xmlns:a14="http://schemas.microsoft.com/office/drawing/2010/main" val="0"/>
+              </a:ext>
+            </a:extLst>
+          </a:blip>
+          <a:stretch>
+            <a:fillRect/>
+          </a:stretch>
+        </p:blipFill>
+        <p:spPr>
+          <a:xfrm>
+            <a:off x="613830" y="1000078"/>
+            <a:ext cx="8119538" cy="4866310"/>
+          </a:xfrm>
+          <a:prstGeom prst="rect">
+            <a:avLst/>
+          </a:prstGeom>
+        </p:spPr>
+      </p:pic>
     </p:spTree>
     <p:extLst>
       <p:ext uri="{BB962C8B-B14F-4D97-AF65-F5344CB8AC3E}">
@@ -18308,355 +19539,14 @@
   <p:clrMapOvr>
     <a:masterClrMapping/>
   </p:clrMapOvr>
-  <p:transition spd="slow">
-    <p:push dir="u"/>
-  </p:transition>
-  <p:timing>
-    <p:tnLst>
-      <p:par>
-        <p:cTn id="1" dur="indefinite" restart="never" nodeType="tmRoot"/>
-      </p:par>
-    </p:tnLst>
-  </p:timing>
-</p:sld>
-</file>
-
-<file path=ppt/slides/slide4.xml><?xml version="1.0" encoding="utf-8"?>
-<p:sld xmlns:a="http://schemas.openxmlformats.org/drawingml/2006/main" xmlns:r="http://schemas.openxmlformats.org/officeDocument/2006/relationships" xmlns:p="http://schemas.openxmlformats.org/presentationml/2006/main" showMasterSp="0">
-  <p:cSld>
-    <p:bg>
-      <p:bgPr>
-        <a:blipFill dpi="0" rotWithShape="1">
-          <a:blip r:embed="rId2">
-            <a:lum/>
-          </a:blip>
-          <a:srcRect/>
-          <a:stretch>
-            <a:fillRect/>
-          </a:stretch>
-        </a:blipFill>
-        <a:effectLst/>
-      </p:bgPr>
-    </p:bg>
-    <p:spTree>
-      <p:nvGrpSpPr>
-        <p:cNvPr id="1" name=""/>
-        <p:cNvGrpSpPr/>
-        <p:nvPr/>
-      </p:nvGrpSpPr>
-      <p:grpSpPr>
-        <a:xfrm>
-          <a:off x="0" y="0"/>
-          <a:ext cx="0" cy="0"/>
-          <a:chOff x="0" y="0"/>
-          <a:chExt cx="0" cy="0"/>
-        </a:xfrm>
-      </p:grpSpPr>
-      <p:graphicFrame>
-        <p:nvGraphicFramePr>
-          <p:cNvPr id="4" name="Content Placeholder 3"/>
-          <p:cNvGraphicFramePr>
-            <a:graphicFrameLocks noGrp="1"/>
-          </p:cNvGraphicFramePr>
-          <p:nvPr>
-            <p:ph idx="1"/>
-            <p:extLst>
-              <p:ext uri="{D42A27DB-BD31-4B8C-83A1-F6EECF244321}">
-                <p14:modId xmlns:p14="http://schemas.microsoft.com/office/powerpoint/2010/main" val="629114932"/>
-              </p:ext>
-            </p:extLst>
-          </p:nvPr>
-        </p:nvGraphicFramePr>
-        <p:xfrm>
-          <a:off x="27516" y="613567"/>
-          <a:ext cx="8392583" cy="5605463"/>
-        </p:xfrm>
-        <a:graphic>
-          <a:graphicData uri="http://schemas.openxmlformats.org/drawingml/2006/diagram">
-            <dgm:relIds xmlns:dgm="http://schemas.openxmlformats.org/drawingml/2006/diagram" xmlns:r="http://schemas.openxmlformats.org/officeDocument/2006/relationships" r:dm="rId3" r:lo="rId4" r:qs="rId5" r:cs="rId6"/>
-          </a:graphicData>
-        </a:graphic>
-      </p:graphicFrame>
-      <p:sp>
-        <p:nvSpPr>
-          <p:cNvPr id="5" name="Flowchart: Connector 4"/>
-          <p:cNvSpPr/>
-          <p:nvPr/>
-        </p:nvSpPr>
-        <p:spPr>
-          <a:xfrm>
-            <a:off x="230450" y="1071373"/>
-            <a:ext cx="866775" cy="821531"/>
-          </a:xfrm>
-          <a:prstGeom prst="flowChartConnector">
-            <a:avLst/>
-          </a:prstGeom>
-          <a:noFill/>
-        </p:spPr>
-        <p:style>
-          <a:lnRef idx="2">
-            <a:schemeClr val="accent1">
-              <a:shade val="50000"/>
-            </a:schemeClr>
-          </a:lnRef>
-          <a:fillRef idx="1">
-            <a:schemeClr val="accent1"/>
-          </a:fillRef>
-          <a:effectRef idx="0">
-            <a:schemeClr val="accent1"/>
-          </a:effectRef>
-          <a:fontRef idx="minor">
-            <a:schemeClr val="lt1"/>
-          </a:fontRef>
-        </p:style>
-        <p:txBody>
-          <a:bodyPr rtlCol="0" anchor="ctr"/>
-          <a:lstStyle/>
-          <a:p>
-            <a:pPr algn="ctr"/>
-            <a:r>
-              <a:rPr lang="en-US" sz="3000" b="1" dirty="0">
-                <a:solidFill>
-                  <a:schemeClr val="tx1"/>
-                </a:solidFill>
-                <a:latin typeface="Calibri" panose="020F0502020204030204" pitchFamily="34" charset="0"/>
-                <a:cs typeface="Calibri" panose="020F0502020204030204" pitchFamily="34" charset="0"/>
-              </a:rPr>
-              <a:t>I</a:t>
-            </a:r>
-          </a:p>
-        </p:txBody>
-      </p:sp>
-      <p:sp>
-        <p:nvSpPr>
-          <p:cNvPr id="6" name="Flowchart: Connector 5"/>
-          <p:cNvSpPr/>
-          <p:nvPr/>
-        </p:nvSpPr>
-        <p:spPr>
-          <a:xfrm>
-            <a:off x="725358" y="2350710"/>
-            <a:ext cx="866775" cy="828674"/>
-          </a:xfrm>
-          <a:prstGeom prst="flowChartConnector">
-            <a:avLst/>
-          </a:prstGeom>
-          <a:noFill/>
-        </p:spPr>
-        <p:style>
-          <a:lnRef idx="2">
-            <a:schemeClr val="accent1">
-              <a:shade val="50000"/>
-            </a:schemeClr>
-          </a:lnRef>
-          <a:fillRef idx="1">
-            <a:schemeClr val="accent1"/>
-          </a:fillRef>
-          <a:effectRef idx="0">
-            <a:schemeClr val="accent1"/>
-          </a:effectRef>
-          <a:fontRef idx="minor">
-            <a:schemeClr val="lt1"/>
-          </a:fontRef>
-        </p:style>
-        <p:txBody>
-          <a:bodyPr rtlCol="0" anchor="ctr"/>
-          <a:lstStyle/>
-          <a:p>
-            <a:pPr algn="ctr"/>
-            <a:r>
-              <a:rPr lang="en-US" sz="3000" b="1" dirty="0" smtClean="0">
-                <a:solidFill>
-                  <a:schemeClr val="tx1"/>
-                </a:solidFill>
-                <a:latin typeface="Calibri" panose="020F0502020204030204" pitchFamily="34" charset="0"/>
-                <a:cs typeface="Calibri" panose="020F0502020204030204" pitchFamily="34" charset="0"/>
-              </a:rPr>
-              <a:t>II</a:t>
-            </a:r>
-            <a:endParaRPr lang="en-US" sz="3000" b="1" dirty="0">
-              <a:solidFill>
-                <a:schemeClr val="tx1"/>
-              </a:solidFill>
-              <a:latin typeface="Calibri" panose="020F0502020204030204" pitchFamily="34" charset="0"/>
-              <a:cs typeface="Calibri" panose="020F0502020204030204" pitchFamily="34" charset="0"/>
-            </a:endParaRPr>
-          </a:p>
-        </p:txBody>
-      </p:sp>
-      <p:sp>
-        <p:nvSpPr>
-          <p:cNvPr id="8" name="Rectangle 7"/>
-          <p:cNvSpPr/>
-          <p:nvPr/>
-        </p:nvSpPr>
-        <p:spPr>
-          <a:xfrm>
-            <a:off x="110067" y="110067"/>
-            <a:ext cx="8873066" cy="6612466"/>
-          </a:xfrm>
-          <a:prstGeom prst="rect">
-            <a:avLst/>
-          </a:prstGeom>
-          <a:noFill/>
-          <a:ln>
-            <a:solidFill>
-              <a:schemeClr val="tx1"/>
-            </a:solidFill>
-          </a:ln>
-        </p:spPr>
-        <p:style>
-          <a:lnRef idx="2">
-            <a:schemeClr val="accent1">
-              <a:shade val="50000"/>
-            </a:schemeClr>
-          </a:lnRef>
-          <a:fillRef idx="1">
-            <a:schemeClr val="accent1"/>
-          </a:fillRef>
-          <a:effectRef idx="0">
-            <a:schemeClr val="accent1"/>
-          </a:effectRef>
-          <a:fontRef idx="minor">
-            <a:schemeClr val="lt1"/>
-          </a:fontRef>
-        </p:style>
-        <p:txBody>
-          <a:bodyPr rtlCol="0" anchor="ctr"/>
-          <a:lstStyle/>
-          <a:p>
-            <a:pPr algn="ctr"/>
-            <a:endParaRPr lang="en-US"/>
-          </a:p>
-        </p:txBody>
-      </p:sp>
-      <p:sp>
-        <p:nvSpPr>
-          <p:cNvPr id="9" name="Flowchart: Connector 8"/>
-          <p:cNvSpPr/>
-          <p:nvPr/>
-        </p:nvSpPr>
-        <p:spPr>
-          <a:xfrm>
-            <a:off x="725357" y="3736328"/>
-            <a:ext cx="866776" cy="838201"/>
-          </a:xfrm>
-          <a:prstGeom prst="flowChartConnector">
-            <a:avLst/>
-          </a:prstGeom>
-          <a:noFill/>
-        </p:spPr>
-        <p:style>
-          <a:lnRef idx="2">
-            <a:schemeClr val="accent1">
-              <a:shade val="50000"/>
-            </a:schemeClr>
-          </a:lnRef>
-          <a:fillRef idx="1">
-            <a:schemeClr val="accent1"/>
-          </a:fillRef>
-          <a:effectRef idx="0">
-            <a:schemeClr val="accent1"/>
-          </a:effectRef>
-          <a:fontRef idx="minor">
-            <a:schemeClr val="lt1"/>
-          </a:fontRef>
-        </p:style>
-        <p:txBody>
-          <a:bodyPr rtlCol="0" anchor="ctr"/>
-          <a:lstStyle/>
-          <a:p>
-            <a:pPr algn="ctr"/>
-            <a:r>
-              <a:rPr lang="en-US" sz="3000" b="1" dirty="0" smtClean="0">
-                <a:solidFill>
-                  <a:schemeClr val="tx1"/>
-                </a:solidFill>
-                <a:latin typeface="Calibri" panose="020F0502020204030204" pitchFamily="34" charset="0"/>
-                <a:cs typeface="Calibri" panose="020F0502020204030204" pitchFamily="34" charset="0"/>
-              </a:rPr>
-              <a:t>III</a:t>
-            </a:r>
-            <a:endParaRPr lang="en-US" sz="3000" b="1" dirty="0">
-              <a:solidFill>
-                <a:schemeClr val="tx1"/>
-              </a:solidFill>
-              <a:latin typeface="Calibri" panose="020F0502020204030204" pitchFamily="34" charset="0"/>
-              <a:cs typeface="Calibri" panose="020F0502020204030204" pitchFamily="34" charset="0"/>
-            </a:endParaRPr>
-          </a:p>
-        </p:txBody>
-      </p:sp>
-      <p:sp>
-        <p:nvSpPr>
-          <p:cNvPr id="10" name="Flowchart: Connector 9"/>
-          <p:cNvSpPr/>
-          <p:nvPr/>
-        </p:nvSpPr>
-        <p:spPr>
-          <a:xfrm>
-            <a:off x="230449" y="4916527"/>
-            <a:ext cx="866776" cy="838201"/>
-          </a:xfrm>
-          <a:prstGeom prst="flowChartConnector">
-            <a:avLst/>
-          </a:prstGeom>
-          <a:noFill/>
-        </p:spPr>
-        <p:style>
-          <a:lnRef idx="2">
-            <a:schemeClr val="accent1">
-              <a:shade val="50000"/>
-            </a:schemeClr>
-          </a:lnRef>
-          <a:fillRef idx="1">
-            <a:schemeClr val="accent1"/>
-          </a:fillRef>
-          <a:effectRef idx="0">
-            <a:schemeClr val="accent1"/>
-          </a:effectRef>
-          <a:fontRef idx="minor">
-            <a:schemeClr val="lt1"/>
-          </a:fontRef>
-        </p:style>
-        <p:txBody>
-          <a:bodyPr rtlCol="0" anchor="ctr"/>
-          <a:lstStyle/>
-          <a:p>
-            <a:pPr algn="ctr"/>
-            <a:r>
-              <a:rPr lang="en-US" sz="3000" b="1" dirty="0" smtClean="0">
-                <a:solidFill>
-                  <a:schemeClr val="tx1"/>
-                </a:solidFill>
-                <a:latin typeface="Calibri" panose="020F0502020204030204" pitchFamily="34" charset="0"/>
-                <a:cs typeface="Calibri" panose="020F0502020204030204" pitchFamily="34" charset="0"/>
-              </a:rPr>
-              <a:t>IV</a:t>
-            </a:r>
-            <a:endParaRPr lang="en-US" sz="3000" b="1" dirty="0">
-              <a:solidFill>
-                <a:schemeClr val="tx1"/>
-              </a:solidFill>
-              <a:latin typeface="Calibri" panose="020F0502020204030204" pitchFamily="34" charset="0"/>
-              <a:cs typeface="Calibri" panose="020F0502020204030204" pitchFamily="34" charset="0"/>
-            </a:endParaRPr>
-          </a:p>
-        </p:txBody>
-      </p:sp>
-    </p:spTree>
-    <p:extLst>
-      <p:ext uri="{BB962C8B-B14F-4D97-AF65-F5344CB8AC3E}">
-        <p14:creationId xmlns:p14="http://schemas.microsoft.com/office/powerpoint/2010/main" val="1028870597"/>
-      </p:ext>
-    </p:extLst>
-  </p:cSld>
-  <p:clrMapOvr>
-    <a:masterClrMapping/>
-  </p:clrMapOvr>
-  <p:transition spd="slow">
-    <p:wipe/>
-  </p:transition>
+  <mc:AlternateContent xmlns:mc="http://schemas.openxmlformats.org/markup-compatibility/2006" xmlns:p14="http://schemas.microsoft.com/office/powerpoint/2010/main">
+    <mc:Choice Requires="p14">
+      <p:transition spd="slow" p14:dur="2000"/>
+    </mc:Choice>
+    <mc:Fallback xmlns="">
+      <p:transition spd="slow"/>
+    </mc:Fallback>
+  </mc:AlternateContent>
   <p:timing>
     <p:tnLst>
       <p:par>
@@ -18673,7 +19563,7 @@
     <p:bg>
       <p:bgPr>
         <a:blipFill dpi="0" rotWithShape="1">
-          <a:blip r:embed="rId2">
+          <a:blip r:embed="rId3">
             <a:lum/>
           </a:blip>
           <a:srcRect/>
@@ -18848,7 +19738,7 @@
           <p:nvPr/>
         </p:nvPicPr>
         <p:blipFill>
-          <a:blip r:embed="rId3" cstate="print">
+          <a:blip r:embed="rId4" cstate="print">
             <a:extLst>
               <a:ext uri="{28A0092B-C50C-407E-A947-70E740481C1C}">
                 <a14:useLocalDpi xmlns:a14="http://schemas.microsoft.com/office/drawing/2010/main" val="0"/>
@@ -18927,14 +19817,10 @@
   </p:clrMapOvr>
   <mc:AlternateContent xmlns:mc="http://schemas.openxmlformats.org/markup-compatibility/2006" xmlns:p14="http://schemas.microsoft.com/office/powerpoint/2010/main">
     <mc:Choice Requires="p14">
-      <p:transition spd="slow" p14:dur="1500">
-        <p:split orient="vert"/>
-      </p:transition>
+      <p:transition spd="slow" p14:dur="2000"/>
     </mc:Choice>
     <mc:Fallback xmlns="">
-      <p:transition spd="slow">
-        <p:split orient="vert"/>
-      </p:transition>
+      <p:transition spd="slow"/>
     </mc:Fallback>
   </mc:AlternateContent>
   <p:timing>
@@ -19147,9 +20033,6 @@
   <p:clrMapOvr>
     <a:masterClrMapping/>
   </p:clrMapOvr>
-  <p:transition spd="slow">
-    <p:push dir="u"/>
-  </p:transition>
   <p:timing>
     <p:tnLst>
       <p:par>
@@ -19166,7 +20049,7 @@
     <p:bg>
       <p:bgPr>
         <a:blipFill dpi="0" rotWithShape="1">
-          <a:blip r:embed="rId2">
+          <a:blip r:embed="rId3">
             <a:lum/>
           </a:blip>
           <a:srcRect/>
@@ -19471,7 +20354,7 @@
           <p:nvPr/>
         </p:nvPicPr>
         <p:blipFill>
-          <a:blip r:embed="rId3">
+          <a:blip r:embed="rId4">
             <a:extLst>
               <a:ext uri="{28A0092B-C50C-407E-A947-70E740481C1C}">
                 <a14:useLocalDpi xmlns:a14="http://schemas.microsoft.com/office/drawing/2010/main" val="0"/>
@@ -19552,9 +20435,6 @@
   <p:clrMapOvr>
     <a:masterClrMapping/>
   </p:clrMapOvr>
-  <p:transition spd="slow">
-    <p:push dir="u"/>
-  </p:transition>
   <p:timing>
     <p:tnLst>
       <p:par>
@@ -19642,36 +20522,6 @@
           </a:p>
         </p:txBody>
       </p:sp>
-      <p:pic>
-        <p:nvPicPr>
-          <p:cNvPr id="8" name="Picture 7"/>
-          <p:cNvPicPr>
-            <a:picLocks noChangeAspect="1"/>
-          </p:cNvPicPr>
-          <p:nvPr/>
-        </p:nvPicPr>
-        <p:blipFill>
-          <a:blip r:embed="rId4">
-            <a:extLst>
-              <a:ext uri="{28A0092B-C50C-407E-A947-70E740481C1C}">
-                <a14:useLocalDpi xmlns:a14="http://schemas.microsoft.com/office/drawing/2010/main" val="0"/>
-              </a:ext>
-            </a:extLst>
-          </a:blip>
-          <a:stretch>
-            <a:fillRect/>
-          </a:stretch>
-        </p:blipFill>
-        <p:spPr>
-          <a:xfrm>
-            <a:off x="110067" y="521304"/>
-            <a:ext cx="8321239" cy="6201228"/>
-          </a:xfrm>
-          <a:prstGeom prst="rect">
-            <a:avLst/>
-          </a:prstGeom>
-        </p:spPr>
-      </p:pic>
       <p:sp>
         <p:nvSpPr>
           <p:cNvPr id="3" name="Rectangle 2"/>
@@ -19681,7 +20531,7 @@
         <p:spPr>
           <a:xfrm>
             <a:off x="297080" y="1321431"/>
-            <a:ext cx="5532220" cy="2677656"/>
+            <a:ext cx="5532220" cy="2308324"/>
           </a:xfrm>
           <a:prstGeom prst="rect">
             <a:avLst/>
@@ -19696,14 +20546,22 @@
             <a:pPr algn="just"/>
             <a:r>
               <a:rPr lang="en-US" sz="2400" dirty="0">
+                <a:latin typeface="Calibri" panose="020F0502020204030204" pitchFamily="34" charset="0"/>
+                <a:ea typeface="Calibri" panose="020F0502020204030204" pitchFamily="34" charset="0"/>
+                <a:cs typeface="Calibri" panose="020F0502020204030204" pitchFamily="34" charset="0"/>
+              </a:rPr>
+              <a:t>Giao thức NTP </a:t>
+            </a:r>
+            <a:r>
+              <a:rPr lang="en-US" sz="2400" dirty="0" smtClean="0">
                 <a:solidFill>
-                  <a:srgbClr val="FF0000"/>
+                  <a:srgbClr val="000000"/>
                 </a:solidFill>
                 <a:latin typeface="Calibri" panose="020F0502020204030204" pitchFamily="34" charset="0"/>
                 <a:ea typeface="Calibri" panose="020F0502020204030204" pitchFamily="34" charset="0"/>
                 <a:cs typeface="Calibri" panose="020F0502020204030204" pitchFamily="34" charset="0"/>
               </a:rPr>
-              <a:t>Giao thức NTP </a:t>
+              <a:t>là </a:t>
             </a:r>
             <a:r>
               <a:rPr lang="en-US" sz="2400" dirty="0">
@@ -19714,7 +20572,7 @@
                 <a:ea typeface="Calibri" panose="020F0502020204030204" pitchFamily="34" charset="0"/>
                 <a:cs typeface="Calibri" panose="020F0502020204030204" pitchFamily="34" charset="0"/>
               </a:rPr>
-              <a:t>(Network Time Protocol) là một giao thức để đồng bộ đồng hồ của các hệ thống máy tính thông qua mạng dữ liệu chuyển mạch gói với độ trễ biến đổi. Giao thức này được thiết kế để tránh ảnh hưởng của độ trễ biến đổi bằng cách sử dụng bộ đệm jitter. </a:t>
+              <a:t>một giao thức để đồng bộ đồng hồ của các hệ thống máy tính thông qua mạng dữ liệu chuyển mạch gói với độ trễ biến đổi. Giao thức này được thiết kế để tránh ảnh hưởng của độ trễ biến đổi bằng cách sử dụng bộ đệm jitter. </a:t>
             </a:r>
             <a:endParaRPr lang="en-US" sz="2400" dirty="0">
               <a:latin typeface="Calibri" panose="020F0502020204030204" pitchFamily="34" charset="0"/>
@@ -19733,7 +20591,7 @@
         </p:nvSpPr>
         <p:spPr>
           <a:xfrm>
-            <a:off x="110067" y="506377"/>
+            <a:off x="186267" y="312392"/>
             <a:ext cx="7748246" cy="596918"/>
           </a:xfrm>
           <a:prstGeom prst="rect">
@@ -19829,6 +20687,36 @@
           </a:p>
         </p:txBody>
       </p:sp>
+      <p:pic>
+        <p:nvPicPr>
+          <p:cNvPr id="4" name="Picture 3"/>
+          <p:cNvPicPr>
+            <a:picLocks noChangeAspect="1"/>
+          </p:cNvPicPr>
+          <p:nvPr/>
+        </p:nvPicPr>
+        <p:blipFill>
+          <a:blip r:embed="rId4">
+            <a:extLst>
+              <a:ext uri="{28A0092B-C50C-407E-A947-70E740481C1C}">
+                <a14:useLocalDpi xmlns:a14="http://schemas.microsoft.com/office/drawing/2010/main" val="0"/>
+              </a:ext>
+            </a:extLst>
+          </a:blip>
+          <a:stretch>
+            <a:fillRect/>
+          </a:stretch>
+        </p:blipFill>
+        <p:spPr>
+          <a:xfrm>
+            <a:off x="4678167" y="3809671"/>
+            <a:ext cx="4465833" cy="2732945"/>
+          </a:xfrm>
+          <a:prstGeom prst="rect">
+            <a:avLst/>
+          </a:prstGeom>
+        </p:spPr>
+      </p:pic>
     </p:spTree>
     <p:extLst>
       <p:ext uri="{BB962C8B-B14F-4D97-AF65-F5344CB8AC3E}">
@@ -19839,9 +20727,6 @@
   <p:clrMapOvr>
     <a:masterClrMapping/>
   </p:clrMapOvr>
-  <p:transition spd="slow">
-    <p:push dir="u"/>
-  </p:transition>
   <p:timing>
     <p:tnLst>
       <p:par>
@@ -20078,9 +20963,14 @@
   <p:clrMapOvr>
     <a:masterClrMapping/>
   </p:clrMapOvr>
-  <p:transition spd="slow">
-    <p:push dir="u"/>
-  </p:transition>
+  <mc:AlternateContent xmlns:mc="http://schemas.openxmlformats.org/markup-compatibility/2006" xmlns:p14="http://schemas.microsoft.com/office/powerpoint/2010/main">
+    <mc:Choice Requires="p14">
+      <p:transition spd="slow" p14:dur="2000"/>
+    </mc:Choice>
+    <mc:Fallback xmlns="">
+      <p:transition spd="slow"/>
+    </mc:Fallback>
+  </mc:AlternateContent>
   <p:timing>
     <p:tnLst>
       <p:par>
